--- a/02-Container-and-Provisioning/ContainerProvisioning.pptx
+++ b/02-Container-and-Provisioning/ContainerProvisioning.pptx
@@ -5,10 +5,15 @@
     <p:sldMasterId id="2147483672" r:id="rId1"/>
   </p:sldMasterIdLst>
   <p:notesMasterIdLst>
-    <p:notesMasterId r:id="rId3"/>
+    <p:notesMasterId r:id="rId8"/>
   </p:notesMasterIdLst>
   <p:sldIdLst>
     <p:sldId id="256" r:id="rId2"/>
+    <p:sldId id="257" r:id="rId3"/>
+    <p:sldId id="258" r:id="rId4"/>
+    <p:sldId id="259" r:id="rId5"/>
+    <p:sldId id="260" r:id="rId6"/>
+    <p:sldId id="263" r:id="rId7"/>
   </p:sldIdLst>
   <p:sldSz cx="9144000" cy="6858000" type="screen4x3"/>
   <p:notesSz cx="6858000" cy="9144000"/>
@@ -113,6 +118,11 @@
         <p14:section name="Einführung" id="{522070F0-4B4C-6E48-BF0C-7DB873EDEEBF}">
           <p14:sldIdLst>
             <p14:sldId id="256"/>
+            <p14:sldId id="257"/>
+            <p14:sldId id="258"/>
+            <p14:sldId id="259"/>
+            <p14:sldId id="260"/>
+            <p14:sldId id="263"/>
           </p14:sldIdLst>
         </p14:section>
       </p14:sectionLst>
@@ -2787,6 +2797,3885 @@
     <a:masterClrMapping/>
   </p:clrMapOvr>
 </p:sld>
+</file>
+
+<file path=ppt/slides/slide2.xml><?xml version="1.0" encoding="utf-8"?>
+<p:sld xmlns:a="http://schemas.openxmlformats.org/drawingml/2006/main" xmlns:r="http://schemas.openxmlformats.org/officeDocument/2006/relationships" xmlns:p="http://schemas.openxmlformats.org/presentationml/2006/main">
+  <p:cSld>
+    <p:spTree>
+      <p:nvGrpSpPr>
+        <p:cNvPr id="1" name=""/>
+        <p:cNvGrpSpPr/>
+        <p:nvPr/>
+      </p:nvGrpSpPr>
+      <p:grpSpPr>
+        <a:xfrm>
+          <a:off x="0" y="0"/>
+          <a:ext cx="0" cy="0"/>
+          <a:chOff x="0" y="0"/>
+          <a:chExt cx="0" cy="0"/>
+        </a:xfrm>
+      </p:grpSpPr>
+      <p:sp>
+        <p:nvSpPr>
+          <p:cNvPr id="4" name="Titel 3">
+            <a:extLst>
+              <a:ext uri="{FF2B5EF4-FFF2-40B4-BE49-F238E27FC236}">
+                <a16:creationId xmlns:a16="http://schemas.microsoft.com/office/drawing/2014/main" id="{AE976A19-7089-442F-B70E-49CE29F767A4}"/>
+              </a:ext>
+            </a:extLst>
+          </p:cNvPr>
+          <p:cNvSpPr>
+            <a:spLocks noGrp="1"/>
+          </p:cNvSpPr>
+          <p:nvPr>
+            <p:ph type="title"/>
+          </p:nvPr>
+        </p:nvSpPr>
+        <p:spPr/>
+        <p:txBody>
+          <a:bodyPr/>
+          <a:lstStyle/>
+          <a:p>
+            <a:r>
+              <a:rPr lang="en-US" dirty="0"/>
+              <a:t>Agenda</a:t>
+            </a:r>
+          </a:p>
+        </p:txBody>
+      </p:sp>
+      <p:sp>
+        <p:nvSpPr>
+          <p:cNvPr id="5" name="Inhaltsplatzhalter 4">
+            <a:extLst>
+              <a:ext uri="{FF2B5EF4-FFF2-40B4-BE49-F238E27FC236}">
+                <a16:creationId xmlns:a16="http://schemas.microsoft.com/office/drawing/2014/main" id="{809E681F-A55B-4D0E-A5E3-11FC712089A0}"/>
+              </a:ext>
+            </a:extLst>
+          </p:cNvPr>
+          <p:cNvSpPr>
+            <a:spLocks noGrp="1"/>
+          </p:cNvSpPr>
+          <p:nvPr>
+            <p:ph idx="1"/>
+          </p:nvPr>
+        </p:nvSpPr>
+        <p:spPr/>
+        <p:txBody>
+          <a:bodyPr/>
+          <a:lstStyle/>
+          <a:p>
+            <a:r>
+              <a:rPr lang="de-DE" dirty="0"/>
+              <a:t>Container vs. </a:t>
+            </a:r>
+            <a:r>
+              <a:rPr lang="de-DE" dirty="0" err="1"/>
+              <a:t>virtuali</a:t>
+            </a:r>
+            <a:r>
+              <a:rPr lang="en-US" dirty="0" err="1"/>
+              <a:t>zation</a:t>
+            </a:r>
+            <a:endParaRPr lang="en-US" dirty="0"/>
+          </a:p>
+          <a:p>
+            <a:r>
+              <a:rPr lang="en-US" dirty="0"/>
+              <a:t>Linux containers</a:t>
+            </a:r>
+          </a:p>
+          <a:p>
+            <a:r>
+              <a:rPr lang="en-US" dirty="0"/>
+              <a:t>LXC vs. Docker</a:t>
+            </a:r>
+          </a:p>
+          <a:p>
+            <a:r>
+              <a:rPr lang="en-US" dirty="0"/>
+              <a:t>History of Docker</a:t>
+            </a:r>
+          </a:p>
+          <a:p>
+            <a:r>
+              <a:rPr lang="en-US" dirty="0"/>
+              <a:t>Docker CLI</a:t>
+            </a:r>
+          </a:p>
+          <a:p>
+            <a:r>
+              <a:rPr lang="en-US" dirty="0"/>
+              <a:t>Docker images</a:t>
+            </a:r>
+          </a:p>
+          <a:p>
+            <a:r>
+              <a:rPr lang="en-US" dirty="0" err="1"/>
+              <a:t>Dockerfile</a:t>
+            </a:r>
+            <a:endParaRPr lang="en-US" dirty="0"/>
+          </a:p>
+          <a:p>
+            <a:r>
+              <a:rPr lang="en-US" dirty="0"/>
+              <a:t>Docker-Compose</a:t>
+            </a:r>
+          </a:p>
+        </p:txBody>
+      </p:sp>
+    </p:spTree>
+    <p:extLst>
+      <p:ext uri="{BB962C8B-B14F-4D97-AF65-F5344CB8AC3E}">
+        <p14:creationId xmlns:p14="http://schemas.microsoft.com/office/powerpoint/2010/main" val="1328062920"/>
+      </p:ext>
+    </p:extLst>
+  </p:cSld>
+  <p:clrMapOvr>
+    <a:masterClrMapping/>
+  </p:clrMapOvr>
+</p:sld>
+</file>
+
+<file path=ppt/slides/slide3.xml><?xml version="1.0" encoding="utf-8"?>
+<p:sld xmlns:a="http://schemas.openxmlformats.org/drawingml/2006/main" xmlns:r="http://schemas.openxmlformats.org/officeDocument/2006/relationships" xmlns:p="http://schemas.openxmlformats.org/presentationml/2006/main">
+  <p:cSld>
+    <p:spTree>
+      <p:nvGrpSpPr>
+        <p:cNvPr id="1" name=""/>
+        <p:cNvGrpSpPr/>
+        <p:nvPr/>
+      </p:nvGrpSpPr>
+      <p:grpSpPr>
+        <a:xfrm>
+          <a:off x="0" y="0"/>
+          <a:ext cx="0" cy="0"/>
+          <a:chOff x="0" y="0"/>
+          <a:chExt cx="0" cy="0"/>
+        </a:xfrm>
+      </p:grpSpPr>
+      <p:sp>
+        <p:nvSpPr>
+          <p:cNvPr id="12" name="Titel 11">
+            <a:extLst>
+              <a:ext uri="{FF2B5EF4-FFF2-40B4-BE49-F238E27FC236}">
+                <a16:creationId xmlns:a16="http://schemas.microsoft.com/office/drawing/2014/main" id="{41A661C5-477F-490B-B6A5-60B61537DA3E}"/>
+              </a:ext>
+            </a:extLst>
+          </p:cNvPr>
+          <p:cNvSpPr>
+            <a:spLocks noGrp="1"/>
+          </p:cNvSpPr>
+          <p:nvPr>
+            <p:ph type="title"/>
+          </p:nvPr>
+        </p:nvSpPr>
+        <p:spPr/>
+        <p:txBody>
+          <a:bodyPr/>
+          <a:lstStyle/>
+          <a:p>
+            <a:r>
+              <a:rPr lang="de-DE" dirty="0" err="1"/>
+              <a:t>Virtuali</a:t>
+            </a:r>
+            <a:r>
+              <a:rPr lang="en-US" dirty="0" err="1"/>
+              <a:t>zation</a:t>
+            </a:r>
+            <a:r>
+              <a:rPr lang="en-US" dirty="0"/>
+              <a:t> vs. container</a:t>
+            </a:r>
+          </a:p>
+        </p:txBody>
+      </p:sp>
+      <p:pic>
+        <p:nvPicPr>
+          <p:cNvPr id="1028" name="Picture 4">
+            <a:extLst>
+              <a:ext uri="{FF2B5EF4-FFF2-40B4-BE49-F238E27FC236}">
+                <a16:creationId xmlns:a16="http://schemas.microsoft.com/office/drawing/2014/main" id="{8F61CE8C-1333-48A0-847D-30A313F566D1}"/>
+              </a:ext>
+            </a:extLst>
+          </p:cNvPr>
+          <p:cNvPicPr>
+            <a:picLocks noGrp="1" noChangeAspect="1" noChangeArrowheads="1"/>
+          </p:cNvPicPr>
+          <p:nvPr>
+            <p:ph idx="1"/>
+          </p:nvPr>
+        </p:nvPicPr>
+        <p:blipFill>
+          <a:blip r:embed="rId2">
+            <a:extLst>
+              <a:ext uri="{28A0092B-C50C-407E-A947-70E740481C1C}">
+                <a14:useLocalDpi xmlns:a14="http://schemas.microsoft.com/office/drawing/2010/main" val="0"/>
+              </a:ext>
+            </a:extLst>
+          </a:blip>
+          <a:srcRect/>
+          <a:stretch>
+            <a:fillRect/>
+          </a:stretch>
+        </p:blipFill>
+        <p:spPr bwMode="auto">
+          <a:xfrm>
+            <a:off x="912789" y="1403350"/>
+            <a:ext cx="7389860" cy="4846638"/>
+          </a:xfrm>
+          <a:prstGeom prst="rect">
+            <a:avLst/>
+          </a:prstGeom>
+          <a:noFill/>
+          <a:extLst>
+            <a:ext uri="{909E8E84-426E-40DD-AFC4-6F175D3DCCD1}">
+              <a14:hiddenFill xmlns:a14="http://schemas.microsoft.com/office/drawing/2010/main">
+                <a:solidFill>
+                  <a:srgbClr val="FFFFFF"/>
+                </a:solidFill>
+              </a14:hiddenFill>
+            </a:ext>
+          </a:extLst>
+        </p:spPr>
+      </p:pic>
+      <p:sp>
+        <p:nvSpPr>
+          <p:cNvPr id="14" name="Textfeld 13">
+            <a:extLst>
+              <a:ext uri="{FF2B5EF4-FFF2-40B4-BE49-F238E27FC236}">
+                <a16:creationId xmlns:a16="http://schemas.microsoft.com/office/drawing/2014/main" id="{2D2D9336-6772-40DA-8FC0-FD0FCDFDEB44}"/>
+              </a:ext>
+            </a:extLst>
+          </p:cNvPr>
+          <p:cNvSpPr txBox="1"/>
+          <p:nvPr/>
+        </p:nvSpPr>
+        <p:spPr>
+          <a:xfrm>
+            <a:off x="259374" y="6065322"/>
+            <a:ext cx="8712706" cy="369332"/>
+          </a:xfrm>
+          <a:prstGeom prst="rect">
+            <a:avLst/>
+          </a:prstGeom>
+          <a:noFill/>
+        </p:spPr>
+        <p:txBody>
+          <a:bodyPr wrap="none" rtlCol="0">
+            <a:spAutoFit/>
+          </a:bodyPr>
+          <a:lstStyle/>
+          <a:p>
+            <a:r>
+              <a:rPr lang="en-US" dirty="0"/>
+              <a:t>Quelle: https://www.inovex.de/blog/docker-an-introduction-to-easy-containerization/</a:t>
+            </a:r>
+          </a:p>
+        </p:txBody>
+      </p:sp>
+    </p:spTree>
+    <p:extLst>
+      <p:ext uri="{BB962C8B-B14F-4D97-AF65-F5344CB8AC3E}">
+        <p14:creationId xmlns:p14="http://schemas.microsoft.com/office/powerpoint/2010/main" val="3376207019"/>
+      </p:ext>
+    </p:extLst>
+  </p:cSld>
+  <p:clrMapOvr>
+    <a:masterClrMapping/>
+  </p:clrMapOvr>
+</p:sld>
+</file>
+
+<file path=ppt/slides/slide4.xml><?xml version="1.0" encoding="utf-8"?>
+<p:sld xmlns:a="http://schemas.openxmlformats.org/drawingml/2006/main" xmlns:r="http://schemas.openxmlformats.org/officeDocument/2006/relationships" xmlns:p="http://schemas.openxmlformats.org/presentationml/2006/main">
+  <p:cSld>
+    <p:spTree>
+      <p:nvGrpSpPr>
+        <p:cNvPr id="1" name=""/>
+        <p:cNvGrpSpPr/>
+        <p:nvPr/>
+      </p:nvGrpSpPr>
+      <p:grpSpPr>
+        <a:xfrm>
+          <a:off x="0" y="0"/>
+          <a:ext cx="0" cy="0"/>
+          <a:chOff x="0" y="0"/>
+          <a:chExt cx="0" cy="0"/>
+        </a:xfrm>
+      </p:grpSpPr>
+      <p:sp>
+        <p:nvSpPr>
+          <p:cNvPr id="4" name="Titel 3">
+            <a:extLst>
+              <a:ext uri="{FF2B5EF4-FFF2-40B4-BE49-F238E27FC236}">
+                <a16:creationId xmlns:a16="http://schemas.microsoft.com/office/drawing/2014/main" id="{58A3BB3B-DC62-445E-B95E-EE84AD11EA8B}"/>
+              </a:ext>
+            </a:extLst>
+          </p:cNvPr>
+          <p:cNvSpPr>
+            <a:spLocks noGrp="1"/>
+          </p:cNvSpPr>
+          <p:nvPr>
+            <p:ph type="title"/>
+          </p:nvPr>
+        </p:nvSpPr>
+        <p:spPr/>
+        <p:txBody>
+          <a:bodyPr/>
+          <a:lstStyle/>
+          <a:p>
+            <a:r>
+              <a:rPr lang="de-DE" dirty="0" err="1"/>
+              <a:t>Virtuali</a:t>
+            </a:r>
+            <a:r>
+              <a:rPr lang="en-US" dirty="0" err="1"/>
+              <a:t>zation</a:t>
+            </a:r>
+            <a:r>
+              <a:rPr lang="en-US" dirty="0"/>
+              <a:t> vs. container</a:t>
+            </a:r>
+          </a:p>
+        </p:txBody>
+      </p:sp>
+      <p:sp>
+        <p:nvSpPr>
+          <p:cNvPr id="5" name="Inhaltsplatzhalter 4">
+            <a:extLst>
+              <a:ext uri="{FF2B5EF4-FFF2-40B4-BE49-F238E27FC236}">
+                <a16:creationId xmlns:a16="http://schemas.microsoft.com/office/drawing/2014/main" id="{1B62956D-C578-4F1B-A598-F0A84BA1D717}"/>
+              </a:ext>
+            </a:extLst>
+          </p:cNvPr>
+          <p:cNvSpPr>
+            <a:spLocks noGrp="1"/>
+          </p:cNvSpPr>
+          <p:nvPr>
+            <p:ph sz="half" idx="1"/>
+          </p:nvPr>
+        </p:nvSpPr>
+        <p:spPr/>
+        <p:txBody>
+          <a:bodyPr/>
+          <a:lstStyle/>
+          <a:p>
+            <a:r>
+              <a:rPr lang="en-US" dirty="0"/>
+              <a:t>Pros</a:t>
+            </a:r>
+          </a:p>
+          <a:p>
+            <a:pPr lvl="1"/>
+            <a:r>
+              <a:rPr lang="de-DE" dirty="0"/>
+              <a:t>Many </a:t>
+            </a:r>
+            <a:r>
+              <a:rPr lang="de-DE" dirty="0" err="1"/>
+              <a:t>excellent</a:t>
+            </a:r>
+            <a:r>
+              <a:rPr lang="de-DE" dirty="0"/>
+              <a:t> </a:t>
+            </a:r>
+            <a:r>
+              <a:rPr lang="de-DE" dirty="0" err="1"/>
+              <a:t>hypervisors</a:t>
+            </a:r>
+            <a:r>
+              <a:rPr lang="de-DE" dirty="0"/>
+              <a:t> </a:t>
+            </a:r>
+            <a:r>
+              <a:rPr lang="de-DE" dirty="0" err="1"/>
+              <a:t>available</a:t>
+            </a:r>
+            <a:endParaRPr lang="de-DE" dirty="0"/>
+          </a:p>
+          <a:p>
+            <a:pPr lvl="1"/>
+            <a:r>
+              <a:rPr lang="de-DE" dirty="0" err="1"/>
+              <a:t>Feels</a:t>
+            </a:r>
+            <a:r>
+              <a:rPr lang="de-DE" dirty="0"/>
+              <a:t> like „</a:t>
+            </a:r>
+            <a:r>
+              <a:rPr lang="de-DE" dirty="0" err="1"/>
+              <a:t>regular</a:t>
+            </a:r>
+            <a:r>
+              <a:rPr lang="de-DE" dirty="0"/>
+              <a:t>“ </a:t>
+            </a:r>
+            <a:r>
+              <a:rPr lang="de-DE" dirty="0" err="1"/>
+              <a:t>systems</a:t>
+            </a:r>
+            <a:r>
+              <a:rPr lang="de-DE" dirty="0"/>
+              <a:t> </a:t>
+            </a:r>
+            <a:r>
+              <a:rPr lang="de-DE" dirty="0" err="1"/>
+              <a:t>for</a:t>
+            </a:r>
+            <a:r>
+              <a:rPr lang="de-DE" dirty="0"/>
+              <a:t> </a:t>
+            </a:r>
+            <a:r>
+              <a:rPr lang="de-DE" dirty="0" err="1"/>
+              <a:t>administrators</a:t>
+            </a:r>
+            <a:r>
+              <a:rPr lang="de-DE" dirty="0"/>
+              <a:t> and </a:t>
+            </a:r>
+            <a:r>
+              <a:rPr lang="de-DE" dirty="0" err="1"/>
+              <a:t>devs</a:t>
+            </a:r>
+            <a:endParaRPr lang="de-DE" dirty="0"/>
+          </a:p>
+          <a:p>
+            <a:pPr lvl="1"/>
+            <a:r>
+              <a:rPr lang="de-DE" dirty="0" err="1"/>
+              <a:t>No</a:t>
+            </a:r>
+            <a:r>
+              <a:rPr lang="de-DE" dirty="0"/>
+              <a:t> </a:t>
+            </a:r>
+            <a:r>
+              <a:rPr lang="de-DE" dirty="0" err="1"/>
+              <a:t>special</a:t>
+            </a:r>
+            <a:r>
+              <a:rPr lang="de-DE" dirty="0"/>
+              <a:t> </a:t>
+            </a:r>
+            <a:r>
+              <a:rPr lang="de-DE" dirty="0" err="1"/>
+              <a:t>knowledge</a:t>
+            </a:r>
+            <a:r>
+              <a:rPr lang="de-DE" dirty="0"/>
+              <a:t> </a:t>
+            </a:r>
+            <a:r>
+              <a:rPr lang="de-DE" dirty="0" err="1"/>
+              <a:t>needed</a:t>
+            </a:r>
+            <a:endParaRPr lang="en-US" dirty="0"/>
+          </a:p>
+          <a:p>
+            <a:r>
+              <a:rPr lang="en-US" dirty="0"/>
+              <a:t>Cons</a:t>
+            </a:r>
+          </a:p>
+          <a:p>
+            <a:pPr lvl="1"/>
+            <a:r>
+              <a:rPr lang="en-US" dirty="0"/>
+              <a:t>Resource overhead for every virtual machine</a:t>
+            </a:r>
+          </a:p>
+          <a:p>
+            <a:pPr lvl="1"/>
+            <a:r>
+              <a:rPr lang="en-US" dirty="0"/>
+              <a:t>Takes longer to setup if no special tools are used (Puppet, Chef, etc.)</a:t>
+            </a:r>
+          </a:p>
+        </p:txBody>
+      </p:sp>
+      <p:sp>
+        <p:nvSpPr>
+          <p:cNvPr id="6" name="Inhaltsplatzhalter 5">
+            <a:extLst>
+              <a:ext uri="{FF2B5EF4-FFF2-40B4-BE49-F238E27FC236}">
+                <a16:creationId xmlns:a16="http://schemas.microsoft.com/office/drawing/2014/main" id="{86408CC6-3204-4687-B7F1-A89A55BE6714}"/>
+              </a:ext>
+            </a:extLst>
+          </p:cNvPr>
+          <p:cNvSpPr>
+            <a:spLocks noGrp="1"/>
+          </p:cNvSpPr>
+          <p:nvPr>
+            <p:ph sz="half" idx="2"/>
+          </p:nvPr>
+        </p:nvSpPr>
+        <p:spPr/>
+        <p:txBody>
+          <a:bodyPr/>
+          <a:lstStyle/>
+          <a:p>
+            <a:r>
+              <a:rPr lang="en-US" dirty="0"/>
+              <a:t>Pros</a:t>
+            </a:r>
+          </a:p>
+          <a:p>
+            <a:pPr lvl="1"/>
+            <a:r>
+              <a:rPr lang="en-US" dirty="0"/>
+              <a:t>Lower resource overhead</a:t>
+            </a:r>
+          </a:p>
+          <a:p>
+            <a:pPr lvl="1"/>
+            <a:r>
+              <a:rPr lang="en-US" dirty="0"/>
+              <a:t>Very fast setup when container are prebuilt</a:t>
+            </a:r>
+          </a:p>
+          <a:p>
+            <a:pPr lvl="1"/>
+            <a:r>
+              <a:rPr lang="en-US" dirty="0"/>
+              <a:t>Isolation of every container</a:t>
+            </a:r>
+          </a:p>
+          <a:p>
+            <a:pPr lvl="1"/>
+            <a:r>
+              <a:rPr lang="en-US" dirty="0"/>
+              <a:t>Stable environment</a:t>
+            </a:r>
+          </a:p>
+          <a:p>
+            <a:r>
+              <a:rPr lang="en-US" dirty="0"/>
+              <a:t>Cons</a:t>
+            </a:r>
+          </a:p>
+          <a:p>
+            <a:pPr lvl="1"/>
+            <a:r>
+              <a:rPr lang="en-US" dirty="0"/>
+              <a:t>Training of </a:t>
+            </a:r>
+            <a:r>
+              <a:rPr lang="en-US" dirty="0" err="1"/>
+              <a:t>devs</a:t>
+            </a:r>
+            <a:r>
+              <a:rPr lang="en-US" dirty="0"/>
+              <a:t> and admins required</a:t>
+            </a:r>
+          </a:p>
+          <a:p>
+            <a:pPr lvl="1"/>
+            <a:r>
+              <a:rPr lang="en-US" dirty="0"/>
+              <a:t>Getting complex if cluster is required (Kubernetes, DC/OS, Swarm)</a:t>
+            </a:r>
+          </a:p>
+          <a:p>
+            <a:pPr lvl="1"/>
+            <a:r>
+              <a:rPr lang="en-US" dirty="0"/>
+              <a:t>Backup</a:t>
+            </a:r>
+          </a:p>
+        </p:txBody>
+      </p:sp>
+    </p:spTree>
+    <p:extLst>
+      <p:ext uri="{BB962C8B-B14F-4D97-AF65-F5344CB8AC3E}">
+        <p14:creationId xmlns:p14="http://schemas.microsoft.com/office/powerpoint/2010/main" val="3911525657"/>
+      </p:ext>
+    </p:extLst>
+  </p:cSld>
+  <p:clrMapOvr>
+    <a:masterClrMapping/>
+  </p:clrMapOvr>
+</p:sld>
+</file>
+
+<file path=ppt/slides/slide5.xml><?xml version="1.0" encoding="utf-8"?>
+<p:sld xmlns:a="http://schemas.openxmlformats.org/drawingml/2006/main" xmlns:r="http://schemas.openxmlformats.org/officeDocument/2006/relationships" xmlns:p="http://schemas.openxmlformats.org/presentationml/2006/main">
+  <p:cSld>
+    <p:spTree>
+      <p:nvGrpSpPr>
+        <p:cNvPr id="1" name=""/>
+        <p:cNvGrpSpPr/>
+        <p:nvPr/>
+      </p:nvGrpSpPr>
+      <p:grpSpPr>
+        <a:xfrm>
+          <a:off x="0" y="0"/>
+          <a:ext cx="0" cy="0"/>
+          <a:chOff x="0" y="0"/>
+          <a:chExt cx="0" cy="0"/>
+        </a:xfrm>
+      </p:grpSpPr>
+      <p:sp>
+        <p:nvSpPr>
+          <p:cNvPr id="2" name="Titel 1">
+            <a:extLst>
+              <a:ext uri="{FF2B5EF4-FFF2-40B4-BE49-F238E27FC236}">
+                <a16:creationId xmlns:a16="http://schemas.microsoft.com/office/drawing/2014/main" id="{4A3089FE-A4B0-463B-8E04-ABD908396A3A}"/>
+              </a:ext>
+            </a:extLst>
+          </p:cNvPr>
+          <p:cNvSpPr>
+            <a:spLocks noGrp="1"/>
+          </p:cNvSpPr>
+          <p:nvPr>
+            <p:ph type="title"/>
+          </p:nvPr>
+        </p:nvSpPr>
+        <p:spPr/>
+        <p:txBody>
+          <a:bodyPr/>
+          <a:lstStyle/>
+          <a:p>
+            <a:r>
+              <a:rPr lang="en-US" dirty="0"/>
+              <a:t>Linux containers (LXC)</a:t>
+            </a:r>
+          </a:p>
+        </p:txBody>
+      </p:sp>
+      <p:sp>
+        <p:nvSpPr>
+          <p:cNvPr id="5" name="Inhaltsplatzhalter 4">
+            <a:extLst>
+              <a:ext uri="{FF2B5EF4-FFF2-40B4-BE49-F238E27FC236}">
+                <a16:creationId xmlns:a16="http://schemas.microsoft.com/office/drawing/2014/main" id="{395A039A-C7F7-47D1-B757-076B861F4FAD}"/>
+              </a:ext>
+            </a:extLst>
+          </p:cNvPr>
+          <p:cNvSpPr>
+            <a:spLocks noGrp="1"/>
+          </p:cNvSpPr>
+          <p:nvPr>
+            <p:ph idx="1"/>
+          </p:nvPr>
+        </p:nvSpPr>
+        <p:spPr/>
+        <p:txBody>
+          <a:bodyPr/>
+          <a:lstStyle/>
+          <a:p>
+            <a:r>
+              <a:rPr lang="de-DE" dirty="0" err="1"/>
+              <a:t>Based</a:t>
+            </a:r>
+            <a:r>
+              <a:rPr lang="de-DE" dirty="0"/>
+              <a:t> on Linux </a:t>
+            </a:r>
+            <a:r>
+              <a:rPr lang="de-DE" dirty="0" err="1">
+                <a:hlinkClick r:id="rId2"/>
+              </a:rPr>
+              <a:t>cgroups</a:t>
+            </a:r>
+            <a:r>
+              <a:rPr lang="de-DE" dirty="0"/>
+              <a:t> </a:t>
+            </a:r>
+            <a:r>
+              <a:rPr lang="en-US" dirty="0"/>
+              <a:t>(kernel feature to manage resources and application isolation)</a:t>
+            </a:r>
+          </a:p>
+          <a:p>
+            <a:r>
+              <a:rPr lang="en-US" dirty="0"/>
+              <a:t>Initial release 2008</a:t>
+            </a:r>
+          </a:p>
+          <a:p>
+            <a:r>
+              <a:rPr lang="en-US" dirty="0"/>
+              <a:t>Docker uses the same concepts as LXC! (in fact LXC is one of the available drivers for the Docker engine)</a:t>
+            </a:r>
+          </a:p>
+          <a:p>
+            <a:endParaRPr lang="en-US" dirty="0"/>
+          </a:p>
+          <a:p>
+            <a:endParaRPr lang="en-US" dirty="0"/>
+          </a:p>
+        </p:txBody>
+      </p:sp>
+    </p:spTree>
+    <p:extLst>
+      <p:ext uri="{BB962C8B-B14F-4D97-AF65-F5344CB8AC3E}">
+        <p14:creationId xmlns:p14="http://schemas.microsoft.com/office/powerpoint/2010/main" val="2713038191"/>
+      </p:ext>
+    </p:extLst>
+  </p:cSld>
+  <p:clrMapOvr>
+    <a:masterClrMapping/>
+  </p:clrMapOvr>
+</p:sld>
+</file>
+
+<file path=ppt/slides/slide6.xml><?xml version="1.0" encoding="utf-8"?>
+<p:sld xmlns:a="http://schemas.openxmlformats.org/drawingml/2006/main" xmlns:r="http://schemas.openxmlformats.org/officeDocument/2006/relationships" xmlns:p="http://schemas.openxmlformats.org/presentationml/2006/main">
+  <p:cSld>
+    <p:spTree>
+      <p:nvGrpSpPr>
+        <p:cNvPr id="1" name=""/>
+        <p:cNvGrpSpPr/>
+        <p:nvPr/>
+      </p:nvGrpSpPr>
+      <p:grpSpPr>
+        <a:xfrm>
+          <a:off x="0" y="0"/>
+          <a:ext cx="0" cy="0"/>
+          <a:chOff x="0" y="0"/>
+          <a:chExt cx="0" cy="0"/>
+        </a:xfrm>
+      </p:grpSpPr>
+      <p:cxnSp>
+        <p:nvCxnSpPr>
+          <p:cNvPr id="391" name="OTLSHAPE_M_4312abfab1864f0ba6a177ecd5b12837_Connector1">
+            <a:extLst>
+              <a:ext uri="{FF2B5EF4-FFF2-40B4-BE49-F238E27FC236}">
+                <a16:creationId xmlns:a16="http://schemas.microsoft.com/office/drawing/2014/main" id="{E676AB5B-8D1C-4414-98C3-53E808FB000E}"/>
+              </a:ext>
+            </a:extLst>
+          </p:cNvPr>
+          <p:cNvCxnSpPr/>
+          <p:nvPr>
+            <p:custDataLst>
+              <p:tags r:id="rId2"/>
+            </p:custDataLst>
+          </p:nvPr>
+        </p:nvCxnSpPr>
+        <p:spPr bwMode="auto">
+          <a:xfrm>
+            <a:off x="8159993" y="3429000"/>
+            <a:ext cx="0" cy="783209"/>
+          </a:xfrm>
+          <a:prstGeom prst="line">
+            <a:avLst/>
+          </a:prstGeom>
+          <a:solidFill>
+            <a:srgbClr val="CCFFFF">
+              <a:alpha val="50000"/>
+            </a:srgbClr>
+          </a:solidFill>
+          <a:ln w="9525" cap="flat" cmpd="sng" algn="ctr">
+            <a:solidFill>
+              <a:srgbClr val="B20E12">
+                <a:alpha val="49804"/>
+              </a:srgbClr>
+            </a:solidFill>
+            <a:prstDash val="solid"/>
+            <a:round/>
+            <a:headEnd type="none" w="med" len="med"/>
+            <a:tailEnd type="none" w="med" len="med"/>
+          </a:ln>
+          <a:effectLst/>
+        </p:spPr>
+      </p:cxnSp>
+      <p:cxnSp>
+        <p:nvCxnSpPr>
+          <p:cNvPr id="390" name="OTLSHAPE_M_4d37b81b8284425f964a9ccd2f56fe44_Connector1">
+            <a:extLst>
+              <a:ext uri="{FF2B5EF4-FFF2-40B4-BE49-F238E27FC236}">
+                <a16:creationId xmlns:a16="http://schemas.microsoft.com/office/drawing/2014/main" id="{AC8BCC95-028B-4262-A830-55C861283957}"/>
+              </a:ext>
+            </a:extLst>
+          </p:cNvPr>
+          <p:cNvCxnSpPr/>
+          <p:nvPr>
+            <p:custDataLst>
+              <p:tags r:id="rId3"/>
+            </p:custDataLst>
+          </p:nvPr>
+        </p:nvCxnSpPr>
+        <p:spPr bwMode="auto">
+          <a:xfrm>
+            <a:off x="6250921" y="3429000"/>
+            <a:ext cx="0" cy="442172"/>
+          </a:xfrm>
+          <a:prstGeom prst="line">
+            <a:avLst/>
+          </a:prstGeom>
+          <a:solidFill>
+            <a:srgbClr val="CCFFFF">
+              <a:alpha val="50000"/>
+            </a:srgbClr>
+          </a:solidFill>
+          <a:ln w="9525" cap="flat" cmpd="sng" algn="ctr">
+            <a:solidFill>
+              <a:srgbClr val="FEBA0A">
+                <a:alpha val="49804"/>
+              </a:srgbClr>
+            </a:solidFill>
+            <a:prstDash val="solid"/>
+            <a:round/>
+            <a:headEnd type="none" w="med" len="med"/>
+            <a:tailEnd type="none" w="med" len="med"/>
+          </a:ln>
+          <a:effectLst/>
+        </p:spPr>
+      </p:cxnSp>
+      <p:cxnSp>
+        <p:nvCxnSpPr>
+          <p:cNvPr id="389" name="OTLSHAPE_M_8f2803e81cb04863b7b4a392856684d8_Connector1">
+            <a:extLst>
+              <a:ext uri="{FF2B5EF4-FFF2-40B4-BE49-F238E27FC236}">
+                <a16:creationId xmlns:a16="http://schemas.microsoft.com/office/drawing/2014/main" id="{23396893-B7DC-45EA-B797-BE3DD8024D45}"/>
+              </a:ext>
+            </a:extLst>
+          </p:cNvPr>
+          <p:cNvCxnSpPr/>
+          <p:nvPr>
+            <p:custDataLst>
+              <p:tags r:id="rId4"/>
+            </p:custDataLst>
+          </p:nvPr>
+        </p:nvCxnSpPr>
+        <p:spPr bwMode="auto">
+          <a:xfrm>
+            <a:off x="4056913" y="3429000"/>
+            <a:ext cx="0" cy="979974"/>
+          </a:xfrm>
+          <a:prstGeom prst="line">
+            <a:avLst/>
+          </a:prstGeom>
+          <a:solidFill>
+            <a:srgbClr val="CCFFFF">
+              <a:alpha val="50000"/>
+            </a:srgbClr>
+          </a:solidFill>
+          <a:ln w="9525" cap="flat" cmpd="sng" algn="ctr">
+            <a:solidFill>
+              <a:srgbClr val="1AAA42">
+                <a:alpha val="49804"/>
+              </a:srgbClr>
+            </a:solidFill>
+            <a:prstDash val="solid"/>
+            <a:round/>
+            <a:headEnd type="none" w="med" len="med"/>
+            <a:tailEnd type="none" w="med" len="med"/>
+          </a:ln>
+          <a:effectLst/>
+        </p:spPr>
+      </p:cxnSp>
+      <p:cxnSp>
+        <p:nvCxnSpPr>
+          <p:cNvPr id="388" name="OTLSHAPE_M_8867bf2f3c16471b9cb9ff838ecbe8b3_Connector1">
+            <a:extLst>
+              <a:ext uri="{FF2B5EF4-FFF2-40B4-BE49-F238E27FC236}">
+                <a16:creationId xmlns:a16="http://schemas.microsoft.com/office/drawing/2014/main" id="{6D70DE62-8469-401C-A8E1-9A6D13AF5518}"/>
+              </a:ext>
+            </a:extLst>
+          </p:cNvPr>
+          <p:cNvCxnSpPr/>
+          <p:nvPr>
+            <p:custDataLst>
+              <p:tags r:id="rId5"/>
+            </p:custDataLst>
+          </p:nvPr>
+        </p:nvCxnSpPr>
+        <p:spPr bwMode="auto">
+          <a:xfrm>
+            <a:off x="1281635" y="3429000"/>
+            <a:ext cx="0" cy="442172"/>
+          </a:xfrm>
+          <a:prstGeom prst="line">
+            <a:avLst/>
+          </a:prstGeom>
+          <a:solidFill>
+            <a:srgbClr val="CCFFFF">
+              <a:alpha val="50000"/>
+            </a:srgbClr>
+          </a:solidFill>
+          <a:ln w="9525" cap="flat" cmpd="sng" algn="ctr">
+            <a:solidFill>
+              <a:srgbClr val="2F3699">
+                <a:alpha val="49804"/>
+              </a:srgbClr>
+            </a:solidFill>
+            <a:prstDash val="solid"/>
+            <a:round/>
+            <a:headEnd type="none" w="med" len="med"/>
+            <a:tailEnd type="none" w="med" len="med"/>
+          </a:ln>
+          <a:effectLst/>
+        </p:spPr>
+      </p:cxnSp>
+      <p:cxnSp>
+        <p:nvCxnSpPr>
+          <p:cNvPr id="387" name="OTLSHAPE_M_7a7a047bb05440c191b41f61b58b1100_Connector1">
+            <a:extLst>
+              <a:ext uri="{FF2B5EF4-FFF2-40B4-BE49-F238E27FC236}">
+                <a16:creationId xmlns:a16="http://schemas.microsoft.com/office/drawing/2014/main" id="{D2F4A24A-B816-475C-AEC5-FC51C8F8D9BE}"/>
+              </a:ext>
+            </a:extLst>
+          </p:cNvPr>
+          <p:cNvCxnSpPr/>
+          <p:nvPr>
+            <p:custDataLst>
+              <p:tags r:id="rId6"/>
+            </p:custDataLst>
+          </p:nvPr>
+        </p:nvCxnSpPr>
+        <p:spPr bwMode="auto">
+          <a:xfrm>
+            <a:off x="8091609" y="2264791"/>
+            <a:ext cx="0" cy="783209"/>
+          </a:xfrm>
+          <a:prstGeom prst="line">
+            <a:avLst/>
+          </a:prstGeom>
+          <a:solidFill>
+            <a:srgbClr val="CCFFFF">
+              <a:alpha val="50000"/>
+            </a:srgbClr>
+          </a:solidFill>
+          <a:ln w="9525" cap="flat" cmpd="sng" algn="ctr">
+            <a:solidFill>
+              <a:srgbClr val="EA161E">
+                <a:alpha val="49804"/>
+              </a:srgbClr>
+            </a:solidFill>
+            <a:prstDash val="solid"/>
+            <a:round/>
+            <a:headEnd type="none" w="med" len="med"/>
+            <a:tailEnd type="none" w="med" len="med"/>
+          </a:ln>
+          <a:effectLst/>
+        </p:spPr>
+      </p:cxnSp>
+      <p:cxnSp>
+        <p:nvCxnSpPr>
+          <p:cNvPr id="386" name="OTLSHAPE_M_d9c49e598953423c9e7714cc0b43921b_Connector1">
+            <a:extLst>
+              <a:ext uri="{FF2B5EF4-FFF2-40B4-BE49-F238E27FC236}">
+                <a16:creationId xmlns:a16="http://schemas.microsoft.com/office/drawing/2014/main" id="{9F6806E3-79B2-4B1C-997D-67CC4D0185FF}"/>
+              </a:ext>
+            </a:extLst>
+          </p:cNvPr>
+          <p:cNvCxnSpPr/>
+          <p:nvPr>
+            <p:custDataLst>
+              <p:tags r:id="rId7"/>
+            </p:custDataLst>
+          </p:nvPr>
+        </p:nvCxnSpPr>
+        <p:spPr bwMode="auto">
+          <a:xfrm>
+            <a:off x="4660978" y="2520569"/>
+            <a:ext cx="0" cy="527431"/>
+          </a:xfrm>
+          <a:prstGeom prst="line">
+            <a:avLst/>
+          </a:prstGeom>
+          <a:solidFill>
+            <a:srgbClr val="CCFFFF">
+              <a:alpha val="50000"/>
+            </a:srgbClr>
+          </a:solidFill>
+          <a:ln w="9525" cap="flat" cmpd="sng" algn="ctr">
+            <a:solidFill>
+              <a:srgbClr val="96D642">
+                <a:alpha val="49804"/>
+              </a:srgbClr>
+            </a:solidFill>
+            <a:prstDash val="solid"/>
+            <a:round/>
+            <a:headEnd type="none" w="med" len="med"/>
+            <a:tailEnd type="none" w="med" len="med"/>
+          </a:ln>
+          <a:effectLst/>
+        </p:spPr>
+      </p:cxnSp>
+      <p:cxnSp>
+        <p:nvCxnSpPr>
+          <p:cNvPr id="385" name="OTLSHAPE_M_58ae8fd90b384bad909af40b16ee3c4b_Connector1">
+            <a:extLst>
+              <a:ext uri="{FF2B5EF4-FFF2-40B4-BE49-F238E27FC236}">
+                <a16:creationId xmlns:a16="http://schemas.microsoft.com/office/drawing/2014/main" id="{52AB0F00-D2A3-43FF-AE8F-B2D7A2452B60}"/>
+              </a:ext>
+            </a:extLst>
+          </p:cNvPr>
+          <p:cNvCxnSpPr/>
+          <p:nvPr>
+            <p:custDataLst>
+              <p:tags r:id="rId8"/>
+            </p:custDataLst>
+          </p:nvPr>
+        </p:nvCxnSpPr>
+        <p:spPr bwMode="auto">
+          <a:xfrm>
+            <a:off x="2660726" y="1982766"/>
+            <a:ext cx="0" cy="1065234"/>
+          </a:xfrm>
+          <a:prstGeom prst="line">
+            <a:avLst/>
+          </a:prstGeom>
+          <a:solidFill>
+            <a:srgbClr val="CCFFFF">
+              <a:alpha val="50000"/>
+            </a:srgbClr>
+          </a:solidFill>
+          <a:ln w="9525" cap="flat" cmpd="sng" algn="ctr">
+            <a:solidFill>
+              <a:srgbClr val="02B2EE">
+                <a:alpha val="49804"/>
+              </a:srgbClr>
+            </a:solidFill>
+            <a:prstDash val="solid"/>
+            <a:round/>
+            <a:headEnd type="none" w="med" len="med"/>
+            <a:tailEnd type="none" w="med" len="med"/>
+          </a:ln>
+          <a:effectLst/>
+        </p:spPr>
+      </p:cxnSp>
+      <p:cxnSp>
+        <p:nvCxnSpPr>
+          <p:cNvPr id="384" name="OTLSHAPE_M_d76b1022959b48e6a7433c7b80693750_Connector1">
+            <a:extLst>
+              <a:ext uri="{FF2B5EF4-FFF2-40B4-BE49-F238E27FC236}">
+                <a16:creationId xmlns:a16="http://schemas.microsoft.com/office/drawing/2014/main" id="{5D70925F-53ED-4F31-902A-D6FED65BFA29}"/>
+              </a:ext>
+            </a:extLst>
+          </p:cNvPr>
+          <p:cNvCxnSpPr/>
+          <p:nvPr>
+            <p:custDataLst>
+              <p:tags r:id="rId9"/>
+            </p:custDataLst>
+          </p:nvPr>
+        </p:nvCxnSpPr>
+        <p:spPr bwMode="auto">
+          <a:xfrm>
+            <a:off x="1047987" y="2605828"/>
+            <a:ext cx="0" cy="442172"/>
+          </a:xfrm>
+          <a:prstGeom prst="line">
+            <a:avLst/>
+          </a:prstGeom>
+          <a:solidFill>
+            <a:srgbClr val="CCFFFF">
+              <a:alpha val="50000"/>
+            </a:srgbClr>
+          </a:solidFill>
+          <a:ln w="9525" cap="flat" cmpd="sng" algn="ctr">
+            <a:solidFill>
+              <a:srgbClr val="6F3198">
+                <a:alpha val="49804"/>
+              </a:srgbClr>
+            </a:solidFill>
+            <a:prstDash val="solid"/>
+            <a:round/>
+            <a:headEnd type="none" w="med" len="med"/>
+            <a:tailEnd type="none" w="med" len="med"/>
+          </a:ln>
+          <a:effectLst/>
+        </p:spPr>
+      </p:cxnSp>
+      <p:sp>
+        <p:nvSpPr>
+          <p:cNvPr id="365" name="OTLSHAPE_TB_00000000000000000000000000000000_LeftEndCaps">
+            <a:extLst>
+              <a:ext uri="{FF2B5EF4-FFF2-40B4-BE49-F238E27FC236}">
+                <a16:creationId xmlns:a16="http://schemas.microsoft.com/office/drawing/2014/main" id="{67A6D425-B273-4DAB-94F9-849B7A148DBF}"/>
+              </a:ext>
+            </a:extLst>
+          </p:cNvPr>
+          <p:cNvSpPr txBox="1"/>
+          <p:nvPr>
+            <p:custDataLst>
+              <p:tags r:id="rId10"/>
+            </p:custDataLst>
+          </p:nvPr>
+        </p:nvSpPr>
+        <p:spPr>
+          <a:xfrm>
+            <a:off x="317500" y="3098969"/>
+            <a:ext cx="451662" cy="279061"/>
+          </a:xfrm>
+          <a:prstGeom prst="rect">
+            <a:avLst/>
+          </a:prstGeom>
+          <a:noFill/>
+        </p:spPr>
+        <p:txBody>
+          <a:bodyPr vert="horz" wrap="none" lIns="0" tIns="0" rIns="0" bIns="0" rtlCol="0" anchor="ctr" anchorCtr="0">
+            <a:spAutoFit/>
+          </a:bodyPr>
+          <a:lstStyle/>
+          <a:p>
+            <a:pPr algn="ctr"/>
+            <a:r>
+              <a:rPr lang="en-US" b="1" spc="-38">
+                <a:solidFill>
+                  <a:srgbClr val="C0504D"/>
+                </a:solidFill>
+                <a:latin typeface="Calibri" panose="020F0502020204030204" pitchFamily="34" charset="0"/>
+              </a:rPr>
+              <a:t>2013</a:t>
+            </a:r>
+          </a:p>
+        </p:txBody>
+      </p:sp>
+      <p:sp>
+        <p:nvSpPr>
+          <p:cNvPr id="366" name="OTLSHAPE_TB_00000000000000000000000000000000_RightEndCaps">
+            <a:extLst>
+              <a:ext uri="{FF2B5EF4-FFF2-40B4-BE49-F238E27FC236}">
+                <a16:creationId xmlns:a16="http://schemas.microsoft.com/office/drawing/2014/main" id="{08364A87-867C-42D3-A75E-B0EA2A39C125}"/>
+              </a:ext>
+            </a:extLst>
+          </p:cNvPr>
+          <p:cNvSpPr txBox="1"/>
+          <p:nvPr>
+            <p:custDataLst>
+              <p:tags r:id="rId11"/>
+            </p:custDataLst>
+          </p:nvPr>
+        </p:nvSpPr>
+        <p:spPr>
+          <a:xfrm>
+            <a:off x="8363034" y="3098969"/>
+            <a:ext cx="451662" cy="279061"/>
+          </a:xfrm>
+          <a:prstGeom prst="rect">
+            <a:avLst/>
+          </a:prstGeom>
+          <a:noFill/>
+        </p:spPr>
+        <p:txBody>
+          <a:bodyPr vert="horz" wrap="none" lIns="0" tIns="0" rIns="0" bIns="0" rtlCol="0" anchor="ctr" anchorCtr="0">
+            <a:spAutoFit/>
+          </a:bodyPr>
+          <a:lstStyle/>
+          <a:p>
+            <a:pPr algn="ctr"/>
+            <a:r>
+              <a:rPr lang="en-US" b="1" spc="-38">
+                <a:solidFill>
+                  <a:srgbClr val="C0504D"/>
+                </a:solidFill>
+                <a:latin typeface="Calibri" panose="020F0502020204030204" pitchFamily="34" charset="0"/>
+              </a:rPr>
+              <a:t>2016</a:t>
+            </a:r>
+          </a:p>
+        </p:txBody>
+      </p:sp>
+      <p:sp>
+        <p:nvSpPr>
+          <p:cNvPr id="367" name="OTLSHAPE_TB_00000000000000000000000000000000_ScaleContainer">
+            <a:extLst>
+              <a:ext uri="{FF2B5EF4-FFF2-40B4-BE49-F238E27FC236}">
+                <a16:creationId xmlns:a16="http://schemas.microsoft.com/office/drawing/2014/main" id="{826E353F-2274-43BD-AEF2-0EE6AEF2AD43}"/>
+              </a:ext>
+            </a:extLst>
+          </p:cNvPr>
+          <p:cNvSpPr/>
+          <p:nvPr>
+            <p:custDataLst>
+              <p:tags r:id="rId12"/>
+            </p:custDataLst>
+          </p:nvPr>
+        </p:nvSpPr>
+        <p:spPr bwMode="auto">
+          <a:xfrm>
+            <a:off x="933365" y="3048000"/>
+            <a:ext cx="7289800" cy="381000"/>
+          </a:xfrm>
+          <a:prstGeom prst="rect">
+            <a:avLst/>
+          </a:prstGeom>
+          <a:gradFill flip="none" rotWithShape="1">
+            <a:gsLst>
+              <a:gs pos="0">
+                <a:srgbClr val="44546A"/>
+              </a:gs>
+              <a:gs pos="0">
+                <a:srgbClr val="44546A"/>
+              </a:gs>
+            </a:gsLst>
+            <a:lin ang="5400000" scaled="1"/>
+            <a:tileRect/>
+          </a:gradFill>
+          <a:ln w="9525" cap="flat" cmpd="sng" algn="ctr">
+            <a:noFill/>
+            <a:prstDash val="solid"/>
+            <a:round/>
+            <a:headEnd type="none" w="med" len="med"/>
+            <a:tailEnd type="none" w="med" len="med"/>
+          </a:ln>
+          <a:effectLst>
+            <a:reflection blurRad="6350" stA="50000" endA="300" endPos="55500" dist="50800" dir="5400000" sy="-100000" algn="bl" rotWithShape="0"/>
+          </a:effectLst>
+          <a:scene3d>
+            <a:camera prst="orthographicFront"/>
+            <a:lightRig rig="threePt" dir="t">
+              <a:rot lat="0" lon="0" rev="8700000"/>
+            </a:lightRig>
+          </a:scene3d>
+          <a:sp3d>
+            <a:bevelT w="165100" h="19050"/>
+          </a:sp3d>
+        </p:spPr>
+        <p:txBody>
+          <a:bodyPr vert="horz" wrap="none" lIns="91440" tIns="45720" rIns="91440" bIns="45720" numCol="1" rtlCol="0" anchor="ctr" anchorCtr="0" compatLnSpc="1">
+            <a:prstTxWarp prst="textNoShape">
+              <a:avLst/>
+            </a:prstTxWarp>
+          </a:bodyPr>
+          <a:lstStyle/>
+          <a:p>
+            <a:pPr marL="0" marR="0" indent="0" algn="l" defTabSz="914400" rtl="0" eaLnBrk="0" fontAlgn="base" latinLnBrk="0" hangingPunct="0">
+              <a:lnSpc>
+                <a:spcPct val="100000"/>
+              </a:lnSpc>
+              <a:spcBef>
+                <a:spcPct val="0"/>
+              </a:spcBef>
+              <a:spcAft>
+                <a:spcPct val="0"/>
+              </a:spcAft>
+              <a:buClr>
+                <a:schemeClr val="tx1"/>
+              </a:buClr>
+              <a:buSzTx/>
+              <a:buFont typeface="Wingdings" pitchFamily="2" charset="2"/>
+              <a:buNone/>
+              <a:tabLst/>
+            </a:pPr>
+            <a:endParaRPr kumimoji="0" lang="en-US" sz="1600" b="1" i="0" u="none" strike="noStrike" cap="none" normalizeH="0" baseline="0">
+              <a:ln>
+                <a:noFill/>
+              </a:ln>
+              <a:solidFill>
+                <a:schemeClr val="tx1"/>
+              </a:solidFill>
+              <a:effectLst/>
+              <a:latin typeface="Courier New" pitchFamily="49" charset="0"/>
+            </a:endParaRPr>
+          </a:p>
+        </p:txBody>
+      </p:sp>
+      <p:sp>
+        <p:nvSpPr>
+          <p:cNvPr id="368" name="OTLSHAPE_TB_00000000000000000000000000000000_ElapsedTime" hidden="1">
+            <a:extLst>
+              <a:ext uri="{FF2B5EF4-FFF2-40B4-BE49-F238E27FC236}">
+                <a16:creationId xmlns:a16="http://schemas.microsoft.com/office/drawing/2014/main" id="{A22F3678-48A0-4235-8287-C76F5262C548}"/>
+              </a:ext>
+            </a:extLst>
+          </p:cNvPr>
+          <p:cNvSpPr/>
+          <p:nvPr>
+            <p:custDataLst>
+              <p:tags r:id="rId13"/>
+            </p:custDataLst>
+          </p:nvPr>
+        </p:nvSpPr>
+        <p:spPr bwMode="auto">
+          <a:xfrm>
+            <a:off x="0" y="0"/>
+            <a:ext cx="0" cy="0"/>
+          </a:xfrm>
+          <a:prstGeom prst="rect">
+            <a:avLst/>
+          </a:prstGeom>
+          <a:solidFill>
+            <a:srgbClr val="CCFFFF">
+              <a:alpha val="50000"/>
+            </a:srgbClr>
+          </a:solidFill>
+          <a:ln w="9525" cap="flat" cmpd="sng" algn="ctr">
+            <a:noFill/>
+            <a:prstDash val="solid"/>
+            <a:round/>
+            <a:headEnd type="none" w="med" len="med"/>
+            <a:tailEnd type="none" w="med" len="med"/>
+          </a:ln>
+          <a:effectLst/>
+        </p:spPr>
+        <p:txBody>
+          <a:bodyPr vert="horz" wrap="none" lIns="91440" tIns="45720" rIns="91440" bIns="45720" numCol="1" rtlCol="0" anchor="ctr" anchorCtr="0" compatLnSpc="1">
+            <a:prstTxWarp prst="textNoShape">
+              <a:avLst/>
+            </a:prstTxWarp>
+          </a:bodyPr>
+          <a:lstStyle/>
+          <a:p>
+            <a:pPr marL="0" marR="0" indent="0" algn="l" defTabSz="914400" rtl="0" eaLnBrk="0" fontAlgn="base" latinLnBrk="0" hangingPunct="0">
+              <a:lnSpc>
+                <a:spcPct val="100000"/>
+              </a:lnSpc>
+              <a:spcBef>
+                <a:spcPct val="0"/>
+              </a:spcBef>
+              <a:spcAft>
+                <a:spcPct val="0"/>
+              </a:spcAft>
+              <a:buClr>
+                <a:schemeClr val="tx1"/>
+              </a:buClr>
+              <a:buSzTx/>
+              <a:buFont typeface="Wingdings" pitchFamily="2" charset="2"/>
+              <a:buNone/>
+              <a:tabLst/>
+            </a:pPr>
+            <a:endParaRPr kumimoji="0" lang="en-US" sz="1600" b="1" i="0" u="none" strike="noStrike" cap="none" normalizeH="0" baseline="0">
+              <a:ln>
+                <a:noFill/>
+              </a:ln>
+              <a:solidFill>
+                <a:schemeClr val="tx1"/>
+              </a:solidFill>
+              <a:effectLst/>
+              <a:latin typeface="Courier New" pitchFamily="49" charset="0"/>
+            </a:endParaRPr>
+          </a:p>
+        </p:txBody>
+      </p:sp>
+      <p:sp>
+        <p:nvSpPr>
+          <p:cNvPr id="369" name="OTLSHAPE_TB_00000000000000000000000000000000_TodayMarkerShape" hidden="1">
+            <a:extLst>
+              <a:ext uri="{FF2B5EF4-FFF2-40B4-BE49-F238E27FC236}">
+                <a16:creationId xmlns:a16="http://schemas.microsoft.com/office/drawing/2014/main" id="{96E60F15-6145-43C2-87C4-6953C69AA92C}"/>
+              </a:ext>
+            </a:extLst>
+          </p:cNvPr>
+          <p:cNvSpPr/>
+          <p:nvPr>
+            <p:custDataLst>
+              <p:tags r:id="rId14"/>
+            </p:custDataLst>
+          </p:nvPr>
+        </p:nvSpPr>
+        <p:spPr bwMode="auto">
+          <a:xfrm>
+            <a:off x="878937" y="3429000"/>
+            <a:ext cx="108857" cy="127000"/>
+          </a:xfrm>
+          <a:prstGeom prst="triangle">
+            <a:avLst/>
+          </a:prstGeom>
+          <a:solidFill>
+            <a:srgbClr val="CCFFFF">
+              <a:alpha val="50000"/>
+            </a:srgbClr>
+          </a:solidFill>
+          <a:ln w="9525" cap="flat" cmpd="sng" algn="ctr">
+            <a:noFill/>
+            <a:prstDash val="solid"/>
+            <a:round/>
+            <a:headEnd type="none" w="med" len="med"/>
+            <a:tailEnd type="none" w="med" len="med"/>
+          </a:ln>
+          <a:effectLst/>
+        </p:spPr>
+        <p:txBody>
+          <a:bodyPr vert="horz" wrap="none" lIns="91440" tIns="45720" rIns="91440" bIns="45720" numCol="1" rtlCol="0" anchor="ctr" anchorCtr="0" compatLnSpc="1">
+            <a:prstTxWarp prst="textNoShape">
+              <a:avLst/>
+            </a:prstTxWarp>
+          </a:bodyPr>
+          <a:lstStyle/>
+          <a:p>
+            <a:pPr marL="0" marR="0" indent="0" algn="l" defTabSz="914400" rtl="0" eaLnBrk="0" fontAlgn="base" latinLnBrk="0" hangingPunct="0">
+              <a:lnSpc>
+                <a:spcPct val="100000"/>
+              </a:lnSpc>
+              <a:spcBef>
+                <a:spcPct val="0"/>
+              </a:spcBef>
+              <a:spcAft>
+                <a:spcPct val="0"/>
+              </a:spcAft>
+              <a:buClr>
+                <a:schemeClr val="tx1"/>
+              </a:buClr>
+              <a:buSzTx/>
+              <a:buFont typeface="Wingdings" pitchFamily="2" charset="2"/>
+              <a:buNone/>
+              <a:tabLst/>
+            </a:pPr>
+            <a:endParaRPr kumimoji="0" lang="en-US" sz="1600" b="1" i="0" u="none" strike="noStrike" cap="none" normalizeH="0" baseline="0">
+              <a:ln>
+                <a:noFill/>
+              </a:ln>
+              <a:solidFill>
+                <a:schemeClr val="tx1"/>
+              </a:solidFill>
+              <a:effectLst/>
+              <a:latin typeface="Courier New" pitchFamily="49" charset="0"/>
+            </a:endParaRPr>
+          </a:p>
+        </p:txBody>
+      </p:sp>
+      <p:sp>
+        <p:nvSpPr>
+          <p:cNvPr id="370" name="OTLSHAPE_TB_00000000000000000000000000000000_TodayMarkerText" hidden="1">
+            <a:extLst>
+              <a:ext uri="{FF2B5EF4-FFF2-40B4-BE49-F238E27FC236}">
+                <a16:creationId xmlns:a16="http://schemas.microsoft.com/office/drawing/2014/main" id="{77FC4B63-8C7E-46DF-AC78-EF1CCEAACAB2}"/>
+              </a:ext>
+            </a:extLst>
+          </p:cNvPr>
+          <p:cNvSpPr txBox="1"/>
+          <p:nvPr>
+            <p:custDataLst>
+              <p:tags r:id="rId15"/>
+            </p:custDataLst>
+          </p:nvPr>
+        </p:nvSpPr>
+        <p:spPr>
+          <a:xfrm>
+            <a:off x="933365" y="3556000"/>
+            <a:ext cx="379848" cy="184666"/>
+          </a:xfrm>
+          <a:prstGeom prst="rect">
+            <a:avLst/>
+          </a:prstGeom>
+          <a:noFill/>
+        </p:spPr>
+        <p:txBody>
+          <a:bodyPr vert="horz" wrap="none" lIns="0" tIns="0" rIns="0" bIns="0" rtlCol="0" anchor="ctr" anchorCtr="0">
+            <a:spAutoFit/>
+          </a:bodyPr>
+          <a:lstStyle/>
+          <a:p>
+            <a:pPr algn="ctr"/>
+            <a:r>
+              <a:rPr lang="en-US" sz="1200">
+                <a:solidFill>
+                  <a:schemeClr val="dk1"/>
+                </a:solidFill>
+                <a:latin typeface="Calibri" panose="020F0502020204030204" pitchFamily="34" charset="0"/>
+              </a:rPr>
+              <a:t>Heute</a:t>
+            </a:r>
+          </a:p>
+        </p:txBody>
+      </p:sp>
+      <p:sp>
+        <p:nvSpPr>
+          <p:cNvPr id="371" name="OTLSHAPE_TB_00000000000000000000000000000000_TimescaleInterval1">
+            <a:extLst>
+              <a:ext uri="{FF2B5EF4-FFF2-40B4-BE49-F238E27FC236}">
+                <a16:creationId xmlns:a16="http://schemas.microsoft.com/office/drawing/2014/main" id="{3AE47012-6B2C-453D-A6ED-0CC982831306}"/>
+              </a:ext>
+            </a:extLst>
+          </p:cNvPr>
+          <p:cNvSpPr txBox="1"/>
+          <p:nvPr>
+            <p:custDataLst>
+              <p:tags r:id="rId16"/>
+            </p:custDataLst>
+          </p:nvPr>
+        </p:nvSpPr>
+        <p:spPr>
+          <a:xfrm>
+            <a:off x="996865" y="3145473"/>
+            <a:ext cx="203200" cy="186055"/>
+          </a:xfrm>
+          <a:prstGeom prst="rect">
+            <a:avLst/>
+          </a:prstGeom>
+          <a:noFill/>
+        </p:spPr>
+        <p:txBody>
+          <a:bodyPr vert="horz" wrap="none" lIns="0" tIns="0" rIns="0" bIns="0" rtlCol="0" anchor="ctr" anchorCtr="0">
+            <a:noAutofit/>
+          </a:bodyPr>
+          <a:lstStyle/>
+          <a:p>
+            <a:r>
+              <a:rPr lang="en-US" sz="1200" spc="-20">
+                <a:solidFill>
+                  <a:schemeClr val="lt1"/>
+                </a:solidFill>
+                <a:latin typeface="Calibri" panose="020F0502020204030204" pitchFamily="34" charset="0"/>
+              </a:rPr>
+              <a:t>Jan</a:t>
+            </a:r>
+          </a:p>
+        </p:txBody>
+      </p:sp>
+      <p:cxnSp>
+        <p:nvCxnSpPr>
+          <p:cNvPr id="372" name="OTLSHAPE_TB_00000000000000000000000000000000_Separator1">
+            <a:extLst>
+              <a:ext uri="{FF2B5EF4-FFF2-40B4-BE49-F238E27FC236}">
+                <a16:creationId xmlns:a16="http://schemas.microsoft.com/office/drawing/2014/main" id="{D5395826-F2E4-4889-820E-14BB0182C9D3}"/>
+              </a:ext>
+            </a:extLst>
+          </p:cNvPr>
+          <p:cNvCxnSpPr/>
+          <p:nvPr>
+            <p:custDataLst>
+              <p:tags r:id="rId17"/>
+            </p:custDataLst>
+          </p:nvPr>
+        </p:nvCxnSpPr>
+        <p:spPr bwMode="auto">
+          <a:xfrm>
+            <a:off x="1964834" y="3136900"/>
+            <a:ext cx="0" cy="203200"/>
+          </a:xfrm>
+          <a:prstGeom prst="line">
+            <a:avLst/>
+          </a:prstGeom>
+          <a:solidFill>
+            <a:srgbClr val="CCFFFF">
+              <a:alpha val="50000"/>
+            </a:srgbClr>
+          </a:solidFill>
+          <a:ln w="9525" cap="flat" cmpd="sng" algn="ctr">
+            <a:solidFill>
+              <a:schemeClr val="lt1">
+                <a:alpha val="29804"/>
+              </a:schemeClr>
+            </a:solidFill>
+            <a:prstDash val="solid"/>
+            <a:round/>
+            <a:headEnd type="none" w="med" len="med"/>
+            <a:tailEnd type="none" w="med" len="med"/>
+          </a:ln>
+          <a:effectLst/>
+        </p:spPr>
+      </p:cxnSp>
+      <p:sp>
+        <p:nvSpPr>
+          <p:cNvPr id="373" name="OTLSHAPE_TB_00000000000000000000000000000000_TimescaleInterval2">
+            <a:extLst>
+              <a:ext uri="{FF2B5EF4-FFF2-40B4-BE49-F238E27FC236}">
+                <a16:creationId xmlns:a16="http://schemas.microsoft.com/office/drawing/2014/main" id="{34339389-F8CD-4A45-A44C-948AEA66A1D4}"/>
+              </a:ext>
+            </a:extLst>
+          </p:cNvPr>
+          <p:cNvSpPr txBox="1"/>
+          <p:nvPr>
+            <p:custDataLst>
+              <p:tags r:id="rId18"/>
+            </p:custDataLst>
+          </p:nvPr>
+        </p:nvSpPr>
+        <p:spPr>
+          <a:xfrm>
+            <a:off x="2028334" y="3145473"/>
+            <a:ext cx="158185" cy="186055"/>
+          </a:xfrm>
+          <a:prstGeom prst="rect">
+            <a:avLst/>
+          </a:prstGeom>
+          <a:noFill/>
+        </p:spPr>
+        <p:txBody>
+          <a:bodyPr vert="horz" wrap="none" lIns="0" tIns="0" rIns="0" bIns="0" rtlCol="0" anchor="ctr" anchorCtr="0">
+            <a:noAutofit/>
+          </a:bodyPr>
+          <a:lstStyle/>
+          <a:p>
+            <a:r>
+              <a:rPr lang="en-US" sz="1200" spc="-20">
+                <a:solidFill>
+                  <a:schemeClr val="lt1"/>
+                </a:solidFill>
+                <a:latin typeface="Calibri" panose="020F0502020204030204" pitchFamily="34" charset="0"/>
+              </a:rPr>
+              <a:t>Jul</a:t>
+            </a:r>
+          </a:p>
+        </p:txBody>
+      </p:sp>
+      <p:cxnSp>
+        <p:nvCxnSpPr>
+          <p:cNvPr id="374" name="OTLSHAPE_TB_00000000000000000000000000000000_Separator2">
+            <a:extLst>
+              <a:ext uri="{FF2B5EF4-FFF2-40B4-BE49-F238E27FC236}">
+                <a16:creationId xmlns:a16="http://schemas.microsoft.com/office/drawing/2014/main" id="{4D3B6E16-5E4A-46DC-811B-4C4AAC72FFAF}"/>
+              </a:ext>
+            </a:extLst>
+          </p:cNvPr>
+          <p:cNvCxnSpPr/>
+          <p:nvPr>
+            <p:custDataLst>
+              <p:tags r:id="rId19"/>
+            </p:custDataLst>
+          </p:nvPr>
+        </p:nvCxnSpPr>
+        <p:spPr bwMode="auto">
+          <a:xfrm>
+            <a:off x="3013399" y="3136900"/>
+            <a:ext cx="0" cy="203200"/>
+          </a:xfrm>
+          <a:prstGeom prst="line">
+            <a:avLst/>
+          </a:prstGeom>
+          <a:solidFill>
+            <a:srgbClr val="CCFFFF">
+              <a:alpha val="50000"/>
+            </a:srgbClr>
+          </a:solidFill>
+          <a:ln w="9525" cap="flat" cmpd="sng" algn="ctr">
+            <a:solidFill>
+              <a:schemeClr val="lt1">
+                <a:alpha val="29804"/>
+              </a:schemeClr>
+            </a:solidFill>
+            <a:prstDash val="solid"/>
+            <a:round/>
+            <a:headEnd type="none" w="med" len="med"/>
+            <a:tailEnd type="none" w="med" len="med"/>
+          </a:ln>
+          <a:effectLst/>
+        </p:spPr>
+      </p:cxnSp>
+      <p:sp>
+        <p:nvSpPr>
+          <p:cNvPr id="375" name="OTLSHAPE_TB_00000000000000000000000000000000_TimescaleInterval3">
+            <a:extLst>
+              <a:ext uri="{FF2B5EF4-FFF2-40B4-BE49-F238E27FC236}">
+                <a16:creationId xmlns:a16="http://schemas.microsoft.com/office/drawing/2014/main" id="{A42B5028-43A9-4C94-96E0-59DED79C197E}"/>
+              </a:ext>
+            </a:extLst>
+          </p:cNvPr>
+          <p:cNvSpPr txBox="1"/>
+          <p:nvPr>
+            <p:custDataLst>
+              <p:tags r:id="rId20"/>
+            </p:custDataLst>
+          </p:nvPr>
+        </p:nvSpPr>
+        <p:spPr>
+          <a:xfrm>
+            <a:off x="3076899" y="3145473"/>
+            <a:ext cx="304955" cy="186055"/>
+          </a:xfrm>
+          <a:prstGeom prst="rect">
+            <a:avLst/>
+          </a:prstGeom>
+          <a:noFill/>
+        </p:spPr>
+        <p:txBody>
+          <a:bodyPr vert="horz" wrap="none" lIns="0" tIns="0" rIns="0" bIns="0" rtlCol="0" anchor="ctr" anchorCtr="0">
+            <a:noAutofit/>
+          </a:bodyPr>
+          <a:lstStyle/>
+          <a:p>
+            <a:r>
+              <a:rPr lang="en-US" sz="1200" spc="-20">
+                <a:solidFill>
+                  <a:schemeClr val="lt1"/>
+                </a:solidFill>
+                <a:latin typeface="Calibri" panose="020F0502020204030204" pitchFamily="34" charset="0"/>
+              </a:rPr>
+              <a:t>2014</a:t>
+            </a:r>
+          </a:p>
+        </p:txBody>
+      </p:sp>
+      <p:cxnSp>
+        <p:nvCxnSpPr>
+          <p:cNvPr id="376" name="OTLSHAPE_TB_00000000000000000000000000000000_Separator3">
+            <a:extLst>
+              <a:ext uri="{FF2B5EF4-FFF2-40B4-BE49-F238E27FC236}">
+                <a16:creationId xmlns:a16="http://schemas.microsoft.com/office/drawing/2014/main" id="{AAEB9DE1-ACEC-4AB8-A73F-389E0E8F374B}"/>
+              </a:ext>
+            </a:extLst>
+          </p:cNvPr>
+          <p:cNvCxnSpPr/>
+          <p:nvPr>
+            <p:custDataLst>
+              <p:tags r:id="rId21"/>
+            </p:custDataLst>
+          </p:nvPr>
+        </p:nvCxnSpPr>
+        <p:spPr bwMode="auto">
+          <a:xfrm>
+            <a:off x="4044868" y="3136900"/>
+            <a:ext cx="0" cy="203200"/>
+          </a:xfrm>
+          <a:prstGeom prst="line">
+            <a:avLst/>
+          </a:prstGeom>
+          <a:solidFill>
+            <a:srgbClr val="CCFFFF">
+              <a:alpha val="50000"/>
+            </a:srgbClr>
+          </a:solidFill>
+          <a:ln w="9525" cap="flat" cmpd="sng" algn="ctr">
+            <a:solidFill>
+              <a:schemeClr val="lt1">
+                <a:alpha val="29804"/>
+              </a:schemeClr>
+            </a:solidFill>
+            <a:prstDash val="solid"/>
+            <a:round/>
+            <a:headEnd type="none" w="med" len="med"/>
+            <a:tailEnd type="none" w="med" len="med"/>
+          </a:ln>
+          <a:effectLst/>
+        </p:spPr>
+      </p:cxnSp>
+      <p:sp>
+        <p:nvSpPr>
+          <p:cNvPr id="377" name="OTLSHAPE_TB_00000000000000000000000000000000_TimescaleInterval4">
+            <a:extLst>
+              <a:ext uri="{FF2B5EF4-FFF2-40B4-BE49-F238E27FC236}">
+                <a16:creationId xmlns:a16="http://schemas.microsoft.com/office/drawing/2014/main" id="{AA9088C2-89EB-40FF-ADC8-4F869BE4BFCC}"/>
+              </a:ext>
+            </a:extLst>
+          </p:cNvPr>
+          <p:cNvSpPr txBox="1"/>
+          <p:nvPr>
+            <p:custDataLst>
+              <p:tags r:id="rId22"/>
+            </p:custDataLst>
+          </p:nvPr>
+        </p:nvSpPr>
+        <p:spPr>
+          <a:xfrm>
+            <a:off x="4108368" y="3145473"/>
+            <a:ext cx="158185" cy="186055"/>
+          </a:xfrm>
+          <a:prstGeom prst="rect">
+            <a:avLst/>
+          </a:prstGeom>
+          <a:noFill/>
+        </p:spPr>
+        <p:txBody>
+          <a:bodyPr vert="horz" wrap="none" lIns="0" tIns="0" rIns="0" bIns="0" rtlCol="0" anchor="ctr" anchorCtr="0">
+            <a:noAutofit/>
+          </a:bodyPr>
+          <a:lstStyle/>
+          <a:p>
+            <a:r>
+              <a:rPr lang="en-US" sz="1200" spc="-20">
+                <a:solidFill>
+                  <a:schemeClr val="lt1"/>
+                </a:solidFill>
+                <a:latin typeface="Calibri" panose="020F0502020204030204" pitchFamily="34" charset="0"/>
+              </a:rPr>
+              <a:t>Jul</a:t>
+            </a:r>
+          </a:p>
+        </p:txBody>
+      </p:sp>
+      <p:cxnSp>
+        <p:nvCxnSpPr>
+          <p:cNvPr id="378" name="OTLSHAPE_TB_00000000000000000000000000000000_Separator4">
+            <a:extLst>
+              <a:ext uri="{FF2B5EF4-FFF2-40B4-BE49-F238E27FC236}">
+                <a16:creationId xmlns:a16="http://schemas.microsoft.com/office/drawing/2014/main" id="{0497F3E3-A524-4C8D-B439-49AAF7DE157E}"/>
+              </a:ext>
+            </a:extLst>
+          </p:cNvPr>
+          <p:cNvCxnSpPr/>
+          <p:nvPr>
+            <p:custDataLst>
+              <p:tags r:id="rId23"/>
+            </p:custDataLst>
+          </p:nvPr>
+        </p:nvCxnSpPr>
+        <p:spPr bwMode="auto">
+          <a:xfrm>
+            <a:off x="5093433" y="3136900"/>
+            <a:ext cx="0" cy="203200"/>
+          </a:xfrm>
+          <a:prstGeom prst="line">
+            <a:avLst/>
+          </a:prstGeom>
+          <a:solidFill>
+            <a:srgbClr val="CCFFFF">
+              <a:alpha val="50000"/>
+            </a:srgbClr>
+          </a:solidFill>
+          <a:ln w="9525" cap="flat" cmpd="sng" algn="ctr">
+            <a:solidFill>
+              <a:schemeClr val="lt1">
+                <a:alpha val="29804"/>
+              </a:schemeClr>
+            </a:solidFill>
+            <a:prstDash val="solid"/>
+            <a:round/>
+            <a:headEnd type="none" w="med" len="med"/>
+            <a:tailEnd type="none" w="med" len="med"/>
+          </a:ln>
+          <a:effectLst/>
+        </p:spPr>
+      </p:cxnSp>
+      <p:sp>
+        <p:nvSpPr>
+          <p:cNvPr id="379" name="OTLSHAPE_TB_00000000000000000000000000000000_TimescaleInterval5">
+            <a:extLst>
+              <a:ext uri="{FF2B5EF4-FFF2-40B4-BE49-F238E27FC236}">
+                <a16:creationId xmlns:a16="http://schemas.microsoft.com/office/drawing/2014/main" id="{3DAE28C4-4017-49BA-93AF-93178E75C026}"/>
+              </a:ext>
+            </a:extLst>
+          </p:cNvPr>
+          <p:cNvSpPr txBox="1"/>
+          <p:nvPr>
+            <p:custDataLst>
+              <p:tags r:id="rId24"/>
+            </p:custDataLst>
+          </p:nvPr>
+        </p:nvSpPr>
+        <p:spPr>
+          <a:xfrm>
+            <a:off x="5156933" y="3145473"/>
+            <a:ext cx="304955" cy="186055"/>
+          </a:xfrm>
+          <a:prstGeom prst="rect">
+            <a:avLst/>
+          </a:prstGeom>
+          <a:noFill/>
+        </p:spPr>
+        <p:txBody>
+          <a:bodyPr vert="horz" wrap="none" lIns="0" tIns="0" rIns="0" bIns="0" rtlCol="0" anchor="ctr" anchorCtr="0">
+            <a:noAutofit/>
+          </a:bodyPr>
+          <a:lstStyle/>
+          <a:p>
+            <a:r>
+              <a:rPr lang="en-US" sz="1200" spc="-20">
+                <a:solidFill>
+                  <a:schemeClr val="lt1"/>
+                </a:solidFill>
+                <a:latin typeface="Calibri" panose="020F0502020204030204" pitchFamily="34" charset="0"/>
+              </a:rPr>
+              <a:t>2015</a:t>
+            </a:r>
+          </a:p>
+        </p:txBody>
+      </p:sp>
+      <p:cxnSp>
+        <p:nvCxnSpPr>
+          <p:cNvPr id="380" name="OTLSHAPE_TB_00000000000000000000000000000000_Separator5">
+            <a:extLst>
+              <a:ext uri="{FF2B5EF4-FFF2-40B4-BE49-F238E27FC236}">
+                <a16:creationId xmlns:a16="http://schemas.microsoft.com/office/drawing/2014/main" id="{18CFC266-8CDB-4E00-9655-802F44BD4B7E}"/>
+              </a:ext>
+            </a:extLst>
+          </p:cNvPr>
+          <p:cNvCxnSpPr/>
+          <p:nvPr>
+            <p:custDataLst>
+              <p:tags r:id="rId25"/>
+            </p:custDataLst>
+          </p:nvPr>
+        </p:nvCxnSpPr>
+        <p:spPr bwMode="auto">
+          <a:xfrm>
+            <a:off x="6124902" y="3136900"/>
+            <a:ext cx="0" cy="203200"/>
+          </a:xfrm>
+          <a:prstGeom prst="line">
+            <a:avLst/>
+          </a:prstGeom>
+          <a:solidFill>
+            <a:srgbClr val="CCFFFF">
+              <a:alpha val="50000"/>
+            </a:srgbClr>
+          </a:solidFill>
+          <a:ln w="9525" cap="flat" cmpd="sng" algn="ctr">
+            <a:solidFill>
+              <a:schemeClr val="lt1">
+                <a:alpha val="29804"/>
+              </a:schemeClr>
+            </a:solidFill>
+            <a:prstDash val="solid"/>
+            <a:round/>
+            <a:headEnd type="none" w="med" len="med"/>
+            <a:tailEnd type="none" w="med" len="med"/>
+          </a:ln>
+          <a:effectLst/>
+        </p:spPr>
+      </p:cxnSp>
+      <p:sp>
+        <p:nvSpPr>
+          <p:cNvPr id="381" name="OTLSHAPE_TB_00000000000000000000000000000000_TimescaleInterval6">
+            <a:extLst>
+              <a:ext uri="{FF2B5EF4-FFF2-40B4-BE49-F238E27FC236}">
+                <a16:creationId xmlns:a16="http://schemas.microsoft.com/office/drawing/2014/main" id="{382A997D-C389-4D7A-975D-F78E1CABA583}"/>
+              </a:ext>
+            </a:extLst>
+          </p:cNvPr>
+          <p:cNvSpPr txBox="1"/>
+          <p:nvPr>
+            <p:custDataLst>
+              <p:tags r:id="rId26"/>
+            </p:custDataLst>
+          </p:nvPr>
+        </p:nvSpPr>
+        <p:spPr>
+          <a:xfrm>
+            <a:off x="6188402" y="3145473"/>
+            <a:ext cx="158185" cy="186055"/>
+          </a:xfrm>
+          <a:prstGeom prst="rect">
+            <a:avLst/>
+          </a:prstGeom>
+          <a:noFill/>
+        </p:spPr>
+        <p:txBody>
+          <a:bodyPr vert="horz" wrap="none" lIns="0" tIns="0" rIns="0" bIns="0" rtlCol="0" anchor="ctr" anchorCtr="0">
+            <a:noAutofit/>
+          </a:bodyPr>
+          <a:lstStyle/>
+          <a:p>
+            <a:r>
+              <a:rPr lang="en-US" sz="1200" spc="-20">
+                <a:solidFill>
+                  <a:schemeClr val="lt1"/>
+                </a:solidFill>
+                <a:latin typeface="Calibri" panose="020F0502020204030204" pitchFamily="34" charset="0"/>
+              </a:rPr>
+              <a:t>Jul</a:t>
+            </a:r>
+          </a:p>
+        </p:txBody>
+      </p:sp>
+      <p:cxnSp>
+        <p:nvCxnSpPr>
+          <p:cNvPr id="382" name="OTLSHAPE_TB_00000000000000000000000000000000_Separator6">
+            <a:extLst>
+              <a:ext uri="{FF2B5EF4-FFF2-40B4-BE49-F238E27FC236}">
+                <a16:creationId xmlns:a16="http://schemas.microsoft.com/office/drawing/2014/main" id="{4C667BC4-7C02-42C1-9335-960E20DAF924}"/>
+              </a:ext>
+            </a:extLst>
+          </p:cNvPr>
+          <p:cNvCxnSpPr/>
+          <p:nvPr>
+            <p:custDataLst>
+              <p:tags r:id="rId27"/>
+            </p:custDataLst>
+          </p:nvPr>
+        </p:nvCxnSpPr>
+        <p:spPr bwMode="auto">
+          <a:xfrm>
+            <a:off x="7173467" y="3136900"/>
+            <a:ext cx="0" cy="203200"/>
+          </a:xfrm>
+          <a:prstGeom prst="line">
+            <a:avLst/>
+          </a:prstGeom>
+          <a:solidFill>
+            <a:srgbClr val="CCFFFF">
+              <a:alpha val="50000"/>
+            </a:srgbClr>
+          </a:solidFill>
+          <a:ln w="9525" cap="flat" cmpd="sng" algn="ctr">
+            <a:solidFill>
+              <a:schemeClr val="lt1">
+                <a:alpha val="29804"/>
+              </a:schemeClr>
+            </a:solidFill>
+            <a:prstDash val="solid"/>
+            <a:round/>
+            <a:headEnd type="none" w="med" len="med"/>
+            <a:tailEnd type="none" w="med" len="med"/>
+          </a:ln>
+          <a:effectLst/>
+        </p:spPr>
+      </p:cxnSp>
+      <p:sp>
+        <p:nvSpPr>
+          <p:cNvPr id="383" name="OTLSHAPE_TB_00000000000000000000000000000000_TimescaleInterval7">
+            <a:extLst>
+              <a:ext uri="{FF2B5EF4-FFF2-40B4-BE49-F238E27FC236}">
+                <a16:creationId xmlns:a16="http://schemas.microsoft.com/office/drawing/2014/main" id="{A90B07B5-08C9-4AAE-AE65-AF18D783AEFA}"/>
+              </a:ext>
+            </a:extLst>
+          </p:cNvPr>
+          <p:cNvSpPr txBox="1"/>
+          <p:nvPr>
+            <p:custDataLst>
+              <p:tags r:id="rId28"/>
+            </p:custDataLst>
+          </p:nvPr>
+        </p:nvSpPr>
+        <p:spPr>
+          <a:xfrm>
+            <a:off x="7236967" y="3145473"/>
+            <a:ext cx="304955" cy="186055"/>
+          </a:xfrm>
+          <a:prstGeom prst="rect">
+            <a:avLst/>
+          </a:prstGeom>
+          <a:noFill/>
+        </p:spPr>
+        <p:txBody>
+          <a:bodyPr vert="horz" wrap="none" lIns="0" tIns="0" rIns="0" bIns="0" rtlCol="0" anchor="ctr" anchorCtr="0">
+            <a:noAutofit/>
+          </a:bodyPr>
+          <a:lstStyle/>
+          <a:p>
+            <a:r>
+              <a:rPr lang="en-US" sz="1200" spc="-20">
+                <a:solidFill>
+                  <a:schemeClr val="lt1"/>
+                </a:solidFill>
+                <a:latin typeface="Calibri" panose="020F0502020204030204" pitchFamily="34" charset="0"/>
+              </a:rPr>
+              <a:t>2016</a:t>
+            </a:r>
+          </a:p>
+        </p:txBody>
+      </p:sp>
+      <p:sp>
+        <p:nvSpPr>
+          <p:cNvPr id="392" name="OTLSHAPE_M_d76b1022959b48e6a7433c7b80693750_Title">
+            <a:extLst>
+              <a:ext uri="{FF2B5EF4-FFF2-40B4-BE49-F238E27FC236}">
+                <a16:creationId xmlns:a16="http://schemas.microsoft.com/office/drawing/2014/main" id="{CB375259-FE1D-4237-884A-2B64175FDB74}"/>
+              </a:ext>
+            </a:extLst>
+          </p:cNvPr>
+          <p:cNvSpPr txBox="1"/>
+          <p:nvPr>
+            <p:custDataLst>
+              <p:tags r:id="rId29"/>
+            </p:custDataLst>
+          </p:nvPr>
+        </p:nvSpPr>
+        <p:spPr>
+          <a:xfrm>
+            <a:off x="1270237" y="2493857"/>
+            <a:ext cx="825500" cy="170519"/>
+          </a:xfrm>
+          <a:prstGeom prst="rect">
+            <a:avLst/>
+          </a:prstGeom>
+          <a:noFill/>
+        </p:spPr>
+        <p:txBody>
+          <a:bodyPr vert="horz" wrap="square" lIns="0" tIns="0" rIns="0" bIns="0" rtlCol="0" anchor="ctr" anchorCtr="0">
+            <a:spAutoFit/>
+          </a:bodyPr>
+          <a:lstStyle/>
+          <a:p>
+            <a:r>
+              <a:rPr lang="en-US" sz="1100" b="1" spc="-6">
+                <a:solidFill>
+                  <a:schemeClr val="dk1"/>
+                </a:solidFill>
+                <a:latin typeface="Calibri" panose="020F0502020204030204" pitchFamily="34" charset="0"/>
+              </a:rPr>
+              <a:t>Initial Commit</a:t>
+            </a:r>
+          </a:p>
+        </p:txBody>
+      </p:sp>
+      <p:sp>
+        <p:nvSpPr>
+          <p:cNvPr id="393" name="OTLSHAPE_M_d76b1022959b48e6a7433c7b80693750_Date">
+            <a:extLst>
+              <a:ext uri="{FF2B5EF4-FFF2-40B4-BE49-F238E27FC236}">
+                <a16:creationId xmlns:a16="http://schemas.microsoft.com/office/drawing/2014/main" id="{81070C6C-0243-4C70-976A-9DBFA6501834}"/>
+              </a:ext>
+            </a:extLst>
+          </p:cNvPr>
+          <p:cNvSpPr txBox="1"/>
+          <p:nvPr>
+            <p:custDataLst>
+              <p:tags r:id="rId30"/>
+            </p:custDataLst>
+          </p:nvPr>
+        </p:nvSpPr>
+        <p:spPr>
+          <a:xfrm>
+            <a:off x="1270237" y="2677075"/>
+            <a:ext cx="558800" cy="155025"/>
+          </a:xfrm>
+          <a:prstGeom prst="rect">
+            <a:avLst/>
+          </a:prstGeom>
+          <a:noFill/>
+        </p:spPr>
+        <p:txBody>
+          <a:bodyPr vert="horz" wrap="square" lIns="0" tIns="0" rIns="0" bIns="0" rtlCol="0" anchor="ctr" anchorCtr="0">
+            <a:spAutoFit/>
+          </a:bodyPr>
+          <a:lstStyle/>
+          <a:p>
+            <a:r>
+              <a:rPr lang="en-US" sz="1000" spc="-8">
+                <a:solidFill>
+                  <a:srgbClr val="1F497E"/>
+                </a:solidFill>
+                <a:latin typeface="Calibri" panose="020F0502020204030204" pitchFamily="34" charset="0"/>
+              </a:rPr>
+              <a:t>1/19/2013</a:t>
+            </a:r>
+          </a:p>
+        </p:txBody>
+      </p:sp>
+      <p:sp>
+        <p:nvSpPr>
+          <p:cNvPr id="394" name="OTLSHAPE_M_d76b1022959b48e6a7433c7b80693750_Shape">
+            <a:extLst>
+              <a:ext uri="{FF2B5EF4-FFF2-40B4-BE49-F238E27FC236}">
+                <a16:creationId xmlns:a16="http://schemas.microsoft.com/office/drawing/2014/main" id="{8ADB59C3-A07B-40BE-A1BC-42D080B31823}"/>
+              </a:ext>
+            </a:extLst>
+          </p:cNvPr>
+          <p:cNvSpPr/>
+          <p:nvPr>
+            <p:custDataLst>
+              <p:tags r:id="rId31"/>
+            </p:custDataLst>
+          </p:nvPr>
+        </p:nvSpPr>
+        <p:spPr bwMode="auto">
+          <a:xfrm rot="16200000">
+            <a:off x="1073387" y="2605828"/>
+            <a:ext cx="165100" cy="165100"/>
+          </a:xfrm>
+          <a:prstGeom prst="flowChartMerge">
+            <a:avLst/>
+          </a:prstGeom>
+          <a:solidFill>
+            <a:srgbClr val="6F3198"/>
+          </a:solidFill>
+          <a:ln w="9525" cap="flat" cmpd="sng" algn="ctr">
+            <a:noFill/>
+            <a:prstDash val="solid"/>
+            <a:round/>
+            <a:headEnd type="none" w="med" len="med"/>
+            <a:tailEnd type="none" w="med" len="med"/>
+          </a:ln>
+          <a:effectLst/>
+          <a:scene3d>
+            <a:camera prst="orthographicFront"/>
+            <a:lightRig rig="threePt" dir="t"/>
+          </a:scene3d>
+          <a:sp3d>
+            <a:bevelT h="12700"/>
+          </a:sp3d>
+          <a:extLst>
+            <a:ext uri="{AF507438-7753-43E0-B8FC-AC1667EBCBE1}">
+              <a14:hiddenEffects xmlns:a14="http://schemas.microsoft.com/office/drawing/2010/main">
+                <a:effectLst>
+                  <a:outerShdw>
+                    <a:scrgbClr r="0" g="0" b="0">
+                      <a:alpha val="50000"/>
+                    </a:scrgbClr>
+                  </a:outerShdw>
+                </a:effectLst>
+              </a14:hiddenEffects>
+            </a:ext>
+            <a:ext uri="{53640926-AAD7-44D8-BBD7-CCE9431645EC}">
+              <a14:shadowObscured xmlns:a14="http://schemas.microsoft.com/office/drawing/2010/main" val="1"/>
+            </a:ext>
+          </a:extLst>
+        </p:spPr>
+        <p:txBody>
+          <a:bodyPr vert="horz" wrap="none" lIns="91440" tIns="45720" rIns="91440" bIns="45720" numCol="1" rtlCol="0" anchor="ctr" anchorCtr="0" compatLnSpc="1">
+            <a:prstTxWarp prst="textNoShape">
+              <a:avLst/>
+            </a:prstTxWarp>
+          </a:bodyPr>
+          <a:lstStyle/>
+          <a:p>
+            <a:pPr marL="0" marR="0" indent="0" algn="l" defTabSz="914400" rtl="0" eaLnBrk="0" fontAlgn="base" latinLnBrk="0" hangingPunct="0">
+              <a:lnSpc>
+                <a:spcPct val="100000"/>
+              </a:lnSpc>
+              <a:spcBef>
+                <a:spcPct val="0"/>
+              </a:spcBef>
+              <a:spcAft>
+                <a:spcPct val="0"/>
+              </a:spcAft>
+              <a:buClr>
+                <a:schemeClr val="tx1"/>
+              </a:buClr>
+              <a:buSzTx/>
+              <a:buFont typeface="Wingdings" pitchFamily="2" charset="2"/>
+              <a:buNone/>
+              <a:tabLst/>
+            </a:pPr>
+            <a:endParaRPr kumimoji="0" lang="en-US" sz="1600" b="1" i="0" u="none" strike="noStrike" cap="none" normalizeH="0" baseline="0">
+              <a:ln>
+                <a:noFill/>
+              </a:ln>
+              <a:solidFill>
+                <a:schemeClr val="tx1"/>
+              </a:solidFill>
+              <a:effectLst/>
+              <a:latin typeface="Courier New" pitchFamily="49" charset="0"/>
+            </a:endParaRPr>
+          </a:p>
+        </p:txBody>
+      </p:sp>
+      <p:sp>
+        <p:nvSpPr>
+          <p:cNvPr id="395" name="OTLSHAPE_M_58ae8fd90b384bad909af40b16ee3c4b_Title">
+            <a:extLst>
+              <a:ext uri="{FF2B5EF4-FFF2-40B4-BE49-F238E27FC236}">
+                <a16:creationId xmlns:a16="http://schemas.microsoft.com/office/drawing/2014/main" id="{04795704-B23B-4DA7-854A-E1817E2CAE0E}"/>
+              </a:ext>
+            </a:extLst>
+          </p:cNvPr>
+          <p:cNvSpPr txBox="1"/>
+          <p:nvPr>
+            <p:custDataLst>
+              <p:tags r:id="rId32"/>
+            </p:custDataLst>
+          </p:nvPr>
+        </p:nvSpPr>
+        <p:spPr>
+          <a:xfrm>
+            <a:off x="2882976" y="1870795"/>
+            <a:ext cx="2209800" cy="170519"/>
+          </a:xfrm>
+          <a:prstGeom prst="rect">
+            <a:avLst/>
+          </a:prstGeom>
+          <a:noFill/>
+        </p:spPr>
+        <p:txBody>
+          <a:bodyPr vert="horz" wrap="square" lIns="0" tIns="0" rIns="0" bIns="0" rtlCol="0" anchor="ctr" anchorCtr="0">
+            <a:spAutoFit/>
+          </a:bodyPr>
+          <a:lstStyle/>
+          <a:p>
+            <a:r>
+              <a:rPr lang="en-US" sz="1100" b="1" spc="-4">
+                <a:solidFill>
+                  <a:schemeClr val="dk1"/>
+                </a:solidFill>
+                <a:latin typeface="Calibri" panose="020F0502020204030204" pitchFamily="34" charset="0"/>
+              </a:rPr>
+              <a:t>Rebranding of dotCloud to Docker Inc.</a:t>
+            </a:r>
+          </a:p>
+        </p:txBody>
+      </p:sp>
+      <p:sp>
+        <p:nvSpPr>
+          <p:cNvPr id="396" name="OTLSHAPE_M_58ae8fd90b384bad909af40b16ee3c4b_Date">
+            <a:extLst>
+              <a:ext uri="{FF2B5EF4-FFF2-40B4-BE49-F238E27FC236}">
+                <a16:creationId xmlns:a16="http://schemas.microsoft.com/office/drawing/2014/main" id="{C02274FC-CD0E-4F2D-86CE-444576FCEF2B}"/>
+              </a:ext>
+            </a:extLst>
+          </p:cNvPr>
+          <p:cNvSpPr txBox="1"/>
+          <p:nvPr>
+            <p:custDataLst>
+              <p:tags r:id="rId33"/>
+            </p:custDataLst>
+          </p:nvPr>
+        </p:nvSpPr>
+        <p:spPr>
+          <a:xfrm>
+            <a:off x="2882976" y="2054013"/>
+            <a:ext cx="622300" cy="155025"/>
+          </a:xfrm>
+          <a:prstGeom prst="rect">
+            <a:avLst/>
+          </a:prstGeom>
+          <a:noFill/>
+        </p:spPr>
+        <p:txBody>
+          <a:bodyPr vert="horz" wrap="square" lIns="0" tIns="0" rIns="0" bIns="0" rtlCol="0" anchor="ctr" anchorCtr="0">
+            <a:spAutoFit/>
+          </a:bodyPr>
+          <a:lstStyle/>
+          <a:p>
+            <a:r>
+              <a:rPr lang="en-US" sz="1000" spc="-8">
+                <a:solidFill>
+                  <a:srgbClr val="1F497E"/>
+                </a:solidFill>
+                <a:latin typeface="Calibri" panose="020F0502020204030204" pitchFamily="34" charset="0"/>
+              </a:rPr>
+              <a:t>10/29/2013</a:t>
+            </a:r>
+          </a:p>
+        </p:txBody>
+      </p:sp>
+      <p:sp>
+        <p:nvSpPr>
+          <p:cNvPr id="397" name="OTLSHAPE_M_58ae8fd90b384bad909af40b16ee3c4b_Shape">
+            <a:extLst>
+              <a:ext uri="{FF2B5EF4-FFF2-40B4-BE49-F238E27FC236}">
+                <a16:creationId xmlns:a16="http://schemas.microsoft.com/office/drawing/2014/main" id="{DB977110-C4A1-4D73-90CC-1CB01241C6C3}"/>
+              </a:ext>
+            </a:extLst>
+          </p:cNvPr>
+          <p:cNvSpPr/>
+          <p:nvPr>
+            <p:custDataLst>
+              <p:tags r:id="rId34"/>
+            </p:custDataLst>
+          </p:nvPr>
+        </p:nvSpPr>
+        <p:spPr bwMode="auto">
+          <a:xfrm rot="16200000">
+            <a:off x="2686126" y="1982766"/>
+            <a:ext cx="165100" cy="165100"/>
+          </a:xfrm>
+          <a:prstGeom prst="flowChartMerge">
+            <a:avLst/>
+          </a:prstGeom>
+          <a:solidFill>
+            <a:srgbClr val="02B2EE"/>
+          </a:solidFill>
+          <a:ln w="9525" cap="flat" cmpd="sng" algn="ctr">
+            <a:noFill/>
+            <a:prstDash val="solid"/>
+            <a:round/>
+            <a:headEnd type="none" w="med" len="med"/>
+            <a:tailEnd type="none" w="med" len="med"/>
+          </a:ln>
+          <a:effectLst/>
+          <a:scene3d>
+            <a:camera prst="orthographicFront"/>
+            <a:lightRig rig="threePt" dir="t"/>
+          </a:scene3d>
+          <a:sp3d>
+            <a:bevelT h="12700"/>
+          </a:sp3d>
+          <a:extLst>
+            <a:ext uri="{AF507438-7753-43E0-B8FC-AC1667EBCBE1}">
+              <a14:hiddenEffects xmlns:a14="http://schemas.microsoft.com/office/drawing/2010/main">
+                <a:effectLst>
+                  <a:outerShdw>
+                    <a:scrgbClr r="0" g="0" b="0">
+                      <a:alpha val="50000"/>
+                    </a:scrgbClr>
+                  </a:outerShdw>
+                </a:effectLst>
+              </a14:hiddenEffects>
+            </a:ext>
+            <a:ext uri="{53640926-AAD7-44D8-BBD7-CCE9431645EC}">
+              <a14:shadowObscured xmlns:a14="http://schemas.microsoft.com/office/drawing/2010/main" val="1"/>
+            </a:ext>
+          </a:extLst>
+        </p:spPr>
+        <p:txBody>
+          <a:bodyPr vert="horz" wrap="none" lIns="91440" tIns="45720" rIns="91440" bIns="45720" numCol="1" rtlCol="0" anchor="ctr" anchorCtr="0" compatLnSpc="1">
+            <a:prstTxWarp prst="textNoShape">
+              <a:avLst/>
+            </a:prstTxWarp>
+          </a:bodyPr>
+          <a:lstStyle/>
+          <a:p>
+            <a:pPr marL="0" marR="0" indent="0" algn="l" defTabSz="914400" rtl="0" eaLnBrk="0" fontAlgn="base" latinLnBrk="0" hangingPunct="0">
+              <a:lnSpc>
+                <a:spcPct val="100000"/>
+              </a:lnSpc>
+              <a:spcBef>
+                <a:spcPct val="0"/>
+              </a:spcBef>
+              <a:spcAft>
+                <a:spcPct val="0"/>
+              </a:spcAft>
+              <a:buClr>
+                <a:schemeClr val="tx1"/>
+              </a:buClr>
+              <a:buSzTx/>
+              <a:buFont typeface="Wingdings" pitchFamily="2" charset="2"/>
+              <a:buNone/>
+              <a:tabLst/>
+            </a:pPr>
+            <a:endParaRPr kumimoji="0" lang="en-US" sz="1600" b="1" i="0" u="none" strike="noStrike" cap="none" normalizeH="0" baseline="0">
+              <a:ln>
+                <a:noFill/>
+              </a:ln>
+              <a:solidFill>
+                <a:schemeClr val="tx1"/>
+              </a:solidFill>
+              <a:effectLst/>
+              <a:latin typeface="Courier New" pitchFamily="49" charset="0"/>
+            </a:endParaRPr>
+          </a:p>
+        </p:txBody>
+      </p:sp>
+      <p:sp>
+        <p:nvSpPr>
+          <p:cNvPr id="398" name="OTLSHAPE_M_d9c49e598953423c9e7714cc0b43921b_Title">
+            <a:extLst>
+              <a:ext uri="{FF2B5EF4-FFF2-40B4-BE49-F238E27FC236}">
+                <a16:creationId xmlns:a16="http://schemas.microsoft.com/office/drawing/2014/main" id="{4A8BF938-818A-4F5B-B34C-341284C9B7F3}"/>
+              </a:ext>
+            </a:extLst>
+          </p:cNvPr>
+          <p:cNvSpPr txBox="1"/>
+          <p:nvPr>
+            <p:custDataLst>
+              <p:tags r:id="rId35"/>
+            </p:custDataLst>
+          </p:nvPr>
+        </p:nvSpPr>
+        <p:spPr>
+          <a:xfrm>
+            <a:off x="4883228" y="2323338"/>
+            <a:ext cx="2324100" cy="341037"/>
+          </a:xfrm>
+          <a:prstGeom prst="rect">
+            <a:avLst/>
+          </a:prstGeom>
+          <a:noFill/>
+        </p:spPr>
+        <p:txBody>
+          <a:bodyPr vert="horz" wrap="square" lIns="0" tIns="0" rIns="0" bIns="0" rtlCol="0" anchor="ctr" anchorCtr="0">
+            <a:spAutoFit/>
+          </a:bodyPr>
+          <a:lstStyle/>
+          <a:p>
+            <a:r>
+              <a:rPr lang="en-US" sz="1100" b="1">
+                <a:solidFill>
+                  <a:schemeClr val="dk1"/>
+                </a:solidFill>
+                <a:latin typeface="Calibri" panose="020F0502020204030204" pitchFamily="34" charset="0"/>
+              </a:rPr>
+              <a:t>Microsoft announces Docker support in Windows Server 2016</a:t>
+            </a:r>
+          </a:p>
+        </p:txBody>
+      </p:sp>
+      <p:sp>
+        <p:nvSpPr>
+          <p:cNvPr id="399" name="OTLSHAPE_M_d9c49e598953423c9e7714cc0b43921b_Date">
+            <a:extLst>
+              <a:ext uri="{FF2B5EF4-FFF2-40B4-BE49-F238E27FC236}">
+                <a16:creationId xmlns:a16="http://schemas.microsoft.com/office/drawing/2014/main" id="{FDEBEE63-36A8-4708-869A-342BFDA42767}"/>
+              </a:ext>
+            </a:extLst>
+          </p:cNvPr>
+          <p:cNvSpPr txBox="1"/>
+          <p:nvPr>
+            <p:custDataLst>
+              <p:tags r:id="rId36"/>
+            </p:custDataLst>
+          </p:nvPr>
+        </p:nvSpPr>
+        <p:spPr>
+          <a:xfrm>
+            <a:off x="4883228" y="2677075"/>
+            <a:ext cx="622300" cy="155025"/>
+          </a:xfrm>
+          <a:prstGeom prst="rect">
+            <a:avLst/>
+          </a:prstGeom>
+          <a:noFill/>
+        </p:spPr>
+        <p:txBody>
+          <a:bodyPr vert="horz" wrap="square" lIns="0" tIns="0" rIns="0" bIns="0" rtlCol="0" anchor="ctr" anchorCtr="0">
+            <a:spAutoFit/>
+          </a:bodyPr>
+          <a:lstStyle/>
+          <a:p>
+            <a:r>
+              <a:rPr lang="en-US" sz="1000" spc="-8">
+                <a:solidFill>
+                  <a:srgbClr val="1F497E"/>
+                </a:solidFill>
+                <a:latin typeface="Calibri" panose="020F0502020204030204" pitchFamily="34" charset="0"/>
+              </a:rPr>
+              <a:t>10/15/2014</a:t>
+            </a:r>
+          </a:p>
+        </p:txBody>
+      </p:sp>
+      <p:sp>
+        <p:nvSpPr>
+          <p:cNvPr id="400" name="OTLSHAPE_M_d9c49e598953423c9e7714cc0b43921b_Shape">
+            <a:extLst>
+              <a:ext uri="{FF2B5EF4-FFF2-40B4-BE49-F238E27FC236}">
+                <a16:creationId xmlns:a16="http://schemas.microsoft.com/office/drawing/2014/main" id="{EBBED0CB-1B30-46FD-ABB2-6A6B675666F6}"/>
+              </a:ext>
+            </a:extLst>
+          </p:cNvPr>
+          <p:cNvSpPr/>
+          <p:nvPr>
+            <p:custDataLst>
+              <p:tags r:id="rId37"/>
+            </p:custDataLst>
+          </p:nvPr>
+        </p:nvSpPr>
+        <p:spPr bwMode="auto">
+          <a:xfrm rot="16200000">
+            <a:off x="4686378" y="2520569"/>
+            <a:ext cx="165100" cy="165100"/>
+          </a:xfrm>
+          <a:prstGeom prst="flowChartMerge">
+            <a:avLst/>
+          </a:prstGeom>
+          <a:solidFill>
+            <a:srgbClr val="96D642"/>
+          </a:solidFill>
+          <a:ln w="9525" cap="flat" cmpd="sng" algn="ctr">
+            <a:noFill/>
+            <a:prstDash val="solid"/>
+            <a:round/>
+            <a:headEnd type="none" w="med" len="med"/>
+            <a:tailEnd type="none" w="med" len="med"/>
+          </a:ln>
+          <a:effectLst/>
+          <a:scene3d>
+            <a:camera prst="orthographicFront"/>
+            <a:lightRig rig="threePt" dir="t"/>
+          </a:scene3d>
+          <a:sp3d>
+            <a:bevelT h="12700"/>
+          </a:sp3d>
+          <a:extLst>
+            <a:ext uri="{AF507438-7753-43E0-B8FC-AC1667EBCBE1}">
+              <a14:hiddenEffects xmlns:a14="http://schemas.microsoft.com/office/drawing/2010/main">
+                <a:effectLst>
+                  <a:outerShdw>
+                    <a:scrgbClr r="0" g="0" b="0">
+                      <a:alpha val="50000"/>
+                    </a:scrgbClr>
+                  </a:outerShdw>
+                </a:effectLst>
+              </a14:hiddenEffects>
+            </a:ext>
+            <a:ext uri="{53640926-AAD7-44D8-BBD7-CCE9431645EC}">
+              <a14:shadowObscured xmlns:a14="http://schemas.microsoft.com/office/drawing/2010/main" val="1"/>
+            </a:ext>
+          </a:extLst>
+        </p:spPr>
+        <p:txBody>
+          <a:bodyPr vert="horz" wrap="none" lIns="91440" tIns="45720" rIns="91440" bIns="45720" numCol="1" rtlCol="0" anchor="ctr" anchorCtr="0" compatLnSpc="1">
+            <a:prstTxWarp prst="textNoShape">
+              <a:avLst/>
+            </a:prstTxWarp>
+          </a:bodyPr>
+          <a:lstStyle/>
+          <a:p>
+            <a:pPr marL="0" marR="0" indent="0" algn="l" defTabSz="914400" rtl="0" eaLnBrk="0" fontAlgn="base" latinLnBrk="0" hangingPunct="0">
+              <a:lnSpc>
+                <a:spcPct val="100000"/>
+              </a:lnSpc>
+              <a:spcBef>
+                <a:spcPct val="0"/>
+              </a:spcBef>
+              <a:spcAft>
+                <a:spcPct val="0"/>
+              </a:spcAft>
+              <a:buClr>
+                <a:schemeClr val="tx1"/>
+              </a:buClr>
+              <a:buSzTx/>
+              <a:buFont typeface="Wingdings" pitchFamily="2" charset="2"/>
+              <a:buNone/>
+              <a:tabLst/>
+            </a:pPr>
+            <a:endParaRPr kumimoji="0" lang="en-US" sz="1600" b="1" i="0" u="none" strike="noStrike" cap="none" normalizeH="0" baseline="0">
+              <a:ln>
+                <a:noFill/>
+              </a:ln>
+              <a:solidFill>
+                <a:schemeClr val="tx1"/>
+              </a:solidFill>
+              <a:effectLst/>
+              <a:latin typeface="Courier New" pitchFamily="49" charset="0"/>
+            </a:endParaRPr>
+          </a:p>
+        </p:txBody>
+      </p:sp>
+      <p:sp>
+        <p:nvSpPr>
+          <p:cNvPr id="401" name="OTLSHAPE_M_7a7a047bb05440c191b41f61b58b1100_Title">
+            <a:extLst>
+              <a:ext uri="{FF2B5EF4-FFF2-40B4-BE49-F238E27FC236}">
+                <a16:creationId xmlns:a16="http://schemas.microsoft.com/office/drawing/2014/main" id="{4D644355-C480-4AF0-91BD-A95BF00D5E9F}"/>
+              </a:ext>
+            </a:extLst>
+          </p:cNvPr>
+          <p:cNvSpPr txBox="1"/>
+          <p:nvPr>
+            <p:custDataLst>
+              <p:tags r:id="rId38"/>
+            </p:custDataLst>
+          </p:nvPr>
+        </p:nvSpPr>
+        <p:spPr>
+          <a:xfrm>
+            <a:off x="8313859" y="1811782"/>
+            <a:ext cx="774700" cy="852593"/>
+          </a:xfrm>
+          <a:prstGeom prst="rect">
+            <a:avLst/>
+          </a:prstGeom>
+          <a:noFill/>
+        </p:spPr>
+        <p:txBody>
+          <a:bodyPr vert="horz" wrap="square" lIns="0" tIns="0" rIns="0" bIns="0" rtlCol="0" anchor="ctr" anchorCtr="0">
+            <a:spAutoFit/>
+          </a:bodyPr>
+          <a:lstStyle/>
+          <a:p>
+            <a:r>
+              <a:rPr lang="en-US" sz="1100" b="1" dirty="0">
+                <a:solidFill>
+                  <a:schemeClr val="dk1"/>
+                </a:solidFill>
+                <a:latin typeface="Calibri" panose="020F0502020204030204" pitchFamily="34" charset="0"/>
+              </a:rPr>
+              <a:t>Native Docker support with Hyper-V on Windows</a:t>
+            </a:r>
+          </a:p>
+        </p:txBody>
+      </p:sp>
+      <p:sp>
+        <p:nvSpPr>
+          <p:cNvPr id="402" name="OTLSHAPE_M_7a7a047bb05440c191b41f61b58b1100_Date">
+            <a:extLst>
+              <a:ext uri="{FF2B5EF4-FFF2-40B4-BE49-F238E27FC236}">
+                <a16:creationId xmlns:a16="http://schemas.microsoft.com/office/drawing/2014/main" id="{79767BEF-7CAF-4F3E-9E9F-722839D70AB3}"/>
+              </a:ext>
+            </a:extLst>
+          </p:cNvPr>
+          <p:cNvSpPr txBox="1"/>
+          <p:nvPr>
+            <p:custDataLst>
+              <p:tags r:id="rId39"/>
+            </p:custDataLst>
+          </p:nvPr>
+        </p:nvSpPr>
+        <p:spPr>
+          <a:xfrm>
+            <a:off x="8313859" y="2677075"/>
+            <a:ext cx="495300" cy="155025"/>
+          </a:xfrm>
+          <a:prstGeom prst="rect">
+            <a:avLst/>
+          </a:prstGeom>
+          <a:noFill/>
+        </p:spPr>
+        <p:txBody>
+          <a:bodyPr vert="horz" wrap="square" lIns="0" tIns="0" rIns="0" bIns="0" rtlCol="0" anchor="ctr" anchorCtr="0">
+            <a:spAutoFit/>
+          </a:bodyPr>
+          <a:lstStyle/>
+          <a:p>
+            <a:r>
+              <a:rPr lang="en-US" sz="1000" spc="-8">
+                <a:solidFill>
+                  <a:srgbClr val="1F497E"/>
+                </a:solidFill>
+                <a:latin typeface="Calibri" panose="020F0502020204030204" pitchFamily="34" charset="0"/>
+              </a:rPr>
+              <a:t>6/8/2016</a:t>
+            </a:r>
+          </a:p>
+        </p:txBody>
+      </p:sp>
+      <p:sp>
+        <p:nvSpPr>
+          <p:cNvPr id="403" name="OTLSHAPE_M_7a7a047bb05440c191b41f61b58b1100_Shape">
+            <a:extLst>
+              <a:ext uri="{FF2B5EF4-FFF2-40B4-BE49-F238E27FC236}">
+                <a16:creationId xmlns:a16="http://schemas.microsoft.com/office/drawing/2014/main" id="{5DE2511A-D478-4E22-969C-A3D9353322F3}"/>
+              </a:ext>
+            </a:extLst>
+          </p:cNvPr>
+          <p:cNvSpPr/>
+          <p:nvPr>
+            <p:custDataLst>
+              <p:tags r:id="rId40"/>
+            </p:custDataLst>
+          </p:nvPr>
+        </p:nvSpPr>
+        <p:spPr bwMode="auto">
+          <a:xfrm rot="16200000">
+            <a:off x="8117009" y="2264791"/>
+            <a:ext cx="165100" cy="165100"/>
+          </a:xfrm>
+          <a:prstGeom prst="flowChartMerge">
+            <a:avLst/>
+          </a:prstGeom>
+          <a:solidFill>
+            <a:srgbClr val="EA161E"/>
+          </a:solidFill>
+          <a:ln w="9525" cap="flat" cmpd="sng" algn="ctr">
+            <a:noFill/>
+            <a:prstDash val="solid"/>
+            <a:round/>
+            <a:headEnd type="none" w="med" len="med"/>
+            <a:tailEnd type="none" w="med" len="med"/>
+          </a:ln>
+          <a:effectLst/>
+          <a:scene3d>
+            <a:camera prst="orthographicFront"/>
+            <a:lightRig rig="threePt" dir="t"/>
+          </a:scene3d>
+          <a:sp3d>
+            <a:bevelT h="12700"/>
+          </a:sp3d>
+          <a:extLst>
+            <a:ext uri="{AF507438-7753-43E0-B8FC-AC1667EBCBE1}">
+              <a14:hiddenEffects xmlns:a14="http://schemas.microsoft.com/office/drawing/2010/main">
+                <a:effectLst>
+                  <a:outerShdw>
+                    <a:scrgbClr r="0" g="0" b="0">
+                      <a:alpha val="50000"/>
+                    </a:scrgbClr>
+                  </a:outerShdw>
+                </a:effectLst>
+              </a14:hiddenEffects>
+            </a:ext>
+            <a:ext uri="{53640926-AAD7-44D8-BBD7-CCE9431645EC}">
+              <a14:shadowObscured xmlns:a14="http://schemas.microsoft.com/office/drawing/2010/main" val="1"/>
+            </a:ext>
+          </a:extLst>
+        </p:spPr>
+        <p:txBody>
+          <a:bodyPr vert="horz" wrap="none" lIns="91440" tIns="45720" rIns="91440" bIns="45720" numCol="1" rtlCol="0" anchor="ctr" anchorCtr="0" compatLnSpc="1">
+            <a:prstTxWarp prst="textNoShape">
+              <a:avLst/>
+            </a:prstTxWarp>
+          </a:bodyPr>
+          <a:lstStyle/>
+          <a:p>
+            <a:pPr marL="0" marR="0" indent="0" algn="l" defTabSz="914400" rtl="0" eaLnBrk="0" fontAlgn="base" latinLnBrk="0" hangingPunct="0">
+              <a:lnSpc>
+                <a:spcPct val="100000"/>
+              </a:lnSpc>
+              <a:spcBef>
+                <a:spcPct val="0"/>
+              </a:spcBef>
+              <a:spcAft>
+                <a:spcPct val="0"/>
+              </a:spcAft>
+              <a:buClr>
+                <a:schemeClr val="tx1"/>
+              </a:buClr>
+              <a:buSzTx/>
+              <a:buFont typeface="Wingdings" pitchFamily="2" charset="2"/>
+              <a:buNone/>
+              <a:tabLst/>
+            </a:pPr>
+            <a:endParaRPr kumimoji="0" lang="en-US" sz="1600" b="1" i="0" u="none" strike="noStrike" cap="none" normalizeH="0" baseline="0">
+              <a:ln>
+                <a:noFill/>
+              </a:ln>
+              <a:solidFill>
+                <a:schemeClr val="tx1"/>
+              </a:solidFill>
+              <a:effectLst/>
+              <a:latin typeface="Courier New" pitchFamily="49" charset="0"/>
+            </a:endParaRPr>
+          </a:p>
+        </p:txBody>
+      </p:sp>
+      <p:sp>
+        <p:nvSpPr>
+          <p:cNvPr id="404" name="OTLSHAPE_M_8867bf2f3c16471b9cb9ff838ecbe8b3_Title">
+            <a:extLst>
+              <a:ext uri="{FF2B5EF4-FFF2-40B4-BE49-F238E27FC236}">
+                <a16:creationId xmlns:a16="http://schemas.microsoft.com/office/drawing/2014/main" id="{CBD392D0-8636-4314-ACBD-21BFE210DAE7}"/>
+              </a:ext>
+            </a:extLst>
+          </p:cNvPr>
+          <p:cNvSpPr txBox="1"/>
+          <p:nvPr>
+            <p:custDataLst>
+              <p:tags r:id="rId41"/>
+            </p:custDataLst>
+          </p:nvPr>
+        </p:nvSpPr>
+        <p:spPr>
+          <a:xfrm>
+            <a:off x="1503885" y="3812625"/>
+            <a:ext cx="1168400" cy="170519"/>
+          </a:xfrm>
+          <a:prstGeom prst="rect">
+            <a:avLst/>
+          </a:prstGeom>
+          <a:noFill/>
+        </p:spPr>
+        <p:txBody>
+          <a:bodyPr vert="horz" wrap="square" lIns="0" tIns="0" rIns="0" bIns="0" rtlCol="0" anchor="ctr" anchorCtr="0">
+            <a:spAutoFit/>
+          </a:bodyPr>
+          <a:lstStyle/>
+          <a:p>
+            <a:r>
+              <a:rPr lang="en-US" sz="1100" b="1" spc="-4">
+                <a:solidFill>
+                  <a:schemeClr val="dk1"/>
+                </a:solidFill>
+                <a:latin typeface="Calibri" panose="020F0502020204030204" pitchFamily="34" charset="0"/>
+              </a:rPr>
+              <a:t>First announcement</a:t>
+            </a:r>
+          </a:p>
+        </p:txBody>
+      </p:sp>
+      <p:sp>
+        <p:nvSpPr>
+          <p:cNvPr id="405" name="OTLSHAPE_M_8867bf2f3c16471b9cb9ff838ecbe8b3_Date">
+            <a:extLst>
+              <a:ext uri="{FF2B5EF4-FFF2-40B4-BE49-F238E27FC236}">
+                <a16:creationId xmlns:a16="http://schemas.microsoft.com/office/drawing/2014/main" id="{BED0D52F-5658-4467-9EBE-A1EAAF6EEDD3}"/>
+              </a:ext>
+            </a:extLst>
+          </p:cNvPr>
+          <p:cNvSpPr txBox="1"/>
+          <p:nvPr>
+            <p:custDataLst>
+              <p:tags r:id="rId42"/>
+            </p:custDataLst>
+          </p:nvPr>
+        </p:nvSpPr>
+        <p:spPr>
+          <a:xfrm>
+            <a:off x="1503885" y="3644900"/>
+            <a:ext cx="495300" cy="155025"/>
+          </a:xfrm>
+          <a:prstGeom prst="rect">
+            <a:avLst/>
+          </a:prstGeom>
+          <a:noFill/>
+        </p:spPr>
+        <p:txBody>
+          <a:bodyPr vert="horz" wrap="square" lIns="0" tIns="0" rIns="0" bIns="0" rtlCol="0" anchor="ctr" anchorCtr="0">
+            <a:spAutoFit/>
+          </a:bodyPr>
+          <a:lstStyle/>
+          <a:p>
+            <a:r>
+              <a:rPr lang="en-US" sz="1000" spc="-8">
+                <a:solidFill>
+                  <a:srgbClr val="1F497E"/>
+                </a:solidFill>
+                <a:latin typeface="Calibri" panose="020F0502020204030204" pitchFamily="34" charset="0"/>
+              </a:rPr>
+              <a:t>3/1/2013</a:t>
+            </a:r>
+          </a:p>
+        </p:txBody>
+      </p:sp>
+      <p:sp>
+        <p:nvSpPr>
+          <p:cNvPr id="406" name="OTLSHAPE_M_8867bf2f3c16471b9cb9ff838ecbe8b3_Shape">
+            <a:extLst>
+              <a:ext uri="{FF2B5EF4-FFF2-40B4-BE49-F238E27FC236}">
+                <a16:creationId xmlns:a16="http://schemas.microsoft.com/office/drawing/2014/main" id="{F844F371-1D3B-47A5-9F9B-C53F7591EF16}"/>
+              </a:ext>
+            </a:extLst>
+          </p:cNvPr>
+          <p:cNvSpPr/>
+          <p:nvPr>
+            <p:custDataLst>
+              <p:tags r:id="rId43"/>
+            </p:custDataLst>
+          </p:nvPr>
+        </p:nvSpPr>
+        <p:spPr bwMode="auto">
+          <a:xfrm rot="16200000">
+            <a:off x="1307035" y="3706072"/>
+            <a:ext cx="165100" cy="165100"/>
+          </a:xfrm>
+          <a:prstGeom prst="flowChartMerge">
+            <a:avLst/>
+          </a:prstGeom>
+          <a:solidFill>
+            <a:srgbClr val="2F3699"/>
+          </a:solidFill>
+          <a:ln w="9525" cap="flat" cmpd="sng" algn="ctr">
+            <a:noFill/>
+            <a:prstDash val="solid"/>
+            <a:round/>
+            <a:headEnd type="none" w="med" len="med"/>
+            <a:tailEnd type="none" w="med" len="med"/>
+          </a:ln>
+          <a:effectLst/>
+          <a:scene3d>
+            <a:camera prst="orthographicFront"/>
+            <a:lightRig rig="threePt" dir="t"/>
+          </a:scene3d>
+          <a:sp3d>
+            <a:bevelT h="12700"/>
+          </a:sp3d>
+          <a:extLst>
+            <a:ext uri="{AF507438-7753-43E0-B8FC-AC1667EBCBE1}">
+              <a14:hiddenEffects xmlns:a14="http://schemas.microsoft.com/office/drawing/2010/main">
+                <a:effectLst>
+                  <a:outerShdw>
+                    <a:scrgbClr r="0" g="0" b="0">
+                      <a:alpha val="50000"/>
+                    </a:scrgbClr>
+                  </a:outerShdw>
+                </a:effectLst>
+              </a14:hiddenEffects>
+            </a:ext>
+            <a:ext uri="{53640926-AAD7-44D8-BBD7-CCE9431645EC}">
+              <a14:shadowObscured xmlns:a14="http://schemas.microsoft.com/office/drawing/2010/main" val="1"/>
+            </a:ext>
+          </a:extLst>
+        </p:spPr>
+        <p:txBody>
+          <a:bodyPr vert="horz" wrap="none" lIns="91440" tIns="45720" rIns="91440" bIns="45720" numCol="1" rtlCol="0" anchor="ctr" anchorCtr="0" compatLnSpc="1">
+            <a:prstTxWarp prst="textNoShape">
+              <a:avLst/>
+            </a:prstTxWarp>
+          </a:bodyPr>
+          <a:lstStyle/>
+          <a:p>
+            <a:pPr marL="0" marR="0" indent="0" algn="l" defTabSz="914400" rtl="0" eaLnBrk="0" fontAlgn="base" latinLnBrk="0" hangingPunct="0">
+              <a:lnSpc>
+                <a:spcPct val="100000"/>
+              </a:lnSpc>
+              <a:spcBef>
+                <a:spcPct val="0"/>
+              </a:spcBef>
+              <a:spcAft>
+                <a:spcPct val="0"/>
+              </a:spcAft>
+              <a:buClr>
+                <a:schemeClr val="tx1"/>
+              </a:buClr>
+              <a:buSzTx/>
+              <a:buFont typeface="Wingdings" pitchFamily="2" charset="2"/>
+              <a:buNone/>
+              <a:tabLst/>
+            </a:pPr>
+            <a:endParaRPr kumimoji="0" lang="en-US" sz="1600" b="1" i="0" u="none" strike="noStrike" cap="none" normalizeH="0" baseline="0">
+              <a:ln>
+                <a:noFill/>
+              </a:ln>
+              <a:solidFill>
+                <a:schemeClr val="tx1"/>
+              </a:solidFill>
+              <a:effectLst/>
+              <a:latin typeface="Courier New" pitchFamily="49" charset="0"/>
+            </a:endParaRPr>
+          </a:p>
+        </p:txBody>
+      </p:sp>
+      <p:sp>
+        <p:nvSpPr>
+          <p:cNvPr id="407" name="OTLSHAPE_M_8f2803e81cb04863b7b4a392856684d8_Title">
+            <a:extLst>
+              <a:ext uri="{FF2B5EF4-FFF2-40B4-BE49-F238E27FC236}">
+                <a16:creationId xmlns:a16="http://schemas.microsoft.com/office/drawing/2014/main" id="{97C9C821-6D5A-458E-814C-5ED6396D7DD9}"/>
+              </a:ext>
+            </a:extLst>
+          </p:cNvPr>
+          <p:cNvSpPr txBox="1"/>
+          <p:nvPr>
+            <p:custDataLst>
+              <p:tags r:id="rId44"/>
+            </p:custDataLst>
+          </p:nvPr>
+        </p:nvSpPr>
+        <p:spPr>
+          <a:xfrm>
+            <a:off x="4279163" y="4265168"/>
+            <a:ext cx="2438400" cy="341037"/>
+          </a:xfrm>
+          <a:prstGeom prst="rect">
+            <a:avLst/>
+          </a:prstGeom>
+          <a:noFill/>
+        </p:spPr>
+        <p:txBody>
+          <a:bodyPr vert="horz" wrap="square" lIns="0" tIns="0" rIns="0" bIns="0" rtlCol="0" anchor="ctr" anchorCtr="0">
+            <a:spAutoFit/>
+          </a:bodyPr>
+          <a:lstStyle/>
+          <a:p>
+            <a:r>
+              <a:rPr lang="en-US" sz="1100" b="1">
+                <a:solidFill>
+                  <a:schemeClr val="dk1"/>
+                </a:solidFill>
+                <a:latin typeface="Calibri" panose="020F0502020204030204" pitchFamily="34" charset="0"/>
+              </a:rPr>
+              <a:t>Microsoft, Red Hat, IBM, Docker,... joined the Kubernetes Project</a:t>
+            </a:r>
+          </a:p>
+        </p:txBody>
+      </p:sp>
+      <p:sp>
+        <p:nvSpPr>
+          <p:cNvPr id="408" name="OTLSHAPE_M_8f2803e81cb04863b7b4a392856684d8_Date">
+            <a:extLst>
+              <a:ext uri="{FF2B5EF4-FFF2-40B4-BE49-F238E27FC236}">
+                <a16:creationId xmlns:a16="http://schemas.microsoft.com/office/drawing/2014/main" id="{C10BD07E-8049-4450-8F80-6B1EF18DA1D2}"/>
+              </a:ext>
+            </a:extLst>
+          </p:cNvPr>
+          <p:cNvSpPr txBox="1"/>
+          <p:nvPr>
+            <p:custDataLst>
+              <p:tags r:id="rId45"/>
+            </p:custDataLst>
+          </p:nvPr>
+        </p:nvSpPr>
+        <p:spPr>
+          <a:xfrm>
+            <a:off x="4279163" y="4097443"/>
+            <a:ext cx="495300" cy="155025"/>
+          </a:xfrm>
+          <a:prstGeom prst="rect">
+            <a:avLst/>
+          </a:prstGeom>
+          <a:noFill/>
+        </p:spPr>
+        <p:txBody>
+          <a:bodyPr vert="horz" wrap="square" lIns="0" tIns="0" rIns="0" bIns="0" rtlCol="0" anchor="ctr" anchorCtr="0">
+            <a:spAutoFit/>
+          </a:bodyPr>
+          <a:lstStyle/>
+          <a:p>
+            <a:r>
+              <a:rPr lang="en-US" sz="1000" spc="-8">
+                <a:solidFill>
+                  <a:srgbClr val="1F497E"/>
+                </a:solidFill>
+                <a:latin typeface="Calibri" panose="020F0502020204030204" pitchFamily="34" charset="0"/>
+              </a:rPr>
+              <a:t>7/1/2014</a:t>
+            </a:r>
+          </a:p>
+        </p:txBody>
+      </p:sp>
+      <p:sp>
+        <p:nvSpPr>
+          <p:cNvPr id="409" name="OTLSHAPE_M_8f2803e81cb04863b7b4a392856684d8_Shape">
+            <a:extLst>
+              <a:ext uri="{FF2B5EF4-FFF2-40B4-BE49-F238E27FC236}">
+                <a16:creationId xmlns:a16="http://schemas.microsoft.com/office/drawing/2014/main" id="{D174C355-286F-4129-8496-ED8C71615D6A}"/>
+              </a:ext>
+            </a:extLst>
+          </p:cNvPr>
+          <p:cNvSpPr/>
+          <p:nvPr>
+            <p:custDataLst>
+              <p:tags r:id="rId46"/>
+            </p:custDataLst>
+          </p:nvPr>
+        </p:nvSpPr>
+        <p:spPr bwMode="auto">
+          <a:xfrm rot="16200000">
+            <a:off x="4082313" y="4243874"/>
+            <a:ext cx="165100" cy="165100"/>
+          </a:xfrm>
+          <a:prstGeom prst="flowChartMerge">
+            <a:avLst/>
+          </a:prstGeom>
+          <a:solidFill>
+            <a:srgbClr val="1AAA42"/>
+          </a:solidFill>
+          <a:ln w="9525" cap="flat" cmpd="sng" algn="ctr">
+            <a:noFill/>
+            <a:prstDash val="solid"/>
+            <a:round/>
+            <a:headEnd type="none" w="med" len="med"/>
+            <a:tailEnd type="none" w="med" len="med"/>
+          </a:ln>
+          <a:effectLst/>
+          <a:scene3d>
+            <a:camera prst="orthographicFront"/>
+            <a:lightRig rig="threePt" dir="t"/>
+          </a:scene3d>
+          <a:sp3d>
+            <a:bevelT h="12700"/>
+          </a:sp3d>
+          <a:extLst>
+            <a:ext uri="{AF507438-7753-43E0-B8FC-AC1667EBCBE1}">
+              <a14:hiddenEffects xmlns:a14="http://schemas.microsoft.com/office/drawing/2010/main">
+                <a:effectLst>
+                  <a:outerShdw>
+                    <a:scrgbClr r="0" g="0" b="0">
+                      <a:alpha val="50000"/>
+                    </a:scrgbClr>
+                  </a:outerShdw>
+                </a:effectLst>
+              </a14:hiddenEffects>
+            </a:ext>
+            <a:ext uri="{53640926-AAD7-44D8-BBD7-CCE9431645EC}">
+              <a14:shadowObscured xmlns:a14="http://schemas.microsoft.com/office/drawing/2010/main" val="1"/>
+            </a:ext>
+          </a:extLst>
+        </p:spPr>
+        <p:txBody>
+          <a:bodyPr vert="horz" wrap="none" lIns="91440" tIns="45720" rIns="91440" bIns="45720" numCol="1" rtlCol="0" anchor="ctr" anchorCtr="0" compatLnSpc="1">
+            <a:prstTxWarp prst="textNoShape">
+              <a:avLst/>
+            </a:prstTxWarp>
+          </a:bodyPr>
+          <a:lstStyle/>
+          <a:p>
+            <a:pPr marL="0" marR="0" indent="0" algn="l" defTabSz="914400" rtl="0" eaLnBrk="0" fontAlgn="base" latinLnBrk="0" hangingPunct="0">
+              <a:lnSpc>
+                <a:spcPct val="100000"/>
+              </a:lnSpc>
+              <a:spcBef>
+                <a:spcPct val="0"/>
+              </a:spcBef>
+              <a:spcAft>
+                <a:spcPct val="0"/>
+              </a:spcAft>
+              <a:buClr>
+                <a:schemeClr val="tx1"/>
+              </a:buClr>
+              <a:buSzTx/>
+              <a:buFont typeface="Wingdings" pitchFamily="2" charset="2"/>
+              <a:buNone/>
+              <a:tabLst/>
+            </a:pPr>
+            <a:endParaRPr kumimoji="0" lang="en-US" sz="1600" b="1" i="0" u="none" strike="noStrike" cap="none" normalizeH="0" baseline="0">
+              <a:ln>
+                <a:noFill/>
+              </a:ln>
+              <a:solidFill>
+                <a:schemeClr val="tx1"/>
+              </a:solidFill>
+              <a:effectLst/>
+              <a:latin typeface="Courier New" pitchFamily="49" charset="0"/>
+            </a:endParaRPr>
+          </a:p>
+        </p:txBody>
+      </p:sp>
+      <p:sp>
+        <p:nvSpPr>
+          <p:cNvPr id="410" name="OTLSHAPE_M_4d37b81b8284425f964a9ccd2f56fe44_Title">
+            <a:extLst>
+              <a:ext uri="{FF2B5EF4-FFF2-40B4-BE49-F238E27FC236}">
+                <a16:creationId xmlns:a16="http://schemas.microsoft.com/office/drawing/2014/main" id="{B7FA1BE2-40B2-4310-99D6-9F9E5BB963D0}"/>
+              </a:ext>
+            </a:extLst>
+          </p:cNvPr>
+          <p:cNvSpPr txBox="1"/>
+          <p:nvPr>
+            <p:custDataLst>
+              <p:tags r:id="rId47"/>
+            </p:custDataLst>
+          </p:nvPr>
+        </p:nvSpPr>
+        <p:spPr>
+          <a:xfrm>
+            <a:off x="6473171" y="3812625"/>
+            <a:ext cx="1409700" cy="170519"/>
+          </a:xfrm>
+          <a:prstGeom prst="rect">
+            <a:avLst/>
+          </a:prstGeom>
+          <a:noFill/>
+        </p:spPr>
+        <p:txBody>
+          <a:bodyPr vert="horz" wrap="square" lIns="0" tIns="0" rIns="0" bIns="0" rtlCol="0" anchor="ctr" anchorCtr="0">
+            <a:spAutoFit/>
+          </a:bodyPr>
+          <a:lstStyle/>
+          <a:p>
+            <a:r>
+              <a:rPr lang="en-US" sz="1100" b="1" spc="-6">
+                <a:solidFill>
+                  <a:schemeClr val="dk1"/>
+                </a:solidFill>
+                <a:latin typeface="Calibri" panose="020F0502020204030204" pitchFamily="34" charset="0"/>
+              </a:rPr>
+              <a:t>First Kubernetes version</a:t>
+            </a:r>
+          </a:p>
+        </p:txBody>
+      </p:sp>
+      <p:sp>
+        <p:nvSpPr>
+          <p:cNvPr id="411" name="OTLSHAPE_M_4d37b81b8284425f964a9ccd2f56fe44_Date">
+            <a:extLst>
+              <a:ext uri="{FF2B5EF4-FFF2-40B4-BE49-F238E27FC236}">
+                <a16:creationId xmlns:a16="http://schemas.microsoft.com/office/drawing/2014/main" id="{101D087A-90F9-4842-9B7E-F23074822496}"/>
+              </a:ext>
+            </a:extLst>
+          </p:cNvPr>
+          <p:cNvSpPr txBox="1"/>
+          <p:nvPr>
+            <p:custDataLst>
+              <p:tags r:id="rId48"/>
+            </p:custDataLst>
+          </p:nvPr>
+        </p:nvSpPr>
+        <p:spPr>
+          <a:xfrm>
+            <a:off x="6473171" y="3644900"/>
+            <a:ext cx="558800" cy="155025"/>
+          </a:xfrm>
+          <a:prstGeom prst="rect">
+            <a:avLst/>
+          </a:prstGeom>
+          <a:noFill/>
+        </p:spPr>
+        <p:txBody>
+          <a:bodyPr vert="horz" wrap="square" lIns="0" tIns="0" rIns="0" bIns="0" rtlCol="0" anchor="ctr" anchorCtr="0">
+            <a:spAutoFit/>
+          </a:bodyPr>
+          <a:lstStyle/>
+          <a:p>
+            <a:r>
+              <a:rPr lang="en-US" sz="1000" spc="-8">
+                <a:solidFill>
+                  <a:srgbClr val="1F497E"/>
+                </a:solidFill>
+                <a:latin typeface="Calibri" panose="020F0502020204030204" pitchFamily="34" charset="0"/>
+              </a:rPr>
+              <a:t>7/21/2015</a:t>
+            </a:r>
+          </a:p>
+        </p:txBody>
+      </p:sp>
+      <p:sp>
+        <p:nvSpPr>
+          <p:cNvPr id="412" name="OTLSHAPE_M_4d37b81b8284425f964a9ccd2f56fe44_Shape">
+            <a:extLst>
+              <a:ext uri="{FF2B5EF4-FFF2-40B4-BE49-F238E27FC236}">
+                <a16:creationId xmlns:a16="http://schemas.microsoft.com/office/drawing/2014/main" id="{99168CD6-D22B-4BA2-8389-B5A511CD7F6F}"/>
+              </a:ext>
+            </a:extLst>
+          </p:cNvPr>
+          <p:cNvSpPr/>
+          <p:nvPr>
+            <p:custDataLst>
+              <p:tags r:id="rId49"/>
+            </p:custDataLst>
+          </p:nvPr>
+        </p:nvSpPr>
+        <p:spPr bwMode="auto">
+          <a:xfrm rot="16200000">
+            <a:off x="6276321" y="3706072"/>
+            <a:ext cx="165100" cy="165100"/>
+          </a:xfrm>
+          <a:prstGeom prst="flowChartMerge">
+            <a:avLst/>
+          </a:prstGeom>
+          <a:solidFill>
+            <a:srgbClr val="FEBA0A"/>
+          </a:solidFill>
+          <a:ln w="9525" cap="flat" cmpd="sng" algn="ctr">
+            <a:noFill/>
+            <a:prstDash val="solid"/>
+            <a:round/>
+            <a:headEnd type="none" w="med" len="med"/>
+            <a:tailEnd type="none" w="med" len="med"/>
+          </a:ln>
+          <a:effectLst/>
+          <a:scene3d>
+            <a:camera prst="orthographicFront"/>
+            <a:lightRig rig="threePt" dir="t"/>
+          </a:scene3d>
+          <a:sp3d>
+            <a:bevelT h="12700"/>
+          </a:sp3d>
+          <a:extLst>
+            <a:ext uri="{AF507438-7753-43E0-B8FC-AC1667EBCBE1}">
+              <a14:hiddenEffects xmlns:a14="http://schemas.microsoft.com/office/drawing/2010/main">
+                <a:effectLst>
+                  <a:outerShdw>
+                    <a:scrgbClr r="0" g="0" b="0">
+                      <a:alpha val="50000"/>
+                    </a:scrgbClr>
+                  </a:outerShdw>
+                </a:effectLst>
+              </a14:hiddenEffects>
+            </a:ext>
+            <a:ext uri="{53640926-AAD7-44D8-BBD7-CCE9431645EC}">
+              <a14:shadowObscured xmlns:a14="http://schemas.microsoft.com/office/drawing/2010/main" val="1"/>
+            </a:ext>
+          </a:extLst>
+        </p:spPr>
+        <p:txBody>
+          <a:bodyPr vert="horz" wrap="none" lIns="91440" tIns="45720" rIns="91440" bIns="45720" numCol="1" rtlCol="0" anchor="ctr" anchorCtr="0" compatLnSpc="1">
+            <a:prstTxWarp prst="textNoShape">
+              <a:avLst/>
+            </a:prstTxWarp>
+          </a:bodyPr>
+          <a:lstStyle/>
+          <a:p>
+            <a:pPr marL="0" marR="0" indent="0" algn="l" defTabSz="914400" rtl="0" eaLnBrk="0" fontAlgn="base" latinLnBrk="0" hangingPunct="0">
+              <a:lnSpc>
+                <a:spcPct val="100000"/>
+              </a:lnSpc>
+              <a:spcBef>
+                <a:spcPct val="0"/>
+              </a:spcBef>
+              <a:spcAft>
+                <a:spcPct val="0"/>
+              </a:spcAft>
+              <a:buClr>
+                <a:schemeClr val="tx1"/>
+              </a:buClr>
+              <a:buSzTx/>
+              <a:buFont typeface="Wingdings" pitchFamily="2" charset="2"/>
+              <a:buNone/>
+              <a:tabLst/>
+            </a:pPr>
+            <a:endParaRPr kumimoji="0" lang="en-US" sz="1600" b="1" i="0" u="none" strike="noStrike" cap="none" normalizeH="0" baseline="0">
+              <a:ln>
+                <a:noFill/>
+              </a:ln>
+              <a:solidFill>
+                <a:schemeClr val="tx1"/>
+              </a:solidFill>
+              <a:effectLst/>
+              <a:latin typeface="Courier New" pitchFamily="49" charset="0"/>
+            </a:endParaRPr>
+          </a:p>
+        </p:txBody>
+      </p:sp>
+      <p:sp>
+        <p:nvSpPr>
+          <p:cNvPr id="413" name="OTLSHAPE_M_4312abfab1864f0ba6a177ecd5b12837_Title">
+            <a:extLst>
+              <a:ext uri="{FF2B5EF4-FFF2-40B4-BE49-F238E27FC236}">
+                <a16:creationId xmlns:a16="http://schemas.microsoft.com/office/drawing/2014/main" id="{F764AD61-945B-4B43-948A-11D53DB87FC4}"/>
+              </a:ext>
+            </a:extLst>
+          </p:cNvPr>
+          <p:cNvSpPr txBox="1"/>
+          <p:nvPr>
+            <p:custDataLst>
+              <p:tags r:id="rId50"/>
+            </p:custDataLst>
+          </p:nvPr>
+        </p:nvSpPr>
+        <p:spPr>
+          <a:xfrm>
+            <a:off x="8382243" y="3812625"/>
+            <a:ext cx="698500" cy="852593"/>
+          </a:xfrm>
+          <a:prstGeom prst="rect">
+            <a:avLst/>
+          </a:prstGeom>
+          <a:noFill/>
+        </p:spPr>
+        <p:txBody>
+          <a:bodyPr vert="horz" wrap="square" lIns="0" tIns="0" rIns="0" bIns="0" rtlCol="0" anchor="ctr" anchorCtr="0">
+            <a:spAutoFit/>
+          </a:bodyPr>
+          <a:lstStyle/>
+          <a:p>
+            <a:r>
+              <a:rPr lang="en-US" sz="1100" b="1" dirty="0">
+                <a:solidFill>
+                  <a:schemeClr val="dk1"/>
+                </a:solidFill>
+                <a:latin typeface="Calibri" panose="020F0502020204030204" pitchFamily="34" charset="0"/>
+              </a:rPr>
+              <a:t>Docker Swarm is built in with Docker 1.12</a:t>
+            </a:r>
+          </a:p>
+        </p:txBody>
+      </p:sp>
+      <p:sp>
+        <p:nvSpPr>
+          <p:cNvPr id="414" name="OTLSHAPE_M_4312abfab1864f0ba6a177ecd5b12837_Date">
+            <a:extLst>
+              <a:ext uri="{FF2B5EF4-FFF2-40B4-BE49-F238E27FC236}">
+                <a16:creationId xmlns:a16="http://schemas.microsoft.com/office/drawing/2014/main" id="{4DEA8795-A176-424A-8002-4831A37F6FAC}"/>
+              </a:ext>
+            </a:extLst>
+          </p:cNvPr>
+          <p:cNvSpPr txBox="1"/>
+          <p:nvPr>
+            <p:custDataLst>
+              <p:tags r:id="rId51"/>
+            </p:custDataLst>
+          </p:nvPr>
+        </p:nvSpPr>
+        <p:spPr>
+          <a:xfrm>
+            <a:off x="8382243" y="3644900"/>
+            <a:ext cx="558800" cy="155025"/>
+          </a:xfrm>
+          <a:prstGeom prst="rect">
+            <a:avLst/>
+          </a:prstGeom>
+          <a:noFill/>
+        </p:spPr>
+        <p:txBody>
+          <a:bodyPr vert="horz" wrap="square" lIns="0" tIns="0" rIns="0" bIns="0" rtlCol="0" anchor="ctr" anchorCtr="0">
+            <a:spAutoFit/>
+          </a:bodyPr>
+          <a:lstStyle/>
+          <a:p>
+            <a:r>
+              <a:rPr lang="en-US" sz="1000" spc="-8" dirty="0">
+                <a:solidFill>
+                  <a:srgbClr val="1F497E"/>
+                </a:solidFill>
+                <a:latin typeface="Calibri" panose="020F0502020204030204" pitchFamily="34" charset="0"/>
+              </a:rPr>
+              <a:t>6/20/2016</a:t>
+            </a:r>
+          </a:p>
+        </p:txBody>
+      </p:sp>
+      <p:sp>
+        <p:nvSpPr>
+          <p:cNvPr id="415" name="OTLSHAPE_M_4312abfab1864f0ba6a177ecd5b12837_Shape">
+            <a:extLst>
+              <a:ext uri="{FF2B5EF4-FFF2-40B4-BE49-F238E27FC236}">
+                <a16:creationId xmlns:a16="http://schemas.microsoft.com/office/drawing/2014/main" id="{E0DB9FE4-9D86-4E74-AF4D-CBC4962DA5B4}"/>
+              </a:ext>
+            </a:extLst>
+          </p:cNvPr>
+          <p:cNvSpPr/>
+          <p:nvPr>
+            <p:custDataLst>
+              <p:tags r:id="rId52"/>
+            </p:custDataLst>
+          </p:nvPr>
+        </p:nvSpPr>
+        <p:spPr bwMode="auto">
+          <a:xfrm rot="16200000">
+            <a:off x="8185393" y="4047109"/>
+            <a:ext cx="165100" cy="165100"/>
+          </a:xfrm>
+          <a:prstGeom prst="flowChartMerge">
+            <a:avLst/>
+          </a:prstGeom>
+          <a:solidFill>
+            <a:srgbClr val="B20E12"/>
+          </a:solidFill>
+          <a:ln w="9525" cap="flat" cmpd="sng" algn="ctr">
+            <a:noFill/>
+            <a:prstDash val="solid"/>
+            <a:round/>
+            <a:headEnd type="none" w="med" len="med"/>
+            <a:tailEnd type="none" w="med" len="med"/>
+          </a:ln>
+          <a:effectLst/>
+          <a:scene3d>
+            <a:camera prst="orthographicFront"/>
+            <a:lightRig rig="threePt" dir="t"/>
+          </a:scene3d>
+          <a:sp3d>
+            <a:bevelT h="12700"/>
+          </a:sp3d>
+          <a:extLst>
+            <a:ext uri="{AF507438-7753-43E0-B8FC-AC1667EBCBE1}">
+              <a14:hiddenEffects xmlns:a14="http://schemas.microsoft.com/office/drawing/2010/main">
+                <a:effectLst>
+                  <a:outerShdw>
+                    <a:scrgbClr r="0" g="0" b="0">
+                      <a:alpha val="50000"/>
+                    </a:scrgbClr>
+                  </a:outerShdw>
+                </a:effectLst>
+              </a14:hiddenEffects>
+            </a:ext>
+            <a:ext uri="{53640926-AAD7-44D8-BBD7-CCE9431645EC}">
+              <a14:shadowObscured xmlns:a14="http://schemas.microsoft.com/office/drawing/2010/main" val="1"/>
+            </a:ext>
+          </a:extLst>
+        </p:spPr>
+        <p:txBody>
+          <a:bodyPr vert="horz" wrap="none" lIns="91440" tIns="45720" rIns="91440" bIns="45720" numCol="1" rtlCol="0" anchor="ctr" anchorCtr="0" compatLnSpc="1">
+            <a:prstTxWarp prst="textNoShape">
+              <a:avLst/>
+            </a:prstTxWarp>
+          </a:bodyPr>
+          <a:lstStyle/>
+          <a:p>
+            <a:pPr marL="0" marR="0" indent="0" algn="l" defTabSz="914400" rtl="0" eaLnBrk="0" fontAlgn="base" latinLnBrk="0" hangingPunct="0">
+              <a:lnSpc>
+                <a:spcPct val="100000"/>
+              </a:lnSpc>
+              <a:spcBef>
+                <a:spcPct val="0"/>
+              </a:spcBef>
+              <a:spcAft>
+                <a:spcPct val="0"/>
+              </a:spcAft>
+              <a:buClr>
+                <a:schemeClr val="tx1"/>
+              </a:buClr>
+              <a:buSzTx/>
+              <a:buFont typeface="Wingdings" pitchFamily="2" charset="2"/>
+              <a:buNone/>
+              <a:tabLst/>
+            </a:pPr>
+            <a:endParaRPr kumimoji="0" lang="en-US" sz="1600" b="1" i="0" u="none" strike="noStrike" cap="none" normalizeH="0" baseline="0">
+              <a:ln>
+                <a:noFill/>
+              </a:ln>
+              <a:solidFill>
+                <a:schemeClr val="tx1"/>
+              </a:solidFill>
+              <a:effectLst/>
+              <a:latin typeface="Courier New" pitchFamily="49" charset="0"/>
+            </a:endParaRPr>
+          </a:p>
+        </p:txBody>
+      </p:sp>
+      <p:sp>
+        <p:nvSpPr>
+          <p:cNvPr id="39" name="Titel 38">
+            <a:extLst>
+              <a:ext uri="{FF2B5EF4-FFF2-40B4-BE49-F238E27FC236}">
+                <a16:creationId xmlns:a16="http://schemas.microsoft.com/office/drawing/2014/main" id="{D86B0062-89D4-4E5E-B075-BA444180F82F}"/>
+              </a:ext>
+            </a:extLst>
+          </p:cNvPr>
+          <p:cNvSpPr>
+            <a:spLocks noGrp="1"/>
+          </p:cNvSpPr>
+          <p:nvPr>
+            <p:ph type="title"/>
+          </p:nvPr>
+        </p:nvSpPr>
+        <p:spPr/>
+        <p:txBody>
+          <a:bodyPr/>
+          <a:lstStyle/>
+          <a:p>
+            <a:r>
+              <a:rPr lang="en-US" dirty="0"/>
+              <a:t>History of Docker</a:t>
+            </a:r>
+          </a:p>
+        </p:txBody>
+      </p:sp>
+    </p:spTree>
+    <p:custDataLst>
+      <p:tags r:id="rId1"/>
+    </p:custDataLst>
+    <p:extLst>
+      <p:ext uri="{BB962C8B-B14F-4D97-AF65-F5344CB8AC3E}">
+        <p14:creationId xmlns:p14="http://schemas.microsoft.com/office/powerpoint/2010/main" val="4207109832"/>
+      </p:ext>
+    </p:extLst>
+  </p:cSld>
+  <p:clrMapOvr>
+    <a:masterClrMapping/>
+  </p:clrMapOvr>
+</p:sld>
+</file>
+
+<file path=ppt/tags/tag1.xml><?xml version="1.0" encoding="utf-8"?>
+<p:tagLst xmlns:a="http://schemas.openxmlformats.org/drawingml/2006/main" xmlns:r="http://schemas.openxmlformats.org/officeDocument/2006/relationships" xmlns:p="http://schemas.openxmlformats.org/presentationml/2006/main">
+  <p:tag name="__PART_0" val="eyIkaWQiOiIxIiwiQ3VsdHVyZUluZm9OYW1lIjoiZGUtREUiLCJTdHlsZU5hbWUiOiJTdGFuZGFyZCIsIklzVGVtcGxhdGUiOmZhbHNlLCJWZXJzaW9uIjp7IiRpZCI6IjIiLCJWZXJzaW9uIjoiMy4xLjAiLCJPcmlnaW5hbEFzc2VtYmx5VmVyc2lvbiI6IjMuMTYuMDUuMDAiLCJFZGl0aW9uIjoiQmFzaWMiLCJJc1BsdXNFZGl0aW9uIjpmYWxzZX0sIkVmZmVjdCI6MSwiU3R5bGUiOnsiJGlkIjoiMyIsIlRpbWViYW5kU3R5bGUiOnsiJGlkIjoiNCIsIlNjYWxlTWFya2luZyI6MCwiU2hhcGUiOjAsIlNoYXBlU3R5bGUiOnsiJGlkIjoiNSIsIk1hcmdpbiI6eyIkaWQiOiI2IiwiVG9wIjowLCJMZWZ0IjoxMiwiUmlnaHQiOjEyLCJCb3R0b20iOjB9LCJQYWRkaW5nIjp7IiRpZCI6IjciLCJUb3AiOjcsIkxlZnQiOjAsIlJpZ2h0IjowLCJCb3R0b20iOjd9LCJCYWNrZ3JvdW5kIjp7IiRpZCI6IjgiLCJDb2xvciI6eyIkaWQiOiI5IiwiQSI6MjU1LCJSIjo2OCwiRyI6ODQsIkIiOjEwNn19LCJJc1Zpc2libGUiOnRydWUsIldpZHRoIjo4NTguMCwiSGVpZ2h0IjozMC4wLCJCb3JkZXJTdHlsZSI6eyIkaWQiOiIxMCIsIkxpbmVDb2xvciI6eyIkaWQiOiIxMSIsIiR0eXBlIjoiTkxSRS5Db21tb24uRG9tLlNvbGlkQ29sb3JCcnVzaCwgTkxSRS5Db21tb24iLCJDb2xvciI6eyIkaWQiOiIxMiIsIkEiOjI1NSwiUiI6MjU1LCJHIjowLCJCIjowfX0sIkxpbmVXZWlnaHQiOjAuMCwiTGluZVR5cGUiOjAsIlBhcmVudFN0eWxlIjpudWxsfSwiUGFyZW50U3R5bGUiOm51bGx9LCJSaWdodEVuZENhcHNTdHlsZSI6eyIkaWQiOiIxMyIsIkZvbnRTZXR0aW5ncyI6eyIkaWQiOiIxNCIsIkZvbnRTaXplIjoxOCwiRm9udE5hbWUiOiJDYWxpYnJpIiwiSXNCb2xkIjp0cnVlLCJJc0l0YWxpYyI6ZmFsc2UsIklzVW5kZXJsaW5lZCI6ZmFsc2UsIlBhcmVudFN0eWxlIjpudWxsfSwiQXV0b1NpemUiOjAsIkZvcmVncm91bmQiOnsiJGlkIjoiMTUiLCJDb2xvciI6eyIkaWQiOiIxNiIsIkEiOjI1NSwiUiI6MTkyLCJHIjo4MCwiQiI6Nzd9fSwiTWF4V2lkdGgiOiJJbmZpbml0eSIsIk1heEhlaWdodCI6IkluZmluaXR5IiwiU21hcnRGb3JlZ3JvdW5kSXNBY3RpdmUiOmZhbHNlLCJIb3Jpem9udGFsQWxpZ25tZW50IjowLCJWZXJ0aWNhbEFsaWdubWVudCI6MCwiU21hcnRGb3JlZ3JvdW5kIjpudWxsLCJNYXJnaW4iOnsiJGlkIjoiMTciLCJUb3AiOjAsIkxlZnQiOjAsIlJpZ2h0IjoyNSwiQm90dG9tIjowfSwiUGFkZGluZyI6eyIkaWQiOiIxOCIsIlRvcCI6MCwiTGVmdCI6MCwiUmlnaHQiOjAsIkJvdHRvbSI6MH0sIkJhY2tncm91bmQiOnsiJGlkIjoiMTkiLCJDb2xvciI6eyIkaWQiOiIyMCIsIkEiOjAsIlIiOjAsIkciOjAsIkIiOjB9fSwiSXNWaXNpYmxlIjp0cnVlLCJXaWR0aCI6MC4wLCJIZWlnaHQiOjAuMCwiQm9yZGVyU3R5bGUiOm51bGwsIlBhcmVudFN0eWxlIjpudWxsfSwiTGVmdEVuZENhcHNTdHlsZSI6eyIkaWQiOiIyMSIsIkZvbnRTZXR0aW5ncyI6eyIkaWQiOiIyMiIsIkZvbnRTaXplIjoxOCwiRm9udE5hbWUiOiJDYWxpYnJpIiwiSXNCb2xkIjp0cnVlLCJJc0l0YWxpYyI6ZmFsc2UsIklzVW5kZXJsaW5lZCI6ZmFsc2UsIlBhcmVudFN0eWxlIjpudWxsfSwiQXV0b1NpemUiOjAsIkZvcmVncm91bmQiOnsiJGlkIjoiMjMiLCJDb2xvciI6eyIkaWQiOiIyNCIsIkEiOjI1NSwiUiI6MTkyLCJHIjo4MCwiQiI6Nzd9fSwiTWF4V2lkdGgiOiJJbmZpbml0eSIsIk1heEhlaWdodCI6IkluZmluaXR5IiwiU21hcnRGb3JlZ3JvdW5kSXNBY3RpdmUiOmZhbHNlLCJIb3Jpem9udGFsQWxpZ25tZW50IjowLCJWZXJ0aWNhbEFsaWdubWVudCI6MCwiU21hcnRGb3JlZ3JvdW5kIjpudWxsLCJNYXJnaW4iOnsiJGlkIjoiMjUiLCJUb3AiOjAsIkxlZnQiOjI1LCJSaWdodCI6MCwiQm90dG9tIjowfSwiUGFkZGluZyI6eyIkaWQiOiIyNiIsIlRvcCI6MCwiTGVmdCI6MCwiUmlnaHQiOjAsIkJvdHRvbSI6MH0sIkJhY2tncm91bmQiOnsiJGlkIjoiMjciLCJDb2xvciI6eyIkcmVmIjoiMjAifX0sIklzVmlzaWJsZSI6dHJ1ZSwiV2lkdGgiOjAuMCwiSGVpZ2h0IjowLjAsIkJvcmRlclN0eWxlIjpudWxsLCJQYXJlbnRTdHlsZSI6bnVsbH0sIlRvZGF5VGV4dFN0eWxlIjp7IiRpZCI6IjI4IiwiRm9udFNldHRpbmdzIjp7IiRpZCI6IjI5IiwiRm9udFNpemUiOjEyLCJGb250TmFtZSI6IkNhbGlicmkiLCJJc0JvbGQiOmZhbHNlLCJJc0l0YWxpYyI6ZmFsc2UsIklzVW5kZXJsaW5lZCI6ZmFsc2UsIlBhcmVudFN0eWxlIjpudWxsfSwiQXV0b1NpemUiOjAsIkZvcmVncm91bmQiOnsiJGlkIjoiMzAiLCJDb2xvciI6eyIkaWQiOiIzMSIsIkEiOjI1NSwiUiI6MCwiRyI6MCwiQiI6MH19LCJNYXhXaWR0aCI6MjAwLjAsIk1heEhlaWdodCI6IkluZmluaXR5IiwiU21hcnRGb3JlZ3JvdW5kSXNBY3RpdmUiOmZhbHNlLCJIb3Jpem9udGFsQWxpZ25tZW50IjowLCJWZXJ0aWNhbEFsaWdubWVudCI6MCwiU21hcnRGb3JlZ3JvdW5kIjpudWxsLCJNYXJnaW4iOnsiJGlkIjoiMzIiLCJUb3AiOjAsIkxlZnQiOjAsIlJpZ2h0IjowLCJCb3R0b20iOjB9LCJQYWRkaW5nIjp7IiRpZCI6IjMzIiwiVG9wIjowLCJMZWZ0IjowLCJSaWdodCI6MCwiQm90dG9tIjowfSwiQmFja2dyb3VuZCI6eyIkaWQiOiIzNCIsIkNvbG9yIjp7IiRyZWYiOiIyMCJ9fSwiSXNWaXNpYmxlIjp0cnVlLCJXaWR0aCI6MC4wLCJIZWlnaHQiOjAuMCwiQm9yZGVyU3R5bGUiOm51bGwsIlBhcmVudFN0eWxlIjpudWxsfSwiVG9kYXlNYXJrZXJTdHlsZSI6eyIkaWQiOiIzNSIsIk1hcmdpbiI6eyIkaWQiOiIzNiIsIlRvcCI6MCwiTGVmdCI6MCwiUmlnaHQiOjAsIkJvdHRvbSI6MH0sIlBhZGRpbmciOnsiJGlkIjoiMzciLCJUb3AiOjAsIkxlZnQiOjAsIlJpZ2h0IjowLCJCb3R0b20iOjB9LCJCYWNrZ3JvdW5kIjp7IiRpZCI6IjM4IiwiQ29sb3IiOnsiJGlkIjoiMzkiLCJBIjoyNTUsIlIiOjI1NSwiRyI6MCwiQiI6MH19LCJJc1Zpc2libGUiOnRydWUsIldpZHRoIjowLjAsIkhlaWdodCI6MC4wLCJCb3JkZXJTdHlsZSI6bnVsbCwiUGFyZW50U3R5bGUiOm51bGx9LCJTY2FsZVN0eWxlIjp7IiRpZCI6IjQwIiwiU2hvd1NlZ21lbnRTZXBhcmF0b3JzIjp0cnVlLCJTZWdtZW50U2VwYXJhdG9yT3BhY2l0eSI6MzAsIkZvbnRTZXR0aW5ncyI6eyIkaWQiOiI0MSIsIkZvbnRTaXplIjoxMiwiRm9udE5hbWUiOiJDYWxpYnJpIiwiSXNCb2xkIjpmYWxzZSwiSXNJdGFsaWMiOmZhbHNlLCJJc1VuZGVybGluZWQiOmZhbHNlLCJQYXJlbnRTdHlsZSI6bnVsbH0sIkF1dG9TaXplIjowLCJGb3JlZ3JvdW5kIjp7IiRpZCI6IjQyIiwiQ29sb3IiOnsiJGlkIjoiNDMiLCJBIjoyNTUsIlIiOjI1NSwiRyI6MjU1LCJCIjoyNTV9fSwiTWF4V2lkdGgiOjIwMC4wLCJNYXhIZWlnaHQiOiJJbmZpbml0eSIsIlNtYXJ0Rm9yZWdyb3VuZElzQWN0aXZlIjpmYWxzZSwiSG9yaXpvbnRhbEFsaWdubWVudCI6MCwiVmVydGljYWxBbGlnbm1lbnQiOjEsIlNtYXJ0Rm9yZWdyb3VuZCI6bnVsbCwiTWFyZ2luIjp7IiRpZCI6IjQ0IiwiVG9wIjowLCJMZWZ0Ijo1LCJSaWdodCI6MCwiQm90dG9tIjowfSwiUGFkZGluZyI6eyIkaWQiOiI0NSIsIlRvcCI6MCwiTGVmdCI6MCwiUmlnaHQiOjAsIkJvdHRvbSI6MH0sIkJhY2tncm91bmQiOnsiJGlkIjoiNDYiLCJDb2xvciI6eyIkcmVmIjoiMjAifX0sIklzVmlzaWJsZSI6dHJ1ZSwiV2lkdGgiOjAuMCwiSGVpZ2h0IjowLjAsIkJvcmRlclN0eWxlIjpudWxsLCJQYXJlbnRTdHlsZSI6bnVsbH0sIkVsYXBzZWRUaW1lQmFja2dyb3VuZCI6eyIkaWQiOiI0NyIsIkNvbG9yIjp7IiRpZCI6IjQ4IiwiQSI6MTkxLCJSIjoyNTUsIkciOjAsIkIiOjB9fSwiQXBwZW5kWWVhck9uWWVhckNoYW5nZSI6dHJ1ZSwiRWxhcHNlZFRpbWVGb3JtYXQiOjIsIlRvZGF5TWFya2VyUG9zaXRpb24iOjMsIlF1aWNrUG9zaXRpb24iOjEsIkFic29sdXRlUG9zaXRpb24iOjI0MC4wLCJNYXJnaW4iOnsiJGlkIjoiNDkiLCJUb3AiOjAsIkxlZnQiOjEwLCJSaWdodCI6MTAsIkJvdHRvbSI6MH0sIlBhZGRpbmciOnsiJGlkIjoiNTAiLCJUb3AiOjAsIkxlZnQiOjAsIlJpZ2h0IjowLCJCb3R0b20iOjB9LCJCYWNrZ3JvdW5kIjp7IiRpZCI6IjUxIiwiQ29sb3IiOnsiJGlkIjoiNTIiLCJBIjoyNTUsIlIiOjMxLCJHIjo3MywiQiI6MTI1fX0sIklzVmlzaWJsZSI6dHJ1ZSwiV2lkdGgiOjAuMCwiSGVpZ2h0IjowLjAsIkJvcmRlclN0eWxlIjpudWxsLCJQYXJlbnRTdHlsZSI6bnVsbH0sIkRlZmF1bHRNaWxlc3RvbmVTdHlsZSI6eyIkaWQiOiI1MyIsIlNoYXBlIjoyLCJDb25uZWN0b3JNYXJnaW4iOnsiJGlkIjoiNTQiLCJUb3AiOjAsIkxlZnQiOjIsIlJpZ2h0IjoyLCJCb3R0b20iOjB9LCJDb25uZWN0b3JTdHlsZSI6eyIkaWQiOiI1NSIsIkxpbmVDb2xvciI6eyIkaWQiOiI1NiIsIiR0eXBlIjoiTkxSRS5Db21tb24uRG9tLlNvbGlkQ29sb3JCcnVzaCwgTkxSRS5Db21tb24iLCJDb2xvciI6eyIkaWQiOiI1NyIsIkEiOjI1NSwiUiI6MzEsIkciOjczLCJCIjoxMjZ9fSwiTGluZVdlaWdodCI6MS4wLCJMaW5lVHlwZSI6MCwiUGFyZW50U3R5bGUiOm51bGx9LCJJc0JlbG93VGltZWJhbmQiOmZhbHNlLCJIaWRlRGF0ZSI6ZmFsc2UsIlNoYXBlU2l6ZSI6MSwiU3BhY2luZyI6MS4wLCJQYWRkaW5nIjp7IiRpZCI6IjU4IiwiVG9wIjo3LCJMZWZ0IjozLCJSaWdodCI6MCwiQm90dG9tIjoyfSwiU2hhcGVTdHlsZSI6eyIkaWQiOiI1OSIsIk1hcmdpbiI6eyIkaWQiOiI2MCIsIlRvcCI6MCwiTGVmdCI6MCwiUmlnaHQiOjAsIkJvdHRvbSI6MH0sIlBhZGRpbmciOnsiJGlkIjoiNjEiLCJUb3AiOjAsIkxlZnQiOjAsIlJpZ2h0IjowLCJCb3R0b20iOjB9LCJCYWNrZ3JvdW5kIjpudWxsLCJJc1Zpc2libGUiOnRydWUsIldpZHRoIjoxOC4wLCJIZWlnaHQiOjIwLjAsIkJvcmRlclN0eWxlIjp7IiRpZCI6IjYyIiwiTGluZUNvbG9yIjp7IiRpZCI6IjYzIiwiJHR5cGUiOiJOTFJFLkNvbW1vbi5Eb20uU29saWRDb2xvckJydXNoLCBOTFJFLkNvbW1vbiIsIkNvbG9yIjp7IiRpZCI6IjY0IiwiQSI6MjU1LCJSIjoyNTUsIkciOjAsIkIiOjB9fSwiTGluZVdlaWdodCI6MC4wLCJMaW5lVHlwZSI6MCwiUGFyZW50U3R5bGUiOm51bGx9LCJQYXJlbnRTdHlsZSI6bnVsbH0sIlRpdGxlU3R5bGUiOnsiJGlkIjoiNjUiLCJGb250U2V0dGluZ3MiOnsiJGlkIjoiNjYiLCJGb250U2l6ZSI6MTEsIkZvbnROYW1lIjoiQ2FsaWJyaSIsIklzQm9sZCI6dHJ1ZSwiSXNJdGFsaWMiOmZhbHNlLCJJc1VuZGVybGluZWQiOmZhbHNlLCJQYXJlbnRTdHlsZSI6bnVsbH0sIkF1dG9TaXplIjowLCJGb3JlZ3JvdW5kIjp7IiRpZCI6IjY3IiwiQ29sb3IiOnsiJGlkIjoiNjgiLCJBIjoyNTUsIlIiOjAsIkciOjAsIkIiOjB9fSwiTWF4V2lkdGgiOjIwMC4wLCJNYXhIZWlnaHQiOiJJbmZpbml0eSIsIlNtYXJ0Rm9yZWdyb3VuZElzQWN0aXZlIjpmYWxzZSwiSG9yaXpvbnRhbEFsaWdubWVudCI6MCwiVmVydGljYWxBbGlnbm1lbnQiOjAsIlNtYXJ0Rm9yZWdyb3VuZCI6bnVsbCwiTWFyZ2luIjp7IiRpZCI6IjY5IiwiVG9wIjowLCJMZWZ0IjowLCJSaWdodCI6MCwiQm90dG9tIjowfSwiUGFkZGluZyI6eyIkaWQiOiI3MCIsIlRvcCI6MCwiTGVmdCI6MCwiUmlnaHQiOjAsIkJvdHRvbSI6MH0sIkJhY2tncm91bmQiOnsiJGlkIjoiNzEiLCJDb2xvciI6eyIkcmVmIjoiMjAifX0sIklzVmlzaWJsZSI6dHJ1ZSwiV2lkdGgiOjAuMCwiSGVpZ2h0IjowLjAsIkJvcmRlclN0eWxlIjpudWxsLCJQYXJlbnRTdHlsZSI6bnVsbH0sIkRhdGVTdHlsZSI6eyIkaWQiOiI3MiIsIkZvbnRTZXR0aW5ncyI6eyIkaWQiOiI3MyIsIkZvbnRTaXplIjoxMCwiRm9udE5hbWUiOiJDYWxpYnJpIiwiSXNCb2xkIjpmYWxzZSwiSXNJdGFsaWMiOmZhbHNlLCJJc1VuZGVybGluZWQiOmZhbHNlLCJQYXJlbnRTdHlsZSI6bnVsbH0sIkF1dG9TaXplIjowLCJGb3JlZ3JvdW5kIjp7IiRpZCI6Ijc0IiwiQ29sb3IiOnsiJGlkIjoiNzUiLCJBIjoyNTUsIlIiOjMxLCJHIjo3MywiQiI6MTI2fX0sIk1heFdpZHRoIjoyMDAuMCwiTWF4SGVpZ2h0IjoiSW5maW5pdHkiLCJTbWFydEZvcmVncm91bmRJc0FjdGl2ZSI6ZmFsc2UsIkhvcml6b250YWxBbGlnbm1lbnQiOjAsIlZlcnRpY2FsQWxpZ25tZW50IjowLCJTbWFydEZvcmVncm91bmQiOm51bGwsIk1hcmdpbiI6eyIkaWQiOiI3NiIsIlRvcCI6MCwiTGVmdCI6MCwiUmlnaHQiOjAsIkJvdHRvbSI6MH0sIlBhZGRpbmciOnsiJGlkIjoiNzciLCJUb3AiOjAsIkxlZnQiOjAsIlJpZ2h0IjowLCJCb3R0b20iOjB9LCJCYWNrZ3JvdW5kIjp7IiRpZCI6Ijc4IiwiQ29sb3IiOnsiJHJlZiI6IjIwIn19LCJJc1Zpc2libGUiOnRydWUsIldpZHRoIjowLjAsIkhlaWdodCI6MC4wLCJCb3JkZXJTdHlsZSI6bnVsbCwiUGFyZW50U3R5bGUiOm51bGx9LCJEYXRlRm9ybWF0Ijp7IiRpZCI6Ijc5IiwiRm9ybWF0U3RyaW5nIjoiTS9kL3l5eXkiLCJTZXBhcmF0b3IiOiIvIiwiVXNlSW50ZXJuYXRpb25hbERhdGVGb3JtYXQiOmZhbHNlLCJEYXRlSXNWaXNpYmxlIjp0cnVlLCJUaW1lSXNWaXNpYmxlIjpmYWxzZSwiSG91ckRpZ2l0cyI6MSwiQW1QbURlc2lnbmF0b3IiOjIsIlRyaW0wME1pbnV0ZXMiOmZhbHNlLCJMYXN0S25vd25WaXNpYmlsaXR5U3RhdGUiOm51bGx9LCJJc1Zpc2libGUiOnRydWUsIlBhcmVudFN0eWxlIjpudWxsfSwiRGVmYXVsdFRhc2tTdHlsZSI6eyIkaWQiOiI4MCIsIlNoYXBlIjowLCJTaGFwZVRoaWNrbmVzcyI6MSwiRHVyYXRpb25Gb3JtYXQiOjAsIkluY2x1ZGVOb25Xb3JraW5nRGF5c0luRHVyYXRpb24iOmZhbHNlLCJQZXJjZW50YWdlQ29tcGxldGVTdHlsZSI6eyIkaWQiOiI4MSIsIkZvbnRTZXR0aW5ncyI6eyIkaWQiOiI4MiIsIkZvbnRTaXplIjoxMCwiRm9udE5hbWUiOiJDYWxpYnJpIiwiSXNCb2xkIjpmYWxzZSwiSXNJdGFsaWMiOmZhbHNlLCJJc1VuZGVybGluZWQiOmZhbHNlLCJQYXJlbnRTdHlsZSI6bnVsbH0sIkF1dG9TaXplIjowLCJGb3JlZ3JvdW5kIjp7IiRpZCI6IjgzIiwiQ29sb3IiOnsiJGlkIjoiODQiLCJBIjoyNTUsIlIiOjE5MiwiRyI6ODAsIkIiOjc3fX0sIk1heFdpZHRoIjoyMDAuMCwiTWF4SGVpZ2h0IjoiSW5maW5pdHkiLCJTbWFydEZvcmVncm91bmRJc0FjdGl2ZSI6ZmFsc2UsIkhvcml6b250YWxBbGlnbm1lbnQiOjAsIlZlcnRpY2FsQWxpZ25tZW50IjowLCJTbWFydEZvcmVncm91bmQiOm51bGwsIk1hcmdpbiI6eyIkaWQiOiI4NSIsIlRvcCI6MCwiTGVmdCI6MCwiUmlnaHQiOjAsIkJvdHRvbSI6MH0sIlBhZGRpbmciOnsiJGlkIjoiODYiLCJUb3AiOjAsIkxlZnQiOjAsIlJpZ2h0IjowLCJCb3R0b20iOjB9LCJCYWNrZ3JvdW5kIjp7IiRpZCI6Ijg3IiwiQ29sb3IiOnsiJHJlZiI6IjIwIn19LCJJc1Zpc2libGUiOnRydWUsIldpZHRoIjowLjAsIkhlaWdodCI6MC4wLCJCb3JkZXJTdHlsZSI6bnVsbCwiUGFyZW50U3R5bGUiOm51bGx9LCJEdXJhdGlvblN0eWxlIjp7IiRpZCI6Ijg4IiwiRm9udFNldHRpbmdzIjp7IiRpZCI6Ijg5IiwiRm9udFNpemUiOjEwLCJGb250TmFtZSI6IkNhbGlicmkiLCJJc0JvbGQiOmZhbHNlLCJJc0l0YWxpYyI6ZmFsc2UsIklzVW5kZXJsaW5lZCI6ZmFsc2UsIlBhcmVudFN0eWxlIjpudWxsfSwiQXV0b1NpemUiOjAsIkZvcmVncm91bmQiOnsiJGlkIjoiOTAiLCJDb2xvciI6eyIkaWQiOiI5MSIsIkEiOjI1NSwiUiI6MTkyLCJHIjo4MCwiQiI6Nzd9fSwiTWF4V2lkdGgiOjIwMC4wLCJNYXhIZWlnaHQiOiJJbmZpbml0eSIsIlNtYXJ0Rm9yZWdyb3VuZElzQWN0aXZlIjpmYWxzZSwiSG9yaXpvbnRhbEFsaWdubWVudCI6MCwiVmVydGljYWxBbGlnbm1lbnQiOjAsIlNtYXJ0Rm9yZWdyb3VuZCI6bnVsbCwiTWFyZ2luIjp7IiRpZCI6IjkyIiwiVG9wIjowLCJMZWZ0IjowLCJSaWdodCI6MCwiQm90dG9tIjowfSwiUGFkZGluZyI6eyIkaWQiOiI5MyIsIlRvcCI6MCwiTGVmdCI6MCwiUmlnaHQiOjAsIkJvdHRvbSI6MH0sIkJhY2tncm91bmQiOnsiJGlkIjoiOTQiLCJDb2xvciI6eyIkcmVmIjoiMjAifX0sIklzVmlzaWJsZSI6dHJ1ZSwiV2lkdGgiOjAuMCwiSGVpZ2h0IjowLjAsIkJvcmRlclN0eWxlIjpudWxsLCJQYXJlbnRTdHlsZSI6bnVsbH0sIkhvcml6b250YWxDb25uZWN0b3JTdHlsZSI6eyIkaWQiOiI5NSIsIkxpbmVDb2xvciI6eyIkaWQiOiI5NiIsIiR0eXBlIjoiTkxSRS5Db21tb24uRG9tLlNvbGlkQ29sb3JCcnVzaCwgTkxSRS5Db21tb24iLCJDb2xvciI6eyIkaWQiOiI5NyIsIkEiOjI1NSwiUiI6MjA0LCJHIjoyMDQsIkIiOjIwNH19LCJMaW5lV2VpZ2h0IjoxLjAsIkxpbmVUeXBlIjowLCJQYXJlbnRTdHlsZSI6bnVsbH0sIlZlcnRpY2FsQ29ubmVjdG9yU3R5bGUiOnsiJGlkIjoiOTgiLCJMaW5lQ29sb3IiOnsiJGlkIjoiOTkiLCIkdHlwZSI6Ik5MUkUuQ29tbW9uLkRvbS5Tb2xpZENvbG9yQnJ1c2gsIE5MUkUuQ29tbW9uIiwiQ29sb3IiOnsiJGlkIjoiMTAwIiwiQSI6MjU1LCJSIjoyMDQsIkciOjIwNCwiQiI6MjA0fX0sIkxpbmVXZWlnaHQiOjAuMCwiTGluZVR5cGUiOjAsIlBhcmVudFN0eWxlIjpudWxsfSwiTWFyZ2luIjpudWxsLCJTdGFydERhdGVQb3NpdGlvbiI6NCwiRW5kRGF0ZVBvc2l0aW9uIjo0LCJEYXRlSXNWaXNpYmxlIjp0cnVlLCJUaXRsZVBvc2l0aW9uIjo1LCJEdXJhdGlvblBvc2l0aW9uIjo2LCJQZXJjZW50YWdlQ29tcGxldGVkUG9zaXRpb24iOjYsIlNwYWNpbmciOjUsIklzQmVsb3dUaW1lYmFuZCI6dHJ1ZSwiUGVyY2VudGFnZUNvbXBsZXRlU2hhcGVPcGFjaXR5IjozNSwiU2hhcGVTdHlsZSI6eyIkaWQiOiIxMDEiLCJNYXJnaW4iOnsiJGlkIjoiMTAyIiwiVG9wIjowLCJMZWZ0Ijo0LCJSaWdodCI6NCwiQm90dG9tIjowfSwiUGFkZGluZyI6eyIkaWQiOiIxMDMiLCJUb3AiOjAsIkxlZnQiOjAsIlJpZ2h0IjowLCJCb3R0b20iOjB9LCJCYWNrZ3JvdW5kIjpudWxsLCJJc1Zpc2libGUiOnRydWUsIldpZHRoIjowLjAsIkhlaWdodCI6MTYuMCwiQm9yZGVyU3R5bGUiOnsiJGlkIjoiMTA0IiwiTGluZUNvbG9yIjp7IiRpZCI6IjEwNSIsIiR0eXBlIjoiTkxSRS5Db21tb24uRG9tLlNvbGlkQ29sb3JCcnVzaCwgTkxSRS5Db21tb24iLCJDb2xvciI6eyIkaWQiOiIxMDYiLCJBIjoyNTUsIlIiOjI1NSwiRyI6MCwiQiI6MH19LCJMaW5lV2VpZ2h0IjowLjAsIkxpbmVUeXBlIjowLCJQYXJlbnRTdHlsZSI6bnVsbH0sIlBhcmVudFN0eWxlIjpudWxsfSwiVGl0bGVTdHlsZSI6eyIkaWQiOiIxMDciLCJGb250U2V0dGluZ3MiOnsiJGlkIjoiMTA4IiwiRm9udFNpemUiOjExLCJGb250TmFtZSI6IkNhbGlicmkiLCJJc0JvbGQiOnRydWUsIklzSXRhbGljIjpmYWxzZSwiSXNVbmRlcmxpbmVkIjpmYWxzZSwiUGFyZW50U3R5bGUiOm51bGx9LCJBdXRvU2l6ZSI6MCwiRm9yZWdyb3VuZCI6eyIkaWQiOiIxMDkiLCJDb2xvciI6eyIkaWQiOiIxMTAiLCJBIjoyNTUsIlIiOjAsIkciOjAsIkIiOjB9fSwiTWF4V2lkdGgiOjcyMC4wLCJNYXhIZWlnaHQiOiJJbmZpbml0eSIsIlNtYXJ0Rm9yZWdyb3VuZElzQWN0aXZlIjpmYWxzZSwiSG9yaXpvbnRhbEFsaWdubWVudCI6MCwiVmVydGljYWxBbGlnbm1lbnQiOjAsIlNtYXJ0Rm9yZWdyb3VuZCI6bnVsbCwiTWFyZ2luIjp7IiRpZCI6IjExMSIsIlRvcCI6MCwiTGVmdCI6MCwiUmlnaHQiOjAsIkJvdHRvbSI6MH0sIlBhZGRpbmciOnsiJGlkIjoiMTEyIiwiVG9wIjowLCJMZWZ0IjowLCJSaWdodCI6MCwiQm90dG9tIjowfSwiQmFja2dyb3VuZCI6eyIkaWQiOiIxMTMiLCJDb2xvciI6eyIkcmVmIjoiMjAifX0sIklzVmlzaWJsZSI6dHJ1ZSwiV2lkdGgiOjAuMCwiSGVpZ2h0IjowLjAsIkJvcmRlclN0eWxlIjpudWxsLCJQYXJlbnRTdHlsZSI6bnVsbH0sIkRhdGVTdHlsZSI6eyIkaWQiOiIxMTQiLCJGb250U2V0dGluZ3MiOnsiJGlkIjoiMTE1IiwiRm9udFNpemUiOjEwLCJGb250TmFtZSI6IkNhbGlicmkiLCJJc0JvbGQiOmZhbHNlLCJJc0l0YWxpYyI6ZmFsc2UsIklzVW5kZXJsaW5lZCI6ZmFsc2UsIlBhcmVudFN0eWxlIjpudWxsfSwiQXV0b1NpemUiOjAsIkZvcmVncm91bmQiOnsiJGlkIjoiMTE2IiwiQ29sb3IiOnsiJGlkIjoiMTE3IiwiQSI6MjU1LCJSIjozMSwiRyI6NzMsIkIiOjEyNn19LCJNYXhXaWR0aCI6MjAwLjAsIk1heEhlaWdodCI6IkluZmluaXR5IiwiU21hcnRGb3JlZ3JvdW5kSXNBY3RpdmUiOmZhbHNlLCJIb3Jpem9udGFsQWxpZ25tZW50IjowLCJWZXJ0aWNhbEFsaWdubWVudCI6MCwiU21hcnRGb3JlZ3JvdW5kIjpudWxsLCJNYXJnaW4iOnsiJGlkIjoiMTE4IiwiVG9wIjowLCJMZWZ0IjowLCJSaWdodCI6MCwiQm90dG9tIjowfSwiUGFkZGluZyI6eyIkaWQiOiIxMTkiLCJUb3AiOjAsIkxlZnQiOjAsIlJpZ2h0IjowLCJCb3R0b20iOjB9LCJCYWNrZ3JvdW5kIjp7IiRpZCI6IjEyMCIsIkNvbG9yIjp7IiRyZWYiOiIyMCJ9fSwiSXNWaXNpYmxlIjp0cnVlLCJXaWR0aCI6MC4wLCJIZWlnaHQiOjAuMCwiQm9yZGVyU3R5bGUiOm51bGwsIlBhcmVudFN0eWxlIjpudWxsfSwiRGF0ZUZvcm1hdCI6eyIkaWQiOiIxMjEiLCJGb3JtYXRTdHJpbmciOiJNL2QveXl5eSIsIlNlcGFyYXRvciI6Ii8iLCJVc2VJbnRlcm5hdGlvbmFsRGF0ZUZvcm1hdCI6ZmFsc2UsIkRhdGVJc1Zpc2libGUiOnRydWUsIlRpbWVJc1Zpc2libGUiOmZhbHNlLCJIb3VyRGlnaXRzIjoxLCJBbVBtRGVzaWduYXRvciI6MiwiVHJpbTAwTWludXRlcyI6ZmFsc2UsIkxhc3RLbm93blZpc2liaWxpdHlTdGF0ZSI6bnVsbH0sIklzVmlzaWJsZSI6dHJ1ZSwiUGFyZW50U3R5bGUiOm51bGwsIl9leHBsaWNpdGx5U2V0Ijp7IiRpZCI6IjEyMiIsIlNoYXBlU3R5bGUiOmZhbHNlLCJUaXRsZVN0eWxlIjpmYWxzZSwiRGF0ZVN0eWxlIjpmYWxzZSwiSG9yaXpvbnRhbENvbm5lY3RvclN0eWxlIjpmYWxzZSwiVmVydGljYWxDb25uZWN0b3JTdHlsZSI6ZmFsc2UsIlBlcmNlbnRhZ2VDb21wbGV0ZVNoYXBlT3BhY2l0eSI6ZmFsc2UsIlNoYXBlIjpmYWxzZSwiU2hhcGVUaGlja25lc3MiOmZhbHNlLCJNYXJnaW4iOmZhbHNlLCJTdGFydERhdGVQb3NpdGlvbiI6ZmFsc2UsIkVuZERhdGVQb3NpdGlvbiI6ZmFsc2UsIlRpdGxlUG9zaXRpb24iOmZhbHNlLCJEdXJhdGlvblBvc2l0aW9uIjpmYWxzZSwiUGVyY2VudGFnZUNvbXBsZXRlZFBvc2l0aW9uIjpmYWxzZSwiU3BhY2luZyI6ZmFsc2UsIklzQmVsb3dUaW1lYmFuZCI6ZmFsc2UsIkRhdGVGb3JtYXQiOmZhbHNlLCJJc1Zpc2libGUiOmZhbHNlfX0sIlNob3dFbGFwc2VkVGltZUdyYWRpZW50U3R5bGUiOmZhbHNlfSwiU2NhbGUiOnsiJGlkIjoiMTIzIiwiU3RhcnREYXRlIjoiMDAwMS0wMS0wMVQwMDowMDowMCIsIkVuZERhdGUiOiIwMDAxLTAxLTAxVDAwOjAwOjAwIiwiRm9ybWF0IjoiTU1NIiwiVHlwZSI6MiwiQXV0b0RhdGVSYW5nZSI6dHJ1ZSwiV29ya2luZ0RheXMiOjEyNywiVG9kYXlNYXJrZXJUZXh0IjoiSGV1dGUiLCJBdXRvU2NhbGVUeXBlIjp0cnVlfSwiTWlsZXN0b25lcyI6W3siJGlkIjoiMTI0IiwiRGF0ZSI6IjIwMTMtMDEtMTlUMjM6NTk6MDBaIiwiU3R5bGUiOnsiJGlkIjoiMTI1IiwiU2hhcGUiOjIsIkNvbm5lY3Rvck1hcmdpbiI6eyIkcmVmIjoiNTQifSwiQ29ubmVjdG9yU3R5bGUiOnsiJGlkIjoiMTI2IiwiTGluZUNvbG9yIjp7IiRpZCI6IjEyNyIsIiR0eXBlIjoiTkxSRS5Db21tb24uRG9tLlNvbGlkQ29sb3JCcnVzaCwgTkxSRS5Db21tb24iLCJDb2xvciI6eyIkaWQiOiIxMjgiLCJBIjoxMjcsIlIiOjExMSwiRyI6NDksIkIiOjE1Mn19LCJMaW5lV2VpZ2h0IjoxLjAsIkxpbmVUeXBlIjowLCJQYXJlbnRTdHlsZSI6eyIkcmVmIjoiNTUifX0sIklzQmVsb3dUaW1lYmFuZCI6ZmFsc2UsIkhpZGVEYXRlIjpmYWxzZSwiU2hhcGVTaXplIjoxLCJTcGFjaW5nIjoxLjAsIlBhZGRpbmciOnsiJHJlZiI6IjU4In0sIlNoYXBlU3R5bGUiOnsiJGlkIjoiMTI5IiwiTWFyZ2luIjp7IiRyZWYiOiI2MCJ9LCJQYWRkaW5nIjp7IiRyZWYiOiI2MSJ9LCJCYWNrZ3JvdW5kIjp7IiRpZCI6IjEzMCIsIkNvbG9yIjp7IiRpZCI6IjEzMSIsIkEiOjI1NSwiUiI6MTExLCJHIjo0OSwiQiI6MTUyfX0sIklzVmlzaWJsZSI6dHJ1ZSwiV2lkdGgiOjE4LjAsIkhlaWdodCI6MjAuMCwiQm9yZGVyU3R5bGUiOnsiJGlkIjoiMTMyIiwiTGluZUNvbG9yIjp7IiRyZWYiOiI2MyJ9LCJMaW5lV2VpZ2h0IjowLjAsIkxpbmVUeXBlIjowLCJQYXJlbnRTdHlsZSI6eyIkcmVmIjoiNjIifX0sIlBhcmVudFN0eWxlIjp7IiRyZWYiOiI1OSJ9fSwiVGl0bGVTdHlsZSI6eyIkaWQiOiIxMzMiLCJGb250U2V0dGluZ3MiOnsiJGlkIjoiMTM0IiwiRm9udFNpemUiOjExLCJGb250TmFtZSI6IkNhbGlicmkiLCJJc0JvbGQiOnRydWUsIklzSXRhbGljIjpmYWxzZSwiSXNVbmRlcmxpbmVkIjpmYWxzZSwiUGFyZW50U3R5bGUiOnsiJHJlZiI6IjY2In19LCJBdXRvU2l6ZSI6MCwiRm9yZWdyb3VuZCI6eyIkcmVmIjoiNjcifSwiTWF4V2lkdGgiOjIwMC4wLCJNYXhIZWlnaHQiOiJJbmZpbml0eSIsIlNtYXJ0Rm9yZWdyb3VuZElzQWN0aXZlIjpmYWxzZSwiSG9yaXpvbnRhbEFsaWdubWVudCI6MCwiVmVydGljYWxBbGlnbm1lbnQiOjAsIlNtYXJ0Rm9yZWdyb3VuZCI6bnVsbCwiTWFyZ2luIjp7IiRyZWYiOiI2OSJ9LCJQYWRkaW5nIjp7IiRyZWYiOiI3MCJ9LCJCYWNrZ3JvdW5kIjp7IiRyZWYiOiI3MSJ9LCJJc1Zpc2libGUiOnRydWUsIldpZHRoIjowLjAsIkhlaWdodCI6MC4wLCJCb3JkZXJTdHlsZSI6eyIkaWQiOiIxMzUiLCJMaW5lQ29sb3IiOm51bGwsIkxpbmVXZWlnaHQiOjAuMCwiTGluZVR5cGUiOjAsIlBhcmVudFN0eWxlIjpudWxsfSwiUGFyZW50U3R5bGUiOnsiJHJlZiI6IjY1In19LCJEYXRlU3R5bGUiOnsiJGlkIjoiMTM2IiwiRm9udFNldHRpbmdzIjp7IiRpZCI6IjEzNyIsIkZvbnRTaXplIjoxMCwiRm9udE5hbWUiOiJDYWxpYnJpIiwiSXNCb2xkIjpmYWxzZSwiSXNJdGFsaWMiOmZhbHNlLCJJc1VuZGVybGluZWQiOmZhbHNlLCJQYXJlbnRTdHlsZSI6eyIkcmVmIjoiNzMifX0sIkF1dG9TaXplIjowLCJGb3JlZ3JvdW5kIjp7IiRyZWYiOiI3NCJ9LCJNYXhXaWR0aCI6MjAwLjAsIk1heEhlaWdodCI6IkluZmluaXR5IiwiU21hcnRGb3JlZ3JvdW5kSXNBY3RpdmUiOmZhbHNlLCJIb3Jpem9udGFsQWxpZ25tZW50IjowLCJWZXJ0aWNhbEFsaWdubWVudCI6MCwiU21hcnRGb3JlZ3JvdW5kIjpudWxsLCJNYXJnaW4iOnsiJHJlZiI6Ijc2In0sIlBhZGRpbmciOnsiJHJlZiI6Ijc3In0sIkJhY2tncm91bmQiOnsiJHJlZiI6Ijc4In0sIklzVmlzaWJsZSI6dHJ1ZSwiV2lkdGgiOjAuMCwiSGVpZ2h0IjowLjAsIkJvcmRlclN0eWxlIjp7IiRpZCI6IjEzOCIsIkxpbmVDb2xvciI6bnVsbCwiTGluZVdlaWdodCI6MC4wLCJMaW5lVHlwZSI6MCwiUGFyZW50U3R5bGUiOm51bGx9LCJQYXJlbnRTdHlsZSI6eyIkcmVmIjoiNzIifX0sIkRhdGVGb3JtYXQiOnsiJHJlZiI6Ijc5In0sIklzVmlzaWJsZSI6dHJ1ZSwiUGFyZW50U3R5bGUiOnsiJHJlZiI6IjUzIn19LCJQb3NpdGlvbiI6eyJSYXRpbyI6MC4wLCJJc0N1c3RvbSI6ZmFsc2V9LCJEYXRlRm9ybWF0Ijp7IiRyZWYiOiI3OSJ9LCJJZCI6ImQ3NmIxMDIyLTk1OWItNDhlNi1hNzQzLTNjN2I4MDY5Mzc1MCIsIkltcG9ydElkIjpudWxsLCJUaXRsZSI6IkluaXRpYWwgQ29tbWl0IiwiTm90ZSI6bnVsbCwiSHlwZXJsaW5rIjpudWxsLCJJc0NoYW5nZWQiOmZhbHNlLCJJc05ldyI6ZmFsc2V9LHsiJGlkIjoiMTM5IiwiRGF0ZSI6IjIwMTMtMDMtMDFUMjM6NTk6MDBaIiwiU3R5bGUiOnsiJGlkIjoiMTQwIiwiU2hhcGUiOjIsIkNvbm5lY3Rvck1hcmdpbiI6eyIkcmVmIjoiNTQifSwiQ29ubmVjdG9yU3R5bGUiOnsiJGlkIjoiMTQxIiwiTGluZUNvbG9yIjp7IiRpZCI6IjE0MiIsIiR0eXBlIjoiTkxSRS5Db21tb24uRG9tLlNvbGlkQ29sb3JCcnVzaCwgTkxSRS5Db21tb24iLCJDb2xvciI6eyIkaWQiOiIxNDMiLCJBIjoxMjcsIlIiOjQ3LCJHIjo1NCwiQiI6MTUzfX0sIkxpbmVXZWlnaHQiOjEuMCwiTGluZVR5cGUiOjAsIlBhcmVudFN0eWxlIjp7IiRyZWYiOiI1NSJ9fSwiSXNCZWxvd1RpbWViYW5kIjp0cnVlLCJIaWRlRGF0ZSI6ZmFsc2UsIlNoYXBlU2l6ZSI6MSwiU3BhY2luZyI6MS4wLCJQYWRkaW5nIjp7IiRyZWYiOiI1OCJ9LCJTaGFwZVN0eWxlIjp7IiRpZCI6IjE0NCIsIk1hcmdpbiI6eyIkcmVmIjoiNjAifSwiUGFkZGluZyI6eyIkcmVmIjoiNjEifSwiQmFja2dyb3VuZCI6eyIkaWQiOiIxNDUiLCJDb2xvciI6eyIkaWQiOiIxNDYiLCJBIjoyNTUsIlIiOjQ3LCJHIjo1NCwiQiI6MTUzfX0sIklzVmlzaWJsZSI6dHJ1ZSwiV2lkdGgiOjE4LjAsIkhlaWdodCI6MjAuMCwiQm9yZGVyU3R5bGUiOnsiJGlkIjoiMTQ3IiwiTGluZUNvbG9yIjp7IiRyZWYiOiI2MyJ9LCJMaW5lV2VpZ2h0IjowLjAsIkxpbmVUeXBlIjowLCJQYXJlbnRTdHlsZSI6eyIkcmVmIjoiNjIifX0sIlBhcmVudFN0eWxlIjp7IiRyZWYiOiI1OSJ9fSwiVGl0bGVTdHlsZSI6eyIkaWQiOiIxNDgiLCJGb250U2V0dGluZ3MiOnsiJGlkIjoiMTQ5IiwiRm9udFNpemUiOjExLCJGb250TmFtZSI6IkNhbGlicmkiLCJJc0JvbGQiOnRydWUsIklzSXRhbGljIjpmYWxzZSwiSXNVbmRlcmxpbmVkIjpmYWxzZSwiUGFyZW50U3R5bGUiOnsiJHJlZiI6IjY2In19LCJBdXRvU2l6ZSI6MCwiRm9yZWdyb3VuZCI6eyIkcmVmIjoiNjcifSwiTWF4V2lkdGgiOjIwMC4wLCJNYXhIZWlnaHQiOiJJbmZpbml0eSIsIlNtYXJ0Rm9yZWdyb3VuZElzQWN0aXZlIjpmYWxzZSwiSG9yaXpvbnRhbEFsaWdubWVudCI6MCwiVmVydGljYWxBbGlnbm1lbnQiOjAsIlNtYXJ0Rm9yZWdyb3VuZCI6bnVsbCwiTWFyZ2luIjp7IiRyZWYiOiI2OSJ9LCJQYWRkaW5nIjp7IiRyZWYiOiI3MCJ9LCJCYWNrZ3JvdW5kIjp7IiRyZWYiOiI3MSJ9LCJJc1Zpc2libGUiOnRydWUsIldpZHRoIjowLjAsIkhlaWdodCI6MC4wLCJCb3JkZXJTdHlsZSI6eyIkaWQiOiIxNTAiLCJMaW5lQ29sb3IiOm51bGwsIkxpbmVXZWlnaHQiOjAuMCwiTGluZVR5cGUiOjAsIlBhcmVudFN0eWxlIjpudWxsfSwiUGFyZW50U3R5bGUiOnsiJHJlZiI6IjY1In19LCJEYXRlU3R5bGUiOnsiJGlkIjoiMTUxIiwiRm9udFNldHRpbmdzIjp7IiRpZCI6IjE1MiIsIkZvbnRTaXplIjoxMCwiRm9udE5hbWUiOiJDYWxpYnJpIiwiSXNCb2xkIjpmYWxzZSwiSXNJdGFsaWMiOmZhbHNlLCJJc1VuZGVybGluZWQiOmZhbHNlLCJQYXJlbnRTdHlsZSI6eyIkcmVmIjoiNzMifX0sIkF1dG9TaXplIjowLCJGb3JlZ3JvdW5kIjp7IiRyZWYiOiI3NCJ9LCJNYXhXaWR0aCI6MjAwLjAsIk1heEhlaWdodCI6IkluZmluaXR5IiwiU21hcnRGb3JlZ3JvdW5kSXNBY3RpdmUiOmZhbHNlLCJIb3Jpem9udGFsQWxpZ25tZW50IjowLCJWZXJ0aWNhbEFsaWdubWVudCI6MCwiU21hcnRGb3JlZ3JvdW5kIjpudWxsLCJNYXJnaW4iOnsiJHJlZiI6Ijc2In0sIlBhZGRpbmciOnsiJHJlZiI6Ijc3In0sIkJhY2tncm91bmQiOnsiJHJlZiI6Ijc4In0sIklzVmlzaWJsZSI6dHJ1ZSwiV2lkdGgiOjAuMCwiSGVpZ2h0IjowLjAsIkJvcmRlclN0eWxlIjp7IiRpZCI6IjE1MyIsIkxpbmVDb2xvciI6bnVsbCwiTGluZVdlaWdodCI6MC4wLCJMaW5lVHlwZSI6MCwiUGFyZW50U3R5bGUiOm51bGx9LCJQYXJlbnRTdHlsZSI6eyIkcmVmIjoiNzIifX0sIkRhdGVGb3JtYXQiOnsiJHJlZiI6Ijc5In0sIklzVmlzaWJsZSI6dHJ1ZSwiUGFyZW50U3R5bGUiOnsiJHJlZiI6IjUzIn19LCJQb3NpdGlvbiI6eyJSYXRpbyI6MC4wLCJJc0N1c3RvbSI6ZmFsc2V9LCJEYXRlRm9ybWF0Ijp7IiRyZWYiOiI3OSJ9LCJJZCI6Ijg4NjdiZjJmLTNjMTYtNDcxYi05Y2I5LWZmODM4ZWNiZThiMyIsIkltcG9ydElkIjpudWxsLCJUaXRsZSI6IkZpcnN0IGFubm91bmNlbWVudCIsIk5vdGUiOm51bGwsIkh5cGVybGluayI6bnVsbCwiSXNDaGFuZ2VkIjpmYWxzZSwiSXNOZXciOmZhbHNlfSx7IiRpZCI6IjE1NCIsIkRhdGUiOiIyMDEzLTEwLTI5VDIzOjU5OjAwWiIsIlN0eWxlIjp7IiRpZCI6IjE1NSIsIlNoYXBlIjoyLCJDb25uZWN0b3JNYXJnaW4iOnsiJHJlZiI6IjU0In0sIkNvbm5lY3RvclN0eWxlIjp7IiRpZCI6IjE1NiIsIkxpbmVDb2xvciI6eyIkaWQiOiIxNTciLCIkdHlwZSI6Ik5MUkUuQ29tbW9uLkRvbS5Tb2xpZENvbG9yQnJ1c2gsIE5MUkUuQ29tbW9uIiwiQ29sb3IiOnsiJGlkIjoiMTU4IiwiQSI6MTI3LCJSIjoyLCJHIjoxNzgsIkIiOjIzOH19LCJMaW5lV2VpZ2h0IjoxLjAsIkxpbmVUeXBlIjowLCJQYXJlbnRTdHlsZSI6eyIkcmVmIjoiNTUifX0sIklzQmVsb3dUaW1lYmFuZCI6ZmFsc2UsIkhpZGVEYXRlIjpmYWxzZSwiU2hhcGVTaXplIjoxLCJTcGFjaW5nIjoxLjAsIlBhZGRpbmciOnsiJHJlZiI6IjU4In0sIlNoYXBlU3R5bGUiOnsiJGlkIjoiMTU5IiwiTWFyZ2luIjp7IiRyZWYiOiI2MCJ9LCJQYWRkaW5nIjp7IiRyZWYiOiI2MSJ9LCJCYWNrZ3JvdW5kIjp7IiRpZCI6IjE2MCIsIkNvbG9yIjp7IiRpZCI6IjE2MSIsIkEiOjI1NSwiUiI6MiwiRyI6MTc4LCJCIjoyMzh9fSwiSXNWaXNpYmxlIjp0cnVlLCJXaWR0aCI6MTguMCwiSGVpZ2h0IjoyMC4wLCJCb3JkZXJTdHlsZSI6eyIkaWQiOiIxNjIiLCJMaW5lQ29sb3IiOnsiJHJlZiI6IjYzIn0sIkxpbmVXZWlnaHQiOjAuMCwiTGluZVR5cGUiOjAsIlBhcmVudFN0eWxlIjp7IiRyZWYiOiI2MiJ9fSwiUGFyZW50U3R5bGUiOnsiJHJlZiI6IjU5In19LCJUaXRsZVN0eWxlIjp7IiRpZCI6IjE2MyIsIkZvbnRTZXR0aW5ncyI6eyIkaWQiOiIxNjQiLCJGb250U2l6ZSI6MTEsIkZvbnROYW1lIjoiQ2FsaWJyaSIsIklzQm9sZCI6dHJ1ZSwiSXNJdGFsaWMiOmZhbHNlLCJJc1VuZGVybGluZWQiOmZhbHNlLCJQYXJlbnRTdHlsZSI6eyIkcmVmIjoiNjYifX0sIkF1dG9TaXplIjowLCJGb3JlZ3JvdW5kIjp7IiRyZWYiOiI2NyJ9LCJNYXhXaWR0aCI6MjAwLjAsIk1heEhlaWdodCI6IkluZmluaXR5IiwiU21hcnRGb3JlZ3JvdW5kSXNBY3RpdmUiOmZhbHNlLCJIb3Jpem9udGFsQWxpZ25tZW50IjowLCJWZXJ0aWNhbEFsaWdubWVudCI6MCwiU21hcnRGb3JlZ3JvdW5kIjpudWxsLCJNYXJnaW4iOnsiJHJlZiI6IjY5In0sIlBhZGRpbmciOnsiJHJlZiI6IjcwIn0sIkJhY2tncm91bmQiOnsiJHJlZiI6IjcxIn0sIklzVmlzaWJsZSI6dHJ1ZSwiV2lkdGgiOjAuMCwiSGVpZ2h0IjowLjAsIkJvcmRlclN0eWxlIjp7IiRpZCI6IjE2NSIsIkxpbmVDb2xvciI6bnVsbCwiTGluZVdlaWdodCI6MC4wLCJMaW5lVHlwZSI6MCwiUGFyZW50U3R5bGUiOm51bGx9LCJQYXJlbnRTdHlsZSI6eyIkcmVmIjoiNjUifX0sIkRhdGVTdHlsZSI6eyIkaWQiOiIxNjYiLCJGb250U2V0dGluZ3MiOnsiJGlkIjoiMTY3IiwiRm9udFNpemUiOjEwLCJGb250TmFtZSI6IkNhbGlicmkiLCJJc0JvbGQiOmZhbHNlLCJJc0l0YWxpYyI6ZmFsc2UsIklzVW5kZXJsaW5lZCI6ZmFsc2UsIlBhcmVudFN0eWxlIjp7IiRyZWYiOiI3MyJ9fSwiQXV0b1NpemUiOjAsIkZvcmVncm91bmQiOnsiJHJlZiI6Ijc0In0sIk1heFdpZHRoIjoyMDAuMCwiTWF4SGVpZ2h0IjoiSW5maW5pdHkiLCJTbWFydEZvcmVncm91bmRJc0FjdGl2ZSI6ZmFsc2UsIkhvcml6b250YWxBbGlnbm1lbnQiOjAsIlZlcnRpY2FsQWxpZ25tZW50IjowLCJTbWFydEZvcmVncm91bmQiOm51bGwsIk1hcmdpbiI6eyIkcmVmIjoiNzYifSwiUGFkZGluZyI6eyIkcmVmIjoiNzcifSwiQmFja2dyb3VuZCI6eyIkcmVmIjoiNzgifSwiSXNWaXNpYmxlIjp0cnVlLCJXaWR0aCI6MC4wLCJIZWlnaHQiOjAuMCwiQm9yZGVyU3R5bGUiOnsiJGlkIjoiMTY4IiwiTGluZUNvbG9yIjpudWxsLCJMaW5lV2VpZ2h0IjowLjAsIkxpbmVUeXBlIjowLCJQYXJlbnRTdHlsZSI6bnVsbH0sIlBhcmVudFN0eWxlIjp7IiRyZWYiOiI3MiJ9fSwiRGF0ZUZvcm1hdCI6eyIkcmVmIjoiNzkifSwiSXNWaXNpYmxlIjp0cnVlLCJQYXJlbnRTdHlsZSI6eyIkcmVmIjoiNTMifX0sIlBvc2l0aW9uIjp7IlJhdGlvIjowLjAsIklzQ3VzdG9tIjpmYWxzZX0sIkRhdGVGb3JtYXQiOnsiJHJlZiI6Ijc5In0sIklkIjoiNThhZThmZDktMGIzOC00YmFkLTkwOWEtZjQwYjE2ZWUzYzRiIiwiSW1wb3J0SWQiOm51bGwsIlRpdGxlIjoiUmVicmFuZGluZyBvZiBkb3RDbG91ZCB0byBEb2NrZXIgSW5jLiIsIk5vdGUiOm51bGwsIkh5cGVybGluayI6bnVsbCwiSXNDaGFuZ2VkIjpmYWxzZSwiSXNOZXciOmZhbHNlfSx7IiRpZCI6IjE2OSIsIkRhdGUiOiIyMDE0LTA3LTAxVDIzOjU5OjAwWiIsIlN0eWxlIjp7IiRpZCI6IjE3MCIsIlNoYXBlIjoyLCJDb25uZWN0b3JNYXJnaW4iOnsiJHJlZiI6IjU0In0sIkNvbm5lY3RvclN0eWxlIjp7IiRpZCI6IjE3MSIsIkxpbmVDb2xvciI6eyIkaWQiOiIxNzIiLCIkdHlwZSI6Ik5MUkUuQ29tbW9uLkRvbS5Tb2xpZENvbG9yQnJ1c2gsIE5MUkUuQ29tbW9uIiwiQ29sb3IiOnsiJGlkIjoiMTczIiwiQSI6MTI3LCJSIjoyNiwiRyI6MTcwLCJCIjo2Nn19LCJMaW5lV2VpZ2h0IjoxLjAsIkxpbmVUeXBlIjowLCJQYXJlbnRTdHlsZSI6eyIkcmVmIjoiNTUifX0sIklzQmVsb3dUaW1lYmFuZCI6dHJ1ZSwiSGlkZURhdGUiOmZhbHNlLCJTaGFwZVNpemUiOjEsIlNwYWNpbmciOjEuMCwiUGFkZGluZyI6eyIkcmVmIjoiNTgifSwiU2hhcGVTdHlsZSI6eyIkaWQiOiIxNzQiLCJNYXJnaW4iOnsiJHJlZiI6IjYwIn0sIlBhZGRpbmciOnsiJHJlZiI6IjYxIn0sIkJhY2tncm91bmQiOnsiJGlkIjoiMTc1IiwiQ29sb3IiOnsiJGlkIjoiMTc2IiwiQSI6MjU1LCJSIjoyNiwiRyI6MTcwLCJCIjo2Nn19LCJJc1Zpc2libGUiOnRydWUsIldpZHRoIjoxOC4wLCJIZWlnaHQiOjIwLjAsIkJvcmRlclN0eWxlIjp7IiRpZCI6IjE3NyIsIkxpbmVDb2xvciI6eyIkcmVmIjoiNjMifSwiTGluZVdlaWdodCI6MC4wLCJMaW5lVHlwZSI6MCwiUGFyZW50U3R5bGUiOnsiJHJlZiI6IjYyIn19LCJQYXJlbnRTdHlsZSI6eyIkcmVmIjoiNTkifX0sIlRpdGxlU3R5bGUiOnsiJGlkIjoiMTc4IiwiRm9udFNldHRpbmdzIjp7IiRpZCI6IjE3OSIsIkZvbnRTaXplIjoxMSwiRm9udE5hbWUiOiJDYWxpYnJpIiwiSXNCb2xkIjp0cnVlLCJJc0l0YWxpYyI6ZmFsc2UsIklzVW5kZXJsaW5lZCI6ZmFsc2UsIlBhcmVudFN0eWxlIjp7IiRyZWYiOiI2NiJ9fSwiQXV0b1NpemUiOjAsIkZvcmVncm91bmQiOnsiJHJlZiI6IjY3In0sIk1heFdpZHRoIjoyMDAuMCwiTWF4SGVpZ2h0IjoiSW5maW5pdHkiLCJTbWFydEZvcmVncm91bmRJc0FjdGl2ZSI6ZmFsc2UsIkhvcml6b250YWxBbGlnbm1lbnQiOjAsIlZlcnRpY2FsQWxpZ25tZW50IjowLCJTbWFydEZvcmVncm91bmQiOm51bGwsIk1hcmdpbiI6eyIkcmVmIjoiNjkifSwiUGFkZGluZyI6eyIkcmVmIjoiNzAifSwiQmFja2dyb3VuZCI6eyIkcmVmIjoiNzEifSwiSXNWaXNpYmxlIjp0cnVlLCJXaWR0aCI6MC4wLCJIZWlnaHQiOjAuMCwiQm9yZGVyU3R5bGUiOnsiJGlkIjoiMTgwIiwiTGluZUNvbG9yIjpudWxsLCJMaW5lV2VpZ2h0IjowLjAsIkxpbmVUeXBlIjowLCJQYXJlbnRTdHlsZSI6bnVsbH0sIlBhcmVudFN0eWxlIjp7IiRyZWYiOiI2NSJ9fSwiRGF0ZVN0eWxlIjp7IiRpZCI6IjE4MSIsIkZvbnRTZXR0aW5ncyI6eyIkaWQiOiIxODIiLCJGb250U2l6ZSI6MTAsIkZvbnROYW1lIjoiQ2FsaWJyaSIsIklzQm9sZCI6ZmFsc2UsIklzSXRhbGljIjpmYWxzZSwiSXNVbmRlcmxpbmVkIjpmYWxzZSwiUGFyZW50U3R5bGUiOnsiJHJlZiI6IjczIn19LCJBdXRvU2l6ZSI6MCwiRm9yZWdyb3VuZCI6eyIkcmVmIjoiNzQifSwiTWF4V2lkdGgiOjIwMC4wLCJNYXhIZWlnaHQiOiJJbmZpbml0eSIsIlNtYXJ0Rm9yZWdyb3VuZElzQWN0aXZlIjpmYWxzZSwiSG9yaXpvbnRhbEFsaWdubWVudCI6MCwiVmVydGljYWxBbGlnbm1lbnQiOjAsIlNtYXJ0Rm9yZWdyb3VuZCI6bnVsbCwiTWFyZ2luIjp7IiRyZWYiOiI3NiJ9LCJQYWRkaW5nIjp7IiRyZWYiOiI3NyJ9LCJCYWNrZ3JvdW5kIjp7IiRyZWYiOiI3OCJ9LCJJc1Zpc2libGUiOnRydWUsIldpZHRoIjowLjAsIkhlaWdodCI6MC4wLCJCb3JkZXJTdHlsZSI6eyIkaWQiOiIxODMiLCJMaW5lQ29sb3IiOm51bGwsIkxpbmVXZWlnaHQiOjAuMCwiTGluZVR5cGUiOjAsIlBhcmVudFN0eWxlIjpudWxsfSwiUGFyZW50U3R5bGUiOnsiJHJlZiI6IjcyIn19LCJEYXRlRm9ybWF0Ijp7IiRyZWYiOiI3OSJ9LCJJc1Zpc2libGUiOnRydWUsIlBhcmVudFN0eWxlIjp7IiRyZWYiOiI1MyJ9fSwiUG9zaXRpb24iOnsiUmF0aW8iOjAuMCwiSXNDdXN0b20iOmZhbHNlfSwiRGF0ZUZvcm1hdCI6eyIkcmVmIjoiNzkifSwiSWQiOiI4ZjI4MDNlOC0xY2IwLTQ4NjMtYjdiNC1hMzkyODU2Njg0ZDgiLCJJbXBvcnRJZCI6bnVsbCwiVGl0bGUiOiJNaWNyb3NvZnQsIFJlZCBIYXQsIElCTSwgRG9ja2VyLC4uLiBqb2luZWQgdGhlIEt1YmVybmV0ZXMgUHJvamVjdCIsIk5vdGUiOm51bGwsIkh5cGVybGluayI6bnVsbCwiSXNDaGFuZ2VkIjpmYWxzZSwiSXNOZXciOmZhbHNlfSx7IiRpZCI6IjE4NCIsIkRhdGUiOiIyMDE0LTEwLTE1VDIzOjU5OjAwWiIsIlN0eWxlIjp7IiRpZCI6IjE4NSIsIlNoYXBlIjoyLCJDb25uZWN0b3JNYXJnaW4iOnsiJHJlZiI6IjU0In0sIkNvbm5lY3RvclN0eWxlIjp7IiRpZCI6IjE4NiIsIkxpbmVDb2xvciI6eyIkaWQiOiIxODciLCIkdHlwZSI6Ik5MUkUuQ29tbW9uLkRvbS5Tb2xpZENvbG9yQnJ1c2gsIE5MUkUuQ29tbW9uIiwiQ29sb3IiOnsiJGlkIjoiMTg4IiwiQSI6MTI3LCJSIjoxNTAsIkciOjIxNCwiQiI6NjZ9fSwiTGluZVdlaWdodCI6MS4wLCJMaW5lVHlwZSI6MCwiUGFyZW50U3R5bGUiOnsiJHJlZiI6IjU1In19LCJJc0JlbG93VGltZWJhbmQiOmZhbHNlLCJIaWRlRGF0ZSI6ZmFsc2UsIlNoYXBlU2l6ZSI6MSwiU3BhY2luZyI6MS4wLCJQYWRkaW5nIjp7IiRyZWYiOiI1OCJ9LCJTaGFwZVN0eWxlIjp7IiRpZCI6IjE4OSIsIk1hcmdpbiI6eyIkcmVmIjoiNjAifSwiUGFkZGluZyI6eyIkcmVmIjoiNjEifSwiQmFja2dyb3VuZCI6eyIkaWQiOiIxOTAiLCJDb2xvciI6eyIkaWQiOiIxOTEiLCJBIjoyNTUsIlIiOjE1MCwiRyI6MjE0LCJCIjo2Nn19LCJJc1Zpc2libGUiOnRydWUsIldpZHRoIjoxOC4wLCJIZWlnaHQiOjIwLjAsIkJvcmRlclN0eWxlIjp7IiRpZCI6IjE5MiIsIkxpbmVDb2xvciI6eyIkcmVmIjoiNjMifSwiTGluZVdlaWdodCI6MC4wLCJMaW5lVHlwZSI6MCwiUGFyZW50U3R5bGUiOnsiJHJlZiI6IjYyIn19LCJQYXJlbnRTdHlsZSI6eyIkcmVmIjoiNTkifX0sIlRpdGxlU3R5bGUiOnsiJGlkIjoiMTkzIiwiRm9udFNldHRpbmdzIjp7IiRpZCI6IjE5NCIsIkZvbnRTaXplIjoxMSwiRm9udE5hbWUiOiJDYWxpYnJpIiwiSXNCb2xkIjp0cnVlLCJJc0l0YWxpYyI6ZmFsc2UsIklzVW5kZXJsaW5lZCI6ZmFsc2UsIlBhcmVudFN0eWxlIjp7IiRyZWYiOiI2NiJ9fSwiQXV0b1NpemUiOjAsIkZvcmVncm91bmQiOnsiJHJlZiI6IjY3In0sIk1heFdpZHRoIjoyMDAuMCwiTWF4SGVpZ2h0IjoiSW5maW5pdHkiLCJTbWFydEZvcmVncm91bmRJc0FjdGl2ZSI6ZmFsc2UsIkhvcml6b250YWxBbGlnbm1lbnQiOjAsIlZlcnRpY2FsQWxpZ25tZW50IjowLCJTbWFydEZvcmVncm91bmQiOm51bGwsIk1hcmdpbiI6eyIkcmVmIjoiNjkifSwiUGFkZGluZyI6eyIkcmVmIjoiNzAifSwiQmFja2dyb3VuZCI6eyIkcmVmIjoiNzEifSwiSXNWaXNpYmxlIjp0cnVlLCJXaWR0aCI6MC4wLCJIZWlnaHQiOjAuMCwiQm9yZGVyU3R5bGUiOnsiJGlkIjoiMTk1IiwiTGluZUNvbG9yIjpudWxsLCJMaW5lV2VpZ2h0IjowLjAsIkxpbmVUeXBlIjowLCJQYXJlbnRTdHlsZSI6bnVsbH0sIlBhcmVudFN0eWxlIjp7IiRyZWYiOiI2NSJ9fSwiRGF0ZVN0eWxlIjp7IiRpZCI6IjE5NiIsIkZvbnRTZXR0aW5ncyI6eyIkaWQiOiIxOTciLCJGb250U2l6ZSI6MTAsIkZvbnROYW1lIjoiQ2FsaWJyaSIsIklzQm9sZCI6ZmFsc2UsIklzSXRhbGljIjpmYWxzZSwiSXNVbmRlcmxpbmVkIjpmYWxzZSwiUGFyZW50U3R5bGUiOnsiJHJlZiI6IjczIn19LCJBdXRvU2l6ZSI6MCwiRm9yZWdyb3VuZCI6eyIkcmVmIjoiNzQifSwiTWF4V2lkdGgiOjIwMC4wLCJNYXhIZWlnaHQiOiJJbmZpbml0eSIsIlNtYXJ0Rm9yZWdyb3VuZElzQWN0aXZlIjpmYWxzZSwiSG9yaXpvbnRhbEFsaWdubWVudCI6MCwiVmVydGljYWxBbGlnbm1lbnQiOjAsIlNtYXJ0Rm9yZWdyb3VuZCI6bnVsbCwiTWFyZ2luIjp7IiRyZWYiOiI3NiJ9LCJQYWRkaW5nIjp7IiRyZWYiOiI3NyJ9LCJCYWNrZ3JvdW5kIjp7IiRyZWYiOiI3OCJ9LCJJc1Zpc2libGUiOnRydWUsIldpZHRoIjowLjAsIkhlaWdodCI6MC4wLCJCb3JkZXJTdHlsZSI6eyIkaWQiOiIxOTgiLCJMaW5lQ29sb3IiOm51bGwsIkxpbmVXZWlnaHQiOjAuMCwiTGluZVR5cGUiOjAsIlBhcmVudFN0eWxlIjpudWxsfSwiUGFyZW50U3R5bGUiOnsiJHJlZiI6IjcyIn19LCJEYXRlRm9ybWF0Ijp7IiRyZWYiOiI3OSJ9LCJJc1Zpc2libGUiOnRydWUsIlBhcmVudFN0eWxlIjp7IiRyZWYiOiI1MyJ9fSwiUG9zaXRpb24iOnsiUmF0aW8iOjAuMCwiSXNDdXN0b20iOmZhbHNlfSwiRGF0ZUZvcm1hdCI6eyIkcmVmIjoiNzkifSwiSWQiOiJkOWM0OWU1OS04OTUzLTQyM2MtOWU3Ny0xNGNjMGI0MzkyMWIiLCJJbXBvcnRJZCI6bnVsbCwiVGl0bGUiOiJNaWNyb3NvZnQgYW5ub3VuY2VzIERvY2tlciBzdXBwb3J0IGluIFdpbmRvd3MgU2VydmVyIDIwMTYiLCJOb3RlIjpudWxsLCJIeXBlcmxpbmsiOm51bGwsIklzQ2hhbmdlZCI6ZmFsc2UsIklzTmV3IjpmYWxzZX0seyIkaWQiOiIxOTkiLCJEYXRlIjoiMjAxNS0wNy0yMVQyMzo1OTowMFoiLCJTdHlsZSI6eyIkaWQiOiIyMDAiLCJTaGFwZSI6MiwiQ29ubmVjdG9yTWFyZ2luIjp7IiRyZWYiOiI1NCJ9LCJDb25uZWN0b3JTdHlsZSI6eyIkaWQiOiIyMDEiLCJMaW5lQ29sb3IiOnsiJGlkIjoiMjAyIiwiJHR5cGUiOiJOTFJFLkNvbW1vbi5Eb20uU29saWRDb2xvckJydXNoLCBOTFJFLkNvbW1vbiIsIkNvbG9yIjp7IiRpZCI6IjIwMyIsIkEiOjEyNywiUiI6MjU0LCJHIjoxODYsIkIiOjEwfX0sIkxpbmVXZWlnaHQiOjEuMCwiTGluZVR5cGUiOjAsIlBhcmVudFN0eWxlIjp7IiRyZWYiOiI1NSJ9fSwiSXNCZWxvd1RpbWViYW5kIjp0cnVlLCJIaWRlRGF0ZSI6ZmFsc2UsIlNoYXBlU2l6ZSI6MSwiU3BhY2luZyI6MS4wLCJQYWRkaW5nIjp7IiRyZWYiOiI1OCJ9LCJTaGFwZVN0eWxlIjp7IiRpZCI6IjIwNCIsIk1hcmdpbiI6eyIkcmVmIjoiNjAifSwiUGFkZGluZyI6eyIkcmVmIjoiNjEifSwiQmFja2dyb3VuZCI6eyIkaWQiOiIyMDUiLCJDb2xvciI6eyIkaWQiOiIyMDYiLCJBIjoyNTUsIlIiOjI1NCwiRyI6MTg2LCJCIjoxMH19LCJJc1Zpc2libGUiOnRydWUsIldpZHRoIjoxOC4wLCJIZWlnaHQiOjIwLjAsIkJvcmRlclN0eWxlIjp7IiRpZCI6IjIwNyIsIkxpbmVDb2xvciI6eyIkcmVmIjoiNjMifSwiTGluZVdlaWdodCI6MC4wLCJMaW5lVHlwZSI6MCwiUGFyZW50U3R5bGUiOnsiJHJlZiI6IjYyIn19LCJQYXJlbnRTdHlsZSI6eyIkcmVmIjoiNTkifX0sIlRpdGxlU3R5bGUiOnsiJGlkIjoiMjA4IiwiRm9udFNldHRpbmdzIjp7IiRpZCI6IjIwOSIsIkZvbnRTaXplIjoxMSwiRm9udE5hbWUiOiJDYWxpYnJpIiwiSXNCb2xkIjp0cnVlLCJJc0l0YWxpYyI6ZmFsc2UsIklzVW5kZXJsaW5lZCI6ZmFsc2UsIlBhcmVudFN0eWxlIjp7IiRyZWYiOiI2NiJ9fSwiQXV0b1NpemUiOjAsIkZvcmVncm91bmQiOnsiJHJlZiI6IjY3In0sIk1heFdpZHRoIjoyMDAuMCwiTWF4SGVpZ2h0IjoiSW5maW5pdHkiLCJTbWFydEZvcmVncm91bmRJc0FjdGl2ZSI6ZmFsc2UsIkhvcml6b250YWxBbGlnbm1lbnQiOjAsIlZlcnRpY2FsQWxpZ25tZW50IjowLCJTbWFydEZvcmVncm91bmQiOm51bGwsIk1hcmdpbiI6eyIkcmVmIjoiNjkifSwiUGFkZGluZyI6eyIkcmVmIjoiNzAifSwiQmFja2dyb3VuZCI6eyIkcmVmIjoiNzEifSwiSXNWaXNpYmxlIjp0cnVlLCJXaWR0aCI6MC4wLCJIZWlnaHQiOjAuMCwiQm9yZGVyU3R5bGUiOnsiJGlkIjoiMjEwIiwiTGluZUNvbG9yIjpudWxsLCJMaW5lV2VpZ2h0IjowLjAsIkxpbmVUeXBlIjowLCJQYXJlbnRTdHlsZSI6bnVsbH0sIlBhcmVudFN0eWxlIjp7IiRyZWYiOiI2NSJ9fSwiRGF0ZVN0eWxlIjp7IiRpZCI6IjIxMSIsIkZvbnRTZXR0aW5ncyI6eyIkaWQiOiIyMTIiLCJGb250U2l6ZSI6MTAsIkZvbnROYW1lIjoiQ2FsaWJyaSIsIklzQm9sZCI6ZmFsc2UsIklzSXRhbGljIjpmYWxzZSwiSXNVbmRlcmxpbmVkIjpmYWxzZSwiUGFyZW50U3R5bGUiOnsiJHJlZiI6IjczIn19LCJBdXRvU2l6ZSI6MCwiRm9yZWdyb3VuZCI6eyIkcmVmIjoiNzQifSwiTWF4V2lkdGgiOjIwMC4wLCJNYXhIZWlnaHQiOiJJbmZpbml0eSIsIlNtYXJ0Rm9yZWdyb3VuZElzQWN0aXZlIjpmYWxzZSwiSG9yaXpvbnRhbEFsaWdubWVudCI6MCwiVmVydGljYWxBbGlnbm1lbnQiOjAsIlNtYXJ0Rm9yZWdyb3VuZCI6bnVsbCwiTWFyZ2luIjp7IiRyZWYiOiI3NiJ9LCJQYWRkaW5nIjp7IiRyZWYiOiI3NyJ9LCJCYWNrZ3JvdW5kIjp7IiRyZWYiOiI3OCJ9LCJJc1Zpc2libGUiOnRydWUsIldpZHRoIjowLjAsIkhlaWdodCI6MC4wLCJCb3JkZXJTdHlsZSI6eyIkaWQiOiIyMTMiLCJMaW5lQ29sb3IiOm51bGwsIkxpbmVXZWlnaHQiOjAuMCwiTGluZVR5cGUiOjAsIlBhcmVudFN0eWxlIjpudWxsfSwiUGFyZW50U3R5bGUiOnsiJHJlZiI6IjcyIn19LCJEYXRlRm9ybWF0Ijp7IiRyZWYiOiI3OSJ9LCJJc1Zpc2libGUiOnRydWUsIlBhcmVudFN0eWxlIjp7IiRyZWYiOiI1MyJ9fSwiUG9zaXRpb24iOnsiUmF0aW8iOjAuMCwiSXNDdXN0b20iOmZhbHNlfSwiRGF0ZUZvcm1hdCI6eyIkcmVmIjoiNzkifSwiSWQiOiI0ZDM3YjgxYi04Mjg0LTQyNWYtOTY0YS05Y2NkMmY1NmZlNDQiLCJJbXBvcnRJZCI6bnVsbCwiVGl0bGUiOiJGaXJzdCBLdWJlcm5ldGVzIHZlcnNpb24iLCJOb3RlIjpudWxsLCJIeXBlcmxpbmsiOm51bGwsIklzQ2hhbmdlZCI6ZmFsc2UsIklzTmV3IjpmYWxzZX0seyIkaWQiOiIyMTQiLCJEYXRlIjoiMjAxNi0wNi0wOFQyMzo1OTowMFoiLCJTdHlsZSI6eyIkaWQiOiIyMTUiLCJTaGFwZSI6MiwiQ29ubmVjdG9yTWFyZ2luIjp7IiRyZWYiOiI1NCJ9LCJDb25uZWN0b3JTdHlsZSI6eyIkaWQiOiIyMTYiLCJMaW5lQ29sb3IiOnsiJGlkIjoiMjE3IiwiJHR5cGUiOiJOTFJFLkNvbW1vbi5Eb20uU29saWRDb2xvckJydXNoLCBOTFJFLkNvbW1vbiIsIkNvbG9yIjp7IiRpZCI6IjIxOCIsIkEiOjEyNywiUiI6MjM0LCJHIjoyMiwiQiI6MzB9fSwiTGluZVdlaWdodCI6MS4wLCJMaW5lVHlwZSI6MCwiUGFyZW50U3R5bGUiOnsiJHJlZiI6IjU1In19LCJJc0JlbG93VGltZWJhbmQiOmZhbHNlLCJIaWRlRGF0ZSI6ZmFsc2UsIlNoYXBlU2l6ZSI6MSwiU3BhY2luZyI6MS4wLCJQYWRkaW5nIjp7IiRyZWYiOiI1OCJ9LCJTaGFwZVN0eWxlIjp7IiRpZCI6IjIxOSIsIk1hcmdpbiI6eyIkcmVmIjoiNjAifSwiUGFkZGluZyI6eyIkcmVmIjoiNjEifSwiQmFja2dyb3VuZCI6eyIkaWQiOiIyMjAiLCJDb2xvciI6eyIkaWQiOiIyMjEiLCJBIjoyNTUsIlIiOjIzNCwiRyI6MjIsIkIiOjMwfX0sIklzVmlzaWJsZSI6dHJ1ZSwiV2lkdGgiOjE4LjAsIkhlaWdodCI6MjAuMCwiQm9yZGVyU3R5bGUiOnsiJGlkIjoiMjIyIiwiTGluZUNvbG9yIjp7IiRyZWYiOiI2MyJ9LCJMaW5lV2VpZ2h0IjowLjAsIkxpbmVUeXBlIjowLCJQYXJlbnRTdHlsZSI6eyIkcmVmIjoiNjIifX0sIlBhcmVudFN0eWxlIjp7IiRyZWYiOiI1OSJ9fSwiVGl0bGVTdHlsZSI6eyIkaWQiOiIyMjMiLCJGb250U2V0dGluZ3MiOnsiJGlkIjoiMjI0IiwiRm9udFNpemUiOjExLCJGb250TmFtZSI6IkNhbGlicmkiLCJJc0JvbGQiOnRydWUsIklzSXRhbGljIjpmYWxzZSwiSXNVbmRlcmxpbmVkIjpmYWxzZSwiUGFyZW50U3R5bGUiOnsiJHJlZiI6IjY2In19LCJBdXRvU2l6ZSI6MCwiRm9yZWdyb3VuZCI6eyIkcmVmIjoiNjcifSwiTWF4V2lkdGgiOjIwMC4wLCJNYXhIZWlnaHQiOiJJbmZpbml0eSIsIlNtYXJ0Rm9yZWdyb3VuZElzQWN0aXZlIjpmYWxzZSwiSG9yaXpvbnRhbEFsaWdubWVudCI6MCwiVmVydGljYWxBbGlnbm1lbnQiOjAsIlNtYXJ0Rm9yZWdyb3VuZCI6bnVsbCwiTWFyZ2luIjp7IiRyZWYiOiI2OSJ9LCJQYWRkaW5nIjp7IiRyZWYiOiI3MCJ9LCJCYWNrZ3JvdW5kIjp7IiRyZWYiOiI3MSJ9LCJJc1Zpc2libGUiOnRydWUsIldpZHRoIjowLjAsIkhlaWdodCI6MC4wLCJCb3JkZXJTdHlsZSI6eyIkaWQiOiIyMjUiLCJMaW5lQ29sb3IiOm51bGwsIkxpbmVXZWlnaHQiOjAuMCwiTGluZVR5cGUiOjAsIlBhcmVudFN0eWxlIjpudWxsfSwiUGFyZW50U3R5bGUiOnsiJHJlZiI6IjY1In19LCJEYXRlU3R5bGUiOnsiJGlkIjoiMjI2IiwiRm9udFNldHRpbmdzIjp7IiRpZCI6IjIyNyIsIkZvbnRTaXplIjoxMCwiRm9udE5hbWUiOiJDYWxpYnJpIiwiSXNCb2xkIjpmYWxzZSwiSXNJdGFsaWMiOmZhbHNlLCJJc1VuZGVybGluZWQiOmZhbHNlLCJQYXJlbnRTdHlsZSI6eyIkcmVmIjoiNzMifX0sIkF1dG9TaXplIjowLCJGb3JlZ3JvdW5kIjp7IiRyZWYiOiI3NCJ9LCJNYXhXaWR0aCI6MjAwLjAsIk1heEhlaWdodCI6IkluZmluaXR5IiwiU21hcnRGb3JlZ3JvdW5kSXNBY3RpdmUiOmZhbHNlLCJIb3Jpem9udGFsQWxpZ25tZW50IjowLCJWZXJ0aWNhbEFsaWdubWVudCI6MCwiU21hcnRGb3JlZ3JvdW5kIjpudWxsLCJNYXJnaW4iOnsiJHJlZiI6Ijc2In0sIlBhZGRpbmciOnsiJHJlZiI6Ijc3In0sIkJhY2tncm91bmQiOnsiJHJlZiI6Ijc4In0sIklzVmlzaWJsZSI6dHJ1ZSwiV2lkdGgiOjAuMCwiSGVpZ2h0IjowLjAsIkJvcmRlclN0eWxlIjp7IiRpZCI6IjIyOCIsIkxpbmVDb2xvciI6bnVsbCwiTGluZVdlaWdodCI6MC4wLCJMaW5lVHlwZSI6MCwiUGFyZW50U3R5bGUiOm51bGx9LCJQYXJlbnRTdHlsZSI6eyIkcmVmIjoiNzIifX0sIkRhdGVGb3JtYXQiOnsiJHJlZiI6Ijc5In0sIklzVmlzaWJsZSI6dHJ1ZSwiUGFyZW50U3R5bGUiOnsiJHJlZiI6IjUzIn19LCJQb3NpdGlvbiI6eyJSYXRpbyI6MC4wLCJJc0N1c3RvbSI6ZmFsc2V9LCJEYXRlRm9ybWF0Ijp7IiRyZWYiOiI3OSJ9LCJJZCI6IjdhN2EwNDdiLWIwNTQtNDBjMS05MWI0LTFmNjFiNThiMTEwMCIsIkltcG9ydElkIjpudWxsLCJUaXRsZSI6Ik5hdGl2ZSBEb2NrZXIgc3VwcG9ydCB3aXRoIEh5cGVyLVYgb24gV2luZG93cyIsIk5vdGUiOm51bGwsIkh5cGVybGluayI6bnVsbCwiSXNDaGFuZ2VkIjpmYWxzZSwiSXNOZXciOmZhbHNlfSx7IiRpZCI6IjIyOSIsIkRhdGUiOiIyMDE2LTA2LTIwVDIzOjU5OjAwWiIsIlN0eWxlIjp7IiRpZCI6IjIzMCIsIlNoYXBlIjoyLCJDb25uZWN0b3JNYXJnaW4iOnsiJHJlZiI6IjU0In0sIkNvbm5lY3RvclN0eWxlIjp7IiRpZCI6IjIzMSIsIkxpbmVDb2xvciI6eyIkaWQiOiIyMzIiLCIkdHlwZSI6Ik5MUkUuQ29tbW9uLkRvbS5Tb2xpZENvbG9yQnJ1c2gsIE5MUkUuQ29tbW9uIiwiQ29sb3IiOnsiJGlkIjoiMjMzIiwiQSI6MTI3LCJSIjoxNzgsIkciOjE0LCJCIjoxOH19LCJMaW5lV2VpZ2h0IjoxLjAsIkxpbmVUeXBlIjowLCJQYXJlbnRTdHlsZSI6eyIkcmVmIjoiNTUifX0sIklzQmVsb3dUaW1lYmFuZCI6dHJ1ZSwiSGlkZURhdGUiOmZhbHNlLCJTaGFwZVNpemUiOjEsIlNwYWNpbmciOjEuMCwiUGFkZGluZyI6eyIkcmVmIjoiNTgifSwiU2hhcGVTdHlsZSI6eyIkaWQiOiIyMzQiLCJNYXJnaW4iOnsiJHJlZiI6IjYwIn0sIlBhZGRpbmciOnsiJHJlZiI6IjYxIn0sIkJhY2tncm91bmQiOnsiJGlkIjoiMjM1IiwiQ29sb3IiOnsiJGlkIjoiMjM2IiwiQSI6MjU1LCJSIjoxNzgsIkciOjE0LCJCIjoxOH19LCJJc1Zpc2libGUiOnRydWUsIldpZHRoIjoxOC4wLCJIZWlnaHQiOjIwLjAsIkJvcmRlclN0eWxlIjp7IiRpZCI6IjIzNyIsIkxpbmVDb2xvciI6eyIkcmVmIjoiNjMifSwiTGluZVdlaWdodCI6MC4wLCJMaW5lVHlwZSI6MCwiUGFyZW50U3R5bGUiOnsiJHJlZiI6IjYyIn19LCJQYXJlbnRTdHlsZSI6eyIkcmVmIjoiNTkifX0sIlRpdGxlU3R5bGUiOnsiJGlkIjoiMjM4IiwiRm9udFNldHRpbmdzIjp7IiRpZCI6IjIzOSIsIkZvbnRTaXplIjoxMSwiRm9udE5hbWUiOiJDYWxpYnJpIiwiSXNCb2xkIjp0cnVlLCJJc0l0YWxpYyI6ZmFsc2UsIklzVW5kZXJsaW5lZCI6ZmFsc2UsIlBhcmVudFN0eWxlIjp7IiRyZWYiOiI2NiJ9fSwiQXV0b1NpemUiOjAsIkZvcmVncm91bmQiOnsiJHJlZiI6IjY3In0sIk1heFdpZHRoIjoyMDAuMCwiTWF4SGVpZ2h0IjoiSW5maW5pdHkiLCJTbWFydEZvcmVncm91bmRJc0FjdGl2ZSI6ZmFsc2UsIkhvcml6b250YWxBbGlnbm1lbnQiOjAsIlZlcnRpY2FsQWxpZ25tZW50IjowLCJTbWFydEZvcmVncm91bmQiOm51bGwsIk1hcmdpbiI6eyIkcmVmIjoiNjkifSwiUGFkZGluZyI6eyIkcmVmIjoiNzAifSwiQmFja2dyb3VuZCI6eyIkcmVmIjoiNzEifSwiSXNWaXNpYmxlIjp0cnVlLCJXaWR0aCI6MC4wLCJIZWlnaHQiOjAuMCwiQm9yZGVyU3R5bGUiOnsiJGlkIjoiMjQwIiwiTGluZUNvbG9yIjpudWxsLCJMaW5lV2VpZ2h0IjowLjAsIkxpbmVUeXBlIjowLCJQYXJlbnRTdHlsZSI6bnVsbH0sIlBhcmVudFN0eWxlIjp7IiRyZWYiOiI2NSJ9fSwiRGF0ZVN0eWxlIjp7IiRpZCI6IjI0MSIsIkZvbnRTZXR0aW5ncyI6eyIkaWQiOiIyNDIiLCJGb250U2l6ZSI6MTAsIkZvbnROYW1lIjoiQ2FsaWJyaSIsIklzQm9sZCI6ZmFsc2UsIklzSXRhbGljIjpmYWxzZSwiSXNVbmRlcmxpbmVkIjpmYWxzZSwiUGFyZW50U3R5bGUiOnsiJHJlZiI6IjczIn19LCJBdXRvU2l6ZSI6MCwiRm9yZWdyb3VuZCI6eyIkcmVmIjoiNzQifSwiTWF4V2lkdGgiOjIwMC4wLCJNYXhIZWlnaHQiOiJJbmZpbml0eSIsIlNtYXJ0Rm9yZWdyb3VuZElzQWN0aXZlIjpmYWxzZSwiSG9yaXpvbnRhbEFsaWdubWVudCI6MCwiVmVydGljYWxBbGlnbm1lbnQiOjAsIlNtYXJ0Rm9yZWdyb3VuZCI6bnVsbCwiTWFyZ2luIjp7IiRyZWYiOiI3NiJ9LCJQYWRkaW5nIjp7IiRyZWYiOiI3NyJ9LCJCYWNrZ3JvdW5kIjp7IiRyZWYiOiI3OCJ9LCJJc1Zpc2libGUiOnRydWUsIldpZHRoIjowLjAsIkhlaWdodCI6MC4wLCJCb3JkZXJTdHlsZSI6eyIkaWQiOiIyNDMiLCJMaW5lQ29sb3IiOm51bGwsIkxpbmVXZWlnaHQiOjAuMCwiTGluZVR5cGUiOjAsIlBhcmVudFN0eWxlIjpudWxsfSwiUGFyZW50U3R5bGUiOnsiJHJlZiI6IjcyIn19LCJEYXRlRm9ybWF0Ijp7IiRyZWYiOiI3OSJ9LCJJc1Zpc2libGUiOnRydWUsIlBhcmVudFN0eWxlIjp7IiRyZWYiOiI1MyJ9fSwiUG9zaXRpb24iOnsiUmF0aW8iOjAuMCwiSXNDdXN0b20iOmZhbHNlfSwiRGF0ZUZvcm1hdCI6eyIkcmVmIjoiNzkifSwiSWQiOiI0MzEyYWJmYS1iMTg2LTRmMGItYTZhMS03N2VjZDViMTI4MzciLCJJbXBvcnRJZCI6bnVsbCwiVGl0bGUiOiJEb2NrZXIgU3dhcm0gaXMgYnVpbHQgaW4gd2l0aCBEb2NrZXIgMS4xMiIsIk5vdGUiOm51bGwsIkh5cGVybGluayI6bnVsbCwiSXNDaGFuZ2VkIjpmYWxzZSwiSXNOZXciOmZhbHNlfV0sIlRhc2tzIjpbXSwiTXNQcm9qZWN0SXRlbXNUcmVlIjp7IiRpZCI6IjI0NCIsIlJvb3QiOnsiSW1wb3J0SWQiOm51bGwsIklzSW1wb3J0ZWQiOmZhbHNlLCJDaGlsZHJlbiI6W119fSwiTWV0YWRhdGEiOnsiJGlkIjoiMjQ1In0sIlNldHRpbmdzIjp7IiRpZCI6IjI0NiIsIkltcGFPcHRpb25zIjp7IiRpZCI6IjI0NyIsIkxlZnRUb1JpZ2h0IjpmYWxzZSwiUGF5bG9hZE9wdGlvbnMiOjJ9LCJVc2VDb21wcmVzc2lvbiI6ZmFsc2UsIkNvbXByZXNpb25QZXJjZW50YWdlIjowLjAsIkluYWN0aXZlSW50ZXJ2YWxXaWR0aFRocmVzaG9sZCI6MC4wLCJJbmFjdGl2ZUludGVydmFsV2lkdGgiOjAuMCwiU3BsaXRUYXNrcyI6ZmFsc2UsIlVzZUNsdXN0ZXIiOmZhbHNlLCJFcHNpbG9uIjowLjAsIk1pblBvaW50c1RvRm9ybUFDbHVzdGVyIjowLCJHZW5lcmF0ZUludmlzaWJsZVNoYXBlcyI6ZmFsc2UsIlNtYXJ0VGltZWxpbmVUYXNrUGVyY2VudGFnZUZpdCI6ZmFsc2V9LCJJc05ldyI6dHJ1ZSwiSW1wb3J0VHlwZSI6MCwiRmlsZVBhdGgiOm51bGwsIlRpbWVDb25maWd1cmF0aW9uIjp7IiRpZCI6IjI0OCIsIlVzZVRpbWUiOmZhbHNlLCJXb3JrRGF5U3RhcnQiOiIwMDowMDowMCIsIldvcmtEYXlFbmQiOiIyMzo1OTowMCJ9fQ=="/>
+  <p:tag name="__MASTER" val="__part_0"/>
+</p:tagLst>
+</file>
+
+<file path=ppt/tags/tag10.xml><?xml version="1.0" encoding="utf-8"?>
+<p:tagLst xmlns:a="http://schemas.openxmlformats.org/drawingml/2006/main" xmlns:r="http://schemas.openxmlformats.org/officeDocument/2006/relationships" xmlns:p="http://schemas.openxmlformats.org/presentationml/2006/main">
+  <p:tag name="OTLMARKERSHAPE" val="OTL"/>
+</p:tagLst>
+</file>
+
+<file path=ppt/tags/tag11.xml><?xml version="1.0" encoding="utf-8"?>
+<p:tagLst xmlns:a="http://schemas.openxmlformats.org/drawingml/2006/main" xmlns:r="http://schemas.openxmlformats.org/officeDocument/2006/relationships" xmlns:p="http://schemas.openxmlformats.org/presentationml/2006/main">
+  <p:tag name="OTLMARKERSHAPE" val="OTL"/>
+</p:tagLst>
+</file>
+
+<file path=ppt/tags/tag12.xml><?xml version="1.0" encoding="utf-8"?>
+<p:tagLst xmlns:a="http://schemas.openxmlformats.org/drawingml/2006/main" xmlns:r="http://schemas.openxmlformats.org/officeDocument/2006/relationships" xmlns:p="http://schemas.openxmlformats.org/presentationml/2006/main">
+  <p:tag name="OTLMARKERSHAPE" val="OTL"/>
+</p:tagLst>
+</file>
+
+<file path=ppt/tags/tag13.xml><?xml version="1.0" encoding="utf-8"?>
+<p:tagLst xmlns:a="http://schemas.openxmlformats.org/drawingml/2006/main" xmlns:r="http://schemas.openxmlformats.org/officeDocument/2006/relationships" xmlns:p="http://schemas.openxmlformats.org/presentationml/2006/main">
+  <p:tag name="OTLMARKERSHAPE" val="OTL"/>
+</p:tagLst>
+</file>
+
+<file path=ppt/tags/tag14.xml><?xml version="1.0" encoding="utf-8"?>
+<p:tagLst xmlns:a="http://schemas.openxmlformats.org/drawingml/2006/main" xmlns:r="http://schemas.openxmlformats.org/officeDocument/2006/relationships" xmlns:p="http://schemas.openxmlformats.org/presentationml/2006/main">
+  <p:tag name="OTLMARKERSHAPE" val="OTL"/>
+</p:tagLst>
+</file>
+
+<file path=ppt/tags/tag15.xml><?xml version="1.0" encoding="utf-8"?>
+<p:tagLst xmlns:a="http://schemas.openxmlformats.org/drawingml/2006/main" xmlns:r="http://schemas.openxmlformats.org/officeDocument/2006/relationships" xmlns:p="http://schemas.openxmlformats.org/presentationml/2006/main">
+  <p:tag name="OTLMARKERSHAPE" val="OTL"/>
+</p:tagLst>
+</file>
+
+<file path=ppt/tags/tag16.xml><?xml version="1.0" encoding="utf-8"?>
+<p:tagLst xmlns:a="http://schemas.openxmlformats.org/drawingml/2006/main" xmlns:r="http://schemas.openxmlformats.org/officeDocument/2006/relationships" xmlns:p="http://schemas.openxmlformats.org/presentationml/2006/main">
+  <p:tag name="OTLMARKERSHAPE" val="OTL"/>
+</p:tagLst>
+</file>
+
+<file path=ppt/tags/tag17.xml><?xml version="1.0" encoding="utf-8"?>
+<p:tagLst xmlns:a="http://schemas.openxmlformats.org/drawingml/2006/main" xmlns:r="http://schemas.openxmlformats.org/officeDocument/2006/relationships" xmlns:p="http://schemas.openxmlformats.org/presentationml/2006/main">
+  <p:tag name="OTLMARKERSHAPE" val="OTL"/>
+</p:tagLst>
+</file>
+
+<file path=ppt/tags/tag18.xml><?xml version="1.0" encoding="utf-8"?>
+<p:tagLst xmlns:a="http://schemas.openxmlformats.org/drawingml/2006/main" xmlns:r="http://schemas.openxmlformats.org/officeDocument/2006/relationships" xmlns:p="http://schemas.openxmlformats.org/presentationml/2006/main">
+  <p:tag name="OTLMARKERSHAPE" val="OTL"/>
+</p:tagLst>
+</file>
+
+<file path=ppt/tags/tag19.xml><?xml version="1.0" encoding="utf-8"?>
+<p:tagLst xmlns:a="http://schemas.openxmlformats.org/drawingml/2006/main" xmlns:r="http://schemas.openxmlformats.org/officeDocument/2006/relationships" xmlns:p="http://schemas.openxmlformats.org/presentationml/2006/main">
+  <p:tag name="OTLMARKERSHAPE" val="OTL"/>
+</p:tagLst>
+</file>
+
+<file path=ppt/tags/tag2.xml><?xml version="1.0" encoding="utf-8"?>
+<p:tagLst xmlns:a="http://schemas.openxmlformats.org/drawingml/2006/main" xmlns:r="http://schemas.openxmlformats.org/officeDocument/2006/relationships" xmlns:p="http://schemas.openxmlformats.org/presentationml/2006/main">
+  <p:tag name="OTLMARKERSHAPE" val="OTL"/>
+</p:tagLst>
+</file>
+
+<file path=ppt/tags/tag20.xml><?xml version="1.0" encoding="utf-8"?>
+<p:tagLst xmlns:a="http://schemas.openxmlformats.org/drawingml/2006/main" xmlns:r="http://schemas.openxmlformats.org/officeDocument/2006/relationships" xmlns:p="http://schemas.openxmlformats.org/presentationml/2006/main">
+  <p:tag name="OTLMARKERSHAPE" val="OTL"/>
+</p:tagLst>
+</file>
+
+<file path=ppt/tags/tag21.xml><?xml version="1.0" encoding="utf-8"?>
+<p:tagLst xmlns:a="http://schemas.openxmlformats.org/drawingml/2006/main" xmlns:r="http://schemas.openxmlformats.org/officeDocument/2006/relationships" xmlns:p="http://schemas.openxmlformats.org/presentationml/2006/main">
+  <p:tag name="OTLMARKERSHAPE" val="OTL"/>
+</p:tagLst>
+</file>
+
+<file path=ppt/tags/tag22.xml><?xml version="1.0" encoding="utf-8"?>
+<p:tagLst xmlns:a="http://schemas.openxmlformats.org/drawingml/2006/main" xmlns:r="http://schemas.openxmlformats.org/officeDocument/2006/relationships" xmlns:p="http://schemas.openxmlformats.org/presentationml/2006/main">
+  <p:tag name="OTLMARKERSHAPE" val="OTL"/>
+</p:tagLst>
+</file>
+
+<file path=ppt/tags/tag23.xml><?xml version="1.0" encoding="utf-8"?>
+<p:tagLst xmlns:a="http://schemas.openxmlformats.org/drawingml/2006/main" xmlns:r="http://schemas.openxmlformats.org/officeDocument/2006/relationships" xmlns:p="http://schemas.openxmlformats.org/presentationml/2006/main">
+  <p:tag name="OTLMARKERSHAPE" val="OTL"/>
+</p:tagLst>
+</file>
+
+<file path=ppt/tags/tag24.xml><?xml version="1.0" encoding="utf-8"?>
+<p:tagLst xmlns:a="http://schemas.openxmlformats.org/drawingml/2006/main" xmlns:r="http://schemas.openxmlformats.org/officeDocument/2006/relationships" xmlns:p="http://schemas.openxmlformats.org/presentationml/2006/main">
+  <p:tag name="OTLMARKERSHAPE" val="OTL"/>
+</p:tagLst>
+</file>
+
+<file path=ppt/tags/tag25.xml><?xml version="1.0" encoding="utf-8"?>
+<p:tagLst xmlns:a="http://schemas.openxmlformats.org/drawingml/2006/main" xmlns:r="http://schemas.openxmlformats.org/officeDocument/2006/relationships" xmlns:p="http://schemas.openxmlformats.org/presentationml/2006/main">
+  <p:tag name="OTLMARKERSHAPE" val="OTL"/>
+</p:tagLst>
+</file>
+
+<file path=ppt/tags/tag26.xml><?xml version="1.0" encoding="utf-8"?>
+<p:tagLst xmlns:a="http://schemas.openxmlformats.org/drawingml/2006/main" xmlns:r="http://schemas.openxmlformats.org/officeDocument/2006/relationships" xmlns:p="http://schemas.openxmlformats.org/presentationml/2006/main">
+  <p:tag name="OTLMARKERSHAPE" val="OTL"/>
+</p:tagLst>
+</file>
+
+<file path=ppt/tags/tag27.xml><?xml version="1.0" encoding="utf-8"?>
+<p:tagLst xmlns:a="http://schemas.openxmlformats.org/drawingml/2006/main" xmlns:r="http://schemas.openxmlformats.org/officeDocument/2006/relationships" xmlns:p="http://schemas.openxmlformats.org/presentationml/2006/main">
+  <p:tag name="OTLMARKERSHAPE" val="OTL"/>
+</p:tagLst>
+</file>
+
+<file path=ppt/tags/tag28.xml><?xml version="1.0" encoding="utf-8"?>
+<p:tagLst xmlns:a="http://schemas.openxmlformats.org/drawingml/2006/main" xmlns:r="http://schemas.openxmlformats.org/officeDocument/2006/relationships" xmlns:p="http://schemas.openxmlformats.org/presentationml/2006/main">
+  <p:tag name="OTLMARKERSHAPE" val="OTL"/>
+</p:tagLst>
+</file>
+
+<file path=ppt/tags/tag29.xml><?xml version="1.0" encoding="utf-8"?>
+<p:tagLst xmlns:a="http://schemas.openxmlformats.org/drawingml/2006/main" xmlns:r="http://schemas.openxmlformats.org/officeDocument/2006/relationships" xmlns:p="http://schemas.openxmlformats.org/presentationml/2006/main">
+  <p:tag name="OTLMARKERSHAPE" val="OTL"/>
+</p:tagLst>
+</file>
+
+<file path=ppt/tags/tag3.xml><?xml version="1.0" encoding="utf-8"?>
+<p:tagLst xmlns:a="http://schemas.openxmlformats.org/drawingml/2006/main" xmlns:r="http://schemas.openxmlformats.org/officeDocument/2006/relationships" xmlns:p="http://schemas.openxmlformats.org/presentationml/2006/main">
+  <p:tag name="OTLMARKERSHAPE" val="OTL"/>
+</p:tagLst>
+</file>
+
+<file path=ppt/tags/tag30.xml><?xml version="1.0" encoding="utf-8"?>
+<p:tagLst xmlns:a="http://schemas.openxmlformats.org/drawingml/2006/main" xmlns:r="http://schemas.openxmlformats.org/officeDocument/2006/relationships" xmlns:p="http://schemas.openxmlformats.org/presentationml/2006/main">
+  <p:tag name="OTLMARKERSHAPE" val="OTL"/>
+</p:tagLst>
+</file>
+
+<file path=ppt/tags/tag31.xml><?xml version="1.0" encoding="utf-8"?>
+<p:tagLst xmlns:a="http://schemas.openxmlformats.org/drawingml/2006/main" xmlns:r="http://schemas.openxmlformats.org/officeDocument/2006/relationships" xmlns:p="http://schemas.openxmlformats.org/presentationml/2006/main">
+  <p:tag name="OTLMARKERSHAPE" val="OTL"/>
+</p:tagLst>
+</file>
+
+<file path=ppt/tags/tag32.xml><?xml version="1.0" encoding="utf-8"?>
+<p:tagLst xmlns:a="http://schemas.openxmlformats.org/drawingml/2006/main" xmlns:r="http://schemas.openxmlformats.org/officeDocument/2006/relationships" xmlns:p="http://schemas.openxmlformats.org/presentationml/2006/main">
+  <p:tag name="OTLMARKERSHAPE" val="OTL"/>
+</p:tagLst>
+</file>
+
+<file path=ppt/tags/tag33.xml><?xml version="1.0" encoding="utf-8"?>
+<p:tagLst xmlns:a="http://schemas.openxmlformats.org/drawingml/2006/main" xmlns:r="http://schemas.openxmlformats.org/officeDocument/2006/relationships" xmlns:p="http://schemas.openxmlformats.org/presentationml/2006/main">
+  <p:tag name="OTLMARKERSHAPE" val="OTL"/>
+</p:tagLst>
+</file>
+
+<file path=ppt/tags/tag34.xml><?xml version="1.0" encoding="utf-8"?>
+<p:tagLst xmlns:a="http://schemas.openxmlformats.org/drawingml/2006/main" xmlns:r="http://schemas.openxmlformats.org/officeDocument/2006/relationships" xmlns:p="http://schemas.openxmlformats.org/presentationml/2006/main">
+  <p:tag name="OTLMARKERSHAPE" val="OTL"/>
+</p:tagLst>
+</file>
+
+<file path=ppt/tags/tag35.xml><?xml version="1.0" encoding="utf-8"?>
+<p:tagLst xmlns:a="http://schemas.openxmlformats.org/drawingml/2006/main" xmlns:r="http://schemas.openxmlformats.org/officeDocument/2006/relationships" xmlns:p="http://schemas.openxmlformats.org/presentationml/2006/main">
+  <p:tag name="OTLMARKERSHAPE" val="OTL"/>
+</p:tagLst>
+</file>
+
+<file path=ppt/tags/tag36.xml><?xml version="1.0" encoding="utf-8"?>
+<p:tagLst xmlns:a="http://schemas.openxmlformats.org/drawingml/2006/main" xmlns:r="http://schemas.openxmlformats.org/officeDocument/2006/relationships" xmlns:p="http://schemas.openxmlformats.org/presentationml/2006/main">
+  <p:tag name="OTLMARKERSHAPE" val="OTL"/>
+</p:tagLst>
+</file>
+
+<file path=ppt/tags/tag37.xml><?xml version="1.0" encoding="utf-8"?>
+<p:tagLst xmlns:a="http://schemas.openxmlformats.org/drawingml/2006/main" xmlns:r="http://schemas.openxmlformats.org/officeDocument/2006/relationships" xmlns:p="http://schemas.openxmlformats.org/presentationml/2006/main">
+  <p:tag name="OTLMARKERSHAPE" val="OTL"/>
+</p:tagLst>
+</file>
+
+<file path=ppt/tags/tag38.xml><?xml version="1.0" encoding="utf-8"?>
+<p:tagLst xmlns:a="http://schemas.openxmlformats.org/drawingml/2006/main" xmlns:r="http://schemas.openxmlformats.org/officeDocument/2006/relationships" xmlns:p="http://schemas.openxmlformats.org/presentationml/2006/main">
+  <p:tag name="OTLMARKERSHAPE" val="OTL"/>
+</p:tagLst>
+</file>
+
+<file path=ppt/tags/tag39.xml><?xml version="1.0" encoding="utf-8"?>
+<p:tagLst xmlns:a="http://schemas.openxmlformats.org/drawingml/2006/main" xmlns:r="http://schemas.openxmlformats.org/officeDocument/2006/relationships" xmlns:p="http://schemas.openxmlformats.org/presentationml/2006/main">
+  <p:tag name="OTLMARKERSHAPE" val="OTL"/>
+</p:tagLst>
+</file>
+
+<file path=ppt/tags/tag4.xml><?xml version="1.0" encoding="utf-8"?>
+<p:tagLst xmlns:a="http://schemas.openxmlformats.org/drawingml/2006/main" xmlns:r="http://schemas.openxmlformats.org/officeDocument/2006/relationships" xmlns:p="http://schemas.openxmlformats.org/presentationml/2006/main">
+  <p:tag name="OTLMARKERSHAPE" val="OTL"/>
+</p:tagLst>
+</file>
+
+<file path=ppt/tags/tag40.xml><?xml version="1.0" encoding="utf-8"?>
+<p:tagLst xmlns:a="http://schemas.openxmlformats.org/drawingml/2006/main" xmlns:r="http://schemas.openxmlformats.org/officeDocument/2006/relationships" xmlns:p="http://schemas.openxmlformats.org/presentationml/2006/main">
+  <p:tag name="OTLMARKERSHAPE" val="OTL"/>
+</p:tagLst>
+</file>
+
+<file path=ppt/tags/tag41.xml><?xml version="1.0" encoding="utf-8"?>
+<p:tagLst xmlns:a="http://schemas.openxmlformats.org/drawingml/2006/main" xmlns:r="http://schemas.openxmlformats.org/officeDocument/2006/relationships" xmlns:p="http://schemas.openxmlformats.org/presentationml/2006/main">
+  <p:tag name="OTLMARKERSHAPE" val="OTL"/>
+</p:tagLst>
+</file>
+
+<file path=ppt/tags/tag42.xml><?xml version="1.0" encoding="utf-8"?>
+<p:tagLst xmlns:a="http://schemas.openxmlformats.org/drawingml/2006/main" xmlns:r="http://schemas.openxmlformats.org/officeDocument/2006/relationships" xmlns:p="http://schemas.openxmlformats.org/presentationml/2006/main">
+  <p:tag name="OTLMARKERSHAPE" val="OTL"/>
+</p:tagLst>
+</file>
+
+<file path=ppt/tags/tag43.xml><?xml version="1.0" encoding="utf-8"?>
+<p:tagLst xmlns:a="http://schemas.openxmlformats.org/drawingml/2006/main" xmlns:r="http://schemas.openxmlformats.org/officeDocument/2006/relationships" xmlns:p="http://schemas.openxmlformats.org/presentationml/2006/main">
+  <p:tag name="OTLMARKERSHAPE" val="OTL"/>
+</p:tagLst>
+</file>
+
+<file path=ppt/tags/tag44.xml><?xml version="1.0" encoding="utf-8"?>
+<p:tagLst xmlns:a="http://schemas.openxmlformats.org/drawingml/2006/main" xmlns:r="http://schemas.openxmlformats.org/officeDocument/2006/relationships" xmlns:p="http://schemas.openxmlformats.org/presentationml/2006/main">
+  <p:tag name="OTLMARKERSHAPE" val="OTL"/>
+</p:tagLst>
+</file>
+
+<file path=ppt/tags/tag45.xml><?xml version="1.0" encoding="utf-8"?>
+<p:tagLst xmlns:a="http://schemas.openxmlformats.org/drawingml/2006/main" xmlns:r="http://schemas.openxmlformats.org/officeDocument/2006/relationships" xmlns:p="http://schemas.openxmlformats.org/presentationml/2006/main">
+  <p:tag name="OTLMARKERSHAPE" val="OTL"/>
+</p:tagLst>
+</file>
+
+<file path=ppt/tags/tag46.xml><?xml version="1.0" encoding="utf-8"?>
+<p:tagLst xmlns:a="http://schemas.openxmlformats.org/drawingml/2006/main" xmlns:r="http://schemas.openxmlformats.org/officeDocument/2006/relationships" xmlns:p="http://schemas.openxmlformats.org/presentationml/2006/main">
+  <p:tag name="OTLMARKERSHAPE" val="OTL"/>
+</p:tagLst>
+</file>
+
+<file path=ppt/tags/tag47.xml><?xml version="1.0" encoding="utf-8"?>
+<p:tagLst xmlns:a="http://schemas.openxmlformats.org/drawingml/2006/main" xmlns:r="http://schemas.openxmlformats.org/officeDocument/2006/relationships" xmlns:p="http://schemas.openxmlformats.org/presentationml/2006/main">
+  <p:tag name="OTLMARKERSHAPE" val="OTL"/>
+</p:tagLst>
+</file>
+
+<file path=ppt/tags/tag48.xml><?xml version="1.0" encoding="utf-8"?>
+<p:tagLst xmlns:a="http://schemas.openxmlformats.org/drawingml/2006/main" xmlns:r="http://schemas.openxmlformats.org/officeDocument/2006/relationships" xmlns:p="http://schemas.openxmlformats.org/presentationml/2006/main">
+  <p:tag name="OTLMARKERSHAPE" val="OTL"/>
+</p:tagLst>
+</file>
+
+<file path=ppt/tags/tag49.xml><?xml version="1.0" encoding="utf-8"?>
+<p:tagLst xmlns:a="http://schemas.openxmlformats.org/drawingml/2006/main" xmlns:r="http://schemas.openxmlformats.org/officeDocument/2006/relationships" xmlns:p="http://schemas.openxmlformats.org/presentationml/2006/main">
+  <p:tag name="OTLMARKERSHAPE" val="OTL"/>
+</p:tagLst>
+</file>
+
+<file path=ppt/tags/tag5.xml><?xml version="1.0" encoding="utf-8"?>
+<p:tagLst xmlns:a="http://schemas.openxmlformats.org/drawingml/2006/main" xmlns:r="http://schemas.openxmlformats.org/officeDocument/2006/relationships" xmlns:p="http://schemas.openxmlformats.org/presentationml/2006/main">
+  <p:tag name="OTLMARKERSHAPE" val="OTL"/>
+</p:tagLst>
+</file>
+
+<file path=ppt/tags/tag50.xml><?xml version="1.0" encoding="utf-8"?>
+<p:tagLst xmlns:a="http://schemas.openxmlformats.org/drawingml/2006/main" xmlns:r="http://schemas.openxmlformats.org/officeDocument/2006/relationships" xmlns:p="http://schemas.openxmlformats.org/presentationml/2006/main">
+  <p:tag name="OTLMARKERSHAPE" val="OTL"/>
+</p:tagLst>
+</file>
+
+<file path=ppt/tags/tag51.xml><?xml version="1.0" encoding="utf-8"?>
+<p:tagLst xmlns:a="http://schemas.openxmlformats.org/drawingml/2006/main" xmlns:r="http://schemas.openxmlformats.org/officeDocument/2006/relationships" xmlns:p="http://schemas.openxmlformats.org/presentationml/2006/main">
+  <p:tag name="OTLMARKERSHAPE" val="OTL"/>
+</p:tagLst>
+</file>
+
+<file path=ppt/tags/tag52.xml><?xml version="1.0" encoding="utf-8"?>
+<p:tagLst xmlns:a="http://schemas.openxmlformats.org/drawingml/2006/main" xmlns:r="http://schemas.openxmlformats.org/officeDocument/2006/relationships" xmlns:p="http://schemas.openxmlformats.org/presentationml/2006/main">
+  <p:tag name="OTLMARKERSHAPE" val="OTL"/>
+</p:tagLst>
+</file>
+
+<file path=ppt/tags/tag6.xml><?xml version="1.0" encoding="utf-8"?>
+<p:tagLst xmlns:a="http://schemas.openxmlformats.org/drawingml/2006/main" xmlns:r="http://schemas.openxmlformats.org/officeDocument/2006/relationships" xmlns:p="http://schemas.openxmlformats.org/presentationml/2006/main">
+  <p:tag name="OTLMARKERSHAPE" val="OTL"/>
+</p:tagLst>
+</file>
+
+<file path=ppt/tags/tag7.xml><?xml version="1.0" encoding="utf-8"?>
+<p:tagLst xmlns:a="http://schemas.openxmlformats.org/drawingml/2006/main" xmlns:r="http://schemas.openxmlformats.org/officeDocument/2006/relationships" xmlns:p="http://schemas.openxmlformats.org/presentationml/2006/main">
+  <p:tag name="OTLMARKERSHAPE" val="OTL"/>
+</p:tagLst>
+</file>
+
+<file path=ppt/tags/tag8.xml><?xml version="1.0" encoding="utf-8"?>
+<p:tagLst xmlns:a="http://schemas.openxmlformats.org/drawingml/2006/main" xmlns:r="http://schemas.openxmlformats.org/officeDocument/2006/relationships" xmlns:p="http://schemas.openxmlformats.org/presentationml/2006/main">
+  <p:tag name="OTLMARKERSHAPE" val="OTL"/>
+</p:tagLst>
+</file>
+
+<file path=ppt/tags/tag9.xml><?xml version="1.0" encoding="utf-8"?>
+<p:tagLst xmlns:a="http://schemas.openxmlformats.org/drawingml/2006/main" xmlns:r="http://schemas.openxmlformats.org/officeDocument/2006/relationships" xmlns:p="http://schemas.openxmlformats.org/presentationml/2006/main">
+  <p:tag name="OTLMARKERSHAPE" val="OTL"/>
+</p:tagLst>
 </file>
 
 <file path=ppt/theme/theme1.xml><?xml version="1.0" encoding="utf-8"?>

--- a/02-Container-and-Provisioning/ContainerProvisioning.pptx
+++ b/02-Container-and-Provisioning/ContainerProvisioning.pptx
@@ -5,7 +5,7 @@
     <p:sldMasterId id="2147483672" r:id="rId1"/>
   </p:sldMasterIdLst>
   <p:notesMasterIdLst>
-    <p:notesMasterId r:id="rId8"/>
+    <p:notesMasterId r:id="rId14"/>
   </p:notesMasterIdLst>
   <p:sldIdLst>
     <p:sldId id="256" r:id="rId2"/>
@@ -14,6 +14,12 @@
     <p:sldId id="259" r:id="rId5"/>
     <p:sldId id="260" r:id="rId6"/>
     <p:sldId id="263" r:id="rId7"/>
+    <p:sldId id="265" r:id="rId8"/>
+    <p:sldId id="264" r:id="rId9"/>
+    <p:sldId id="266" r:id="rId10"/>
+    <p:sldId id="267" r:id="rId11"/>
+    <p:sldId id="268" r:id="rId12"/>
+    <p:sldId id="269" r:id="rId13"/>
   </p:sldIdLst>
   <p:sldSz cx="9144000" cy="6858000" type="screen4x3"/>
   <p:notesSz cx="6858000" cy="9144000"/>
@@ -123,6 +129,12 @@
             <p14:sldId id="259"/>
             <p14:sldId id="260"/>
             <p14:sldId id="263"/>
+            <p14:sldId id="265"/>
+            <p14:sldId id="264"/>
+            <p14:sldId id="266"/>
+            <p14:sldId id="267"/>
+            <p14:sldId id="268"/>
+            <p14:sldId id="269"/>
           </p14:sldIdLst>
         </p14:section>
       </p14:sectionLst>
@@ -220,7 +232,7 @@
           <a:p>
             <a:fld id="{852105B6-D441-4EC0-9FA7-CF26CD0B8EA0}" type="datetimeFigureOut">
               <a:rPr lang="en-US" smtClean="0"/>
-              <a:t>10/8/2017</a:t>
+              <a:t>10/9/2017</a:t>
             </a:fld>
             <a:endParaRPr lang="en-US"/>
           </a:p>
@@ -2799,6 +2811,1150 @@
 </p:sld>
 </file>
 
+<file path=ppt/slides/slide10.xml><?xml version="1.0" encoding="utf-8"?>
+<p:sld xmlns:a="http://schemas.openxmlformats.org/drawingml/2006/main" xmlns:r="http://schemas.openxmlformats.org/officeDocument/2006/relationships" xmlns:p="http://schemas.openxmlformats.org/presentationml/2006/main">
+  <p:cSld>
+    <p:spTree>
+      <p:nvGrpSpPr>
+        <p:cNvPr id="1" name=""/>
+        <p:cNvGrpSpPr/>
+        <p:nvPr/>
+      </p:nvGrpSpPr>
+      <p:grpSpPr>
+        <a:xfrm>
+          <a:off x="0" y="0"/>
+          <a:ext cx="0" cy="0"/>
+          <a:chOff x="0" y="0"/>
+          <a:chExt cx="0" cy="0"/>
+        </a:xfrm>
+      </p:grpSpPr>
+      <p:sp>
+        <p:nvSpPr>
+          <p:cNvPr id="4" name="Titel 3">
+            <a:extLst>
+              <a:ext uri="{FF2B5EF4-FFF2-40B4-BE49-F238E27FC236}">
+                <a16:creationId xmlns:a16="http://schemas.microsoft.com/office/drawing/2014/main" id="{EBD693B0-19D5-4B68-8B8B-980F6FD3C8C4}"/>
+              </a:ext>
+            </a:extLst>
+          </p:cNvPr>
+          <p:cNvSpPr>
+            <a:spLocks noGrp="1"/>
+          </p:cNvSpPr>
+          <p:nvPr>
+            <p:ph type="title"/>
+          </p:nvPr>
+        </p:nvSpPr>
+        <p:spPr/>
+        <p:txBody>
+          <a:bodyPr/>
+          <a:lstStyle/>
+          <a:p>
+            <a:r>
+              <a:rPr lang="de-DE" dirty="0"/>
+              <a:t>Docker CLI - Basics</a:t>
+            </a:r>
+            <a:endParaRPr lang="en-US" dirty="0"/>
+          </a:p>
+        </p:txBody>
+      </p:sp>
+      <p:graphicFrame>
+        <p:nvGraphicFramePr>
+          <p:cNvPr id="6" name="Inhaltsplatzhalter 5">
+            <a:extLst>
+              <a:ext uri="{FF2B5EF4-FFF2-40B4-BE49-F238E27FC236}">
+                <a16:creationId xmlns:a16="http://schemas.microsoft.com/office/drawing/2014/main" id="{62D09463-5B0D-4EA2-A4AA-1BF237BF86A5}"/>
+              </a:ext>
+            </a:extLst>
+          </p:cNvPr>
+          <p:cNvGraphicFramePr>
+            <a:graphicFrameLocks noGrp="1"/>
+          </p:cNvGraphicFramePr>
+          <p:nvPr>
+            <p:ph idx="1"/>
+            <p:extLst>
+              <p:ext uri="{D42A27DB-BD31-4B8C-83A1-F6EECF244321}">
+                <p14:modId xmlns:p14="http://schemas.microsoft.com/office/powerpoint/2010/main" val="3735258105"/>
+              </p:ext>
+            </p:extLst>
+          </p:nvPr>
+        </p:nvGraphicFramePr>
+        <p:xfrm>
+          <a:off x="258762" y="1403350"/>
+          <a:ext cx="8537220" cy="4912673"/>
+        </p:xfrm>
+        <a:graphic>
+          <a:graphicData uri="http://schemas.openxmlformats.org/drawingml/2006/table">
+            <a:tbl>
+              <a:tblPr firstRow="1" bandRow="1">
+                <a:tableStyleId>{5C22544A-7EE6-4342-B048-85BDC9FD1C3A}</a:tableStyleId>
+              </a:tblPr>
+              <a:tblGrid>
+                <a:gridCol w="4268610">
+                  <a:extLst>
+                    <a:ext uri="{9D8B030D-6E8A-4147-A177-3AD203B41FA5}">
+                      <a16:colId xmlns:a16="http://schemas.microsoft.com/office/drawing/2014/main" val="3848042468"/>
+                    </a:ext>
+                  </a:extLst>
+                </a:gridCol>
+                <a:gridCol w="4268610">
+                  <a:extLst>
+                    <a:ext uri="{9D8B030D-6E8A-4147-A177-3AD203B41FA5}">
+                      <a16:colId xmlns:a16="http://schemas.microsoft.com/office/drawing/2014/main" val="265515444"/>
+                    </a:ext>
+                  </a:extLst>
+                </a:gridCol>
+              </a:tblGrid>
+              <a:tr h="439098">
+                <a:tc>
+                  <a:txBody>
+                    <a:bodyPr/>
+                    <a:lstStyle/>
+                    <a:p>
+                      <a:r>
+                        <a:rPr lang="en-US" dirty="0" err="1"/>
+                        <a:t>CMDlet</a:t>
+                      </a:r>
+                      <a:endParaRPr lang="en-US" dirty="0"/>
+                    </a:p>
+                  </a:txBody>
+                  <a:tcPr/>
+                </a:tc>
+                <a:tc>
+                  <a:txBody>
+                    <a:bodyPr/>
+                    <a:lstStyle/>
+                    <a:p>
+                      <a:r>
+                        <a:rPr lang="en-US" dirty="0"/>
+                        <a:t>Explanation</a:t>
+                      </a:r>
+                    </a:p>
+                  </a:txBody>
+                  <a:tcPr/>
+                </a:tc>
+                <a:extLst>
+                  <a:ext uri="{0D108BD9-81ED-4DB2-BD59-A6C34878D82A}">
+                    <a16:rowId xmlns:a16="http://schemas.microsoft.com/office/drawing/2014/main" val="2542823122"/>
+                  </a:ext>
+                </a:extLst>
+              </a:tr>
+              <a:tr h="370840">
+                <a:tc>
+                  <a:txBody>
+                    <a:bodyPr/>
+                    <a:lstStyle/>
+                    <a:p>
+                      <a:r>
+                        <a:rPr lang="en-US" dirty="0"/>
+                        <a:t>docker --help</a:t>
+                      </a:r>
+                    </a:p>
+                  </a:txBody>
+                  <a:tcPr/>
+                </a:tc>
+                <a:tc>
+                  <a:txBody>
+                    <a:bodyPr/>
+                    <a:lstStyle/>
+                    <a:p>
+                      <a:r>
+                        <a:rPr lang="en-US" dirty="0"/>
+                        <a:t>You already guess it</a:t>
+                      </a:r>
+                    </a:p>
+                  </a:txBody>
+                  <a:tcPr/>
+                </a:tc>
+                <a:extLst>
+                  <a:ext uri="{0D108BD9-81ED-4DB2-BD59-A6C34878D82A}">
+                    <a16:rowId xmlns:a16="http://schemas.microsoft.com/office/drawing/2014/main" val="604010420"/>
+                  </a:ext>
+                </a:extLst>
+              </a:tr>
+              <a:tr h="370840">
+                <a:tc>
+                  <a:txBody>
+                    <a:bodyPr/>
+                    <a:lstStyle/>
+                    <a:p>
+                      <a:r>
+                        <a:rPr lang="en-US" dirty="0"/>
+                        <a:t>docker </a:t>
+                      </a:r>
+                      <a:r>
+                        <a:rPr lang="en-US" dirty="0" err="1"/>
+                        <a:t>ps</a:t>
+                      </a:r>
+                      <a:endParaRPr lang="en-US" dirty="0"/>
+                    </a:p>
+                  </a:txBody>
+                  <a:tcPr/>
+                </a:tc>
+                <a:tc>
+                  <a:txBody>
+                    <a:bodyPr/>
+                    <a:lstStyle/>
+                    <a:p>
+                      <a:r>
+                        <a:rPr lang="en-US" dirty="0"/>
+                        <a:t>Show running docker containers</a:t>
+                      </a:r>
+                    </a:p>
+                  </a:txBody>
+                  <a:tcPr/>
+                </a:tc>
+                <a:extLst>
+                  <a:ext uri="{0D108BD9-81ED-4DB2-BD59-A6C34878D82A}">
+                    <a16:rowId xmlns:a16="http://schemas.microsoft.com/office/drawing/2014/main" val="1068479353"/>
+                  </a:ext>
+                </a:extLst>
+              </a:tr>
+              <a:tr h="370840">
+                <a:tc>
+                  <a:txBody>
+                    <a:bodyPr/>
+                    <a:lstStyle/>
+                    <a:p>
+                      <a:r>
+                        <a:rPr lang="en-US" dirty="0"/>
+                        <a:t>docker </a:t>
+                      </a:r>
+                      <a:r>
+                        <a:rPr lang="en-US" dirty="0" err="1"/>
+                        <a:t>ps</a:t>
+                      </a:r>
+                      <a:r>
+                        <a:rPr lang="en-US" dirty="0"/>
+                        <a:t> -a</a:t>
+                      </a:r>
+                    </a:p>
+                  </a:txBody>
+                  <a:tcPr/>
+                </a:tc>
+                <a:tc>
+                  <a:txBody>
+                    <a:bodyPr/>
+                    <a:lstStyle/>
+                    <a:p>
+                      <a:r>
+                        <a:rPr lang="en-US" dirty="0"/>
+                        <a:t>Show all existing containers (including stopped)</a:t>
+                      </a:r>
+                    </a:p>
+                  </a:txBody>
+                  <a:tcPr/>
+                </a:tc>
+                <a:extLst>
+                  <a:ext uri="{0D108BD9-81ED-4DB2-BD59-A6C34878D82A}">
+                    <a16:rowId xmlns:a16="http://schemas.microsoft.com/office/drawing/2014/main" val="509546591"/>
+                  </a:ext>
+                </a:extLst>
+              </a:tr>
+              <a:tr h="370840">
+                <a:tc>
+                  <a:txBody>
+                    <a:bodyPr/>
+                    <a:lstStyle/>
+                    <a:p>
+                      <a:r>
+                        <a:rPr lang="en-US" dirty="0"/>
+                        <a:t>docker images</a:t>
+                      </a:r>
+                    </a:p>
+                  </a:txBody>
+                  <a:tcPr/>
+                </a:tc>
+                <a:tc>
+                  <a:txBody>
+                    <a:bodyPr/>
+                    <a:lstStyle/>
+                    <a:p>
+                      <a:r>
+                        <a:rPr lang="en-US" dirty="0"/>
+                        <a:t>Show all local images</a:t>
+                      </a:r>
+                    </a:p>
+                  </a:txBody>
+                  <a:tcPr/>
+                </a:tc>
+                <a:extLst>
+                  <a:ext uri="{0D108BD9-81ED-4DB2-BD59-A6C34878D82A}">
+                    <a16:rowId xmlns:a16="http://schemas.microsoft.com/office/drawing/2014/main" val="2294922114"/>
+                  </a:ext>
+                </a:extLst>
+              </a:tr>
+              <a:tr h="370840">
+                <a:tc>
+                  <a:txBody>
+                    <a:bodyPr/>
+                    <a:lstStyle/>
+                    <a:p>
+                      <a:r>
+                        <a:rPr lang="de-DE" dirty="0" err="1"/>
+                        <a:t>docker</a:t>
+                      </a:r>
+                      <a:r>
+                        <a:rPr lang="de-DE" dirty="0"/>
+                        <a:t> </a:t>
+                      </a:r>
+                      <a:r>
+                        <a:rPr lang="de-DE" dirty="0" err="1"/>
+                        <a:t>run</a:t>
+                      </a:r>
+                      <a:r>
+                        <a:rPr lang="de-DE" dirty="0"/>
+                        <a:t> –</a:t>
+                      </a:r>
+                      <a:r>
+                        <a:rPr lang="de-DE" dirty="0" err="1"/>
+                        <a:t>ti</a:t>
+                      </a:r>
+                      <a:r>
+                        <a:rPr lang="de-DE" dirty="0"/>
+                        <a:t> </a:t>
+                      </a:r>
+                      <a:r>
+                        <a:rPr lang="en-US" dirty="0"/>
+                        <a:t>[image[:version]]</a:t>
+                      </a:r>
+                    </a:p>
+                  </a:txBody>
+                  <a:tcPr/>
+                </a:tc>
+                <a:tc>
+                  <a:txBody>
+                    <a:bodyPr/>
+                    <a:lstStyle/>
+                    <a:p>
+                      <a:r>
+                        <a:rPr lang="de-DE" dirty="0"/>
+                        <a:t>Start a </a:t>
+                      </a:r>
+                      <a:r>
+                        <a:rPr lang="de-DE" dirty="0" err="1"/>
+                        <a:t>new</a:t>
+                      </a:r>
+                      <a:r>
+                        <a:rPr lang="de-DE" dirty="0"/>
+                        <a:t> </a:t>
+                      </a:r>
+                      <a:r>
+                        <a:rPr lang="de-DE" dirty="0" err="1"/>
+                        <a:t>interactive</a:t>
+                      </a:r>
+                      <a:r>
+                        <a:rPr lang="de-DE" dirty="0"/>
+                        <a:t> </a:t>
+                      </a:r>
+                      <a:r>
+                        <a:rPr lang="de-DE" dirty="0" err="1"/>
+                        <a:t>container</a:t>
+                      </a:r>
+                      <a:endParaRPr lang="en-US" dirty="0"/>
+                    </a:p>
+                  </a:txBody>
+                  <a:tcPr/>
+                </a:tc>
+                <a:extLst>
+                  <a:ext uri="{0D108BD9-81ED-4DB2-BD59-A6C34878D82A}">
+                    <a16:rowId xmlns:a16="http://schemas.microsoft.com/office/drawing/2014/main" val="3024765622"/>
+                  </a:ext>
+                </a:extLst>
+              </a:tr>
+              <a:tr h="370840">
+                <a:tc>
+                  <a:txBody>
+                    <a:bodyPr/>
+                    <a:lstStyle/>
+                    <a:p>
+                      <a:r>
+                        <a:rPr lang="de-DE" dirty="0" err="1"/>
+                        <a:t>docker</a:t>
+                      </a:r>
+                      <a:r>
+                        <a:rPr lang="de-DE" dirty="0"/>
+                        <a:t> </a:t>
+                      </a:r>
+                      <a:r>
+                        <a:rPr lang="de-DE" dirty="0" err="1"/>
+                        <a:t>run</a:t>
+                      </a:r>
+                      <a:r>
+                        <a:rPr lang="de-DE" dirty="0"/>
+                        <a:t> </a:t>
+                      </a:r>
+                      <a:r>
+                        <a:rPr lang="en-US" dirty="0"/>
+                        <a:t>–d [image[:version]]</a:t>
+                      </a:r>
+                    </a:p>
+                  </a:txBody>
+                  <a:tcPr/>
+                </a:tc>
+                <a:tc>
+                  <a:txBody>
+                    <a:bodyPr/>
+                    <a:lstStyle/>
+                    <a:p>
+                      <a:r>
+                        <a:rPr lang="en-US" dirty="0"/>
+                        <a:t>Start a new container in </a:t>
+                      </a:r>
+                      <a:r>
+                        <a:rPr lang="en-US" dirty="0" err="1"/>
+                        <a:t>deamon</a:t>
+                      </a:r>
+                      <a:r>
+                        <a:rPr lang="en-US" dirty="0"/>
+                        <a:t> mode (in background)</a:t>
+                      </a:r>
+                    </a:p>
+                  </a:txBody>
+                  <a:tcPr/>
+                </a:tc>
+                <a:extLst>
+                  <a:ext uri="{0D108BD9-81ED-4DB2-BD59-A6C34878D82A}">
+                    <a16:rowId xmlns:a16="http://schemas.microsoft.com/office/drawing/2014/main" val="3067705314"/>
+                  </a:ext>
+                </a:extLst>
+              </a:tr>
+              <a:tr h="370840">
+                <a:tc>
+                  <a:txBody>
+                    <a:bodyPr/>
+                    <a:lstStyle/>
+                    <a:p>
+                      <a:r>
+                        <a:rPr lang="en-US" dirty="0"/>
+                        <a:t>docker </a:t>
+                      </a:r>
+                      <a:r>
+                        <a:rPr lang="en-US" dirty="0" err="1"/>
+                        <a:t>rm</a:t>
+                      </a:r>
+                      <a:r>
+                        <a:rPr lang="en-US" dirty="0"/>
+                        <a:t> [container id/name]</a:t>
+                      </a:r>
+                    </a:p>
+                  </a:txBody>
+                  <a:tcPr/>
+                </a:tc>
+                <a:tc>
+                  <a:txBody>
+                    <a:bodyPr/>
+                    <a:lstStyle/>
+                    <a:p>
+                      <a:r>
+                        <a:rPr lang="en-US" dirty="0"/>
+                        <a:t>Removes an existing container if it is stopped</a:t>
+                      </a:r>
+                    </a:p>
+                  </a:txBody>
+                  <a:tcPr/>
+                </a:tc>
+                <a:extLst>
+                  <a:ext uri="{0D108BD9-81ED-4DB2-BD59-A6C34878D82A}">
+                    <a16:rowId xmlns:a16="http://schemas.microsoft.com/office/drawing/2014/main" val="1620660193"/>
+                  </a:ext>
+                </a:extLst>
+              </a:tr>
+              <a:tr h="370840">
+                <a:tc>
+                  <a:txBody>
+                    <a:bodyPr/>
+                    <a:lstStyle/>
+                    <a:p>
+                      <a:r>
+                        <a:rPr lang="en-US" dirty="0"/>
+                        <a:t>docker </a:t>
+                      </a:r>
+                      <a:r>
+                        <a:rPr lang="en-US" dirty="0" err="1"/>
+                        <a:t>rm</a:t>
+                      </a:r>
+                      <a:r>
+                        <a:rPr lang="en-US" dirty="0"/>
+                        <a:t> –f [container id/name]</a:t>
+                      </a:r>
+                    </a:p>
+                  </a:txBody>
+                  <a:tcPr/>
+                </a:tc>
+                <a:tc>
+                  <a:txBody>
+                    <a:bodyPr/>
+                    <a:lstStyle/>
+                    <a:p>
+                      <a:r>
+                        <a:rPr lang="en-US" dirty="0"/>
+                        <a:t>Removes an existing container even it is still running</a:t>
+                      </a:r>
+                    </a:p>
+                  </a:txBody>
+                  <a:tcPr/>
+                </a:tc>
+                <a:extLst>
+                  <a:ext uri="{0D108BD9-81ED-4DB2-BD59-A6C34878D82A}">
+                    <a16:rowId xmlns:a16="http://schemas.microsoft.com/office/drawing/2014/main" val="507482156"/>
+                  </a:ext>
+                </a:extLst>
+              </a:tr>
+              <a:tr h="370840">
+                <a:tc>
+                  <a:txBody>
+                    <a:bodyPr/>
+                    <a:lstStyle/>
+                    <a:p>
+                      <a:r>
+                        <a:rPr lang="en-US" dirty="0"/>
+                        <a:t>docker exec –</a:t>
+                      </a:r>
+                      <a:r>
+                        <a:rPr lang="en-US" dirty="0" err="1"/>
+                        <a:t>ti</a:t>
+                      </a:r>
+                      <a:r>
+                        <a:rPr lang="en-US" dirty="0"/>
+                        <a:t> [container id/name] /bin/bash</a:t>
+                      </a:r>
+                    </a:p>
+                  </a:txBody>
+                  <a:tcPr/>
+                </a:tc>
+                <a:tc>
+                  <a:txBody>
+                    <a:bodyPr/>
+                    <a:lstStyle/>
+                    <a:p>
+                      <a:r>
+                        <a:rPr lang="en-US" dirty="0"/>
+                        <a:t>Attaches a Bash instance to a running container</a:t>
+                      </a:r>
+                    </a:p>
+                  </a:txBody>
+                  <a:tcPr/>
+                </a:tc>
+                <a:extLst>
+                  <a:ext uri="{0D108BD9-81ED-4DB2-BD59-A6C34878D82A}">
+                    <a16:rowId xmlns:a16="http://schemas.microsoft.com/office/drawing/2014/main" val="1895492713"/>
+                  </a:ext>
+                </a:extLst>
+              </a:tr>
+            </a:tbl>
+          </a:graphicData>
+        </a:graphic>
+      </p:graphicFrame>
+    </p:spTree>
+    <p:extLst>
+      <p:ext uri="{BB962C8B-B14F-4D97-AF65-F5344CB8AC3E}">
+        <p14:creationId xmlns:p14="http://schemas.microsoft.com/office/powerpoint/2010/main" val="1904775372"/>
+      </p:ext>
+    </p:extLst>
+  </p:cSld>
+  <p:clrMapOvr>
+    <a:masterClrMapping/>
+  </p:clrMapOvr>
+</p:sld>
+</file>
+
+<file path=ppt/slides/slide11.xml><?xml version="1.0" encoding="utf-8"?>
+<p:sld xmlns:a="http://schemas.openxmlformats.org/drawingml/2006/main" xmlns:r="http://schemas.openxmlformats.org/officeDocument/2006/relationships" xmlns:p="http://schemas.openxmlformats.org/presentationml/2006/main">
+  <p:cSld>
+    <p:spTree>
+      <p:nvGrpSpPr>
+        <p:cNvPr id="1" name=""/>
+        <p:cNvGrpSpPr/>
+        <p:nvPr/>
+      </p:nvGrpSpPr>
+      <p:grpSpPr>
+        <a:xfrm>
+          <a:off x="0" y="0"/>
+          <a:ext cx="0" cy="0"/>
+          <a:chOff x="0" y="0"/>
+          <a:chExt cx="0" cy="0"/>
+        </a:xfrm>
+      </p:grpSpPr>
+      <p:sp>
+        <p:nvSpPr>
+          <p:cNvPr id="4" name="Titel 3">
+            <a:extLst>
+              <a:ext uri="{FF2B5EF4-FFF2-40B4-BE49-F238E27FC236}">
+                <a16:creationId xmlns:a16="http://schemas.microsoft.com/office/drawing/2014/main" id="{AC8483F6-722D-42BD-86DC-82E8819533EC}"/>
+              </a:ext>
+            </a:extLst>
+          </p:cNvPr>
+          <p:cNvSpPr>
+            <a:spLocks noGrp="1"/>
+          </p:cNvSpPr>
+          <p:nvPr>
+            <p:ph type="title"/>
+          </p:nvPr>
+        </p:nvSpPr>
+        <p:spPr/>
+        <p:txBody>
+          <a:bodyPr/>
+          <a:lstStyle/>
+          <a:p>
+            <a:r>
+              <a:rPr lang="en-US" dirty="0"/>
+              <a:t>Docker CLI</a:t>
+            </a:r>
+          </a:p>
+        </p:txBody>
+      </p:sp>
+      <p:graphicFrame>
+        <p:nvGraphicFramePr>
+          <p:cNvPr id="6" name="Inhaltsplatzhalter 5">
+            <a:extLst>
+              <a:ext uri="{FF2B5EF4-FFF2-40B4-BE49-F238E27FC236}">
+                <a16:creationId xmlns:a16="http://schemas.microsoft.com/office/drawing/2014/main" id="{48F12EEA-7A9F-4E84-881E-E337D373D42D}"/>
+              </a:ext>
+            </a:extLst>
+          </p:cNvPr>
+          <p:cNvGraphicFramePr>
+            <a:graphicFrameLocks noGrp="1"/>
+          </p:cNvGraphicFramePr>
+          <p:nvPr>
+            <p:ph idx="1"/>
+            <p:extLst>
+              <p:ext uri="{D42A27DB-BD31-4B8C-83A1-F6EECF244321}">
+                <p14:modId xmlns:p14="http://schemas.microsoft.com/office/powerpoint/2010/main" val="3154912183"/>
+              </p:ext>
+            </p:extLst>
+          </p:nvPr>
+        </p:nvGraphicFramePr>
+        <p:xfrm>
+          <a:off x="258763" y="1403350"/>
+          <a:ext cx="8697912" cy="1112520"/>
+        </p:xfrm>
+        <a:graphic>
+          <a:graphicData uri="http://schemas.openxmlformats.org/drawingml/2006/table">
+            <a:tbl>
+              <a:tblPr firstRow="1" bandRow="1">
+                <a:tableStyleId>{5C22544A-7EE6-4342-B048-85BDC9FD1C3A}</a:tableStyleId>
+              </a:tblPr>
+              <a:tblGrid>
+                <a:gridCol w="4348956">
+                  <a:extLst>
+                    <a:ext uri="{9D8B030D-6E8A-4147-A177-3AD203B41FA5}">
+                      <a16:colId xmlns:a16="http://schemas.microsoft.com/office/drawing/2014/main" val="1990419010"/>
+                    </a:ext>
+                  </a:extLst>
+                </a:gridCol>
+                <a:gridCol w="4348956">
+                  <a:extLst>
+                    <a:ext uri="{9D8B030D-6E8A-4147-A177-3AD203B41FA5}">
+                      <a16:colId xmlns:a16="http://schemas.microsoft.com/office/drawing/2014/main" val="1714808340"/>
+                    </a:ext>
+                  </a:extLst>
+                </a:gridCol>
+              </a:tblGrid>
+              <a:tr h="370840">
+                <a:tc>
+                  <a:txBody>
+                    <a:bodyPr/>
+                    <a:lstStyle/>
+                    <a:p>
+                      <a:r>
+                        <a:rPr lang="en-US" dirty="0" err="1"/>
+                        <a:t>CMDlet</a:t>
+                      </a:r>
+                      <a:endParaRPr lang="en-US" dirty="0"/>
+                    </a:p>
+                  </a:txBody>
+                  <a:tcPr/>
+                </a:tc>
+                <a:tc>
+                  <a:txBody>
+                    <a:bodyPr/>
+                    <a:lstStyle/>
+                    <a:p>
+                      <a:r>
+                        <a:rPr lang="en-US" dirty="0"/>
+                        <a:t>Explanation</a:t>
+                      </a:r>
+                    </a:p>
+                  </a:txBody>
+                  <a:tcPr/>
+                </a:tc>
+                <a:extLst>
+                  <a:ext uri="{0D108BD9-81ED-4DB2-BD59-A6C34878D82A}">
+                    <a16:rowId xmlns:a16="http://schemas.microsoft.com/office/drawing/2014/main" val="4147632975"/>
+                  </a:ext>
+                </a:extLst>
+              </a:tr>
+              <a:tr h="370840">
+                <a:tc>
+                  <a:txBody>
+                    <a:bodyPr/>
+                    <a:lstStyle/>
+                    <a:p>
+                      <a:pPr marL="0" marR="0" lvl="0" indent="0" algn="l" defTabSz="844083" rtl="0" eaLnBrk="1" fontAlgn="auto" latinLnBrk="0" hangingPunct="1">
+                        <a:lnSpc>
+                          <a:spcPct val="100000"/>
+                        </a:lnSpc>
+                        <a:spcBef>
+                          <a:spcPts val="0"/>
+                        </a:spcBef>
+                        <a:spcAft>
+                          <a:spcPts val="0"/>
+                        </a:spcAft>
+                        <a:buClrTx/>
+                        <a:buSzTx/>
+                        <a:buFontTx/>
+                        <a:buNone/>
+                        <a:tabLst/>
+                        <a:defRPr/>
+                      </a:pPr>
+                      <a:r>
+                        <a:rPr lang="en-US" dirty="0"/>
+                        <a:t>docker </a:t>
+                      </a:r>
+                      <a:r>
+                        <a:rPr lang="en-US" dirty="0" err="1"/>
+                        <a:t>rmi</a:t>
+                      </a:r>
+                      <a:r>
+                        <a:rPr lang="en-US" dirty="0"/>
+                        <a:t> [image id]</a:t>
+                      </a:r>
+                    </a:p>
+                  </a:txBody>
+                  <a:tcPr/>
+                </a:tc>
+                <a:tc>
+                  <a:txBody>
+                    <a:bodyPr/>
+                    <a:lstStyle/>
+                    <a:p>
+                      <a:pPr marL="0" marR="0" lvl="0" indent="0" algn="l" defTabSz="844083" rtl="0" eaLnBrk="1" fontAlgn="auto" latinLnBrk="0" hangingPunct="1">
+                        <a:lnSpc>
+                          <a:spcPct val="100000"/>
+                        </a:lnSpc>
+                        <a:spcBef>
+                          <a:spcPts val="0"/>
+                        </a:spcBef>
+                        <a:spcAft>
+                          <a:spcPts val="0"/>
+                        </a:spcAft>
+                        <a:buClrTx/>
+                        <a:buSzTx/>
+                        <a:buFontTx/>
+                        <a:buNone/>
+                        <a:tabLst/>
+                        <a:defRPr/>
+                      </a:pPr>
+                      <a:r>
+                        <a:rPr lang="en-US" dirty="0"/>
+                        <a:t>Removes a local container image</a:t>
+                      </a:r>
+                    </a:p>
+                  </a:txBody>
+                  <a:tcPr/>
+                </a:tc>
+                <a:extLst>
+                  <a:ext uri="{0D108BD9-81ED-4DB2-BD59-A6C34878D82A}">
+                    <a16:rowId xmlns:a16="http://schemas.microsoft.com/office/drawing/2014/main" val="4019802846"/>
+                  </a:ext>
+                </a:extLst>
+              </a:tr>
+              <a:tr h="370840">
+                <a:tc>
+                  <a:txBody>
+                    <a:bodyPr/>
+                    <a:lstStyle/>
+                    <a:p>
+                      <a:pPr marL="0" marR="0" lvl="0" indent="0" algn="l" defTabSz="844083" rtl="0" eaLnBrk="1" fontAlgn="auto" latinLnBrk="0" hangingPunct="1">
+                        <a:lnSpc>
+                          <a:spcPct val="100000"/>
+                        </a:lnSpc>
+                        <a:spcBef>
+                          <a:spcPts val="0"/>
+                        </a:spcBef>
+                        <a:spcAft>
+                          <a:spcPts val="0"/>
+                        </a:spcAft>
+                        <a:buClrTx/>
+                        <a:buSzTx/>
+                        <a:buFontTx/>
+                        <a:buNone/>
+                        <a:tabLst/>
+                        <a:defRPr/>
+                      </a:pPr>
+                      <a:r>
+                        <a:rPr lang="en-US" dirty="0"/>
+                        <a:t>docker stop [container id/name]</a:t>
+                      </a:r>
+                    </a:p>
+                  </a:txBody>
+                  <a:tcPr/>
+                </a:tc>
+                <a:tc>
+                  <a:txBody>
+                    <a:bodyPr/>
+                    <a:lstStyle/>
+                    <a:p>
+                      <a:pPr marL="0" marR="0" lvl="0" indent="0" algn="l" defTabSz="844083" rtl="0" eaLnBrk="1" fontAlgn="auto" latinLnBrk="0" hangingPunct="1">
+                        <a:lnSpc>
+                          <a:spcPct val="100000"/>
+                        </a:lnSpc>
+                        <a:spcBef>
+                          <a:spcPts val="0"/>
+                        </a:spcBef>
+                        <a:spcAft>
+                          <a:spcPts val="0"/>
+                        </a:spcAft>
+                        <a:buClrTx/>
+                        <a:buSzTx/>
+                        <a:buFontTx/>
+                        <a:buNone/>
+                        <a:tabLst/>
+                        <a:defRPr/>
+                      </a:pPr>
+                      <a:r>
+                        <a:rPr lang="en-US" dirty="0"/>
+                        <a:t>Stops a running container</a:t>
+                      </a:r>
+                    </a:p>
+                  </a:txBody>
+                  <a:tcPr/>
+                </a:tc>
+                <a:extLst>
+                  <a:ext uri="{0D108BD9-81ED-4DB2-BD59-A6C34878D82A}">
+                    <a16:rowId xmlns:a16="http://schemas.microsoft.com/office/drawing/2014/main" val="3336913469"/>
+                  </a:ext>
+                </a:extLst>
+              </a:tr>
+            </a:tbl>
+          </a:graphicData>
+        </a:graphic>
+      </p:graphicFrame>
+    </p:spTree>
+    <p:extLst>
+      <p:ext uri="{BB962C8B-B14F-4D97-AF65-F5344CB8AC3E}">
+        <p14:creationId xmlns:p14="http://schemas.microsoft.com/office/powerpoint/2010/main" val="4247175017"/>
+      </p:ext>
+    </p:extLst>
+  </p:cSld>
+  <p:clrMapOvr>
+    <a:masterClrMapping/>
+  </p:clrMapOvr>
+</p:sld>
+</file>
+
+<file path=ppt/slides/slide12.xml><?xml version="1.0" encoding="utf-8"?>
+<p:sld xmlns:a="http://schemas.openxmlformats.org/drawingml/2006/main" xmlns:r="http://schemas.openxmlformats.org/officeDocument/2006/relationships" xmlns:p="http://schemas.openxmlformats.org/presentationml/2006/main">
+  <p:cSld>
+    <p:spTree>
+      <p:nvGrpSpPr>
+        <p:cNvPr id="1" name=""/>
+        <p:cNvGrpSpPr/>
+        <p:nvPr/>
+      </p:nvGrpSpPr>
+      <p:grpSpPr>
+        <a:xfrm>
+          <a:off x="0" y="0"/>
+          <a:ext cx="0" cy="0"/>
+          <a:chOff x="0" y="0"/>
+          <a:chExt cx="0" cy="0"/>
+        </a:xfrm>
+      </p:grpSpPr>
+      <p:sp>
+        <p:nvSpPr>
+          <p:cNvPr id="4" name="Titel 3">
+            <a:extLst>
+              <a:ext uri="{FF2B5EF4-FFF2-40B4-BE49-F238E27FC236}">
+                <a16:creationId xmlns:a16="http://schemas.microsoft.com/office/drawing/2014/main" id="{5F411014-FC56-4D37-B1CD-4F671A991C9E}"/>
+              </a:ext>
+            </a:extLst>
+          </p:cNvPr>
+          <p:cNvSpPr>
+            <a:spLocks noGrp="1"/>
+          </p:cNvSpPr>
+          <p:nvPr>
+            <p:ph type="title"/>
+          </p:nvPr>
+        </p:nvSpPr>
+        <p:spPr/>
+        <p:txBody>
+          <a:bodyPr/>
+          <a:lstStyle/>
+          <a:p>
+            <a:r>
+              <a:rPr lang="en-US" dirty="0"/>
+              <a:t>Docker CLI – Build u. Registry</a:t>
+            </a:r>
+          </a:p>
+        </p:txBody>
+      </p:sp>
+      <p:graphicFrame>
+        <p:nvGraphicFramePr>
+          <p:cNvPr id="6" name="Inhaltsplatzhalter 5">
+            <a:extLst>
+              <a:ext uri="{FF2B5EF4-FFF2-40B4-BE49-F238E27FC236}">
+                <a16:creationId xmlns:a16="http://schemas.microsoft.com/office/drawing/2014/main" id="{BFE2FEDD-7514-4531-9E78-4C1449803679}"/>
+              </a:ext>
+            </a:extLst>
+          </p:cNvPr>
+          <p:cNvGraphicFramePr>
+            <a:graphicFrameLocks noGrp="1"/>
+          </p:cNvGraphicFramePr>
+          <p:nvPr>
+            <p:ph idx="1"/>
+            <p:extLst>
+              <p:ext uri="{D42A27DB-BD31-4B8C-83A1-F6EECF244321}">
+                <p14:modId xmlns:p14="http://schemas.microsoft.com/office/powerpoint/2010/main" val="1189490542"/>
+              </p:ext>
+            </p:extLst>
+          </p:nvPr>
+        </p:nvGraphicFramePr>
+        <p:xfrm>
+          <a:off x="258763" y="1403350"/>
+          <a:ext cx="8697912" cy="2535809"/>
+        </p:xfrm>
+        <a:graphic>
+          <a:graphicData uri="http://schemas.openxmlformats.org/drawingml/2006/table">
+            <a:tbl>
+              <a:tblPr firstRow="1" bandRow="1">
+                <a:tableStyleId>{5C22544A-7EE6-4342-B048-85BDC9FD1C3A}</a:tableStyleId>
+              </a:tblPr>
+              <a:tblGrid>
+                <a:gridCol w="4348956">
+                  <a:extLst>
+                    <a:ext uri="{9D8B030D-6E8A-4147-A177-3AD203B41FA5}">
+                      <a16:colId xmlns:a16="http://schemas.microsoft.com/office/drawing/2014/main" val="2655087824"/>
+                    </a:ext>
+                  </a:extLst>
+                </a:gridCol>
+                <a:gridCol w="4348956">
+                  <a:extLst>
+                    <a:ext uri="{9D8B030D-6E8A-4147-A177-3AD203B41FA5}">
+                      <a16:colId xmlns:a16="http://schemas.microsoft.com/office/drawing/2014/main" val="2564732460"/>
+                    </a:ext>
+                  </a:extLst>
+                </a:gridCol>
+              </a:tblGrid>
+              <a:tr h="370840">
+                <a:tc>
+                  <a:txBody>
+                    <a:bodyPr/>
+                    <a:lstStyle/>
+                    <a:p>
+                      <a:r>
+                        <a:rPr lang="en-US" dirty="0" err="1"/>
+                        <a:t>CMDlet</a:t>
+                      </a:r>
+                      <a:endParaRPr lang="en-US" dirty="0"/>
+                    </a:p>
+                  </a:txBody>
+                  <a:tcPr/>
+                </a:tc>
+                <a:tc>
+                  <a:txBody>
+                    <a:bodyPr/>
+                    <a:lstStyle/>
+                    <a:p>
+                      <a:r>
+                        <a:rPr lang="en-US" dirty="0"/>
+                        <a:t>Explanation</a:t>
+                      </a:r>
+                    </a:p>
+                  </a:txBody>
+                  <a:tcPr/>
+                </a:tc>
+                <a:extLst>
+                  <a:ext uri="{0D108BD9-81ED-4DB2-BD59-A6C34878D82A}">
+                    <a16:rowId xmlns:a16="http://schemas.microsoft.com/office/drawing/2014/main" val="633164759"/>
+                  </a:ext>
+                </a:extLst>
+              </a:tr>
+              <a:tr h="370840">
+                <a:tc>
+                  <a:txBody>
+                    <a:bodyPr/>
+                    <a:lstStyle/>
+                    <a:p>
+                      <a:r>
+                        <a:rPr lang="en-US" dirty="0"/>
+                        <a:t>docker build [[registry/]user/image name]</a:t>
+                      </a:r>
+                    </a:p>
+                  </a:txBody>
+                  <a:tcPr/>
+                </a:tc>
+                <a:tc>
+                  <a:txBody>
+                    <a:bodyPr/>
+                    <a:lstStyle/>
+                    <a:p>
+                      <a:r>
+                        <a:rPr lang="en-US" dirty="0"/>
+                        <a:t>Create a new container based on a </a:t>
+                      </a:r>
+                      <a:r>
+                        <a:rPr lang="en-US" dirty="0" err="1"/>
+                        <a:t>Dockerfile</a:t>
+                      </a:r>
+                      <a:r>
+                        <a:rPr lang="en-US" dirty="0"/>
+                        <a:t> in the same directory</a:t>
+                      </a:r>
+                    </a:p>
+                  </a:txBody>
+                  <a:tcPr/>
+                </a:tc>
+                <a:extLst>
+                  <a:ext uri="{0D108BD9-81ED-4DB2-BD59-A6C34878D82A}">
+                    <a16:rowId xmlns:a16="http://schemas.microsoft.com/office/drawing/2014/main" val="2804900120"/>
+                  </a:ext>
+                </a:extLst>
+              </a:tr>
+              <a:tr h="370840">
+                <a:tc>
+                  <a:txBody>
+                    <a:bodyPr/>
+                    <a:lstStyle/>
+                    <a:p>
+                      <a:r>
+                        <a:rPr lang="en-US" dirty="0"/>
+                        <a:t>docker build [[registry/]user/image </a:t>
+                      </a:r>
+                      <a:r>
+                        <a:rPr lang="en-US" dirty="0" err="1"/>
+                        <a:t>name:tag</a:t>
+                      </a:r>
+                      <a:r>
+                        <a:rPr lang="en-US" dirty="0"/>
+                        <a:t>]</a:t>
+                      </a:r>
+                    </a:p>
+                  </a:txBody>
+                  <a:tcPr/>
+                </a:tc>
+                <a:tc>
+                  <a:txBody>
+                    <a:bodyPr/>
+                    <a:lstStyle/>
+                    <a:p>
+                      <a:r>
+                        <a:rPr lang="en-US" dirty="0"/>
+                        <a:t>Create a new container based on a </a:t>
+                      </a:r>
+                      <a:r>
+                        <a:rPr lang="en-US" dirty="0" err="1"/>
+                        <a:t>Dockerfile</a:t>
+                      </a:r>
+                      <a:r>
+                        <a:rPr lang="en-US" dirty="0"/>
+                        <a:t> and add a tag to it</a:t>
+                      </a:r>
+                    </a:p>
+                  </a:txBody>
+                  <a:tcPr/>
+                </a:tc>
+                <a:extLst>
+                  <a:ext uri="{0D108BD9-81ED-4DB2-BD59-A6C34878D82A}">
+                    <a16:rowId xmlns:a16="http://schemas.microsoft.com/office/drawing/2014/main" val="2119815060"/>
+                  </a:ext>
+                </a:extLst>
+              </a:tr>
+              <a:tr h="370840">
+                <a:tc>
+                  <a:txBody>
+                    <a:bodyPr/>
+                    <a:lstStyle/>
+                    <a:p>
+                      <a:r>
+                        <a:rPr lang="en-US" dirty="0"/>
+                        <a:t>docker push [[registry/]user/image name]</a:t>
+                      </a:r>
+                    </a:p>
+                  </a:txBody>
+                  <a:tcPr/>
+                </a:tc>
+                <a:tc>
+                  <a:txBody>
+                    <a:bodyPr/>
+                    <a:lstStyle/>
+                    <a:p>
+                      <a:r>
+                        <a:rPr lang="en-US" dirty="0"/>
+                        <a:t>Push a built image to a registry (default is Docker Hub)</a:t>
+                      </a:r>
+                    </a:p>
+                  </a:txBody>
+                  <a:tcPr/>
+                </a:tc>
+                <a:extLst>
+                  <a:ext uri="{0D108BD9-81ED-4DB2-BD59-A6C34878D82A}">
+                    <a16:rowId xmlns:a16="http://schemas.microsoft.com/office/drawing/2014/main" val="1501997501"/>
+                  </a:ext>
+                </a:extLst>
+              </a:tr>
+              <a:tr h="370840">
+                <a:tc>
+                  <a:txBody>
+                    <a:bodyPr/>
+                    <a:lstStyle/>
+                    <a:p>
+                      <a:r>
+                        <a:rPr lang="en-US" dirty="0"/>
+                        <a:t>docker login [registry </a:t>
+                      </a:r>
+                      <a:r>
+                        <a:rPr lang="en-US" dirty="0" err="1"/>
+                        <a:t>url</a:t>
+                      </a:r>
+                      <a:r>
+                        <a:rPr lang="en-US" dirty="0"/>
+                        <a:t>]</a:t>
+                      </a:r>
+                    </a:p>
+                  </a:txBody>
+                  <a:tcPr/>
+                </a:tc>
+                <a:tc>
+                  <a:txBody>
+                    <a:bodyPr/>
+                    <a:lstStyle/>
+                    <a:p>
+                      <a:r>
+                        <a:rPr lang="en-US" dirty="0"/>
+                        <a:t>Login to a private </a:t>
+                      </a:r>
+                      <a:r>
+                        <a:rPr lang="en-US"/>
+                        <a:t>Docker registry</a:t>
+                      </a:r>
+                      <a:endParaRPr lang="en-US" dirty="0"/>
+                    </a:p>
+                  </a:txBody>
+                  <a:tcPr/>
+                </a:tc>
+                <a:extLst>
+                  <a:ext uri="{0D108BD9-81ED-4DB2-BD59-A6C34878D82A}">
+                    <a16:rowId xmlns:a16="http://schemas.microsoft.com/office/drawing/2014/main" val="1830263308"/>
+                  </a:ext>
+                </a:extLst>
+              </a:tr>
+            </a:tbl>
+          </a:graphicData>
+        </a:graphic>
+      </p:graphicFrame>
+    </p:spTree>
+    <p:extLst>
+      <p:ext uri="{BB962C8B-B14F-4D97-AF65-F5344CB8AC3E}">
+        <p14:creationId xmlns:p14="http://schemas.microsoft.com/office/powerpoint/2010/main" val="4225478545"/>
+      </p:ext>
+    </p:extLst>
+  </p:cSld>
+  <p:clrMapOvr>
+    <a:masterClrMapping/>
+  </p:clrMapOvr>
+</p:sld>
+</file>
+
 <file path=ppt/slides/slide2.xml><?xml version="1.0" encoding="utf-8"?>
 <p:sld xmlns:a="http://schemas.openxmlformats.org/drawingml/2006/main" xmlns:r="http://schemas.openxmlformats.org/officeDocument/2006/relationships" xmlns:p="http://schemas.openxmlformats.org/presentationml/2006/main">
   <p:cSld>
@@ -2895,6 +4051,20 @@
             <a:r>
               <a:rPr lang="en-US" dirty="0"/>
               <a:t>History of Docker</a:t>
+            </a:r>
+          </a:p>
+          <a:p>
+            <a:r>
+              <a:rPr lang="de-DE" dirty="0"/>
+              <a:t>W</a:t>
+            </a:r>
+            <a:r>
+              <a:rPr lang="en-US" dirty="0" err="1"/>
+              <a:t>hy</a:t>
+            </a:r>
+            <a:r>
+              <a:rPr lang="en-US" dirty="0"/>
+              <a:t> Docker?</a:t>
             </a:r>
           </a:p>
           <a:p>
@@ -6356,6 +7526,763 @@
     <p:extLst>
       <p:ext uri="{BB962C8B-B14F-4D97-AF65-F5344CB8AC3E}">
         <p14:creationId xmlns:p14="http://schemas.microsoft.com/office/powerpoint/2010/main" val="4207109832"/>
+      </p:ext>
+    </p:extLst>
+  </p:cSld>
+  <p:clrMapOvr>
+    <a:masterClrMapping/>
+  </p:clrMapOvr>
+</p:sld>
+</file>
+
+<file path=ppt/slides/slide7.xml><?xml version="1.0" encoding="utf-8"?>
+<p:sld xmlns:a="http://schemas.openxmlformats.org/drawingml/2006/main" xmlns:r="http://schemas.openxmlformats.org/officeDocument/2006/relationships" xmlns:p="http://schemas.openxmlformats.org/presentationml/2006/main">
+  <p:cSld>
+    <p:spTree>
+      <p:nvGrpSpPr>
+        <p:cNvPr id="1" name=""/>
+        <p:cNvGrpSpPr/>
+        <p:nvPr/>
+      </p:nvGrpSpPr>
+      <p:grpSpPr>
+        <a:xfrm>
+          <a:off x="0" y="0"/>
+          <a:ext cx="0" cy="0"/>
+          <a:chOff x="0" y="0"/>
+          <a:chExt cx="0" cy="0"/>
+        </a:xfrm>
+      </p:grpSpPr>
+      <p:sp>
+        <p:nvSpPr>
+          <p:cNvPr id="4" name="Titel 3">
+            <a:extLst>
+              <a:ext uri="{FF2B5EF4-FFF2-40B4-BE49-F238E27FC236}">
+                <a16:creationId xmlns:a16="http://schemas.microsoft.com/office/drawing/2014/main" id="{B9891E03-0C89-47E7-9EAC-4087A0802041}"/>
+              </a:ext>
+            </a:extLst>
+          </p:cNvPr>
+          <p:cNvSpPr>
+            <a:spLocks noGrp="1"/>
+          </p:cNvSpPr>
+          <p:nvPr>
+            <p:ph type="title"/>
+          </p:nvPr>
+        </p:nvSpPr>
+        <p:spPr/>
+        <p:txBody>
+          <a:bodyPr/>
+          <a:lstStyle/>
+          <a:p>
+            <a:endParaRPr lang="en-US"/>
+          </a:p>
+        </p:txBody>
+      </p:sp>
+      <p:pic>
+        <p:nvPicPr>
+          <p:cNvPr id="1026" name="Picture 2" descr="http://blog.cloud66.com/content/images/2015/05/56291573.jpg">
+            <a:extLst>
+              <a:ext uri="{FF2B5EF4-FFF2-40B4-BE49-F238E27FC236}">
+                <a16:creationId xmlns:a16="http://schemas.microsoft.com/office/drawing/2014/main" id="{5ED9CB51-3B53-4F8B-8491-6DD620E65709}"/>
+              </a:ext>
+            </a:extLst>
+          </p:cNvPr>
+          <p:cNvPicPr>
+            <a:picLocks noGrp="1" noChangeAspect="1" noChangeArrowheads="1"/>
+          </p:cNvPicPr>
+          <p:nvPr>
+            <p:ph idx="1"/>
+          </p:nvPr>
+        </p:nvPicPr>
+        <p:blipFill>
+          <a:blip r:embed="rId2">
+            <a:extLst>
+              <a:ext uri="{28A0092B-C50C-407E-A947-70E740481C1C}">
+                <a14:useLocalDpi xmlns:a14="http://schemas.microsoft.com/office/drawing/2010/main" val="0"/>
+              </a:ext>
+            </a:extLst>
+          </a:blip>
+          <a:srcRect/>
+          <a:stretch>
+            <a:fillRect/>
+          </a:stretch>
+        </p:blipFill>
+        <p:spPr bwMode="auto">
+          <a:xfrm>
+            <a:off x="1477563" y="2006221"/>
+            <a:ext cx="6091436" cy="3313741"/>
+          </a:xfrm>
+          <a:prstGeom prst="rect">
+            <a:avLst/>
+          </a:prstGeom>
+          <a:noFill/>
+          <a:extLst>
+            <a:ext uri="{909E8E84-426E-40DD-AFC4-6F175D3DCCD1}">
+              <a14:hiddenFill xmlns:a14="http://schemas.microsoft.com/office/drawing/2010/main">
+                <a:solidFill>
+                  <a:srgbClr val="FFFFFF"/>
+                </a:solidFill>
+              </a14:hiddenFill>
+            </a:ext>
+          </a:extLst>
+        </p:spPr>
+      </p:pic>
+    </p:spTree>
+    <p:extLst>
+      <p:ext uri="{BB962C8B-B14F-4D97-AF65-F5344CB8AC3E}">
+        <p14:creationId xmlns:p14="http://schemas.microsoft.com/office/powerpoint/2010/main" val="1577595307"/>
+      </p:ext>
+    </p:extLst>
+  </p:cSld>
+  <p:clrMapOvr>
+    <a:masterClrMapping/>
+  </p:clrMapOvr>
+</p:sld>
+</file>
+
+<file path=ppt/slides/slide8.xml><?xml version="1.0" encoding="utf-8"?>
+<p:sld xmlns:a="http://schemas.openxmlformats.org/drawingml/2006/main" xmlns:r="http://schemas.openxmlformats.org/officeDocument/2006/relationships" xmlns:p="http://schemas.openxmlformats.org/presentationml/2006/main">
+  <p:cSld>
+    <p:spTree>
+      <p:nvGrpSpPr>
+        <p:cNvPr id="1" name=""/>
+        <p:cNvGrpSpPr/>
+        <p:nvPr/>
+      </p:nvGrpSpPr>
+      <p:grpSpPr>
+        <a:xfrm>
+          <a:off x="0" y="0"/>
+          <a:ext cx="0" cy="0"/>
+          <a:chOff x="0" y="0"/>
+          <a:chExt cx="0" cy="0"/>
+        </a:xfrm>
+      </p:grpSpPr>
+      <p:sp>
+        <p:nvSpPr>
+          <p:cNvPr id="4" name="Titel 3">
+            <a:extLst>
+              <a:ext uri="{FF2B5EF4-FFF2-40B4-BE49-F238E27FC236}">
+                <a16:creationId xmlns:a16="http://schemas.microsoft.com/office/drawing/2014/main" id="{D19EDB1C-CDDB-4E32-8A50-5C7B0E8FD1C2}"/>
+              </a:ext>
+            </a:extLst>
+          </p:cNvPr>
+          <p:cNvSpPr>
+            <a:spLocks noGrp="1"/>
+          </p:cNvSpPr>
+          <p:nvPr>
+            <p:ph type="title"/>
+          </p:nvPr>
+        </p:nvSpPr>
+        <p:spPr/>
+        <p:txBody>
+          <a:bodyPr/>
+          <a:lstStyle/>
+          <a:p>
+            <a:r>
+              <a:rPr lang="de-DE" dirty="0" err="1"/>
+              <a:t>Why</a:t>
+            </a:r>
+            <a:r>
+              <a:rPr lang="de-DE" dirty="0"/>
+              <a:t> Docker</a:t>
+            </a:r>
+            <a:r>
+              <a:rPr lang="en-US" dirty="0"/>
+              <a:t>?</a:t>
+            </a:r>
+          </a:p>
+        </p:txBody>
+      </p:sp>
+      <p:sp>
+        <p:nvSpPr>
+          <p:cNvPr id="5" name="Inhaltsplatzhalter 4">
+            <a:extLst>
+              <a:ext uri="{FF2B5EF4-FFF2-40B4-BE49-F238E27FC236}">
+                <a16:creationId xmlns:a16="http://schemas.microsoft.com/office/drawing/2014/main" id="{E6ECE57B-E038-495C-80A3-3209959F9DB7}"/>
+              </a:ext>
+            </a:extLst>
+          </p:cNvPr>
+          <p:cNvSpPr>
+            <a:spLocks noGrp="1"/>
+          </p:cNvSpPr>
+          <p:nvPr>
+            <p:ph idx="1"/>
+          </p:nvPr>
+        </p:nvSpPr>
+        <p:spPr/>
+        <p:txBody>
+          <a:bodyPr/>
+          <a:lstStyle/>
+          <a:p>
+            <a:pPr marL="0" indent="0">
+              <a:buNone/>
+            </a:pPr>
+            <a:r>
+              <a:rPr lang="en-US" dirty="0"/>
+              <a:t>So after talking about pros and cons, alternative products and the history…why is Docker “the new shit”?</a:t>
+            </a:r>
+          </a:p>
+          <a:p>
+            <a:r>
+              <a:rPr lang="en-US" dirty="0"/>
+              <a:t>No more time consuming setup of servers:</a:t>
+            </a:r>
+          </a:p>
+          <a:p>
+            <a:pPr lvl="1"/>
+            <a:r>
+              <a:rPr lang="en-US" dirty="0"/>
+              <a:t>Dependencies</a:t>
+            </a:r>
+          </a:p>
+          <a:p>
+            <a:pPr lvl="1"/>
+            <a:r>
+              <a:rPr lang="en-US" dirty="0"/>
+              <a:t>Configurations</a:t>
+            </a:r>
+          </a:p>
+          <a:p>
+            <a:pPr lvl="1"/>
+            <a:r>
+              <a:rPr lang="en-US" dirty="0"/>
+              <a:t>Documentation for administrators</a:t>
+            </a:r>
+          </a:p>
+          <a:p>
+            <a:r>
+              <a:rPr lang="en-US" dirty="0"/>
+              <a:t>Every application/component can be packed in a container</a:t>
+            </a:r>
+          </a:p>
+          <a:p>
+            <a:r>
+              <a:rPr lang="en-US" dirty="0"/>
+              <a:t>Upgrades of containers are fast (if done right)</a:t>
+            </a:r>
+          </a:p>
+          <a:p>
+            <a:r>
+              <a:rPr lang="en-US" dirty="0"/>
+              <a:t>Developers do not need to setup a heavy development environment but just start a view containers (Docker-Compose!)</a:t>
+            </a:r>
+          </a:p>
+          <a:p>
+            <a:r>
+              <a:rPr lang="en-US" dirty="0"/>
+              <a:t>Administrators “just” pull the containers for production</a:t>
+            </a:r>
+          </a:p>
+          <a:p>
+            <a:r>
+              <a:rPr lang="en-US" dirty="0"/>
+              <a:t>Containers can easily scale out (think of 5 containers of the same service instead of just 1)</a:t>
+            </a:r>
+          </a:p>
+          <a:p>
+            <a:r>
+              <a:rPr lang="en-US" dirty="0"/>
+              <a:t>Rollback of an entire application/a single component is possible by switching the container version</a:t>
+            </a:r>
+          </a:p>
+        </p:txBody>
+      </p:sp>
+    </p:spTree>
+    <p:extLst>
+      <p:ext uri="{BB962C8B-B14F-4D97-AF65-F5344CB8AC3E}">
+        <p14:creationId xmlns:p14="http://schemas.microsoft.com/office/powerpoint/2010/main" val="773186593"/>
+      </p:ext>
+    </p:extLst>
+  </p:cSld>
+  <p:clrMapOvr>
+    <a:masterClrMapping/>
+  </p:clrMapOvr>
+</p:sld>
+</file>
+
+<file path=ppt/slides/slide9.xml><?xml version="1.0" encoding="utf-8"?>
+<p:sld xmlns:a="http://schemas.openxmlformats.org/drawingml/2006/main" xmlns:r="http://schemas.openxmlformats.org/officeDocument/2006/relationships" xmlns:p="http://schemas.openxmlformats.org/presentationml/2006/main">
+  <p:cSld>
+    <p:spTree>
+      <p:nvGrpSpPr>
+        <p:cNvPr id="1" name=""/>
+        <p:cNvGrpSpPr/>
+        <p:nvPr/>
+      </p:nvGrpSpPr>
+      <p:grpSpPr>
+        <a:xfrm>
+          <a:off x="0" y="0"/>
+          <a:ext cx="0" cy="0"/>
+          <a:chOff x="0" y="0"/>
+          <a:chExt cx="0" cy="0"/>
+        </a:xfrm>
+      </p:grpSpPr>
+      <p:sp>
+        <p:nvSpPr>
+          <p:cNvPr id="4" name="Titel 3">
+            <a:extLst>
+              <a:ext uri="{FF2B5EF4-FFF2-40B4-BE49-F238E27FC236}">
+                <a16:creationId xmlns:a16="http://schemas.microsoft.com/office/drawing/2014/main" id="{38A5BBFD-5899-4410-B755-E197B1C47FAF}"/>
+              </a:ext>
+            </a:extLst>
+          </p:cNvPr>
+          <p:cNvSpPr>
+            <a:spLocks noGrp="1"/>
+          </p:cNvSpPr>
+          <p:nvPr>
+            <p:ph type="title"/>
+          </p:nvPr>
+        </p:nvSpPr>
+        <p:spPr/>
+        <p:txBody>
+          <a:bodyPr/>
+          <a:lstStyle/>
+          <a:p>
+            <a:r>
+              <a:rPr lang="en-US" dirty="0"/>
+              <a:t>Why Docker in Microservices?</a:t>
+            </a:r>
+          </a:p>
+        </p:txBody>
+      </p:sp>
+      <p:sp>
+        <p:nvSpPr>
+          <p:cNvPr id="5" name="Inhaltsplatzhalter 4">
+            <a:extLst>
+              <a:ext uri="{FF2B5EF4-FFF2-40B4-BE49-F238E27FC236}">
+                <a16:creationId xmlns:a16="http://schemas.microsoft.com/office/drawing/2014/main" id="{4F97F406-7987-4196-8FD6-377F173044E6}"/>
+              </a:ext>
+            </a:extLst>
+          </p:cNvPr>
+          <p:cNvSpPr>
+            <a:spLocks noGrp="1"/>
+          </p:cNvSpPr>
+          <p:nvPr>
+            <p:ph idx="1"/>
+          </p:nvPr>
+        </p:nvSpPr>
+        <p:spPr/>
+        <p:txBody>
+          <a:bodyPr/>
+          <a:lstStyle/>
+          <a:p>
+            <a:r>
+              <a:rPr lang="de-DE" dirty="0"/>
+              <a:t>Create a </a:t>
+            </a:r>
+            <a:r>
+              <a:rPr lang="de-DE" dirty="0" err="1"/>
+              <a:t>container</a:t>
+            </a:r>
+            <a:r>
+              <a:rPr lang="de-DE" dirty="0"/>
+              <a:t> per </a:t>
+            </a:r>
+            <a:r>
+              <a:rPr lang="de-DE" dirty="0" err="1"/>
+              <a:t>service</a:t>
+            </a:r>
+            <a:endParaRPr lang="de-DE" dirty="0"/>
+          </a:p>
+          <a:p>
+            <a:r>
+              <a:rPr lang="de-DE" dirty="0" err="1"/>
+              <a:t>Scale</a:t>
+            </a:r>
+            <a:r>
+              <a:rPr lang="de-DE" dirty="0"/>
+              <a:t> out a </a:t>
+            </a:r>
+            <a:r>
+              <a:rPr lang="de-DE" dirty="0" err="1"/>
+              <a:t>single</a:t>
+            </a:r>
+            <a:r>
+              <a:rPr lang="de-DE" dirty="0"/>
+              <a:t> </a:t>
+            </a:r>
+            <a:r>
+              <a:rPr lang="de-DE" dirty="0" err="1"/>
+              <a:t>service</a:t>
+            </a:r>
+            <a:r>
+              <a:rPr lang="de-DE" dirty="0"/>
+              <a:t> </a:t>
+            </a:r>
+            <a:r>
+              <a:rPr lang="de-DE" dirty="0" err="1"/>
+              <a:t>instead</a:t>
+            </a:r>
+            <a:r>
+              <a:rPr lang="de-DE" dirty="0"/>
+              <a:t> </a:t>
+            </a:r>
+            <a:r>
+              <a:rPr lang="de-DE" dirty="0" err="1"/>
+              <a:t>of</a:t>
+            </a:r>
+            <a:r>
+              <a:rPr lang="de-DE" dirty="0"/>
+              <a:t> </a:t>
+            </a:r>
+            <a:r>
+              <a:rPr lang="de-DE" dirty="0" err="1"/>
+              <a:t>the</a:t>
+            </a:r>
+            <a:r>
+              <a:rPr lang="de-DE" dirty="0"/>
+              <a:t> </a:t>
+            </a:r>
+            <a:r>
+              <a:rPr lang="de-DE" dirty="0" err="1"/>
+              <a:t>whole</a:t>
+            </a:r>
+            <a:r>
+              <a:rPr lang="de-DE" dirty="0"/>
+              <a:t> </a:t>
+            </a:r>
+            <a:r>
+              <a:rPr lang="de-DE" dirty="0" err="1"/>
+              <a:t>application</a:t>
+            </a:r>
+            <a:r>
+              <a:rPr lang="de-DE" dirty="0"/>
+              <a:t> </a:t>
+            </a:r>
+            <a:r>
+              <a:rPr lang="de-DE" dirty="0" err="1"/>
+              <a:t>by</a:t>
+            </a:r>
+            <a:r>
+              <a:rPr lang="de-DE" dirty="0"/>
+              <a:t> </a:t>
+            </a:r>
+            <a:r>
+              <a:rPr lang="de-DE" dirty="0" err="1"/>
+              <a:t>deploying</a:t>
+            </a:r>
+            <a:r>
+              <a:rPr lang="de-DE" dirty="0"/>
+              <a:t> </a:t>
+            </a:r>
+            <a:r>
+              <a:rPr lang="de-DE" dirty="0" err="1"/>
+              <a:t>more</a:t>
+            </a:r>
+            <a:r>
+              <a:rPr lang="de-DE" dirty="0"/>
+              <a:t> </a:t>
+            </a:r>
+            <a:r>
+              <a:rPr lang="de-DE" dirty="0" err="1"/>
+              <a:t>containers</a:t>
+            </a:r>
+            <a:endParaRPr lang="de-DE" dirty="0"/>
+          </a:p>
+          <a:p>
+            <a:r>
+              <a:rPr lang="de-DE" dirty="0" err="1"/>
+              <a:t>Continuous</a:t>
+            </a:r>
+            <a:r>
+              <a:rPr lang="de-DE" dirty="0"/>
+              <a:t> </a:t>
+            </a:r>
+            <a:r>
+              <a:rPr lang="de-DE" dirty="0" err="1"/>
+              <a:t>integration</a:t>
+            </a:r>
+            <a:r>
+              <a:rPr lang="de-DE" dirty="0"/>
+              <a:t> </a:t>
+            </a:r>
+            <a:r>
+              <a:rPr lang="en-US" dirty="0"/>
+              <a:t>&amp; </a:t>
+            </a:r>
+            <a:r>
+              <a:rPr lang="de-DE" dirty="0" err="1"/>
+              <a:t>continuous</a:t>
+            </a:r>
+            <a:r>
+              <a:rPr lang="de-DE" dirty="0"/>
+              <a:t> </a:t>
+            </a:r>
+            <a:r>
+              <a:rPr lang="de-DE" dirty="0" err="1"/>
+              <a:t>delivery</a:t>
+            </a:r>
+            <a:endParaRPr lang="de-DE" dirty="0"/>
+          </a:p>
+          <a:p>
+            <a:pPr lvl="1"/>
+            <a:r>
+              <a:rPr lang="de-DE" dirty="0"/>
+              <a:t>E.g. </a:t>
+            </a:r>
+            <a:r>
+              <a:rPr lang="de-DE" dirty="0" err="1"/>
+              <a:t>automatically</a:t>
+            </a:r>
+            <a:r>
+              <a:rPr lang="de-DE" dirty="0"/>
+              <a:t> </a:t>
+            </a:r>
+            <a:r>
+              <a:rPr lang="de-DE" dirty="0" err="1"/>
+              <a:t>build</a:t>
+            </a:r>
+            <a:r>
+              <a:rPr lang="de-DE" dirty="0"/>
+              <a:t> </a:t>
+            </a:r>
+            <a:r>
+              <a:rPr lang="de-DE" dirty="0" err="1"/>
+              <a:t>new</a:t>
+            </a:r>
+            <a:r>
+              <a:rPr lang="de-DE" dirty="0"/>
+              <a:t> </a:t>
+            </a:r>
+            <a:r>
+              <a:rPr lang="de-DE" dirty="0" err="1"/>
+              <a:t>containers</a:t>
+            </a:r>
+            <a:endParaRPr lang="de-DE" dirty="0"/>
+          </a:p>
+          <a:p>
+            <a:pPr lvl="1"/>
+            <a:r>
+              <a:rPr lang="de-DE" dirty="0"/>
+              <a:t>Deploy </a:t>
+            </a:r>
+            <a:r>
+              <a:rPr lang="de-DE" dirty="0" err="1"/>
+              <a:t>new</a:t>
+            </a:r>
+            <a:r>
+              <a:rPr lang="de-DE" dirty="0"/>
+              <a:t> </a:t>
+            </a:r>
+            <a:r>
+              <a:rPr lang="de-DE" dirty="0" err="1"/>
+              <a:t>containers</a:t>
+            </a:r>
+            <a:r>
+              <a:rPr lang="de-DE" dirty="0"/>
+              <a:t> </a:t>
+            </a:r>
+            <a:r>
+              <a:rPr lang="de-DE" dirty="0" err="1"/>
+              <a:t>to</a:t>
+            </a:r>
+            <a:r>
+              <a:rPr lang="de-DE" dirty="0"/>
+              <a:t> </a:t>
+            </a:r>
+            <a:r>
+              <a:rPr lang="de-DE" dirty="0" err="1"/>
+              <a:t>testing</a:t>
+            </a:r>
+            <a:r>
+              <a:rPr lang="de-DE" dirty="0"/>
+              <a:t>, </a:t>
+            </a:r>
+            <a:r>
+              <a:rPr lang="de-DE" dirty="0" err="1"/>
+              <a:t>staging</a:t>
+            </a:r>
+            <a:r>
+              <a:rPr lang="de-DE" dirty="0"/>
+              <a:t> (and </a:t>
+            </a:r>
+            <a:r>
+              <a:rPr lang="de-DE" dirty="0" err="1"/>
+              <a:t>production</a:t>
+            </a:r>
+            <a:r>
+              <a:rPr lang="de-DE" dirty="0"/>
+              <a:t>) </a:t>
+            </a:r>
+            <a:r>
+              <a:rPr lang="de-DE" dirty="0" err="1"/>
+              <a:t>environments</a:t>
+            </a:r>
+            <a:r>
+              <a:rPr lang="de-DE" dirty="0"/>
+              <a:t> </a:t>
+            </a:r>
+            <a:r>
+              <a:rPr lang="de-DE" dirty="0" err="1"/>
+              <a:t>depending</a:t>
+            </a:r>
+            <a:r>
+              <a:rPr lang="de-DE" dirty="0"/>
+              <a:t> on </a:t>
+            </a:r>
+            <a:r>
+              <a:rPr lang="de-DE" dirty="0" err="1"/>
+              <a:t>which</a:t>
+            </a:r>
+            <a:r>
+              <a:rPr lang="de-DE" dirty="0"/>
+              <a:t> </a:t>
+            </a:r>
+            <a:r>
+              <a:rPr lang="de-DE" dirty="0" err="1"/>
+              <a:t>branch</a:t>
+            </a:r>
+            <a:r>
+              <a:rPr lang="de-DE" dirty="0"/>
+              <a:t> </a:t>
+            </a:r>
+            <a:r>
+              <a:rPr lang="de-DE" dirty="0" err="1"/>
+              <a:t>you‘re</a:t>
+            </a:r>
+            <a:r>
+              <a:rPr lang="de-DE" dirty="0"/>
+              <a:t> </a:t>
+            </a:r>
+            <a:r>
+              <a:rPr lang="de-DE" dirty="0" err="1"/>
+              <a:t>building</a:t>
+            </a:r>
+            <a:endParaRPr lang="de-DE" dirty="0"/>
+          </a:p>
+          <a:p>
+            <a:r>
+              <a:rPr lang="de-DE" dirty="0" err="1"/>
+              <a:t>Existing</a:t>
+            </a:r>
+            <a:r>
+              <a:rPr lang="de-DE" dirty="0"/>
+              <a:t> </a:t>
+            </a:r>
+            <a:r>
+              <a:rPr lang="de-DE" dirty="0" err="1"/>
+              <a:t>eco</a:t>
+            </a:r>
+            <a:r>
+              <a:rPr lang="de-DE" dirty="0"/>
+              <a:t> </a:t>
+            </a:r>
+            <a:r>
+              <a:rPr lang="de-DE" dirty="0" err="1"/>
+              <a:t>system</a:t>
+            </a:r>
+            <a:r>
+              <a:rPr lang="de-DE" dirty="0"/>
+              <a:t> </a:t>
+            </a:r>
+            <a:r>
+              <a:rPr lang="de-DE" dirty="0" err="1"/>
+              <a:t>for</a:t>
+            </a:r>
+            <a:r>
+              <a:rPr lang="de-DE" dirty="0"/>
+              <a:t> </a:t>
+            </a:r>
+            <a:r>
+              <a:rPr lang="de-DE" dirty="0" err="1"/>
+              <a:t>service</a:t>
+            </a:r>
+            <a:r>
+              <a:rPr lang="de-DE" dirty="0"/>
+              <a:t> </a:t>
+            </a:r>
+            <a:r>
+              <a:rPr lang="de-DE" dirty="0" err="1"/>
+              <a:t>discovery</a:t>
+            </a:r>
+            <a:r>
+              <a:rPr lang="de-DE" dirty="0"/>
+              <a:t> and </a:t>
+            </a:r>
+            <a:r>
+              <a:rPr lang="de-DE" dirty="0" err="1"/>
+              <a:t>distributed</a:t>
+            </a:r>
+            <a:r>
+              <a:rPr lang="de-DE" dirty="0"/>
+              <a:t> </a:t>
+            </a:r>
+            <a:r>
+              <a:rPr lang="de-DE" dirty="0" err="1"/>
+              <a:t>configuration</a:t>
+            </a:r>
+            <a:r>
+              <a:rPr lang="de-DE" dirty="0"/>
+              <a:t> (</a:t>
+            </a:r>
+            <a:r>
+              <a:rPr lang="de-DE" dirty="0" err="1"/>
+              <a:t>see</a:t>
+            </a:r>
+            <a:r>
+              <a:rPr lang="de-DE" dirty="0"/>
+              <a:t> </a:t>
+            </a:r>
+            <a:r>
+              <a:rPr lang="de-DE" dirty="0" err="1"/>
+              <a:t>chapter</a:t>
+            </a:r>
+            <a:r>
+              <a:rPr lang="de-DE" dirty="0"/>
+              <a:t> 4)</a:t>
+            </a:r>
+          </a:p>
+          <a:p>
+            <a:r>
+              <a:rPr lang="de-DE" dirty="0"/>
+              <a:t>Clustering </a:t>
+            </a:r>
+            <a:r>
+              <a:rPr lang="de-DE" dirty="0" err="1"/>
+              <a:t>solutions</a:t>
+            </a:r>
+            <a:r>
+              <a:rPr lang="de-DE" dirty="0"/>
+              <a:t> </a:t>
+            </a:r>
+            <a:r>
+              <a:rPr lang="de-DE" dirty="0" err="1"/>
+              <a:t>available</a:t>
+            </a:r>
+            <a:r>
+              <a:rPr lang="de-DE" dirty="0"/>
+              <a:t> (Docker </a:t>
+            </a:r>
+            <a:r>
+              <a:rPr lang="de-DE" dirty="0" err="1"/>
+              <a:t>Swarm</a:t>
+            </a:r>
+            <a:r>
+              <a:rPr lang="de-DE" dirty="0"/>
+              <a:t>, </a:t>
+            </a:r>
+            <a:r>
+              <a:rPr lang="de-DE" dirty="0" err="1"/>
+              <a:t>Kubernetes</a:t>
+            </a:r>
+            <a:r>
+              <a:rPr lang="de-DE" dirty="0"/>
+              <a:t>, DC/OS </a:t>
+            </a:r>
+            <a:r>
+              <a:rPr lang="de-DE" dirty="0" err="1"/>
+              <a:t>Mesos</a:t>
+            </a:r>
+            <a:r>
+              <a:rPr lang="de-DE" dirty="0"/>
+              <a:t>,…)</a:t>
+            </a:r>
+          </a:p>
+        </p:txBody>
+      </p:sp>
+    </p:spTree>
+    <p:extLst>
+      <p:ext uri="{BB962C8B-B14F-4D97-AF65-F5344CB8AC3E}">
+        <p14:creationId xmlns:p14="http://schemas.microsoft.com/office/powerpoint/2010/main" val="2160212224"/>
       </p:ext>
     </p:extLst>
   </p:cSld>

--- a/02-Container-and-Provisioning/ContainerProvisioning.pptx
+++ b/02-Container-and-Provisioning/ContainerProvisioning.pptx
@@ -5,7 +5,7 @@
     <p:sldMasterId id="2147483672" r:id="rId1"/>
   </p:sldMasterIdLst>
   <p:notesMasterIdLst>
-    <p:notesMasterId r:id="rId14"/>
+    <p:notesMasterId r:id="rId20"/>
   </p:notesMasterIdLst>
   <p:sldIdLst>
     <p:sldId id="256" r:id="rId2"/>
@@ -20,6 +20,12 @@
     <p:sldId id="267" r:id="rId11"/>
     <p:sldId id="268" r:id="rId12"/>
     <p:sldId id="269" r:id="rId13"/>
+    <p:sldId id="270" r:id="rId14"/>
+    <p:sldId id="271" r:id="rId15"/>
+    <p:sldId id="272" r:id="rId16"/>
+    <p:sldId id="273" r:id="rId17"/>
+    <p:sldId id="274" r:id="rId18"/>
+    <p:sldId id="275" r:id="rId19"/>
   </p:sldIdLst>
   <p:sldSz cx="9144000" cy="6858000" type="screen4x3"/>
   <p:notesSz cx="6858000" cy="9144000"/>
@@ -135,6 +141,12 @@
             <p14:sldId id="267"/>
             <p14:sldId id="268"/>
             <p14:sldId id="269"/>
+            <p14:sldId id="270"/>
+            <p14:sldId id="271"/>
+            <p14:sldId id="272"/>
+            <p14:sldId id="273"/>
+            <p14:sldId id="274"/>
+            <p14:sldId id="275"/>
           </p14:sldIdLst>
         </p14:section>
       </p14:sectionLst>
@@ -232,7 +244,7 @@
           <a:p>
             <a:fld id="{852105B6-D441-4EC0-9FA7-CF26CD0B8EA0}" type="datetimeFigureOut">
               <a:rPr lang="en-US" smtClean="0"/>
-              <a:t>10/9/2017</a:t>
+              <a:t>10/11/2017</a:t>
             </a:fld>
             <a:endParaRPr lang="en-US"/>
           </a:p>
@@ -498,6 +510,90 @@
     </a:lvl9pPr>
   </p:notesStyle>
 </p:notesMaster>
+</file>
+
+<file path=ppt/notesSlides/notesSlide1.xml><?xml version="1.0" encoding="utf-8"?>
+<p:notes xmlns:a="http://schemas.openxmlformats.org/drawingml/2006/main" xmlns:r="http://schemas.openxmlformats.org/officeDocument/2006/relationships" xmlns:p="http://schemas.openxmlformats.org/presentationml/2006/main">
+  <p:cSld>
+    <p:spTree>
+      <p:nvGrpSpPr>
+        <p:cNvPr id="1" name=""/>
+        <p:cNvGrpSpPr/>
+        <p:nvPr/>
+      </p:nvGrpSpPr>
+      <p:grpSpPr>
+        <a:xfrm>
+          <a:off x="0" y="0"/>
+          <a:ext cx="0" cy="0"/>
+          <a:chOff x="0" y="0"/>
+          <a:chExt cx="0" cy="0"/>
+        </a:xfrm>
+      </p:grpSpPr>
+      <p:sp>
+        <p:nvSpPr>
+          <p:cNvPr id="2" name="Folienbildplatzhalter 1"/>
+          <p:cNvSpPr>
+            <a:spLocks noGrp="1" noRot="1" noChangeAspect="1"/>
+          </p:cNvSpPr>
+          <p:nvPr>
+            <p:ph type="sldImg"/>
+          </p:nvPr>
+        </p:nvSpPr>
+        <p:spPr/>
+      </p:sp>
+      <p:sp>
+        <p:nvSpPr>
+          <p:cNvPr id="3" name="Notizenplatzhalter 2"/>
+          <p:cNvSpPr>
+            <a:spLocks noGrp="1"/>
+          </p:cNvSpPr>
+          <p:nvPr>
+            <p:ph type="body" idx="1"/>
+          </p:nvPr>
+        </p:nvSpPr>
+        <p:spPr/>
+        <p:txBody>
+          <a:bodyPr/>
+          <a:lstStyle/>
+          <a:p>
+            <a:endParaRPr lang="en-US" dirty="0"/>
+          </a:p>
+        </p:txBody>
+      </p:sp>
+      <p:sp>
+        <p:nvSpPr>
+          <p:cNvPr id="4" name="Foliennummernplatzhalter 3"/>
+          <p:cNvSpPr>
+            <a:spLocks noGrp="1"/>
+          </p:cNvSpPr>
+          <p:nvPr>
+            <p:ph type="sldNum" sz="quarter" idx="10"/>
+          </p:nvPr>
+        </p:nvSpPr>
+        <p:spPr/>
+        <p:txBody>
+          <a:bodyPr/>
+          <a:lstStyle/>
+          <a:p>
+            <a:fld id="{4B9E1626-1954-45D8-AE63-23C3FFC9B491}" type="slidenum">
+              <a:rPr lang="en-US" smtClean="0"/>
+              <a:t>16</a:t>
+            </a:fld>
+            <a:endParaRPr lang="en-US"/>
+          </a:p>
+        </p:txBody>
+      </p:sp>
+    </p:spTree>
+    <p:extLst>
+      <p:ext uri="{BB962C8B-B14F-4D97-AF65-F5344CB8AC3E}">
+        <p14:creationId xmlns:p14="http://schemas.microsoft.com/office/powerpoint/2010/main" val="3989022408"/>
+      </p:ext>
+    </p:extLst>
+  </p:cSld>
+  <p:clrMapOvr>
+    <a:masterClrMapping/>
+  </p:clrMapOvr>
+</p:notes>
 </file>
 
 <file path=ppt/slideLayouts/slideLayout1.xml><?xml version="1.0" encoding="utf-8"?>
@@ -2873,7 +2969,7 @@
             <p:ph idx="1"/>
             <p:extLst>
               <p:ext uri="{D42A27DB-BD31-4B8C-83A1-F6EECF244321}">
-                <p14:modId xmlns:p14="http://schemas.microsoft.com/office/powerpoint/2010/main" val="3735258105"/>
+                <p14:modId xmlns:p14="http://schemas.microsoft.com/office/powerpoint/2010/main" val="933803626"/>
               </p:ext>
             </p:extLst>
           </p:nvPr>
@@ -3115,7 +3211,7 @@
                       </a:r>
                       <a:r>
                         <a:rPr lang="en-US" dirty="0"/>
-                        <a:t>[image[:version]]</a:t>
+                        <a:t>&lt;image[:version]&gt;</a:t>
                       </a:r>
                     </a:p>
                   </a:txBody>
@@ -3185,7 +3281,7 @@
                       </a:r>
                       <a:r>
                         <a:rPr lang="en-US" dirty="0"/>
-                        <a:t>–d [image[:version]]</a:t>
+                        <a:t>–d &lt;image[:version]&gt;</a:t>
                       </a:r>
                     </a:p>
                   </a:txBody>
@@ -3234,7 +3330,7 @@
                       </a:r>
                       <a:r>
                         <a:rPr lang="en-US" dirty="0"/>
-                        <a:t> [container id/name]</a:t>
+                        <a:t> &lt;container id/name&gt;</a:t>
                       </a:r>
                     </a:p>
                   </a:txBody>
@@ -3275,7 +3371,7 @@
                       </a:r>
                       <a:r>
                         <a:rPr lang="en-US" dirty="0"/>
-                        <a:t> –f [container id/name]</a:t>
+                        <a:t> –f &lt;container id/name&gt;</a:t>
                       </a:r>
                     </a:p>
                   </a:txBody>
@@ -3316,7 +3412,7 @@
                       </a:r>
                       <a:r>
                         <a:rPr lang="en-US" dirty="0"/>
-                        <a:t> [container id/name] /bin/bash</a:t>
+                        <a:t> &lt;container id/name&gt; /bin/bash</a:t>
                       </a:r>
                     </a:p>
                   </a:txBody>
@@ -3419,14 +3515,14 @@
             <p:ph idx="1"/>
             <p:extLst>
               <p:ext uri="{D42A27DB-BD31-4B8C-83A1-F6EECF244321}">
-                <p14:modId xmlns:p14="http://schemas.microsoft.com/office/powerpoint/2010/main" val="3154912183"/>
+                <p14:modId xmlns:p14="http://schemas.microsoft.com/office/powerpoint/2010/main" val="1025426842"/>
               </p:ext>
             </p:extLst>
           </p:nvPr>
         </p:nvGraphicFramePr>
         <p:xfrm>
           <a:off x="258763" y="1403350"/>
-          <a:ext cx="8697912" cy="1112520"/>
+          <a:ext cx="8697912" cy="1710563"/>
         </p:xfrm>
         <a:graphic>
           <a:graphicData uri="http://schemas.openxmlformats.org/drawingml/2006/table">
@@ -3517,7 +3613,7 @@
                       </a:r>
                       <a:r>
                         <a:rPr lang="en-US" dirty="0"/>
-                        <a:t> [image id]</a:t>
+                        <a:t> &lt;image id&gt;</a:t>
                       </a:r>
                     </a:p>
                   </a:txBody>
@@ -3584,7 +3680,7 @@
                       </a:pPr>
                       <a:r>
                         <a:rPr lang="en-US" dirty="0"/>
-                        <a:t>docker stop [container id/name]</a:t>
+                        <a:t>docker stop &lt;container id/name&gt;</a:t>
                       </a:r>
                     </a:p>
                   </a:txBody>
@@ -3623,6 +3719,70 @@
                 <a:extLst>
                   <a:ext uri="{0D108BD9-81ED-4DB2-BD59-A6C34878D82A}">
                     <a16:rowId xmlns:a16="http://schemas.microsoft.com/office/drawing/2014/main" val="3336913469"/>
+                  </a:ext>
+                </a:extLst>
+              </a:tr>
+              <a:tr h="370840">
+                <a:tc>
+                  <a:txBody>
+                    <a:bodyPr/>
+                    <a:lstStyle/>
+                    <a:p>
+                      <a:pPr marL="0" marR="0" lvl="0" indent="0" algn="l" defTabSz="844083" rtl="0" eaLnBrk="1" fontAlgn="auto" latinLnBrk="0" hangingPunct="1">
+                        <a:lnSpc>
+                          <a:spcPct val="100000"/>
+                        </a:lnSpc>
+                        <a:spcBef>
+                          <a:spcPts val="0"/>
+                        </a:spcBef>
+                        <a:spcAft>
+                          <a:spcPts val="0"/>
+                        </a:spcAft>
+                        <a:buClrTx/>
+                        <a:buSzTx/>
+                        <a:buFontTx/>
+                        <a:buNone/>
+                        <a:tabLst/>
+                        <a:defRPr/>
+                      </a:pPr>
+                      <a:r>
+                        <a:rPr lang="en-US" dirty="0"/>
+                        <a:t>docker commit &lt;container id/name&gt; [repository[:tag]]</a:t>
+                      </a:r>
+                    </a:p>
+                  </a:txBody>
+                  <a:tcPr/>
+                </a:tc>
+                <a:tc>
+                  <a:txBody>
+                    <a:bodyPr/>
+                    <a:lstStyle/>
+                    <a:p>
+                      <a:pPr marL="0" marR="0" lvl="0" indent="0" algn="l" defTabSz="844083" rtl="0" eaLnBrk="1" fontAlgn="auto" latinLnBrk="0" hangingPunct="1">
+                        <a:lnSpc>
+                          <a:spcPct val="100000"/>
+                        </a:lnSpc>
+                        <a:spcBef>
+                          <a:spcPts val="0"/>
+                        </a:spcBef>
+                        <a:spcAft>
+                          <a:spcPts val="0"/>
+                        </a:spcAft>
+                        <a:buClrTx/>
+                        <a:buSzTx/>
+                        <a:buFontTx/>
+                        <a:buNone/>
+                        <a:tabLst/>
+                        <a:defRPr/>
+                      </a:pPr>
+                      <a:endParaRPr lang="en-US" dirty="0"/>
+                    </a:p>
+                  </a:txBody>
+                  <a:tcPr/>
+                </a:tc>
+                <a:extLst>
+                  <a:ext uri="{0D108BD9-81ED-4DB2-BD59-A6C34878D82A}">
+                    <a16:rowId xmlns:a16="http://schemas.microsoft.com/office/drawing/2014/main" val="2328551764"/>
                   </a:ext>
                 </a:extLst>
               </a:tr>
@@ -3946,6 +4106,2028 @@
     <p:extLst>
       <p:ext uri="{BB962C8B-B14F-4D97-AF65-F5344CB8AC3E}">
         <p14:creationId xmlns:p14="http://schemas.microsoft.com/office/powerpoint/2010/main" val="4225478545"/>
+      </p:ext>
+    </p:extLst>
+  </p:cSld>
+  <p:clrMapOvr>
+    <a:masterClrMapping/>
+  </p:clrMapOvr>
+</p:sld>
+</file>
+
+<file path=ppt/slides/slide13.xml><?xml version="1.0" encoding="utf-8"?>
+<p:sld xmlns:a="http://schemas.openxmlformats.org/drawingml/2006/main" xmlns:r="http://schemas.openxmlformats.org/officeDocument/2006/relationships" xmlns:p="http://schemas.openxmlformats.org/presentationml/2006/main">
+  <p:cSld>
+    <p:spTree>
+      <p:nvGrpSpPr>
+        <p:cNvPr id="1" name=""/>
+        <p:cNvGrpSpPr/>
+        <p:nvPr/>
+      </p:nvGrpSpPr>
+      <p:grpSpPr>
+        <a:xfrm>
+          <a:off x="0" y="0"/>
+          <a:ext cx="0" cy="0"/>
+          <a:chOff x="0" y="0"/>
+          <a:chExt cx="0" cy="0"/>
+        </a:xfrm>
+      </p:grpSpPr>
+      <p:sp>
+        <p:nvSpPr>
+          <p:cNvPr id="4" name="Titel 3">
+            <a:extLst>
+              <a:ext uri="{FF2B5EF4-FFF2-40B4-BE49-F238E27FC236}">
+                <a16:creationId xmlns:a16="http://schemas.microsoft.com/office/drawing/2014/main" id="{9BF3329D-1CB1-41D7-ADDE-53FF93315E41}"/>
+              </a:ext>
+            </a:extLst>
+          </p:cNvPr>
+          <p:cNvSpPr>
+            <a:spLocks noGrp="1"/>
+          </p:cNvSpPr>
+          <p:nvPr>
+            <p:ph type="title"/>
+          </p:nvPr>
+        </p:nvSpPr>
+        <p:spPr/>
+        <p:txBody>
+          <a:bodyPr/>
+          <a:lstStyle/>
+          <a:p>
+            <a:r>
+              <a:rPr lang="en-US" dirty="0"/>
+              <a:t>Docker Images</a:t>
+            </a:r>
+          </a:p>
+        </p:txBody>
+      </p:sp>
+      <p:pic>
+        <p:nvPicPr>
+          <p:cNvPr id="1026" name="Picture 2" descr="Docker image layers">
+            <a:extLst>
+              <a:ext uri="{FF2B5EF4-FFF2-40B4-BE49-F238E27FC236}">
+                <a16:creationId xmlns:a16="http://schemas.microsoft.com/office/drawing/2014/main" id="{B2852923-B09A-464B-96AB-25FD1C8A41F9}"/>
+              </a:ext>
+            </a:extLst>
+          </p:cNvPr>
+          <p:cNvPicPr>
+            <a:picLocks noGrp="1" noChangeAspect="1" noChangeArrowheads="1"/>
+          </p:cNvPicPr>
+          <p:nvPr>
+            <p:ph idx="1"/>
+          </p:nvPr>
+        </p:nvPicPr>
+        <p:blipFill>
+          <a:blip r:embed="rId2">
+            <a:extLst>
+              <a:ext uri="{28A0092B-C50C-407E-A947-70E740481C1C}">
+                <a14:useLocalDpi xmlns:a14="http://schemas.microsoft.com/office/drawing/2010/main" val="0"/>
+              </a:ext>
+            </a:extLst>
+          </a:blip>
+          <a:srcRect/>
+          <a:stretch>
+            <a:fillRect/>
+          </a:stretch>
+        </p:blipFill>
+        <p:spPr bwMode="auto">
+          <a:xfrm>
+            <a:off x="2022612" y="1866724"/>
+            <a:ext cx="5170213" cy="3592341"/>
+          </a:xfrm>
+          <a:prstGeom prst="rect">
+            <a:avLst/>
+          </a:prstGeom>
+          <a:noFill/>
+          <a:extLst>
+            <a:ext uri="{909E8E84-426E-40DD-AFC4-6F175D3DCCD1}">
+              <a14:hiddenFill xmlns:a14="http://schemas.microsoft.com/office/drawing/2010/main">
+                <a:solidFill>
+                  <a:srgbClr val="FFFFFF"/>
+                </a:solidFill>
+              </a14:hiddenFill>
+            </a:ext>
+          </a:extLst>
+        </p:spPr>
+      </p:pic>
+      <p:sp>
+        <p:nvSpPr>
+          <p:cNvPr id="6" name="Textfeld 5">
+            <a:extLst>
+              <a:ext uri="{FF2B5EF4-FFF2-40B4-BE49-F238E27FC236}">
+                <a16:creationId xmlns:a16="http://schemas.microsoft.com/office/drawing/2014/main" id="{D40D7E79-0A9A-4516-80B2-6FB72812EF94}"/>
+              </a:ext>
+            </a:extLst>
+          </p:cNvPr>
+          <p:cNvSpPr txBox="1"/>
+          <p:nvPr/>
+        </p:nvSpPr>
+        <p:spPr>
+          <a:xfrm>
+            <a:off x="259374" y="6163986"/>
+            <a:ext cx="8509313" cy="276999"/>
+          </a:xfrm>
+          <a:prstGeom prst="rect">
+            <a:avLst/>
+          </a:prstGeom>
+          <a:noFill/>
+        </p:spPr>
+        <p:txBody>
+          <a:bodyPr wrap="square" rtlCol="0">
+            <a:spAutoFit/>
+          </a:bodyPr>
+          <a:lstStyle/>
+          <a:p>
+            <a:r>
+              <a:rPr lang="en-US" sz="1200" dirty="0">
+                <a:hlinkClick r:id="rId3"/>
+              </a:rPr>
+              <a:t>Quelle</a:t>
+            </a:r>
+            <a:endParaRPr lang="en-US" sz="1200" dirty="0"/>
+          </a:p>
+        </p:txBody>
+      </p:sp>
+    </p:spTree>
+    <p:extLst>
+      <p:ext uri="{BB962C8B-B14F-4D97-AF65-F5344CB8AC3E}">
+        <p14:creationId xmlns:p14="http://schemas.microsoft.com/office/powerpoint/2010/main" val="2527376198"/>
+      </p:ext>
+    </p:extLst>
+  </p:cSld>
+  <p:clrMapOvr>
+    <a:masterClrMapping/>
+  </p:clrMapOvr>
+</p:sld>
+</file>
+
+<file path=ppt/slides/slide14.xml><?xml version="1.0" encoding="utf-8"?>
+<p:sld xmlns:a="http://schemas.openxmlformats.org/drawingml/2006/main" xmlns:r="http://schemas.openxmlformats.org/officeDocument/2006/relationships" xmlns:p="http://schemas.openxmlformats.org/presentationml/2006/main">
+  <p:cSld>
+    <p:spTree>
+      <p:nvGrpSpPr>
+        <p:cNvPr id="1" name=""/>
+        <p:cNvGrpSpPr/>
+        <p:nvPr/>
+      </p:nvGrpSpPr>
+      <p:grpSpPr>
+        <a:xfrm>
+          <a:off x="0" y="0"/>
+          <a:ext cx="0" cy="0"/>
+          <a:chOff x="0" y="0"/>
+          <a:chExt cx="0" cy="0"/>
+        </a:xfrm>
+      </p:grpSpPr>
+      <p:sp>
+        <p:nvSpPr>
+          <p:cNvPr id="4" name="Titel 3">
+            <a:extLst>
+              <a:ext uri="{FF2B5EF4-FFF2-40B4-BE49-F238E27FC236}">
+                <a16:creationId xmlns:a16="http://schemas.microsoft.com/office/drawing/2014/main" id="{638046A4-1B43-448F-9F0F-9DCE87108411}"/>
+              </a:ext>
+            </a:extLst>
+          </p:cNvPr>
+          <p:cNvSpPr>
+            <a:spLocks noGrp="1"/>
+          </p:cNvSpPr>
+          <p:nvPr>
+            <p:ph type="title"/>
+          </p:nvPr>
+        </p:nvSpPr>
+        <p:spPr/>
+        <p:txBody>
+          <a:bodyPr/>
+          <a:lstStyle/>
+          <a:p>
+            <a:r>
+              <a:rPr lang="de-DE" dirty="0"/>
+              <a:t>Docker Images</a:t>
+            </a:r>
+            <a:endParaRPr lang="en-US" dirty="0"/>
+          </a:p>
+        </p:txBody>
+      </p:sp>
+      <p:sp>
+        <p:nvSpPr>
+          <p:cNvPr id="5" name="Inhaltsplatzhalter 4">
+            <a:extLst>
+              <a:ext uri="{FF2B5EF4-FFF2-40B4-BE49-F238E27FC236}">
+                <a16:creationId xmlns:a16="http://schemas.microsoft.com/office/drawing/2014/main" id="{93CAB46B-52A8-4BB4-AE52-F1EDDAEF3A5F}"/>
+              </a:ext>
+            </a:extLst>
+          </p:cNvPr>
+          <p:cNvSpPr>
+            <a:spLocks noGrp="1"/>
+          </p:cNvSpPr>
+          <p:nvPr>
+            <p:ph idx="1"/>
+          </p:nvPr>
+        </p:nvSpPr>
+        <p:spPr/>
+        <p:txBody>
+          <a:bodyPr/>
+          <a:lstStyle/>
+          <a:p>
+            <a:r>
+              <a:rPr lang="de-DE" dirty="0"/>
+              <a:t>Images </a:t>
+            </a:r>
+            <a:r>
+              <a:rPr lang="de-DE" dirty="0" err="1"/>
+              <a:t>consist</a:t>
+            </a:r>
+            <a:r>
+              <a:rPr lang="de-DE" dirty="0"/>
+              <a:t> </a:t>
+            </a:r>
+            <a:r>
+              <a:rPr lang="de-DE" dirty="0" err="1"/>
+              <a:t>of</a:t>
+            </a:r>
+            <a:r>
+              <a:rPr lang="de-DE" dirty="0"/>
+              <a:t> </a:t>
+            </a:r>
+            <a:r>
+              <a:rPr lang="en-US" dirty="0"/>
+              <a:t>(more or less) layers</a:t>
+            </a:r>
+            <a:endParaRPr lang="de-DE" dirty="0"/>
+          </a:p>
+          <a:p>
+            <a:r>
+              <a:rPr lang="de-DE" dirty="0"/>
+              <a:t>Every </a:t>
+            </a:r>
+            <a:r>
+              <a:rPr lang="de-DE" dirty="0" err="1"/>
+              <a:t>layer</a:t>
+            </a:r>
+            <a:r>
+              <a:rPr lang="de-DE" dirty="0"/>
+              <a:t> </a:t>
+            </a:r>
+            <a:r>
+              <a:rPr lang="de-DE" dirty="0" err="1"/>
+              <a:t>is</a:t>
+            </a:r>
+            <a:r>
+              <a:rPr lang="de-DE" dirty="0"/>
+              <a:t> a </a:t>
+            </a:r>
+            <a:r>
+              <a:rPr lang="de-DE" dirty="0" err="1"/>
+              <a:t>kind</a:t>
+            </a:r>
+            <a:r>
+              <a:rPr lang="de-DE" dirty="0"/>
+              <a:t> </a:t>
+            </a:r>
+            <a:r>
+              <a:rPr lang="de-DE" dirty="0" err="1"/>
+              <a:t>of</a:t>
+            </a:r>
+            <a:r>
+              <a:rPr lang="de-DE" dirty="0"/>
+              <a:t> a </a:t>
+            </a:r>
+            <a:r>
+              <a:rPr lang="de-DE" dirty="0" err="1"/>
+              <a:t>snapshot</a:t>
+            </a:r>
+            <a:r>
+              <a:rPr lang="de-DE" dirty="0"/>
+              <a:t> and </a:t>
+            </a:r>
+            <a:r>
+              <a:rPr lang="de-DE" dirty="0" err="1"/>
+              <a:t>can</a:t>
+            </a:r>
+            <a:r>
+              <a:rPr lang="de-DE" dirty="0"/>
+              <a:t> </a:t>
+            </a:r>
+            <a:r>
+              <a:rPr lang="de-DE" dirty="0" err="1"/>
+              <a:t>be</a:t>
+            </a:r>
+            <a:r>
+              <a:rPr lang="de-DE" dirty="0"/>
+              <a:t> </a:t>
+            </a:r>
+            <a:r>
+              <a:rPr lang="de-DE" dirty="0" err="1"/>
+              <a:t>removed</a:t>
+            </a:r>
+            <a:endParaRPr lang="en-US" dirty="0"/>
+          </a:p>
+          <a:p>
+            <a:r>
+              <a:rPr lang="de-DE" dirty="0" err="1"/>
+              <a:t>It</a:t>
+            </a:r>
+            <a:r>
+              <a:rPr lang="en-US" dirty="0"/>
+              <a:t>’s possible to inspect how a specific layer was created (more on that later)</a:t>
+            </a:r>
+          </a:p>
+          <a:p>
+            <a:r>
+              <a:rPr lang="en-US" dirty="0"/>
+              <a:t>At last each layer isn’t more than a .tar.gz archive which will be applied to the base image when a container is created</a:t>
+            </a:r>
+          </a:p>
+          <a:p>
+            <a:r>
+              <a:rPr lang="en-US" dirty="0"/>
+              <a:t>If a image has to be rebuilt, </a:t>
+            </a:r>
+            <a:r>
+              <a:rPr lang="de-DE" dirty="0"/>
+              <a:t>Docker </a:t>
+            </a:r>
+            <a:r>
+              <a:rPr lang="de-DE" dirty="0" err="1"/>
+              <a:t>recognizes</a:t>
+            </a:r>
+            <a:r>
+              <a:rPr lang="de-DE" dirty="0"/>
+              <a:t> </a:t>
+            </a:r>
+            <a:r>
+              <a:rPr lang="de-DE" dirty="0" err="1"/>
+              <a:t>which</a:t>
+            </a:r>
+            <a:r>
+              <a:rPr lang="de-DE" dirty="0"/>
+              <a:t> </a:t>
+            </a:r>
+            <a:r>
+              <a:rPr lang="de-DE" dirty="0" err="1"/>
+              <a:t>layers</a:t>
+            </a:r>
+            <a:r>
+              <a:rPr lang="de-DE" dirty="0"/>
+              <a:t> </a:t>
+            </a:r>
+            <a:r>
+              <a:rPr lang="de-DE" dirty="0" err="1"/>
+              <a:t>aren‘t</a:t>
+            </a:r>
+            <a:r>
+              <a:rPr lang="de-DE" dirty="0"/>
+              <a:t> </a:t>
+            </a:r>
+            <a:r>
+              <a:rPr lang="de-DE" dirty="0" err="1"/>
+              <a:t>affected</a:t>
+            </a:r>
+            <a:r>
+              <a:rPr lang="de-DE" dirty="0"/>
+              <a:t> and </a:t>
+            </a:r>
+            <a:r>
+              <a:rPr lang="de-DE" dirty="0" err="1"/>
+              <a:t>is</a:t>
+            </a:r>
+            <a:r>
+              <a:rPr lang="de-DE" dirty="0"/>
+              <a:t> </a:t>
+            </a:r>
+            <a:r>
+              <a:rPr lang="de-DE" dirty="0" err="1"/>
+              <a:t>keeping</a:t>
+            </a:r>
+            <a:r>
+              <a:rPr lang="de-DE" dirty="0"/>
+              <a:t> </a:t>
+            </a:r>
+            <a:r>
+              <a:rPr lang="de-DE" dirty="0" err="1"/>
+              <a:t>them</a:t>
+            </a:r>
+            <a:r>
+              <a:rPr lang="de-DE" dirty="0"/>
+              <a:t> </a:t>
+            </a:r>
+            <a:r>
+              <a:rPr lang="de-DE" dirty="0" err="1"/>
+              <a:t>as</a:t>
+            </a:r>
+            <a:r>
+              <a:rPr lang="de-DE" dirty="0"/>
+              <a:t> </a:t>
+            </a:r>
+            <a:r>
+              <a:rPr lang="de-DE" dirty="0" err="1"/>
+              <a:t>they</a:t>
+            </a:r>
+            <a:r>
+              <a:rPr lang="de-DE" dirty="0"/>
+              <a:t> </a:t>
+            </a:r>
+            <a:r>
+              <a:rPr lang="de-DE" dirty="0" err="1"/>
+              <a:t>are</a:t>
+            </a:r>
+            <a:r>
+              <a:rPr lang="de-DE" dirty="0"/>
+              <a:t> </a:t>
+            </a:r>
+            <a:r>
+              <a:rPr lang="de-DE" dirty="0" err="1"/>
+              <a:t>to</a:t>
+            </a:r>
+            <a:r>
+              <a:rPr lang="de-DE" dirty="0"/>
+              <a:t> </a:t>
+            </a:r>
+            <a:r>
+              <a:rPr lang="de-DE" dirty="0" err="1"/>
+              <a:t>speed</a:t>
+            </a:r>
+            <a:r>
+              <a:rPr lang="de-DE" dirty="0"/>
+              <a:t> </a:t>
+            </a:r>
+            <a:r>
+              <a:rPr lang="de-DE" dirty="0" err="1"/>
+              <a:t>up</a:t>
+            </a:r>
+            <a:r>
+              <a:rPr lang="de-DE" dirty="0"/>
+              <a:t> </a:t>
+            </a:r>
+            <a:r>
+              <a:rPr lang="de-DE" dirty="0" err="1"/>
+              <a:t>the</a:t>
+            </a:r>
+            <a:r>
+              <a:rPr lang="de-DE" dirty="0"/>
+              <a:t> </a:t>
+            </a:r>
+            <a:r>
+              <a:rPr lang="de-DE" dirty="0" err="1"/>
+              <a:t>build</a:t>
+            </a:r>
+            <a:r>
+              <a:rPr lang="de-DE" dirty="0"/>
+              <a:t> </a:t>
+            </a:r>
+            <a:r>
+              <a:rPr lang="de-DE" dirty="0" err="1"/>
+              <a:t>process</a:t>
+            </a:r>
+            <a:endParaRPr lang="de-DE" dirty="0"/>
+          </a:p>
+        </p:txBody>
+      </p:sp>
+    </p:spTree>
+    <p:extLst>
+      <p:ext uri="{BB962C8B-B14F-4D97-AF65-F5344CB8AC3E}">
+        <p14:creationId xmlns:p14="http://schemas.microsoft.com/office/powerpoint/2010/main" val="4064097092"/>
+      </p:ext>
+    </p:extLst>
+  </p:cSld>
+  <p:clrMapOvr>
+    <a:masterClrMapping/>
+  </p:clrMapOvr>
+</p:sld>
+</file>
+
+<file path=ppt/slides/slide15.xml><?xml version="1.0" encoding="utf-8"?>
+<p:sld xmlns:a="http://schemas.openxmlformats.org/drawingml/2006/main" xmlns:r="http://schemas.openxmlformats.org/officeDocument/2006/relationships" xmlns:p="http://schemas.openxmlformats.org/presentationml/2006/main">
+  <p:cSld>
+    <p:spTree>
+      <p:nvGrpSpPr>
+        <p:cNvPr id="1" name=""/>
+        <p:cNvGrpSpPr/>
+        <p:nvPr/>
+      </p:nvGrpSpPr>
+      <p:grpSpPr>
+        <a:xfrm>
+          <a:off x="0" y="0"/>
+          <a:ext cx="0" cy="0"/>
+          <a:chOff x="0" y="0"/>
+          <a:chExt cx="0" cy="0"/>
+        </a:xfrm>
+      </p:grpSpPr>
+      <p:sp>
+        <p:nvSpPr>
+          <p:cNvPr id="4" name="Titel 3">
+            <a:extLst>
+              <a:ext uri="{FF2B5EF4-FFF2-40B4-BE49-F238E27FC236}">
+                <a16:creationId xmlns:a16="http://schemas.microsoft.com/office/drawing/2014/main" id="{6FB3585B-9B35-4B36-B218-31A60126C03D}"/>
+              </a:ext>
+            </a:extLst>
+          </p:cNvPr>
+          <p:cNvSpPr>
+            <a:spLocks noGrp="1"/>
+          </p:cNvSpPr>
+          <p:nvPr>
+            <p:ph type="title"/>
+          </p:nvPr>
+        </p:nvSpPr>
+        <p:spPr/>
+        <p:txBody>
+          <a:bodyPr/>
+          <a:lstStyle/>
+          <a:p>
+            <a:r>
+              <a:rPr lang="de-DE" dirty="0" err="1"/>
+              <a:t>Creating</a:t>
+            </a:r>
+            <a:r>
+              <a:rPr lang="de-DE" dirty="0"/>
+              <a:t> </a:t>
+            </a:r>
+            <a:r>
+              <a:rPr lang="de-DE" dirty="0" err="1"/>
+              <a:t>new</a:t>
+            </a:r>
+            <a:r>
+              <a:rPr lang="de-DE" dirty="0"/>
+              <a:t> Docker </a:t>
+            </a:r>
+            <a:r>
+              <a:rPr lang="de-DE" dirty="0" err="1"/>
+              <a:t>images</a:t>
+            </a:r>
+            <a:endParaRPr lang="en-US" dirty="0"/>
+          </a:p>
+        </p:txBody>
+      </p:sp>
+      <p:sp>
+        <p:nvSpPr>
+          <p:cNvPr id="5" name="Inhaltsplatzhalter 4">
+            <a:extLst>
+              <a:ext uri="{FF2B5EF4-FFF2-40B4-BE49-F238E27FC236}">
+                <a16:creationId xmlns:a16="http://schemas.microsoft.com/office/drawing/2014/main" id="{722137B7-DBFA-4C69-BB2C-9EC558A0AC5B}"/>
+              </a:ext>
+            </a:extLst>
+          </p:cNvPr>
+          <p:cNvSpPr>
+            <a:spLocks noGrp="1"/>
+          </p:cNvSpPr>
+          <p:nvPr>
+            <p:ph idx="1"/>
+          </p:nvPr>
+        </p:nvSpPr>
+        <p:spPr/>
+        <p:txBody>
+          <a:bodyPr/>
+          <a:lstStyle/>
+          <a:p>
+            <a:r>
+              <a:rPr lang="de-DE" dirty="0" err="1"/>
+              <a:t>There</a:t>
+            </a:r>
+            <a:r>
+              <a:rPr lang="de-DE" dirty="0"/>
+              <a:t> </a:t>
+            </a:r>
+            <a:r>
+              <a:rPr lang="de-DE" dirty="0" err="1"/>
+              <a:t>are</a:t>
+            </a:r>
+            <a:r>
+              <a:rPr lang="de-DE" dirty="0"/>
+              <a:t> </a:t>
+            </a:r>
+            <a:r>
+              <a:rPr lang="de-DE" dirty="0" err="1"/>
+              <a:t>two</a:t>
+            </a:r>
+            <a:r>
+              <a:rPr lang="de-DE" dirty="0"/>
+              <a:t> </a:t>
+            </a:r>
+            <a:r>
+              <a:rPr lang="de-DE" dirty="0" err="1"/>
+              <a:t>ways</a:t>
+            </a:r>
+            <a:r>
+              <a:rPr lang="de-DE" dirty="0"/>
+              <a:t> </a:t>
+            </a:r>
+            <a:r>
+              <a:rPr lang="de-DE" dirty="0" err="1"/>
+              <a:t>to</a:t>
+            </a:r>
+            <a:r>
+              <a:rPr lang="de-DE" dirty="0"/>
+              <a:t> </a:t>
+            </a:r>
+            <a:r>
+              <a:rPr lang="de-DE" dirty="0" err="1"/>
+              <a:t>create</a:t>
+            </a:r>
+            <a:r>
+              <a:rPr lang="de-DE" dirty="0"/>
+              <a:t> </a:t>
+            </a:r>
+            <a:r>
+              <a:rPr lang="de-DE" dirty="0" err="1"/>
+              <a:t>new</a:t>
+            </a:r>
+            <a:r>
+              <a:rPr lang="de-DE" dirty="0"/>
+              <a:t> Docker </a:t>
+            </a:r>
+            <a:r>
+              <a:rPr lang="de-DE" dirty="0" err="1"/>
+              <a:t>images</a:t>
+            </a:r>
+            <a:r>
+              <a:rPr lang="de-DE" dirty="0"/>
+              <a:t>:</a:t>
+            </a:r>
+          </a:p>
+          <a:p>
+            <a:pPr lvl="1"/>
+            <a:r>
+              <a:rPr lang="de-DE" dirty="0"/>
+              <a:t>Create a </a:t>
+            </a:r>
+            <a:r>
+              <a:rPr lang="de-DE" dirty="0" err="1"/>
+              <a:t>new</a:t>
+            </a:r>
+            <a:r>
+              <a:rPr lang="de-DE" dirty="0"/>
+              <a:t> </a:t>
+            </a:r>
+            <a:r>
+              <a:rPr lang="de-DE" dirty="0" err="1"/>
+              <a:t>container</a:t>
+            </a:r>
+            <a:r>
+              <a:rPr lang="de-DE" dirty="0"/>
+              <a:t>, do all </a:t>
+            </a:r>
+            <a:r>
+              <a:rPr lang="de-DE" dirty="0" err="1"/>
+              <a:t>required</a:t>
+            </a:r>
+            <a:r>
+              <a:rPr lang="de-DE" dirty="0"/>
+              <a:t> </a:t>
+            </a:r>
+            <a:r>
+              <a:rPr lang="de-DE" dirty="0" err="1"/>
+              <a:t>changes</a:t>
+            </a:r>
+            <a:r>
+              <a:rPr lang="de-DE" dirty="0"/>
+              <a:t> on </a:t>
+            </a:r>
+            <a:r>
+              <a:rPr lang="de-DE" dirty="0" err="1"/>
+              <a:t>your</a:t>
+            </a:r>
+            <a:r>
+              <a:rPr lang="de-DE" dirty="0"/>
+              <a:t> own </a:t>
+            </a:r>
+            <a:r>
+              <a:rPr lang="de-DE" dirty="0" err="1"/>
+              <a:t>by</a:t>
+            </a:r>
+            <a:r>
+              <a:rPr lang="de-DE" dirty="0"/>
+              <a:t> </a:t>
+            </a:r>
+            <a:r>
+              <a:rPr lang="de-DE" dirty="0" err="1"/>
+              <a:t>installing</a:t>
+            </a:r>
+            <a:r>
+              <a:rPr lang="de-DE" dirty="0"/>
+              <a:t> </a:t>
+            </a:r>
+            <a:r>
+              <a:rPr lang="de-DE" dirty="0" err="1"/>
+              <a:t>the</a:t>
+            </a:r>
+            <a:r>
+              <a:rPr lang="de-DE" dirty="0"/>
+              <a:t> via </a:t>
+            </a:r>
+            <a:r>
+              <a:rPr lang="de-DE" dirty="0" err="1"/>
+              <a:t>bash</a:t>
+            </a:r>
+            <a:r>
+              <a:rPr lang="de-DE" dirty="0"/>
+              <a:t> and </a:t>
+            </a:r>
+            <a:r>
+              <a:rPr lang="de-DE" i="1" dirty="0" err="1"/>
+              <a:t>commit</a:t>
+            </a:r>
+            <a:r>
+              <a:rPr lang="de-DE" dirty="0"/>
+              <a:t> </a:t>
+            </a:r>
+            <a:r>
+              <a:rPr lang="de-DE" dirty="0" err="1"/>
+              <a:t>this</a:t>
+            </a:r>
+            <a:r>
+              <a:rPr lang="de-DE" dirty="0"/>
+              <a:t> </a:t>
+            </a:r>
+            <a:r>
+              <a:rPr lang="de-DE" dirty="0" err="1"/>
+              <a:t>changes</a:t>
+            </a:r>
+            <a:endParaRPr lang="de-DE" dirty="0"/>
+          </a:p>
+          <a:p>
+            <a:pPr lvl="1"/>
+            <a:r>
+              <a:rPr lang="de-DE" dirty="0"/>
+              <a:t>Create a </a:t>
+            </a:r>
+            <a:r>
+              <a:rPr lang="de-DE" i="1" dirty="0" err="1"/>
+              <a:t>Dockerfile</a:t>
+            </a:r>
+            <a:r>
+              <a:rPr lang="de-DE" dirty="0"/>
+              <a:t>, </a:t>
+            </a:r>
+            <a:r>
+              <a:rPr lang="de-DE" dirty="0" err="1"/>
+              <a:t>describe</a:t>
+            </a:r>
+            <a:r>
+              <a:rPr lang="de-DE" dirty="0"/>
+              <a:t> all </a:t>
+            </a:r>
+            <a:r>
+              <a:rPr lang="de-DE" dirty="0" err="1"/>
+              <a:t>changes</a:t>
+            </a:r>
+            <a:r>
+              <a:rPr lang="de-DE" dirty="0"/>
+              <a:t> </a:t>
+            </a:r>
+            <a:r>
+              <a:rPr lang="de-DE" dirty="0" err="1"/>
+              <a:t>which</a:t>
+            </a:r>
+            <a:r>
+              <a:rPr lang="de-DE" dirty="0"/>
+              <a:t> </a:t>
+            </a:r>
+            <a:r>
+              <a:rPr lang="de-DE" dirty="0" err="1"/>
+              <a:t>have</a:t>
+            </a:r>
+            <a:r>
+              <a:rPr lang="de-DE" dirty="0"/>
+              <a:t> </a:t>
+            </a:r>
+            <a:r>
+              <a:rPr lang="de-DE" dirty="0" err="1"/>
+              <a:t>to</a:t>
+            </a:r>
+            <a:r>
+              <a:rPr lang="de-DE" dirty="0"/>
+              <a:t> </a:t>
+            </a:r>
+            <a:r>
+              <a:rPr lang="de-DE" dirty="0" err="1"/>
+              <a:t>be</a:t>
+            </a:r>
+            <a:r>
+              <a:rPr lang="de-DE" dirty="0"/>
+              <a:t> </a:t>
+            </a:r>
+            <a:r>
+              <a:rPr lang="de-DE" dirty="0" err="1"/>
+              <a:t>made</a:t>
+            </a:r>
+            <a:r>
+              <a:rPr lang="de-DE" dirty="0"/>
+              <a:t> </a:t>
+            </a:r>
+            <a:r>
+              <a:rPr lang="de-DE" dirty="0" err="1"/>
+              <a:t>to</a:t>
+            </a:r>
+            <a:r>
+              <a:rPr lang="de-DE" dirty="0"/>
+              <a:t> </a:t>
+            </a:r>
+            <a:r>
+              <a:rPr lang="de-DE" dirty="0" err="1"/>
+              <a:t>the</a:t>
+            </a:r>
+            <a:r>
+              <a:rPr lang="de-DE" dirty="0"/>
+              <a:t> </a:t>
+            </a:r>
+            <a:r>
+              <a:rPr lang="de-DE" dirty="0" err="1"/>
+              <a:t>base</a:t>
+            </a:r>
+            <a:r>
+              <a:rPr lang="de-DE" dirty="0"/>
+              <a:t> </a:t>
+            </a:r>
+            <a:r>
+              <a:rPr lang="de-DE" dirty="0" err="1"/>
+              <a:t>image</a:t>
+            </a:r>
+            <a:r>
+              <a:rPr lang="de-DE" dirty="0"/>
+              <a:t> and </a:t>
+            </a:r>
+            <a:r>
+              <a:rPr lang="de-DE" dirty="0" err="1"/>
+              <a:t>build</a:t>
+            </a:r>
+            <a:r>
+              <a:rPr lang="de-DE" dirty="0"/>
+              <a:t> </a:t>
+            </a:r>
+            <a:r>
+              <a:rPr lang="de-DE" dirty="0" err="1"/>
+              <a:t>it</a:t>
+            </a:r>
+            <a:r>
+              <a:rPr lang="de-DE" dirty="0"/>
+              <a:t> </a:t>
+            </a:r>
+            <a:r>
+              <a:rPr lang="de-DE" dirty="0" err="1"/>
+              <a:t>with</a:t>
+            </a:r>
+            <a:r>
+              <a:rPr lang="de-DE" dirty="0"/>
+              <a:t> </a:t>
+            </a:r>
+            <a:r>
+              <a:rPr lang="de-DE" dirty="0" err="1"/>
+              <a:t>the</a:t>
+            </a:r>
+            <a:r>
+              <a:rPr lang="de-DE" dirty="0"/>
+              <a:t> Docker CLI</a:t>
+            </a:r>
+          </a:p>
+          <a:p>
+            <a:r>
+              <a:rPr lang="de-DE" dirty="0"/>
+              <a:t>Most </a:t>
+            </a:r>
+            <a:r>
+              <a:rPr lang="de-DE" dirty="0" err="1"/>
+              <a:t>containers</a:t>
+            </a:r>
+            <a:r>
+              <a:rPr lang="de-DE" dirty="0"/>
+              <a:t> </a:t>
+            </a:r>
+            <a:r>
+              <a:rPr lang="de-DE" dirty="0" err="1"/>
+              <a:t>are</a:t>
+            </a:r>
+            <a:r>
+              <a:rPr lang="de-DE" dirty="0"/>
+              <a:t> </a:t>
+            </a:r>
+            <a:r>
+              <a:rPr lang="de-DE" dirty="0" err="1"/>
+              <a:t>built</a:t>
+            </a:r>
+            <a:r>
+              <a:rPr lang="de-DE" dirty="0"/>
+              <a:t> </a:t>
+            </a:r>
+            <a:r>
+              <a:rPr lang="de-DE" dirty="0" err="1"/>
+              <a:t>with</a:t>
+            </a:r>
+            <a:r>
+              <a:rPr lang="de-DE" dirty="0"/>
+              <a:t> </a:t>
+            </a:r>
+            <a:r>
+              <a:rPr lang="de-DE" dirty="0" err="1"/>
+              <a:t>Dockerfiles</a:t>
+            </a:r>
+            <a:r>
+              <a:rPr lang="de-DE" dirty="0"/>
+              <a:t> </a:t>
+            </a:r>
+            <a:r>
+              <a:rPr lang="de-DE" dirty="0" err="1"/>
+              <a:t>because</a:t>
+            </a:r>
+            <a:r>
+              <a:rPr lang="de-DE" dirty="0"/>
+              <a:t> </a:t>
+            </a:r>
+            <a:r>
+              <a:rPr lang="de-DE" dirty="0" err="1"/>
+              <a:t>it‘s</a:t>
+            </a:r>
+            <a:r>
+              <a:rPr lang="de-DE" dirty="0"/>
+              <a:t> </a:t>
+            </a:r>
+            <a:r>
+              <a:rPr lang="de-DE" dirty="0" err="1"/>
+              <a:t>easier</a:t>
+            </a:r>
+            <a:r>
+              <a:rPr lang="de-DE" dirty="0"/>
+              <a:t> </a:t>
+            </a:r>
+            <a:r>
+              <a:rPr lang="de-DE" dirty="0" err="1"/>
+              <a:t>to</a:t>
+            </a:r>
+            <a:r>
+              <a:rPr lang="de-DE" dirty="0"/>
+              <a:t> </a:t>
+            </a:r>
+            <a:r>
+              <a:rPr lang="de-DE" dirty="0" err="1"/>
+              <a:t>make</a:t>
+            </a:r>
+            <a:r>
+              <a:rPr lang="de-DE" dirty="0"/>
+              <a:t> </a:t>
+            </a:r>
+            <a:r>
+              <a:rPr lang="de-DE" dirty="0" err="1"/>
+              <a:t>small</a:t>
+            </a:r>
+            <a:r>
+              <a:rPr lang="de-DE" dirty="0"/>
+              <a:t> </a:t>
+            </a:r>
+            <a:r>
+              <a:rPr lang="de-DE" dirty="0" err="1"/>
+              <a:t>changes</a:t>
+            </a:r>
+            <a:r>
+              <a:rPr lang="de-DE" dirty="0"/>
+              <a:t> and </a:t>
+            </a:r>
+            <a:r>
+              <a:rPr lang="de-DE" dirty="0" err="1"/>
+              <a:t>recreate</a:t>
+            </a:r>
+            <a:r>
+              <a:rPr lang="de-DE" dirty="0"/>
+              <a:t> an </a:t>
+            </a:r>
+            <a:r>
+              <a:rPr lang="de-DE" dirty="0" err="1"/>
+              <a:t>image</a:t>
+            </a:r>
+            <a:r>
+              <a:rPr lang="de-DE" dirty="0"/>
+              <a:t>, </a:t>
+            </a:r>
+            <a:r>
+              <a:rPr lang="de-DE" dirty="0" err="1"/>
+              <a:t>building</a:t>
+            </a:r>
+            <a:r>
+              <a:rPr lang="de-DE" dirty="0"/>
+              <a:t> </a:t>
+            </a:r>
+            <a:r>
+              <a:rPr lang="de-DE" dirty="0" err="1"/>
+              <a:t>containers</a:t>
+            </a:r>
+            <a:r>
+              <a:rPr lang="de-DE" dirty="0"/>
+              <a:t> </a:t>
+            </a:r>
+            <a:r>
+              <a:rPr lang="de-DE" dirty="0" err="1"/>
+              <a:t>manually</a:t>
+            </a:r>
+            <a:r>
+              <a:rPr lang="de-DE" dirty="0"/>
+              <a:t> </a:t>
+            </a:r>
+            <a:r>
+              <a:rPr lang="de-DE" dirty="0" err="1"/>
+              <a:t>is</a:t>
+            </a:r>
+            <a:r>
+              <a:rPr lang="de-DE" dirty="0"/>
+              <a:t> </a:t>
+            </a:r>
+            <a:r>
+              <a:rPr lang="de-DE" dirty="0" err="1"/>
+              <a:t>only</a:t>
+            </a:r>
+            <a:r>
+              <a:rPr lang="de-DE" dirty="0"/>
+              <a:t> </a:t>
+            </a:r>
+            <a:r>
+              <a:rPr lang="de-DE" dirty="0" err="1"/>
+              <a:t>acceptable</a:t>
+            </a:r>
+            <a:r>
+              <a:rPr lang="de-DE" dirty="0"/>
+              <a:t> </a:t>
+            </a:r>
+            <a:r>
+              <a:rPr lang="de-DE" dirty="0" err="1"/>
+              <a:t>for</a:t>
+            </a:r>
+            <a:r>
+              <a:rPr lang="de-DE" dirty="0"/>
+              <a:t> </a:t>
+            </a:r>
+            <a:r>
+              <a:rPr lang="de-DE"/>
+              <a:t>proof-of-concepts</a:t>
+            </a:r>
+            <a:endParaRPr lang="de-DE" dirty="0"/>
+          </a:p>
+        </p:txBody>
+      </p:sp>
+    </p:spTree>
+    <p:extLst>
+      <p:ext uri="{BB962C8B-B14F-4D97-AF65-F5344CB8AC3E}">
+        <p14:creationId xmlns:p14="http://schemas.microsoft.com/office/powerpoint/2010/main" val="4062149966"/>
+      </p:ext>
+    </p:extLst>
+  </p:cSld>
+  <p:clrMapOvr>
+    <a:masterClrMapping/>
+  </p:clrMapOvr>
+</p:sld>
+</file>
+
+<file path=ppt/slides/slide16.xml><?xml version="1.0" encoding="utf-8"?>
+<p:sld xmlns:a="http://schemas.openxmlformats.org/drawingml/2006/main" xmlns:r="http://schemas.openxmlformats.org/officeDocument/2006/relationships" xmlns:p="http://schemas.openxmlformats.org/presentationml/2006/main">
+  <p:cSld>
+    <p:spTree>
+      <p:nvGrpSpPr>
+        <p:cNvPr id="1" name=""/>
+        <p:cNvGrpSpPr/>
+        <p:nvPr/>
+      </p:nvGrpSpPr>
+      <p:grpSpPr>
+        <a:xfrm>
+          <a:off x="0" y="0"/>
+          <a:ext cx="0" cy="0"/>
+          <a:chOff x="0" y="0"/>
+          <a:chExt cx="0" cy="0"/>
+        </a:xfrm>
+      </p:grpSpPr>
+      <p:sp>
+        <p:nvSpPr>
+          <p:cNvPr id="4" name="Titel 3">
+            <a:extLst>
+              <a:ext uri="{FF2B5EF4-FFF2-40B4-BE49-F238E27FC236}">
+                <a16:creationId xmlns:a16="http://schemas.microsoft.com/office/drawing/2014/main" id="{A18A07F3-306F-4AA7-915C-597538F8F1CC}"/>
+              </a:ext>
+            </a:extLst>
+          </p:cNvPr>
+          <p:cNvSpPr>
+            <a:spLocks noGrp="1"/>
+          </p:cNvSpPr>
+          <p:nvPr>
+            <p:ph type="title"/>
+          </p:nvPr>
+        </p:nvSpPr>
+        <p:spPr/>
+        <p:txBody>
+          <a:bodyPr/>
+          <a:lstStyle/>
+          <a:p>
+            <a:r>
+              <a:rPr lang="en-US" dirty="0" err="1"/>
+              <a:t>Dockerfile</a:t>
+            </a:r>
+            <a:r>
+              <a:rPr lang="en-US" dirty="0"/>
+              <a:t> – </a:t>
+            </a:r>
+            <a:r>
+              <a:rPr lang="en-US" dirty="0" err="1"/>
+              <a:t>Beispiel</a:t>
+            </a:r>
+            <a:r>
+              <a:rPr lang="en-US" dirty="0"/>
+              <a:t> </a:t>
+            </a:r>
+            <a:r>
+              <a:rPr lang="en-US" dirty="0" err="1"/>
+              <a:t>BeakerX</a:t>
+            </a:r>
+            <a:endParaRPr lang="en-US" dirty="0"/>
+          </a:p>
+        </p:txBody>
+      </p:sp>
+      <mc:AlternateContent xmlns:mc="http://schemas.openxmlformats.org/markup-compatibility/2006">
+        <mc:Choice xmlns:we="http://schemas.microsoft.com/office/webextensions/webextension/2010/11" xmlns:pca="http://schemas.microsoft.com/office/powerpoint/2013/contentapp" Requires="we pca">
+          <p:graphicFrame>
+            <p:nvGraphicFramePr>
+              <p:cNvPr id="6" name="Inhaltsplatzhalter 5" title="Code Presenter Pro">
+                <a:extLst>
+                  <a:ext uri="{FF2B5EF4-FFF2-40B4-BE49-F238E27FC236}">
+                    <a16:creationId xmlns:a16="http://schemas.microsoft.com/office/drawing/2014/main" id="{310DA27B-5901-49C6-9C79-7F39E01A72B4}"/>
+                  </a:ext>
+                </a:extLst>
+              </p:cNvPr>
+              <p:cNvGraphicFramePr>
+                <a:graphicFrameLocks noGrp="1"/>
+              </p:cNvGraphicFramePr>
+              <p:nvPr>
+                <p:ph idx="1"/>
+              </p:nvPr>
+            </p:nvGraphicFramePr>
+            <p:xfrm>
+              <a:off x="258763" y="1403350"/>
+              <a:ext cx="8697912" cy="4846638"/>
+            </p:xfrm>
+            <a:graphic>
+              <a:graphicData uri="http://schemas.microsoft.com/office/webextensions/webextension/2010/11">
+                <we:webextensionref xmlns:we="http://schemas.microsoft.com/office/webextensions/webextension/2010/11" xmlns:r="http://schemas.openxmlformats.org/officeDocument/2006/relationships" r:id="rId3"/>
+              </a:graphicData>
+            </a:graphic>
+          </p:graphicFrame>
+        </mc:Choice>
+        <mc:Fallback>
+          <p:pic>
+            <p:nvPicPr>
+              <p:cNvPr id="6" name="Inhaltsplatzhalter 5" title="Code Presenter Pro">
+                <a:extLst>
+                  <a:ext uri="{FF2B5EF4-FFF2-40B4-BE49-F238E27FC236}">
+                    <a16:creationId xmlns:a16="http://schemas.microsoft.com/office/drawing/2014/main" id="{310DA27B-5901-49C6-9C79-7F39E01A72B4}"/>
+                  </a:ext>
+                </a:extLst>
+              </p:cNvPr>
+              <p:cNvPicPr>
+                <a:picLocks noGrp="1" noRot="1" noChangeAspect="1" noMove="1" noResize="1" noEditPoints="1" noAdjustHandles="1" noChangeArrowheads="1" noChangeShapeType="1"/>
+              </p:cNvPicPr>
+              <p:nvPr/>
+            </p:nvPicPr>
+            <p:blipFill>
+              <a:blip r:embed="rId4"/>
+              <a:stretch>
+                <a:fillRect/>
+              </a:stretch>
+            </p:blipFill>
+            <p:spPr>
+              <a:xfrm>
+                <a:off x="258763" y="1403350"/>
+                <a:ext cx="8697912" cy="4846638"/>
+              </a:xfrm>
+              <a:prstGeom prst="rect">
+                <a:avLst/>
+              </a:prstGeom>
+            </p:spPr>
+          </p:pic>
+        </mc:Fallback>
+      </mc:AlternateContent>
+    </p:spTree>
+    <p:extLst>
+      <p:ext uri="{BB962C8B-B14F-4D97-AF65-F5344CB8AC3E}">
+        <p14:creationId xmlns:p14="http://schemas.microsoft.com/office/powerpoint/2010/main" val="2987713808"/>
+      </p:ext>
+    </p:extLst>
+  </p:cSld>
+  <p:clrMapOvr>
+    <a:masterClrMapping/>
+  </p:clrMapOvr>
+</p:sld>
+</file>
+
+<file path=ppt/slides/slide17.xml><?xml version="1.0" encoding="utf-8"?>
+<p:sld xmlns:a="http://schemas.openxmlformats.org/drawingml/2006/main" xmlns:r="http://schemas.openxmlformats.org/officeDocument/2006/relationships" xmlns:p="http://schemas.openxmlformats.org/presentationml/2006/main">
+  <p:cSld>
+    <p:spTree>
+      <p:nvGrpSpPr>
+        <p:cNvPr id="1" name=""/>
+        <p:cNvGrpSpPr/>
+        <p:nvPr/>
+      </p:nvGrpSpPr>
+      <p:grpSpPr>
+        <a:xfrm>
+          <a:off x="0" y="0"/>
+          <a:ext cx="0" cy="0"/>
+          <a:chOff x="0" y="0"/>
+          <a:chExt cx="0" cy="0"/>
+        </a:xfrm>
+      </p:grpSpPr>
+      <p:sp>
+        <p:nvSpPr>
+          <p:cNvPr id="4" name="Titel 3">
+            <a:extLst>
+              <a:ext uri="{FF2B5EF4-FFF2-40B4-BE49-F238E27FC236}">
+                <a16:creationId xmlns:a16="http://schemas.microsoft.com/office/drawing/2014/main" id="{A10680A1-C0FE-493E-8D2C-96FB2384E033}"/>
+              </a:ext>
+            </a:extLst>
+          </p:cNvPr>
+          <p:cNvSpPr>
+            <a:spLocks noGrp="1"/>
+          </p:cNvSpPr>
+          <p:nvPr>
+            <p:ph type="title"/>
+          </p:nvPr>
+        </p:nvSpPr>
+        <p:spPr/>
+        <p:txBody>
+          <a:bodyPr/>
+          <a:lstStyle/>
+          <a:p>
+            <a:r>
+              <a:rPr lang="en-US" dirty="0" err="1"/>
+              <a:t>Dockerfile</a:t>
+            </a:r>
+            <a:endParaRPr lang="en-US" dirty="0"/>
+          </a:p>
+        </p:txBody>
+      </p:sp>
+      <p:graphicFrame>
+        <p:nvGraphicFramePr>
+          <p:cNvPr id="2" name="Inhaltsplatzhalter 1">
+            <a:extLst>
+              <a:ext uri="{FF2B5EF4-FFF2-40B4-BE49-F238E27FC236}">
+                <a16:creationId xmlns:a16="http://schemas.microsoft.com/office/drawing/2014/main" id="{4906C80B-A7DE-4E26-845D-2D7A48EABA71}"/>
+              </a:ext>
+            </a:extLst>
+          </p:cNvPr>
+          <p:cNvGraphicFramePr>
+            <a:graphicFrameLocks noGrp="1"/>
+          </p:cNvGraphicFramePr>
+          <p:nvPr>
+            <p:ph idx="1"/>
+            <p:extLst>
+              <p:ext uri="{D42A27DB-BD31-4B8C-83A1-F6EECF244321}">
+                <p14:modId xmlns:p14="http://schemas.microsoft.com/office/powerpoint/2010/main" val="1226902385"/>
+              </p:ext>
+            </p:extLst>
+          </p:nvPr>
+        </p:nvGraphicFramePr>
+        <p:xfrm>
+          <a:off x="258763" y="1403350"/>
+          <a:ext cx="8697912" cy="4927981"/>
+        </p:xfrm>
+        <a:graphic>
+          <a:graphicData uri="http://schemas.openxmlformats.org/drawingml/2006/table">
+            <a:tbl>
+              <a:tblPr firstRow="1" bandRow="1">
+                <a:tableStyleId>{5C22544A-7EE6-4342-B048-85BDC9FD1C3A}</a:tableStyleId>
+              </a:tblPr>
+              <a:tblGrid>
+                <a:gridCol w="4108521">
+                  <a:extLst>
+                    <a:ext uri="{9D8B030D-6E8A-4147-A177-3AD203B41FA5}">
+                      <a16:colId xmlns:a16="http://schemas.microsoft.com/office/drawing/2014/main" val="4179664450"/>
+                    </a:ext>
+                  </a:extLst>
+                </a:gridCol>
+                <a:gridCol w="4589391">
+                  <a:extLst>
+                    <a:ext uri="{9D8B030D-6E8A-4147-A177-3AD203B41FA5}">
+                      <a16:colId xmlns:a16="http://schemas.microsoft.com/office/drawing/2014/main" val="768462172"/>
+                    </a:ext>
+                  </a:extLst>
+                </a:gridCol>
+              </a:tblGrid>
+              <a:tr h="370840">
+                <a:tc>
+                  <a:txBody>
+                    <a:bodyPr/>
+                    <a:lstStyle/>
+                    <a:p>
+                      <a:r>
+                        <a:rPr lang="en-US" dirty="0"/>
+                        <a:t>Directive</a:t>
+                      </a:r>
+                    </a:p>
+                  </a:txBody>
+                  <a:tcPr/>
+                </a:tc>
+                <a:tc>
+                  <a:txBody>
+                    <a:bodyPr/>
+                    <a:lstStyle/>
+                    <a:p>
+                      <a:r>
+                        <a:rPr lang="en-US" dirty="0"/>
+                        <a:t>Explanation</a:t>
+                      </a:r>
+                    </a:p>
+                  </a:txBody>
+                  <a:tcPr/>
+                </a:tc>
+                <a:extLst>
+                  <a:ext uri="{0D108BD9-81ED-4DB2-BD59-A6C34878D82A}">
+                    <a16:rowId xmlns:a16="http://schemas.microsoft.com/office/drawing/2014/main" val="887300625"/>
+                  </a:ext>
+                </a:extLst>
+              </a:tr>
+              <a:tr h="370840">
+                <a:tc>
+                  <a:txBody>
+                    <a:bodyPr/>
+                    <a:lstStyle/>
+                    <a:p>
+                      <a:r>
+                        <a:rPr lang="en-US" dirty="0"/>
+                        <a:t>FROM &lt;image&gt;[:tag]</a:t>
+                      </a:r>
+                    </a:p>
+                  </a:txBody>
+                  <a:tcPr/>
+                </a:tc>
+                <a:tc>
+                  <a:txBody>
+                    <a:bodyPr/>
+                    <a:lstStyle/>
+                    <a:p>
+                      <a:r>
+                        <a:rPr lang="en-US" dirty="0"/>
+                        <a:t>Declares base image which will be used</a:t>
+                      </a:r>
+                    </a:p>
+                  </a:txBody>
+                  <a:tcPr/>
+                </a:tc>
+                <a:extLst>
+                  <a:ext uri="{0D108BD9-81ED-4DB2-BD59-A6C34878D82A}">
+                    <a16:rowId xmlns:a16="http://schemas.microsoft.com/office/drawing/2014/main" val="2570652970"/>
+                  </a:ext>
+                </a:extLst>
+              </a:tr>
+              <a:tr h="370840">
+                <a:tc>
+                  <a:txBody>
+                    <a:bodyPr/>
+                    <a:lstStyle/>
+                    <a:p>
+                      <a:r>
+                        <a:rPr lang="de-DE" dirty="0"/>
+                        <a:t>RUN &lt;</a:t>
+                      </a:r>
+                      <a:r>
+                        <a:rPr lang="de-DE" dirty="0" err="1"/>
+                        <a:t>command</a:t>
+                      </a:r>
+                      <a:r>
+                        <a:rPr lang="de-DE" dirty="0"/>
+                        <a:t>&gt;</a:t>
+                      </a:r>
+                      <a:endParaRPr lang="en-US" dirty="0"/>
+                    </a:p>
+                  </a:txBody>
+                  <a:tcPr/>
+                </a:tc>
+                <a:tc>
+                  <a:txBody>
+                    <a:bodyPr/>
+                    <a:lstStyle/>
+                    <a:p>
+                      <a:r>
+                        <a:rPr lang="en-US" dirty="0"/>
+                        <a:t>Command to run while building the container (creates a new layer)</a:t>
+                      </a:r>
+                    </a:p>
+                  </a:txBody>
+                  <a:tcPr/>
+                </a:tc>
+                <a:extLst>
+                  <a:ext uri="{0D108BD9-81ED-4DB2-BD59-A6C34878D82A}">
+                    <a16:rowId xmlns:a16="http://schemas.microsoft.com/office/drawing/2014/main" val="878705960"/>
+                  </a:ext>
+                </a:extLst>
+              </a:tr>
+              <a:tr h="370840">
+                <a:tc>
+                  <a:txBody>
+                    <a:bodyPr/>
+                    <a:lstStyle/>
+                    <a:p>
+                      <a:r>
+                        <a:rPr lang="de-DE" dirty="0"/>
+                        <a:t>CMD [ „</a:t>
+                      </a:r>
+                      <a:r>
+                        <a:rPr lang="de-DE" dirty="0" err="1"/>
+                        <a:t>executable</a:t>
+                      </a:r>
+                      <a:r>
+                        <a:rPr lang="de-DE" dirty="0"/>
+                        <a:t>“, „param1“, „param2“ ]</a:t>
+                      </a:r>
+                      <a:endParaRPr lang="en-US" dirty="0"/>
+                    </a:p>
+                  </a:txBody>
+                  <a:tcPr/>
+                </a:tc>
+                <a:tc>
+                  <a:txBody>
+                    <a:bodyPr/>
+                    <a:lstStyle/>
+                    <a:p>
+                      <a:r>
+                        <a:rPr lang="en-US" dirty="0"/>
+                        <a:t>Provide a default command when a new container is started</a:t>
+                      </a:r>
+                    </a:p>
+                  </a:txBody>
+                  <a:tcPr/>
+                </a:tc>
+                <a:extLst>
+                  <a:ext uri="{0D108BD9-81ED-4DB2-BD59-A6C34878D82A}">
+                    <a16:rowId xmlns:a16="http://schemas.microsoft.com/office/drawing/2014/main" val="1676345038"/>
+                  </a:ext>
+                </a:extLst>
+              </a:tr>
+              <a:tr h="370840">
+                <a:tc>
+                  <a:txBody>
+                    <a:bodyPr/>
+                    <a:lstStyle/>
+                    <a:p>
+                      <a:r>
+                        <a:rPr lang="de-DE" dirty="0"/>
+                        <a:t>EXPOSE</a:t>
+                      </a:r>
+                      <a:endParaRPr lang="en-US" dirty="0"/>
+                    </a:p>
+                  </a:txBody>
+                  <a:tcPr/>
+                </a:tc>
+                <a:tc>
+                  <a:txBody>
+                    <a:bodyPr/>
+                    <a:lstStyle/>
+                    <a:p>
+                      <a:r>
+                        <a:rPr lang="en-US" dirty="0"/>
+                        <a:t>Declare a port which will be exposed by the container (e.g. 80 for Nginx)</a:t>
+                      </a:r>
+                    </a:p>
+                  </a:txBody>
+                  <a:tcPr/>
+                </a:tc>
+                <a:extLst>
+                  <a:ext uri="{0D108BD9-81ED-4DB2-BD59-A6C34878D82A}">
+                    <a16:rowId xmlns:a16="http://schemas.microsoft.com/office/drawing/2014/main" val="1108313170"/>
+                  </a:ext>
+                </a:extLst>
+              </a:tr>
+              <a:tr h="370840">
+                <a:tc>
+                  <a:txBody>
+                    <a:bodyPr/>
+                    <a:lstStyle/>
+                    <a:p>
+                      <a:r>
+                        <a:rPr lang="de-DE" dirty="0"/>
+                        <a:t>ENV &lt;</a:t>
+                      </a:r>
+                      <a:r>
+                        <a:rPr lang="de-DE" dirty="0" err="1"/>
+                        <a:t>key</a:t>
+                      </a:r>
+                      <a:r>
+                        <a:rPr lang="de-DE" dirty="0"/>
+                        <a:t>&gt; &lt;</a:t>
+                      </a:r>
+                      <a:r>
+                        <a:rPr lang="de-DE" dirty="0" err="1"/>
+                        <a:t>value</a:t>
+                      </a:r>
+                      <a:r>
+                        <a:rPr lang="de-DE" dirty="0"/>
+                        <a:t>&gt;</a:t>
+                      </a:r>
+                      <a:endParaRPr lang="en-US" dirty="0"/>
+                    </a:p>
+                  </a:txBody>
+                  <a:tcPr/>
+                </a:tc>
+                <a:tc>
+                  <a:txBody>
+                    <a:bodyPr/>
+                    <a:lstStyle/>
+                    <a:p>
+                      <a:r>
+                        <a:rPr lang="en-US" dirty="0"/>
+                        <a:t>Declare an environment variable for the container</a:t>
+                      </a:r>
+                    </a:p>
+                  </a:txBody>
+                  <a:tcPr/>
+                </a:tc>
+                <a:extLst>
+                  <a:ext uri="{0D108BD9-81ED-4DB2-BD59-A6C34878D82A}">
+                    <a16:rowId xmlns:a16="http://schemas.microsoft.com/office/drawing/2014/main" val="3146666656"/>
+                  </a:ext>
+                </a:extLst>
+              </a:tr>
+              <a:tr h="370840">
+                <a:tc>
+                  <a:txBody>
+                    <a:bodyPr/>
+                    <a:lstStyle/>
+                    <a:p>
+                      <a:r>
+                        <a:rPr lang="de-DE" dirty="0"/>
+                        <a:t>ADD &lt;</a:t>
+                      </a:r>
+                      <a:r>
+                        <a:rPr lang="de-DE" dirty="0" err="1"/>
+                        <a:t>src</a:t>
+                      </a:r>
+                      <a:r>
+                        <a:rPr lang="de-DE" dirty="0"/>
+                        <a:t>&gt; &lt;</a:t>
+                      </a:r>
+                      <a:r>
+                        <a:rPr lang="de-DE" dirty="0" err="1"/>
+                        <a:t>dest</a:t>
+                      </a:r>
+                      <a:r>
+                        <a:rPr lang="de-DE" dirty="0"/>
+                        <a:t>&gt;</a:t>
+                      </a:r>
+                      <a:endParaRPr lang="en-US" dirty="0"/>
+                    </a:p>
+                  </a:txBody>
+                  <a:tcPr/>
+                </a:tc>
+                <a:tc>
+                  <a:txBody>
+                    <a:bodyPr/>
+                    <a:lstStyle/>
+                    <a:p>
+                      <a:r>
+                        <a:rPr lang="en-US" dirty="0"/>
+                        <a:t>Copy files or directories from local or remote URLs into the container</a:t>
+                      </a:r>
+                    </a:p>
+                  </a:txBody>
+                  <a:tcPr/>
+                </a:tc>
+                <a:extLst>
+                  <a:ext uri="{0D108BD9-81ED-4DB2-BD59-A6C34878D82A}">
+                    <a16:rowId xmlns:a16="http://schemas.microsoft.com/office/drawing/2014/main" val="3268384135"/>
+                  </a:ext>
+                </a:extLst>
+              </a:tr>
+              <a:tr h="370840">
+                <a:tc>
+                  <a:txBody>
+                    <a:bodyPr/>
+                    <a:lstStyle/>
+                    <a:p>
+                      <a:r>
+                        <a:rPr lang="de-DE" dirty="0"/>
+                        <a:t>COPY</a:t>
+                      </a:r>
+                      <a:endParaRPr lang="en-US" dirty="0"/>
+                    </a:p>
+                  </a:txBody>
+                  <a:tcPr/>
+                </a:tc>
+                <a:tc>
+                  <a:txBody>
+                    <a:bodyPr/>
+                    <a:lstStyle/>
+                    <a:p>
+                      <a:r>
+                        <a:rPr lang="en-US" dirty="0"/>
+                        <a:t>Copy files or directories from local URLs into the container</a:t>
+                      </a:r>
+                    </a:p>
+                  </a:txBody>
+                  <a:tcPr/>
+                </a:tc>
+                <a:extLst>
+                  <a:ext uri="{0D108BD9-81ED-4DB2-BD59-A6C34878D82A}">
+                    <a16:rowId xmlns:a16="http://schemas.microsoft.com/office/drawing/2014/main" val="3830072702"/>
+                  </a:ext>
+                </a:extLst>
+              </a:tr>
+              <a:tr h="370840">
+                <a:tc>
+                  <a:txBody>
+                    <a:bodyPr/>
+                    <a:lstStyle/>
+                    <a:p>
+                      <a:r>
+                        <a:rPr lang="de-DE" dirty="0"/>
+                        <a:t>ENTRYPOINT [ „</a:t>
+                      </a:r>
+                      <a:r>
+                        <a:rPr lang="de-DE" dirty="0" err="1"/>
+                        <a:t>executable</a:t>
+                      </a:r>
+                      <a:r>
+                        <a:rPr lang="de-DE" dirty="0"/>
+                        <a:t>“, „param1“, „param2“ ]</a:t>
+                      </a:r>
+                      <a:endParaRPr lang="en-US" dirty="0"/>
+                    </a:p>
+                  </a:txBody>
+                  <a:tcPr/>
+                </a:tc>
+                <a:tc>
+                  <a:txBody>
+                    <a:bodyPr/>
+                    <a:lstStyle/>
+                    <a:p>
+                      <a:r>
+                        <a:rPr lang="en-US" dirty="0"/>
+                        <a:t>Declare the </a:t>
+                      </a:r>
+                      <a:r>
+                        <a:rPr lang="en-US" dirty="0" err="1"/>
+                        <a:t>entrypoint</a:t>
+                      </a:r>
+                      <a:r>
+                        <a:rPr lang="en-US" dirty="0"/>
+                        <a:t> of the container when it’s started</a:t>
+                      </a:r>
+                    </a:p>
+                  </a:txBody>
+                  <a:tcPr/>
+                </a:tc>
+                <a:extLst>
+                  <a:ext uri="{0D108BD9-81ED-4DB2-BD59-A6C34878D82A}">
+                    <a16:rowId xmlns:a16="http://schemas.microsoft.com/office/drawing/2014/main" val="2931670196"/>
+                  </a:ext>
+                </a:extLst>
+              </a:tr>
+            </a:tbl>
+          </a:graphicData>
+        </a:graphic>
+      </p:graphicFrame>
+    </p:spTree>
+    <p:extLst>
+      <p:ext uri="{BB962C8B-B14F-4D97-AF65-F5344CB8AC3E}">
+        <p14:creationId xmlns:p14="http://schemas.microsoft.com/office/powerpoint/2010/main" val="1360839841"/>
+      </p:ext>
+    </p:extLst>
+  </p:cSld>
+  <p:clrMapOvr>
+    <a:masterClrMapping/>
+  </p:clrMapOvr>
+</p:sld>
+</file>
+
+<file path=ppt/slides/slide18.xml><?xml version="1.0" encoding="utf-8"?>
+<p:sld xmlns:a="http://schemas.openxmlformats.org/drawingml/2006/main" xmlns:r="http://schemas.openxmlformats.org/officeDocument/2006/relationships" xmlns:p="http://schemas.openxmlformats.org/presentationml/2006/main">
+  <p:cSld>
+    <p:spTree>
+      <p:nvGrpSpPr>
+        <p:cNvPr id="1" name=""/>
+        <p:cNvGrpSpPr/>
+        <p:nvPr/>
+      </p:nvGrpSpPr>
+      <p:grpSpPr>
+        <a:xfrm>
+          <a:off x="0" y="0"/>
+          <a:ext cx="0" cy="0"/>
+          <a:chOff x="0" y="0"/>
+          <a:chExt cx="0" cy="0"/>
+        </a:xfrm>
+      </p:grpSpPr>
+      <p:sp>
+        <p:nvSpPr>
+          <p:cNvPr id="4" name="Titel 3">
+            <a:extLst>
+              <a:ext uri="{FF2B5EF4-FFF2-40B4-BE49-F238E27FC236}">
+                <a16:creationId xmlns:a16="http://schemas.microsoft.com/office/drawing/2014/main" id="{03B0B359-5B37-4553-A72E-90A818DB7C2E}"/>
+              </a:ext>
+            </a:extLst>
+          </p:cNvPr>
+          <p:cNvSpPr>
+            <a:spLocks noGrp="1"/>
+          </p:cNvSpPr>
+          <p:nvPr>
+            <p:ph type="title"/>
+          </p:nvPr>
+        </p:nvSpPr>
+        <p:spPr/>
+        <p:txBody>
+          <a:bodyPr/>
+          <a:lstStyle/>
+          <a:p>
+            <a:r>
+              <a:rPr lang="en-US" dirty="0" err="1"/>
+              <a:t>Dockerfile</a:t>
+            </a:r>
+            <a:endParaRPr lang="en-US" dirty="0"/>
+          </a:p>
+        </p:txBody>
+      </p:sp>
+      <p:graphicFrame>
+        <p:nvGraphicFramePr>
+          <p:cNvPr id="6" name="Inhaltsplatzhalter 5">
+            <a:extLst>
+              <a:ext uri="{FF2B5EF4-FFF2-40B4-BE49-F238E27FC236}">
+                <a16:creationId xmlns:a16="http://schemas.microsoft.com/office/drawing/2014/main" id="{2BB7D1C6-72DF-4F74-A1FD-D7E23A8404EB}"/>
+              </a:ext>
+            </a:extLst>
+          </p:cNvPr>
+          <p:cNvGraphicFramePr>
+            <a:graphicFrameLocks noGrp="1"/>
+          </p:cNvGraphicFramePr>
+          <p:nvPr>
+            <p:ph idx="1"/>
+            <p:extLst>
+              <p:ext uri="{D42A27DB-BD31-4B8C-83A1-F6EECF244321}">
+                <p14:modId xmlns:p14="http://schemas.microsoft.com/office/powerpoint/2010/main" val="269230145"/>
+              </p:ext>
+            </p:extLst>
+          </p:nvPr>
+        </p:nvGraphicFramePr>
+        <p:xfrm>
+          <a:off x="258763" y="1403350"/>
+          <a:ext cx="8697912" cy="3684779"/>
+        </p:xfrm>
+        <a:graphic>
+          <a:graphicData uri="http://schemas.openxmlformats.org/drawingml/2006/table">
+            <a:tbl>
+              <a:tblPr firstRow="1" bandRow="1">
+                <a:tableStyleId>{5C22544A-7EE6-4342-B048-85BDC9FD1C3A}</a:tableStyleId>
+              </a:tblPr>
+              <a:tblGrid>
+                <a:gridCol w="4348956">
+                  <a:extLst>
+                    <a:ext uri="{9D8B030D-6E8A-4147-A177-3AD203B41FA5}">
+                      <a16:colId xmlns:a16="http://schemas.microsoft.com/office/drawing/2014/main" val="3368871101"/>
+                    </a:ext>
+                  </a:extLst>
+                </a:gridCol>
+                <a:gridCol w="4348956">
+                  <a:extLst>
+                    <a:ext uri="{9D8B030D-6E8A-4147-A177-3AD203B41FA5}">
+                      <a16:colId xmlns:a16="http://schemas.microsoft.com/office/drawing/2014/main" val="3885861514"/>
+                    </a:ext>
+                  </a:extLst>
+                </a:gridCol>
+              </a:tblGrid>
+              <a:tr h="370840">
+                <a:tc>
+                  <a:txBody>
+                    <a:bodyPr/>
+                    <a:lstStyle/>
+                    <a:p>
+                      <a:r>
+                        <a:rPr lang="en-US" dirty="0"/>
+                        <a:t>Directive</a:t>
+                      </a:r>
+                    </a:p>
+                  </a:txBody>
+                  <a:tcPr/>
+                </a:tc>
+                <a:tc>
+                  <a:txBody>
+                    <a:bodyPr/>
+                    <a:lstStyle/>
+                    <a:p>
+                      <a:r>
+                        <a:rPr lang="en-US" dirty="0"/>
+                        <a:t>Explanation</a:t>
+                      </a:r>
+                    </a:p>
+                  </a:txBody>
+                  <a:tcPr/>
+                </a:tc>
+                <a:extLst>
+                  <a:ext uri="{0D108BD9-81ED-4DB2-BD59-A6C34878D82A}">
+                    <a16:rowId xmlns:a16="http://schemas.microsoft.com/office/drawing/2014/main" val="2026998094"/>
+                  </a:ext>
+                </a:extLst>
+              </a:tr>
+              <a:tr h="370840">
+                <a:tc>
+                  <a:txBody>
+                    <a:bodyPr/>
+                    <a:lstStyle/>
+                    <a:p>
+                      <a:pPr marL="0" marR="0" lvl="0" indent="0" algn="l" defTabSz="844083" rtl="0" eaLnBrk="1" fontAlgn="auto" latinLnBrk="0" hangingPunct="1">
+                        <a:lnSpc>
+                          <a:spcPct val="100000"/>
+                        </a:lnSpc>
+                        <a:spcBef>
+                          <a:spcPts val="0"/>
+                        </a:spcBef>
+                        <a:spcAft>
+                          <a:spcPts val="0"/>
+                        </a:spcAft>
+                        <a:buClrTx/>
+                        <a:buSzTx/>
+                        <a:buFontTx/>
+                        <a:buNone/>
+                        <a:tabLst/>
+                        <a:defRPr/>
+                      </a:pPr>
+                      <a:r>
+                        <a:rPr lang="en-US" dirty="0"/>
+                        <a:t>VOLUME [ “/data” ]</a:t>
+                      </a:r>
+                    </a:p>
+                  </a:txBody>
+                  <a:tcPr/>
+                </a:tc>
+                <a:tc>
+                  <a:txBody>
+                    <a:bodyPr/>
+                    <a:lstStyle/>
+                    <a:p>
+                      <a:r>
+                        <a:rPr lang="en-US" dirty="0"/>
+                        <a:t>Create a mount point to share data between the host and a container or between containers (persistence!)</a:t>
+                      </a:r>
+                    </a:p>
+                  </a:txBody>
+                  <a:tcPr/>
+                </a:tc>
+                <a:extLst>
+                  <a:ext uri="{0D108BD9-81ED-4DB2-BD59-A6C34878D82A}">
+                    <a16:rowId xmlns:a16="http://schemas.microsoft.com/office/drawing/2014/main" val="630403601"/>
+                  </a:ext>
+                </a:extLst>
+              </a:tr>
+              <a:tr h="370840">
+                <a:tc>
+                  <a:txBody>
+                    <a:bodyPr/>
+                    <a:lstStyle/>
+                    <a:p>
+                      <a:pPr marL="0" marR="0" lvl="0" indent="0" algn="l" defTabSz="844083" rtl="0" eaLnBrk="1" fontAlgn="auto" latinLnBrk="0" hangingPunct="1">
+                        <a:lnSpc>
+                          <a:spcPct val="100000"/>
+                        </a:lnSpc>
+                        <a:spcBef>
+                          <a:spcPts val="0"/>
+                        </a:spcBef>
+                        <a:spcAft>
+                          <a:spcPts val="0"/>
+                        </a:spcAft>
+                        <a:buClrTx/>
+                        <a:buSzTx/>
+                        <a:buFontTx/>
+                        <a:buNone/>
+                        <a:tabLst/>
+                        <a:defRPr/>
+                      </a:pPr>
+                      <a:r>
+                        <a:rPr lang="en-US" dirty="0"/>
+                        <a:t>USER &lt;user&gt;[:group]</a:t>
+                      </a:r>
+                    </a:p>
+                  </a:txBody>
+                  <a:tcPr/>
+                </a:tc>
+                <a:tc>
+                  <a:txBody>
+                    <a:bodyPr/>
+                    <a:lstStyle/>
+                    <a:p>
+                      <a:r>
+                        <a:rPr lang="en-US" dirty="0"/>
+                        <a:t>Set the user context (and optionally the group) for all following RUN, CMD and ENTRYPOINT in the </a:t>
+                      </a:r>
+                      <a:r>
+                        <a:rPr lang="en-US" dirty="0" err="1"/>
+                        <a:t>Dockerfile</a:t>
+                      </a:r>
+                      <a:endParaRPr lang="en-US" dirty="0"/>
+                    </a:p>
+                  </a:txBody>
+                  <a:tcPr/>
+                </a:tc>
+                <a:extLst>
+                  <a:ext uri="{0D108BD9-81ED-4DB2-BD59-A6C34878D82A}">
+                    <a16:rowId xmlns:a16="http://schemas.microsoft.com/office/drawing/2014/main" val="3695873739"/>
+                  </a:ext>
+                </a:extLst>
+              </a:tr>
+              <a:tr h="370840">
+                <a:tc>
+                  <a:txBody>
+                    <a:bodyPr/>
+                    <a:lstStyle/>
+                    <a:p>
+                      <a:pPr marL="0" marR="0" lvl="0" indent="0" algn="l" defTabSz="844083" rtl="0" eaLnBrk="1" fontAlgn="auto" latinLnBrk="0" hangingPunct="1">
+                        <a:lnSpc>
+                          <a:spcPct val="100000"/>
+                        </a:lnSpc>
+                        <a:spcBef>
+                          <a:spcPts val="0"/>
+                        </a:spcBef>
+                        <a:spcAft>
+                          <a:spcPts val="0"/>
+                        </a:spcAft>
+                        <a:buClrTx/>
+                        <a:buSzTx/>
+                        <a:buFontTx/>
+                        <a:buNone/>
+                        <a:tabLst/>
+                        <a:defRPr/>
+                      </a:pPr>
+                      <a:r>
+                        <a:rPr lang="en-US" dirty="0"/>
+                        <a:t>WORKDIR /path/to/</a:t>
+                      </a:r>
+                      <a:r>
+                        <a:rPr lang="en-US" dirty="0" err="1"/>
+                        <a:t>workdir</a:t>
+                      </a:r>
+                      <a:endParaRPr lang="en-US" dirty="0"/>
+                    </a:p>
+                  </a:txBody>
+                  <a:tcPr/>
+                </a:tc>
+                <a:tc>
+                  <a:txBody>
+                    <a:bodyPr/>
+                    <a:lstStyle/>
+                    <a:p>
+                      <a:r>
+                        <a:rPr lang="en-US" dirty="0"/>
+                        <a:t>Sets the working directory for every following RUN, CMD, ENTRYPOINT, ADD or COPY command, can be used multiple times in one </a:t>
+                      </a:r>
+                      <a:r>
+                        <a:rPr lang="en-US" dirty="0" err="1"/>
+                        <a:t>Dockerfile</a:t>
+                      </a:r>
+                      <a:r>
+                        <a:rPr lang="en-US" dirty="0"/>
+                        <a:t>, the directory will be created if it does not exist, the path can also </a:t>
+                      </a:r>
+                      <a:r>
+                        <a:rPr lang="en-US"/>
+                        <a:t>be relative</a:t>
+                      </a:r>
+                      <a:endParaRPr lang="en-US" dirty="0"/>
+                    </a:p>
+                  </a:txBody>
+                  <a:tcPr/>
+                </a:tc>
+                <a:extLst>
+                  <a:ext uri="{0D108BD9-81ED-4DB2-BD59-A6C34878D82A}">
+                    <a16:rowId xmlns:a16="http://schemas.microsoft.com/office/drawing/2014/main" val="815849204"/>
+                  </a:ext>
+                </a:extLst>
+              </a:tr>
+            </a:tbl>
+          </a:graphicData>
+        </a:graphic>
+      </p:graphicFrame>
+      <p:sp>
+        <p:nvSpPr>
+          <p:cNvPr id="7" name="Textfeld 6">
+            <a:extLst>
+              <a:ext uri="{FF2B5EF4-FFF2-40B4-BE49-F238E27FC236}">
+                <a16:creationId xmlns:a16="http://schemas.microsoft.com/office/drawing/2014/main" id="{83886AA8-AD2D-42D9-9E0A-B776AE342C41}"/>
+              </a:ext>
+            </a:extLst>
+          </p:cNvPr>
+          <p:cNvSpPr txBox="1"/>
+          <p:nvPr/>
+        </p:nvSpPr>
+        <p:spPr>
+          <a:xfrm>
+            <a:off x="258763" y="5970895"/>
+            <a:ext cx="8359254" cy="369332"/>
+          </a:xfrm>
+          <a:prstGeom prst="rect">
+            <a:avLst/>
+          </a:prstGeom>
+          <a:noFill/>
+        </p:spPr>
+        <p:txBody>
+          <a:bodyPr wrap="square" rtlCol="0">
+            <a:spAutoFit/>
+          </a:bodyPr>
+          <a:lstStyle/>
+          <a:p>
+            <a:r>
+              <a:rPr lang="en-US" dirty="0"/>
+              <a:t>Quelle: https://docs.docker.com/engine/reference/builder/</a:t>
+            </a:r>
+          </a:p>
+        </p:txBody>
+      </p:sp>
+    </p:spTree>
+    <p:extLst>
+      <p:ext uri="{BB962C8B-B14F-4D97-AF65-F5344CB8AC3E}">
+        <p14:creationId xmlns:p14="http://schemas.microsoft.com/office/powerpoint/2010/main" val="3922777106"/>
       </p:ext>
     </p:extLst>
   </p:cSld>
@@ -9294,4 +11476,18 @@
     </a:ext>
   </a:extLst>
 </a:theme>
+</file>
+
+<file path=ppt/webextensions/webextension1.xml><?xml version="1.0" encoding="utf-8"?>
+<we:webextension xmlns:we="http://schemas.microsoft.com/office/webextensions/webextension/2010/11" id="{C7503F24-31A4-44F9-8697-76BB9F70E0F7}">
+  <we:reference id="wa104379263" version="1.0.0.1" store="de-DE" storeType="OMEX"/>
+  <we:alternateReferences>
+    <we:reference id="wa104379263" version="1.0.0.1" store="wa104379263" storeType="OMEX"/>
+  </we:alternateReferences>
+  <we:properties>
+    <we:property name="config" value="{&quot;display_lang&quot;:&quot;en&quot;,&quot;display_font&quot;:&quot;Consolas&quot;,&quot;syntax_color&quot;:{&quot;Reserved words&quot;:&quot;#0000ff&quot;,&quot;Modules,Classes,Exceptions&quot;:&quot;#FF0000&quot;,&quot;Methods&quot;:&quot;#008080&quot;,&quot;Attributes&quot;:&quot;#808000&quot;,&quot;Line comment&quot;:&quot;#008000&quot;,&quot;Block comment&quot;:&quot;#008000&quot;,&quot;Block comment 2&quot;:&quot;#008000&quot;,&quot;Quotation&quot;:&quot;#FF00FF&quot;,&quot;Quotation 2&quot;:&quot;#FF00FF&quot;,&quot;Number&quot;:&quot;#800080&quot;},&quot;old_syntax_color&quot;:{&quot;Reserved words&quot;:&quot;#0000FF&quot;,&quot;Modules,Classes,Exceptions&quot;:&quot;#FF0000&quot;,&quot;Methods&quot;:&quot;#008080&quot;,&quot;Attributes&quot;:&quot;#808000&quot;,&quot;Line comment&quot;:&quot;#008000&quot;,&quot;Block comment&quot;:&quot;#008000&quot;,&quot;Block comment 2&quot;:&quot;#008000&quot;,&quot;Quotation&quot;:&quot;#FF00FF&quot;,&quot;Quotation 2&quot;:&quot;#FF00FF&quot;,&quot;Number&quot;:&quot;#800080&quot;},&quot;show_line_number&quot;:true,&quot;code_lang&quot;:&quot;py&quot;,&quot;code&quot;:&quot;FROM beakerx-base:latest\n\nMAINTAINER BeakerX Feedback &lt;beakerx-feedback@twosigma.com&gt;\n\nENV SHELL /bin/bash\nENV NB_UID 1000\nENV HOME /home/$NB_USER\n\nCOPY docker/setup.sh /home/beakerx\nCOPY docker/start.sh /usr/local/bin/\nCOPY docker/start-notebook.sh /usr/local/bin/\nCOPY docker/start-singleuser.sh /usr/local/bin/\nCOPY docker/jupyter_notebook_config.py /etc/jupyter/\n\nCOPY / $HOME\n\nRUN chown -R beakerx:beakerx /home/beakerx\n\nUSER $NB_USER\nWORKDIR $HOME\n\nRUN /home/beakerx/setup.sh\n\nEXPOSE 8888\n\nCMD [\&quot;start-notebook.sh\&quot;]&quot;,&quot;ctags&quot;:{}}"/>
+  </we:properties>
+  <we:bindings/>
+  <we:snapshot xmlns:r="http://schemas.openxmlformats.org/officeDocument/2006/relationships" r:embed="rId1"/>
+</we:webextension>
 </file>
--- a/02-Container-and-Provisioning/ContainerProvisioning.pptx
+++ b/02-Container-and-Provisioning/ContainerProvisioning.pptx
@@ -5,7 +5,7 @@
     <p:sldMasterId id="2147483672" r:id="rId1"/>
   </p:sldMasterIdLst>
   <p:notesMasterIdLst>
-    <p:notesMasterId r:id="rId20"/>
+    <p:notesMasterId r:id="rId24"/>
   </p:notesMasterIdLst>
   <p:sldIdLst>
     <p:sldId id="256" r:id="rId2"/>
@@ -26,6 +26,10 @@
     <p:sldId id="273" r:id="rId17"/>
     <p:sldId id="274" r:id="rId18"/>
     <p:sldId id="275" r:id="rId19"/>
+    <p:sldId id="276" r:id="rId20"/>
+    <p:sldId id="277" r:id="rId21"/>
+    <p:sldId id="279" r:id="rId22"/>
+    <p:sldId id="278" r:id="rId23"/>
   </p:sldIdLst>
   <p:sldSz cx="9144000" cy="6858000" type="screen4x3"/>
   <p:notesSz cx="6858000" cy="9144000"/>
@@ -147,6 +151,10 @@
             <p14:sldId id="273"/>
             <p14:sldId id="274"/>
             <p14:sldId id="275"/>
+            <p14:sldId id="276"/>
+            <p14:sldId id="277"/>
+            <p14:sldId id="279"/>
+            <p14:sldId id="278"/>
           </p14:sldIdLst>
         </p14:section>
       </p14:sectionLst>
@@ -2947,7 +2955,7 @@
           <a:p>
             <a:r>
               <a:rPr lang="de-DE" dirty="0"/>
-              <a:t>Docker CLI - Basics</a:t>
+              <a:t>Docker CLI – Basics</a:t>
             </a:r>
             <a:endParaRPr lang="en-US" dirty="0"/>
           </a:p>
@@ -3493,9 +3501,10 @@
           <a:lstStyle/>
           <a:p>
             <a:r>
-              <a:rPr lang="en-US" dirty="0"/>
-              <a:t>Docker CLI</a:t>
-            </a:r>
+              <a:rPr lang="de-DE" dirty="0"/>
+              <a:t>Docker CLI – Basics</a:t>
+            </a:r>
+            <a:endParaRPr lang="en-US" dirty="0"/>
           </a:p>
         </p:txBody>
       </p:sp>
@@ -5350,7 +5359,10 @@
               <a:rPr lang="en-US" dirty="0" err="1"/>
               <a:t>Dockerfile</a:t>
             </a:r>
-            <a:endParaRPr lang="en-US" dirty="0"/>
+            <a:r>
+              <a:rPr lang="en-US" dirty="0"/>
+              <a:t> – Basics</a:t>
+            </a:r>
           </a:p>
         </p:txBody>
       </p:sp>
@@ -5828,7 +5840,10 @@
               <a:rPr lang="en-US" dirty="0" err="1"/>
               <a:t>Dockerfile</a:t>
             </a:r>
-            <a:endParaRPr lang="en-US" dirty="0"/>
+            <a:r>
+              <a:rPr lang="en-US" dirty="0"/>
+              <a:t> – Basics</a:t>
+            </a:r>
           </a:p>
         </p:txBody>
       </p:sp>
@@ -6137,6 +6152,113 @@
 </p:sld>
 </file>
 
+<file path=ppt/slides/slide19.xml><?xml version="1.0" encoding="utf-8"?>
+<p:sld xmlns:a="http://schemas.openxmlformats.org/drawingml/2006/main" xmlns:r="http://schemas.openxmlformats.org/officeDocument/2006/relationships" xmlns:p="http://schemas.openxmlformats.org/presentationml/2006/main">
+  <p:cSld>
+    <p:spTree>
+      <p:nvGrpSpPr>
+        <p:cNvPr id="1" name=""/>
+        <p:cNvGrpSpPr/>
+        <p:nvPr/>
+      </p:nvGrpSpPr>
+      <p:grpSpPr>
+        <a:xfrm>
+          <a:off x="0" y="0"/>
+          <a:ext cx="0" cy="0"/>
+          <a:chOff x="0" y="0"/>
+          <a:chExt cx="0" cy="0"/>
+        </a:xfrm>
+      </p:grpSpPr>
+      <p:sp>
+        <p:nvSpPr>
+          <p:cNvPr id="4" name="Titel 3">
+            <a:extLst>
+              <a:ext uri="{FF2B5EF4-FFF2-40B4-BE49-F238E27FC236}">
+                <a16:creationId xmlns:a16="http://schemas.microsoft.com/office/drawing/2014/main" id="{A2F044AE-3CD7-412D-9F46-1AB8286BDC5F}"/>
+              </a:ext>
+            </a:extLst>
+          </p:cNvPr>
+          <p:cNvSpPr>
+            <a:spLocks noGrp="1"/>
+          </p:cNvSpPr>
+          <p:nvPr>
+            <p:ph type="title"/>
+          </p:nvPr>
+        </p:nvSpPr>
+        <p:spPr/>
+        <p:txBody>
+          <a:bodyPr/>
+          <a:lstStyle/>
+          <a:p>
+            <a:r>
+              <a:rPr lang="en-US" dirty="0"/>
+              <a:t>Docker-Compose</a:t>
+            </a:r>
+          </a:p>
+        </p:txBody>
+      </p:sp>
+      <p:pic>
+        <p:nvPicPr>
+          <p:cNvPr id="1026" name="Picture 2" descr="https://www.baptiste-donaux.fr/tutoriel-symfony-docker-compose-v2/cover.png">
+            <a:extLst>
+              <a:ext uri="{FF2B5EF4-FFF2-40B4-BE49-F238E27FC236}">
+                <a16:creationId xmlns:a16="http://schemas.microsoft.com/office/drawing/2014/main" id="{3FF6CC7F-E191-4A89-9FA3-4F1515BCEA8C}"/>
+              </a:ext>
+            </a:extLst>
+          </p:cNvPr>
+          <p:cNvPicPr>
+            <a:picLocks noGrp="1" noChangeAspect="1" noChangeArrowheads="1"/>
+          </p:cNvPicPr>
+          <p:nvPr>
+            <p:ph idx="1"/>
+          </p:nvPr>
+        </p:nvPicPr>
+        <p:blipFill>
+          <a:blip r:embed="rId2">
+            <a:extLst>
+              <a:ext uri="{28A0092B-C50C-407E-A947-70E740481C1C}">
+                <a14:useLocalDpi xmlns:a14="http://schemas.microsoft.com/office/drawing/2010/main" val="0"/>
+              </a:ext>
+            </a:extLst>
+          </a:blip>
+          <a:srcRect/>
+          <a:stretch>
+            <a:fillRect/>
+          </a:stretch>
+        </p:blipFill>
+        <p:spPr bwMode="auto">
+          <a:xfrm>
+            <a:off x="2086799" y="1549021"/>
+            <a:ext cx="4464024" cy="4395751"/>
+          </a:xfrm>
+          <a:prstGeom prst="rect">
+            <a:avLst/>
+          </a:prstGeom>
+          <a:noFill/>
+          <a:extLst>
+            <a:ext uri="{909E8E84-426E-40DD-AFC4-6F175D3DCCD1}">
+              <a14:hiddenFill xmlns:a14="http://schemas.microsoft.com/office/drawing/2010/main">
+                <a:solidFill>
+                  <a:srgbClr val="FFFFFF"/>
+                </a:solidFill>
+              </a14:hiddenFill>
+            </a:ext>
+          </a:extLst>
+        </p:spPr>
+      </p:pic>
+    </p:spTree>
+    <p:extLst>
+      <p:ext uri="{BB962C8B-B14F-4D97-AF65-F5344CB8AC3E}">
+        <p14:creationId xmlns:p14="http://schemas.microsoft.com/office/powerpoint/2010/main" val="683329068"/>
+      </p:ext>
+    </p:extLst>
+  </p:cSld>
+  <p:clrMapOvr>
+    <a:masterClrMapping/>
+  </p:clrMapOvr>
+</p:sld>
+</file>
+
 <file path=ppt/slides/slide2.xml><?xml version="1.0" encoding="utf-8"?>
 <p:sld xmlns:a="http://schemas.openxmlformats.org/drawingml/2006/main" xmlns:r="http://schemas.openxmlformats.org/officeDocument/2006/relationships" xmlns:p="http://schemas.openxmlformats.org/presentationml/2006/main">
   <p:cSld>
@@ -6280,6 +6402,525 @@
     <p:extLst>
       <p:ext uri="{BB962C8B-B14F-4D97-AF65-F5344CB8AC3E}">
         <p14:creationId xmlns:p14="http://schemas.microsoft.com/office/powerpoint/2010/main" val="1328062920"/>
+      </p:ext>
+    </p:extLst>
+  </p:cSld>
+  <p:clrMapOvr>
+    <a:masterClrMapping/>
+  </p:clrMapOvr>
+</p:sld>
+</file>
+
+<file path=ppt/slides/slide20.xml><?xml version="1.0" encoding="utf-8"?>
+<p:sld xmlns:a="http://schemas.openxmlformats.org/drawingml/2006/main" xmlns:r="http://schemas.openxmlformats.org/officeDocument/2006/relationships" xmlns:p="http://schemas.openxmlformats.org/presentationml/2006/main">
+  <p:cSld>
+    <p:spTree>
+      <p:nvGrpSpPr>
+        <p:cNvPr id="1" name=""/>
+        <p:cNvGrpSpPr/>
+        <p:nvPr/>
+      </p:nvGrpSpPr>
+      <p:grpSpPr>
+        <a:xfrm>
+          <a:off x="0" y="0"/>
+          <a:ext cx="0" cy="0"/>
+          <a:chOff x="0" y="0"/>
+          <a:chExt cx="0" cy="0"/>
+        </a:xfrm>
+      </p:grpSpPr>
+      <p:sp>
+        <p:nvSpPr>
+          <p:cNvPr id="4" name="Titel 3">
+            <a:extLst>
+              <a:ext uri="{FF2B5EF4-FFF2-40B4-BE49-F238E27FC236}">
+                <a16:creationId xmlns:a16="http://schemas.microsoft.com/office/drawing/2014/main" id="{64816E36-ECC9-49EF-8274-EFFF15E4958C}"/>
+              </a:ext>
+            </a:extLst>
+          </p:cNvPr>
+          <p:cNvSpPr>
+            <a:spLocks noGrp="1"/>
+          </p:cNvSpPr>
+          <p:nvPr>
+            <p:ph type="title"/>
+          </p:nvPr>
+        </p:nvSpPr>
+        <p:spPr/>
+        <p:txBody>
+          <a:bodyPr/>
+          <a:lstStyle/>
+          <a:p>
+            <a:r>
+              <a:rPr lang="en-US" dirty="0"/>
+              <a:t>Docker-Compose</a:t>
+            </a:r>
+          </a:p>
+        </p:txBody>
+      </p:sp>
+      <p:pic>
+        <p:nvPicPr>
+          <p:cNvPr id="2050" name="Picture 2" descr="Schéma des conteneurs">
+            <a:extLst>
+              <a:ext uri="{FF2B5EF4-FFF2-40B4-BE49-F238E27FC236}">
+                <a16:creationId xmlns:a16="http://schemas.microsoft.com/office/drawing/2014/main" id="{3C6C378E-69E1-46E2-9BC9-D271AB12CE88}"/>
+              </a:ext>
+            </a:extLst>
+          </p:cNvPr>
+          <p:cNvPicPr>
+            <a:picLocks noGrp="1" noChangeAspect="1" noChangeArrowheads="1"/>
+          </p:cNvPicPr>
+          <p:nvPr>
+            <p:ph idx="1"/>
+          </p:nvPr>
+        </p:nvPicPr>
+        <p:blipFill>
+          <a:blip r:embed="rId2">
+            <a:extLst>
+              <a:ext uri="{28A0092B-C50C-407E-A947-70E740481C1C}">
+                <a14:useLocalDpi xmlns:a14="http://schemas.microsoft.com/office/drawing/2010/main" val="0"/>
+              </a:ext>
+            </a:extLst>
+          </a:blip>
+          <a:srcRect/>
+          <a:stretch>
+            <a:fillRect/>
+          </a:stretch>
+        </p:blipFill>
+        <p:spPr bwMode="auto">
+          <a:xfrm>
+            <a:off x="258763" y="1898716"/>
+            <a:ext cx="8697912" cy="3855905"/>
+          </a:xfrm>
+          <a:prstGeom prst="rect">
+            <a:avLst/>
+          </a:prstGeom>
+          <a:noFill/>
+          <a:extLst>
+            <a:ext uri="{909E8E84-426E-40DD-AFC4-6F175D3DCCD1}">
+              <a14:hiddenFill xmlns:a14="http://schemas.microsoft.com/office/drawing/2010/main">
+                <a:solidFill>
+                  <a:srgbClr val="FFFFFF"/>
+                </a:solidFill>
+              </a14:hiddenFill>
+            </a:ext>
+          </a:extLst>
+        </p:spPr>
+      </p:pic>
+      <p:sp>
+        <p:nvSpPr>
+          <p:cNvPr id="6" name="Textfeld 5">
+            <a:extLst>
+              <a:ext uri="{FF2B5EF4-FFF2-40B4-BE49-F238E27FC236}">
+                <a16:creationId xmlns:a16="http://schemas.microsoft.com/office/drawing/2014/main" id="{33673F1E-5A2F-4F6E-B36C-0A7371E0D142}"/>
+              </a:ext>
+            </a:extLst>
+          </p:cNvPr>
+          <p:cNvSpPr txBox="1"/>
+          <p:nvPr/>
+        </p:nvSpPr>
+        <p:spPr>
+          <a:xfrm>
+            <a:off x="258763" y="6066851"/>
+            <a:ext cx="8413845" cy="369332"/>
+          </a:xfrm>
+          <a:prstGeom prst="rect">
+            <a:avLst/>
+          </a:prstGeom>
+          <a:noFill/>
+        </p:spPr>
+        <p:txBody>
+          <a:bodyPr wrap="square" rtlCol="0">
+            <a:spAutoFit/>
+          </a:bodyPr>
+          <a:lstStyle/>
+          <a:p>
+            <a:r>
+              <a:rPr lang="en-US" dirty="0">
+                <a:hlinkClick r:id="rId3"/>
+              </a:rPr>
+              <a:t>Quelle</a:t>
+            </a:r>
+            <a:endParaRPr lang="en-US" dirty="0"/>
+          </a:p>
+        </p:txBody>
+      </p:sp>
+    </p:spTree>
+    <p:extLst>
+      <p:ext uri="{BB962C8B-B14F-4D97-AF65-F5344CB8AC3E}">
+        <p14:creationId xmlns:p14="http://schemas.microsoft.com/office/powerpoint/2010/main" val="3363554341"/>
+      </p:ext>
+    </p:extLst>
+  </p:cSld>
+  <p:clrMapOvr>
+    <a:masterClrMapping/>
+  </p:clrMapOvr>
+</p:sld>
+</file>
+
+<file path=ppt/slides/slide21.xml><?xml version="1.0" encoding="utf-8"?>
+<p:sld xmlns:a="http://schemas.openxmlformats.org/drawingml/2006/main" xmlns:r="http://schemas.openxmlformats.org/officeDocument/2006/relationships" xmlns:p="http://schemas.openxmlformats.org/presentationml/2006/main">
+  <p:cSld>
+    <p:spTree>
+      <p:nvGrpSpPr>
+        <p:cNvPr id="1" name=""/>
+        <p:cNvGrpSpPr/>
+        <p:nvPr/>
+      </p:nvGrpSpPr>
+      <p:grpSpPr>
+        <a:xfrm>
+          <a:off x="0" y="0"/>
+          <a:ext cx="0" cy="0"/>
+          <a:chOff x="0" y="0"/>
+          <a:chExt cx="0" cy="0"/>
+        </a:xfrm>
+      </p:grpSpPr>
+      <p:sp>
+        <p:nvSpPr>
+          <p:cNvPr id="4" name="Titel 3">
+            <a:extLst>
+              <a:ext uri="{FF2B5EF4-FFF2-40B4-BE49-F238E27FC236}">
+                <a16:creationId xmlns:a16="http://schemas.microsoft.com/office/drawing/2014/main" id="{57C7E06E-1C11-4749-A4F6-4E775151A273}"/>
+              </a:ext>
+            </a:extLst>
+          </p:cNvPr>
+          <p:cNvSpPr>
+            <a:spLocks noGrp="1"/>
+          </p:cNvSpPr>
+          <p:nvPr>
+            <p:ph type="title"/>
+          </p:nvPr>
+        </p:nvSpPr>
+        <p:spPr/>
+        <p:txBody>
+          <a:bodyPr/>
+          <a:lstStyle/>
+          <a:p>
+            <a:r>
+              <a:rPr lang="en-US" dirty="0"/>
+              <a:t>Docker-Compose</a:t>
+            </a:r>
+          </a:p>
+        </p:txBody>
+      </p:sp>
+      <p:sp>
+        <p:nvSpPr>
+          <p:cNvPr id="5" name="Inhaltsplatzhalter 4">
+            <a:extLst>
+              <a:ext uri="{FF2B5EF4-FFF2-40B4-BE49-F238E27FC236}">
+                <a16:creationId xmlns:a16="http://schemas.microsoft.com/office/drawing/2014/main" id="{8E464DB5-4E8A-41DD-85E4-E4A30E1C3A8C}"/>
+              </a:ext>
+            </a:extLst>
+          </p:cNvPr>
+          <p:cNvSpPr>
+            <a:spLocks noGrp="1"/>
+          </p:cNvSpPr>
+          <p:nvPr>
+            <p:ph idx="1"/>
+          </p:nvPr>
+        </p:nvSpPr>
+        <p:spPr/>
+        <p:txBody>
+          <a:bodyPr/>
+          <a:lstStyle/>
+          <a:p>
+            <a:r>
+              <a:rPr lang="en-US" dirty="0"/>
+              <a:t>Tool to create multi-container applications</a:t>
+            </a:r>
+          </a:p>
+          <a:p>
+            <a:r>
+              <a:rPr lang="en-US" dirty="0"/>
+              <a:t>Define all </a:t>
+            </a:r>
+            <a:r>
+              <a:rPr lang="en-US" i="1" dirty="0"/>
+              <a:t>services</a:t>
+            </a:r>
+            <a:r>
+              <a:rPr lang="en-US" dirty="0"/>
+              <a:t> the application consists of</a:t>
+            </a:r>
+          </a:p>
+          <a:p>
+            <a:r>
+              <a:rPr lang="en-US" dirty="0"/>
+              <a:t>Separate </a:t>
+            </a:r>
+            <a:r>
+              <a:rPr lang="en-US" i="1" dirty="0"/>
+              <a:t>services</a:t>
+            </a:r>
+            <a:r>
+              <a:rPr lang="en-US" dirty="0"/>
+              <a:t> optionally in multiple </a:t>
+            </a:r>
+            <a:r>
+              <a:rPr lang="en-US" i="1" dirty="0"/>
+              <a:t>networks</a:t>
+            </a:r>
+            <a:endParaRPr lang="en-US" dirty="0"/>
+          </a:p>
+          <a:p>
+            <a:r>
+              <a:rPr lang="en-US" dirty="0"/>
+              <a:t>Configure </a:t>
+            </a:r>
+            <a:r>
+              <a:rPr lang="en-US" i="1" dirty="0"/>
+              <a:t>services</a:t>
+            </a:r>
+            <a:r>
+              <a:rPr lang="en-US" dirty="0"/>
+              <a:t> (set environment variables, expose ports, mount volumes and so on)</a:t>
+            </a:r>
+          </a:p>
+          <a:p>
+            <a:r>
+              <a:rPr lang="en-US" dirty="0"/>
+              <a:t>Start and stop a multi-container application by running a single command (docker-compose up/down)</a:t>
+            </a:r>
+          </a:p>
+          <a:p>
+            <a:r>
+              <a:rPr lang="en-US" dirty="0"/>
+              <a:t>An extended version is used to deploy multi-container applications to Docker Swarm</a:t>
+            </a:r>
+          </a:p>
+          <a:p>
+            <a:r>
+              <a:rPr lang="de-DE" dirty="0"/>
+              <a:t>Other Docker </a:t>
+            </a:r>
+            <a:r>
+              <a:rPr lang="de-DE" dirty="0" err="1"/>
+              <a:t>cluster</a:t>
+            </a:r>
+            <a:r>
+              <a:rPr lang="de-DE" dirty="0"/>
+              <a:t> </a:t>
+            </a:r>
+            <a:r>
+              <a:rPr lang="de-DE" dirty="0" err="1"/>
+              <a:t>systems</a:t>
+            </a:r>
+            <a:r>
+              <a:rPr lang="de-DE" dirty="0"/>
+              <a:t> </a:t>
+            </a:r>
+            <a:r>
+              <a:rPr lang="de-DE" dirty="0" err="1"/>
+              <a:t>use</a:t>
+            </a:r>
+            <a:r>
+              <a:rPr lang="de-DE" dirty="0"/>
+              <a:t> </a:t>
+            </a:r>
+            <a:r>
+              <a:rPr lang="de-DE" dirty="0" err="1"/>
+              <a:t>similar</a:t>
+            </a:r>
+            <a:r>
+              <a:rPr lang="de-DE" dirty="0"/>
+              <a:t> </a:t>
+            </a:r>
+            <a:r>
+              <a:rPr lang="de-DE" dirty="0" err="1"/>
+              <a:t>formats</a:t>
+            </a:r>
+            <a:r>
+              <a:rPr lang="de-DE" dirty="0"/>
+              <a:t> (e.g. </a:t>
+            </a:r>
+            <a:r>
+              <a:rPr lang="de-DE" dirty="0" err="1"/>
+              <a:t>Pod</a:t>
+            </a:r>
+            <a:r>
+              <a:rPr lang="de-DE" dirty="0"/>
+              <a:t> </a:t>
+            </a:r>
+            <a:r>
+              <a:rPr lang="de-DE" dirty="0" err="1"/>
+              <a:t>definition</a:t>
+            </a:r>
+            <a:r>
+              <a:rPr lang="de-DE" dirty="0"/>
+              <a:t> in </a:t>
+            </a:r>
+            <a:r>
+              <a:rPr lang="de-DE" dirty="0" err="1"/>
+              <a:t>Kubernetes</a:t>
+            </a:r>
+            <a:r>
+              <a:rPr lang="de-DE" dirty="0"/>
+              <a:t>)</a:t>
+            </a:r>
+          </a:p>
+          <a:p>
+            <a:r>
+              <a:rPr lang="de-DE" dirty="0" err="1"/>
+              <a:t>Docs</a:t>
+            </a:r>
+            <a:r>
+              <a:rPr lang="de-DE" dirty="0"/>
+              <a:t>: </a:t>
+            </a:r>
+            <a:r>
+              <a:rPr lang="de-DE" dirty="0">
+                <a:hlinkClick r:id="rId2"/>
+              </a:rPr>
+              <a:t>https://docs.docker.com/compose/compose-file/compose-file-v2/</a:t>
+            </a:r>
+            <a:endParaRPr lang="de-DE" dirty="0"/>
+          </a:p>
+          <a:p>
+            <a:r>
+              <a:rPr lang="de-DE" dirty="0" err="1"/>
+              <a:t>Cheatsheet</a:t>
+            </a:r>
+            <a:r>
+              <a:rPr lang="de-DE" dirty="0"/>
+              <a:t>: </a:t>
+            </a:r>
+            <a:r>
+              <a:rPr lang="de-DE" dirty="0">
+                <a:hlinkClick r:id="rId3"/>
+              </a:rPr>
+              <a:t>https://devhints.io/docker-compose</a:t>
+            </a:r>
+            <a:endParaRPr lang="de-DE" dirty="0"/>
+          </a:p>
+        </p:txBody>
+      </p:sp>
+    </p:spTree>
+    <p:extLst>
+      <p:ext uri="{BB962C8B-B14F-4D97-AF65-F5344CB8AC3E}">
+        <p14:creationId xmlns:p14="http://schemas.microsoft.com/office/powerpoint/2010/main" val="1165912547"/>
+      </p:ext>
+    </p:extLst>
+  </p:cSld>
+  <p:clrMapOvr>
+    <a:masterClrMapping/>
+  </p:clrMapOvr>
+</p:sld>
+</file>
+
+<file path=ppt/slides/slide22.xml><?xml version="1.0" encoding="utf-8"?>
+<p:sld xmlns:a="http://schemas.openxmlformats.org/drawingml/2006/main" xmlns:r="http://schemas.openxmlformats.org/officeDocument/2006/relationships" xmlns:p="http://schemas.openxmlformats.org/presentationml/2006/main">
+  <p:cSld>
+    <p:spTree>
+      <p:nvGrpSpPr>
+        <p:cNvPr id="1" name=""/>
+        <p:cNvGrpSpPr/>
+        <p:nvPr/>
+      </p:nvGrpSpPr>
+      <p:grpSpPr>
+        <a:xfrm>
+          <a:off x="0" y="0"/>
+          <a:ext cx="0" cy="0"/>
+          <a:chOff x="0" y="0"/>
+          <a:chExt cx="0" cy="0"/>
+        </a:xfrm>
+      </p:grpSpPr>
+      <p:sp>
+        <p:nvSpPr>
+          <p:cNvPr id="4" name="Titel 3">
+            <a:extLst>
+              <a:ext uri="{FF2B5EF4-FFF2-40B4-BE49-F238E27FC236}">
+                <a16:creationId xmlns:a16="http://schemas.microsoft.com/office/drawing/2014/main" id="{C6A112DF-183C-4292-8D81-B225193DC97A}"/>
+              </a:ext>
+            </a:extLst>
+          </p:cNvPr>
+          <p:cNvSpPr>
+            <a:spLocks noGrp="1"/>
+          </p:cNvSpPr>
+          <p:nvPr>
+            <p:ph type="title"/>
+          </p:nvPr>
+        </p:nvSpPr>
+        <p:spPr/>
+        <p:txBody>
+          <a:bodyPr/>
+          <a:lstStyle/>
+          <a:p>
+            <a:r>
+              <a:rPr lang="en-US" dirty="0"/>
+              <a:t>Docker-Compose – Example </a:t>
+            </a:r>
+            <a:r>
+              <a:rPr lang="en-US" dirty="0" err="1"/>
+              <a:t>Symfony</a:t>
+            </a:r>
+            <a:endParaRPr lang="en-US" dirty="0"/>
+          </a:p>
+        </p:txBody>
+      </p:sp>
+      <mc:AlternateContent xmlns:mc="http://schemas.openxmlformats.org/markup-compatibility/2006">
+        <mc:Choice xmlns:we="http://schemas.microsoft.com/office/webextensions/webextension/2010/11" xmlns:pca="http://schemas.microsoft.com/office/powerpoint/2013/contentapp" Requires="we pca">
+          <p:graphicFrame>
+            <p:nvGraphicFramePr>
+              <p:cNvPr id="6" name="Inhaltsplatzhalter 5" title="Code Presenter Pro">
+                <a:extLst>
+                  <a:ext uri="{FF2B5EF4-FFF2-40B4-BE49-F238E27FC236}">
+                    <a16:creationId xmlns:a16="http://schemas.microsoft.com/office/drawing/2014/main" id="{D337641E-FA97-464A-B62B-9A71EB2C26BA}"/>
+                  </a:ext>
+                </a:extLst>
+              </p:cNvPr>
+              <p:cNvGraphicFramePr>
+                <a:graphicFrameLocks noGrp="1"/>
+              </p:cNvGraphicFramePr>
+              <p:nvPr>
+                <p:ph idx="1"/>
+              </p:nvPr>
+            </p:nvGraphicFramePr>
+            <p:xfrm>
+              <a:off x="258763" y="1403350"/>
+              <a:ext cx="8697912" cy="4846638"/>
+            </p:xfrm>
+            <a:graphic>
+              <a:graphicData uri="http://schemas.microsoft.com/office/webextensions/webextension/2010/11">
+                <we:webextensionref xmlns:we="http://schemas.microsoft.com/office/webextensions/webextension/2010/11" xmlns:r="http://schemas.openxmlformats.org/officeDocument/2006/relationships" r:id="rId2"/>
+              </a:graphicData>
+            </a:graphic>
+          </p:graphicFrame>
+        </mc:Choice>
+        <mc:Fallback>
+          <p:pic>
+            <p:nvPicPr>
+              <p:cNvPr id="6" name="Inhaltsplatzhalter 5" title="Code Presenter Pro">
+                <a:extLst>
+                  <a:ext uri="{FF2B5EF4-FFF2-40B4-BE49-F238E27FC236}">
+                    <a16:creationId xmlns:a16="http://schemas.microsoft.com/office/drawing/2014/main" id="{D337641E-FA97-464A-B62B-9A71EB2C26BA}"/>
+                  </a:ext>
+                </a:extLst>
+              </p:cNvPr>
+              <p:cNvPicPr>
+                <a:picLocks noGrp="1" noRot="1" noChangeAspect="1" noMove="1" noResize="1" noEditPoints="1" noAdjustHandles="1" noChangeArrowheads="1" noChangeShapeType="1"/>
+              </p:cNvPicPr>
+              <p:nvPr/>
+            </p:nvPicPr>
+            <p:blipFill>
+              <a:blip r:embed="rId3"/>
+              <a:stretch>
+                <a:fillRect/>
+              </a:stretch>
+            </p:blipFill>
+            <p:spPr>
+              <a:xfrm>
+                <a:off x="258763" y="1403350"/>
+                <a:ext cx="8697912" cy="4846638"/>
+              </a:xfrm>
+              <a:prstGeom prst="rect">
+                <a:avLst/>
+              </a:prstGeom>
+            </p:spPr>
+          </p:pic>
+        </mc:Fallback>
+      </mc:AlternateContent>
+    </p:spTree>
+    <p:extLst>
+      <p:ext uri="{BB962C8B-B14F-4D97-AF65-F5344CB8AC3E}">
+        <p14:creationId xmlns:p14="http://schemas.microsoft.com/office/powerpoint/2010/main" val="89454346"/>
       </p:ext>
     </p:extLst>
   </p:cSld>
@@ -11490,4 +12131,18 @@
   <we:bindings/>
   <we:snapshot xmlns:r="http://schemas.openxmlformats.org/officeDocument/2006/relationships" r:embed="rId1"/>
 </we:webextension>
+</file>
+
+<file path=ppt/webextensions/webextension2.xml><?xml version="1.0" encoding="utf-8"?>
+<we:webextension xmlns:we="http://schemas.microsoft.com/office/webextensions/webextension/2010/11" id="{2A264BF3-3A84-484B-8EF3-F3C756A4FAC9}">
+  <we:reference id="wa104379263" version="1.0.0.1" store="de-DE" storeType="OMEX"/>
+  <we:alternateReferences>
+    <we:reference id="wa104379263" version="1.0.0.1" store="wa104379263" storeType="OMEX"/>
+  </we:alternateReferences>
+  <we:properties>
+    <we:property name="config" value="{&quot;display_lang&quot;:&quot;en&quot;,&quot;display_font&quot;:&quot;Consolas&quot;,&quot;syntax_color&quot;:{&quot;Reserved words&quot;:&quot;#0000ff&quot;,&quot;Built-in objects&quot;:&quot;#FF0000&quot;,&quot;Line comment&quot;:&quot;#008000&quot;,&quot;Block comment&quot;:&quot;#008000&quot;,&quot;Quotation&quot;:&quot;#FF00FF&quot;,&quot;Quotation 2&quot;:&quot;#FF00FF&quot;,&quot;Number&quot;:&quot;#800080&quot;},&quot;old_syntax_color&quot;:{&quot;Reserved words&quot;:&quot;#0000FF&quot;,&quot;Built-in objects&quot;:&quot;#FF0000&quot;,&quot;Line comment&quot;:&quot;#008000&quot;,&quot;Block comment&quot;:&quot;#008000&quot;,&quot;Quotation&quot;:&quot;#FF00FF&quot;,&quot;Quotation 2&quot;:&quot;#FF00FF&quot;,&quot;Number&quot;:&quot;#800080&quot;},&quot;show_line_number&quot;:true,&quot;code_lang&quot;:&quot;js&quot;,&quot;code&quot;:&quot;application:\n    image: symfony/code\n    volumes:\n        - symfony:/var/www/symfony\n        - logs/symfony:/var/www/symfony/app/logs\n    tty: true\ndb:\n    image: mysql\n    ports:\n        - 3306:3306\n    environment:\n        MYSQL_ROOT_PASSWORD: root\n        MYSQL_DATABASE: symfony\n        MYSQL_USER: root\n        MYSQL_PASSWORD: root\nphp:\n    image: symfony/php-fpm\n    expose:\n        - 9000:9000\n    volumes_from:\n        - application\n    links:\n        - db\nnginx:\n    image: symfony/nginx\n    ports:\n        - 80:80\n    links:\n        - php\n    volumes_from:\n        - application\n    volumes:\n        - logs/nginx/:/var/log/nginx&quot;,&quot;ctags&quot;:{}}"/>
+  </we:properties>
+  <we:bindings/>
+  <we:snapshot xmlns:r="http://schemas.openxmlformats.org/officeDocument/2006/relationships" r:embed="rId1"/>
+</we:webextension>
 </file>
--- a/02-Container-and-Provisioning/ContainerProvisioning.pptx
+++ b/02-Container-and-Provisioning/ContainerProvisioning.pptx
@@ -252,7 +252,7 @@
           <a:p>
             <a:fld id="{852105B6-D441-4EC0-9FA7-CF26CD0B8EA0}" type="datetimeFigureOut">
               <a:rPr lang="en-US" smtClean="0"/>
-              <a:t>10/11/2017</a:t>
+              <a:t>10/12/2017</a:t>
             </a:fld>
             <a:endParaRPr lang="en-US"/>
           </a:p>
@@ -2011,6 +2011,17 @@
               </a:spcBef>
             </a:pPr>
             <a:r>
+              <a:rPr lang="de-DE" sz="923" b="0" dirty="0" err="1">
+                <a:solidFill>
+                  <a:srgbClr val="FF9A00"/>
+                </a:solidFill>
+                <a:latin typeface="Helvetica" charset="0"/>
+                <a:ea typeface="Helvetica" charset="0"/>
+                <a:cs typeface="Helvetica" charset="0"/>
+              </a:rPr>
+              <a:t>Chap</a:t>
+            </a:r>
+            <a:r>
               <a:rPr lang="de-DE" sz="923" b="0" dirty="0">
                 <a:solidFill>
                   <a:srgbClr val="FF9A00"/>
@@ -2019,7 +2030,7 @@
                 <a:ea typeface="Helvetica" charset="0"/>
                 <a:cs typeface="Helvetica" charset="0"/>
               </a:rPr>
-              <a:t>Kap. 2</a:t>
+              <a:t>. 2</a:t>
             </a:r>
             <a:r>
               <a:rPr lang="de-DE" sz="923" b="0" baseline="0" dirty="0">
@@ -2030,7 +2041,7 @@
                 <a:ea typeface="Helvetica" charset="0"/>
                 <a:cs typeface="Helvetica" charset="0"/>
               </a:rPr>
-              <a:t>, S. </a:t>
+              <a:t>, P. </a:t>
             </a:r>
             <a:fld id="{D1265ACD-8CF3-4A2A-A304-86FCF731DD9B}" type="slidenum">
               <a:rPr lang="de-DE" sz="923" b="0" smtClean="0">
@@ -4164,7 +4175,7 @@
           <a:p>
             <a:r>
               <a:rPr lang="en-US" dirty="0"/>
-              <a:t>Docker Images</a:t>
+              <a:t>Docker images</a:t>
             </a:r>
           </a:p>
         </p:txBody>
@@ -4250,7 +4261,7 @@
               <a:rPr lang="en-US" sz="1200" dirty="0">
                 <a:hlinkClick r:id="rId3"/>
               </a:rPr>
-              <a:t>Quelle</a:t>
+              <a:t>Source</a:t>
             </a:r>
             <a:endParaRPr lang="en-US" sz="1200" dirty="0"/>
           </a:p>
@@ -4309,7 +4320,11 @@
           <a:p>
             <a:r>
               <a:rPr lang="de-DE" dirty="0"/>
-              <a:t>Docker Images</a:t>
+              <a:t>Docker </a:t>
+            </a:r>
+            <a:r>
+              <a:rPr lang="de-DE" dirty="0" err="1"/>
+              <a:t>images</a:t>
             </a:r>
             <a:endParaRPr lang="en-US" dirty="0"/>
           </a:p>
@@ -6134,7 +6149,7 @@
           <a:p>
             <a:r>
               <a:rPr lang="en-US" dirty="0"/>
-              <a:t>Quelle: https://docs.docker.com/engine/reference/builder/</a:t>
+              <a:t>See: https://docs.docker.com/engine/reference/builder/</a:t>
             </a:r>
           </a:p>
         </p:txBody>
@@ -6537,7 +6552,7 @@
               <a:rPr lang="en-US" dirty="0">
                 <a:hlinkClick r:id="rId3"/>
               </a:rPr>
-              <a:t>Quelle</a:t>
+              <a:t>Source</a:t>
             </a:r>
             <a:endParaRPr lang="en-US" dirty="0"/>
           </a:p>
@@ -7047,7 +7062,7 @@
         <p:spPr>
           <a:xfrm>
             <a:off x="259374" y="6065322"/>
-            <a:ext cx="8712706" cy="369332"/>
+            <a:ext cx="8725530" cy="369332"/>
           </a:xfrm>
           <a:prstGeom prst="rect">
             <a:avLst/>
@@ -7062,8 +7077,15 @@
           <a:p>
             <a:r>
               <a:rPr lang="en-US" dirty="0"/>
-              <a:t>Quelle: https://www.inovex.de/blog/docker-an-introduction-to-easy-containerization/</a:t>
-            </a:r>
+              <a:t>Source: </a:t>
+            </a:r>
+            <a:r>
+              <a:rPr lang="en-US" dirty="0">
+                <a:hlinkClick r:id="rId3"/>
+              </a:rPr>
+              <a:t>https://www.inovex.de/blog/docker-an-introduction-to-easy-containerization/</a:t>
+            </a:r>
+            <a:endParaRPr lang="en-US" dirty="0"/>
           </a:p>
         </p:txBody>
       </p:sp>
